--- a/assignments_material/LPS-progress-review-december_2021.pptx
+++ b/assignments_material/LPS-progress-review-december_2021.pptx
@@ -9,9 +9,10 @@
     <p:sldId id="259" r:id="rId3"/>
     <p:sldId id="260" r:id="rId4"/>
     <p:sldId id="261" r:id="rId5"/>
-    <p:sldId id="258" r:id="rId6"/>
-    <p:sldId id="262" r:id="rId7"/>
-    <p:sldId id="263" r:id="rId8"/>
+    <p:sldId id="264" r:id="rId6"/>
+    <p:sldId id="258" r:id="rId7"/>
+    <p:sldId id="262" r:id="rId8"/>
+    <p:sldId id="263" r:id="rId9"/>
   </p:sldIdLst>
   <p:sldSz cx="12192000" cy="6858000"/>
   <p:notesSz cx="6858000" cy="9144000"/>
@@ -110,6 +111,11 @@
       </a:defRPr>
     </a:lvl9pPr>
   </p:defaultTextStyle>
+  <p:extLst>
+    <p:ext uri="{EFAFB233-063F-42B5-8137-9DF3F51BA10A}">
+      <p15:sldGuideLst xmlns:p15="http://schemas.microsoft.com/office/powerpoint/2012/main"/>
+    </p:ext>
+  </p:extLst>
 </p:presentation>
 </file>
 
@@ -8657,8 +8663,8 @@
         </p:nvSpPr>
         <p:spPr>
           <a:xfrm>
-            <a:off x="841248" y="636270"/>
-            <a:ext cx="4892040" cy="1289304"/>
+            <a:off x="176802" y="128016"/>
+            <a:ext cx="5445045" cy="1289304"/>
           </a:xfrm>
         </p:spPr>
         <p:txBody>
@@ -8692,8 +8698,8 @@
         </p:nvSpPr>
         <p:spPr>
           <a:xfrm>
-            <a:off x="841248" y="1925574"/>
-            <a:ext cx="4887657" cy="4635024"/>
+            <a:off x="273374" y="1782147"/>
+            <a:ext cx="5455531" cy="4778451"/>
           </a:xfrm>
         </p:spPr>
         <p:txBody>
@@ -8854,7 +8860,7 @@
         </p:blipFill>
         <p:spPr>
           <a:xfrm rot="16200000">
-            <a:off x="7331425" y="920809"/>
+            <a:off x="7153308" y="407627"/>
             <a:ext cx="3859218" cy="5025525"/>
           </a:xfrm>
           <a:prstGeom prst="rect">
@@ -8862,6 +8868,47 @@
           </a:prstGeom>
         </p:spPr>
       </p:pic>
+      <p:sp>
+        <p:nvSpPr>
+          <p:cNvPr id="3" name="TextBox 2">
+            <a:extLst>
+              <a:ext uri="{FF2B5EF4-FFF2-40B4-BE49-F238E27FC236}">
+                <a16:creationId xmlns:a16="http://schemas.microsoft.com/office/drawing/2014/main" id="{96FA1041-E502-4E24-82C1-C3D58B5DAF19}"/>
+              </a:ext>
+            </a:extLst>
+          </p:cNvPr>
+          <p:cNvSpPr txBox="1"/>
+          <p:nvPr/>
+        </p:nvSpPr>
+        <p:spPr>
+          <a:xfrm>
+            <a:off x="6570153" y="5072373"/>
+            <a:ext cx="5455532" cy="646331"/>
+          </a:xfrm>
+          <a:prstGeom prst="rect">
+            <a:avLst/>
+          </a:prstGeom>
+          <a:noFill/>
+        </p:spPr>
+        <p:txBody>
+          <a:bodyPr wrap="none" rtlCol="0">
+            <a:spAutoFit/>
+          </a:bodyPr>
+          <a:lstStyle/>
+          <a:p>
+            <a:r>
+              <a:rPr lang="en-US" dirty="0"/>
+              <a:t>The maximum voltage we can have in the input is 19.2V </a:t>
+            </a:r>
+          </a:p>
+          <a:p>
+            <a:r>
+              <a:rPr lang="en-US" dirty="0"/>
+              <a:t>(after rectifying).Thus the circuit is not practical.</a:t>
+            </a:r>
+          </a:p>
+        </p:txBody>
+      </p:sp>
     </p:spTree>
     <p:extLst>
       <p:ext uri="{BB962C8B-B14F-4D97-AF65-F5344CB8AC3E}">
@@ -8902,10 +8949,118 @@
       </p:grpSpPr>
       <p:sp>
         <p:nvSpPr>
-          <p:cNvPr id="10" name="Rectangle 9">
-            <a:extLst>
-              <a:ext uri="{FF2B5EF4-FFF2-40B4-BE49-F238E27FC236}">
-                <a16:creationId xmlns:a16="http://schemas.microsoft.com/office/drawing/2014/main" id="{D7A453D2-15D8-4403-815F-291FA16340D9}"/>
+          <p:cNvPr id="2" name="Title 1">
+            <a:extLst>
+              <a:ext uri="{FF2B5EF4-FFF2-40B4-BE49-F238E27FC236}">
+                <a16:creationId xmlns:a16="http://schemas.microsoft.com/office/drawing/2014/main" id="{D2566A0C-3777-4717-B6D0-264768368000}"/>
+              </a:ext>
+            </a:extLst>
+          </p:cNvPr>
+          <p:cNvSpPr>
+            <a:spLocks noGrp="1"/>
+          </p:cNvSpPr>
+          <p:nvPr>
+            <p:ph type="title"/>
+          </p:nvPr>
+        </p:nvSpPr>
+        <p:spPr>
+          <a:xfrm>
+            <a:off x="648929" y="629266"/>
+            <a:ext cx="3667039" cy="1676603"/>
+          </a:xfrm>
+        </p:spPr>
+        <p:txBody>
+          <a:bodyPr vert="horz" lIns="91440" tIns="45720" rIns="91440" bIns="45720" rtlCol="0" anchor="ctr">
+            <a:normAutofit/>
+          </a:bodyPr>
+          <a:lstStyle/>
+          <a:p>
+            <a:r>
+              <a:rPr lang="en-US" sz="3600" b="1" dirty="0"/>
+              <a:t>Using a MOSFET instead of Darlington Pairs</a:t>
+            </a:r>
+          </a:p>
+        </p:txBody>
+      </p:sp>
+      <p:sp>
+        <p:nvSpPr>
+          <p:cNvPr id="6" name="TextBox 5">
+            <a:extLst>
+              <a:ext uri="{FF2B5EF4-FFF2-40B4-BE49-F238E27FC236}">
+                <a16:creationId xmlns:a16="http://schemas.microsoft.com/office/drawing/2014/main" id="{350EAFD9-DCB3-4D8C-BACE-CFF09487DC2F}"/>
+              </a:ext>
+            </a:extLst>
+          </p:cNvPr>
+          <p:cNvSpPr txBox="1"/>
+          <p:nvPr/>
+        </p:nvSpPr>
+        <p:spPr>
+          <a:xfrm>
+            <a:off x="648931" y="2438401"/>
+            <a:ext cx="3667036" cy="3779520"/>
+          </a:xfrm>
+          <a:prstGeom prst="rect">
+            <a:avLst/>
+          </a:prstGeom>
+        </p:spPr>
+        <p:txBody>
+          <a:bodyPr vert="horz" lIns="91440" tIns="45720" rIns="91440" bIns="45720" rtlCol="0">
+            <a:normAutofit/>
+          </a:bodyPr>
+          <a:lstStyle/>
+          <a:p>
+            <a:pPr>
+              <a:lnSpc>
+                <a:spcPct val="90000"/>
+              </a:lnSpc>
+              <a:spcAft>
+                <a:spcPts val="600"/>
+              </a:spcAft>
+            </a:pPr>
+            <a:endParaRPr lang="en-US" dirty="0"/>
+          </a:p>
+          <a:p>
+            <a:pPr>
+              <a:lnSpc>
+                <a:spcPct val="90000"/>
+              </a:lnSpc>
+              <a:spcAft>
+                <a:spcPts val="600"/>
+              </a:spcAft>
+            </a:pPr>
+            <a:r>
+              <a:rPr lang="en-US" dirty="0"/>
+              <a:t>Now the voltage drop around the MOSFET  is only 0.3V (At 5V V</a:t>
+            </a:r>
+            <a:r>
+              <a:rPr lang="en-US" baseline="-25000" dirty="0"/>
+              <a:t>GS</a:t>
+            </a:r>
+            <a:r>
+              <a:rPr lang="en-US" dirty="0"/>
+              <a:t>  )</a:t>
+            </a:r>
+            <a:endParaRPr lang="en-US" baseline="-25000" dirty="0"/>
+          </a:p>
+          <a:p>
+            <a:pPr>
+              <a:lnSpc>
+                <a:spcPct val="90000"/>
+              </a:lnSpc>
+              <a:spcAft>
+                <a:spcPts val="600"/>
+              </a:spcAft>
+            </a:pPr>
+            <a:endParaRPr lang="en-US" dirty="0"/>
+          </a:p>
+        </p:txBody>
+      </p:sp>
+      <p:sp>
+        <p:nvSpPr>
+          <p:cNvPr id="11" name="Rectangle 10">
+            <a:extLst>
+              <a:ext uri="{FF2B5EF4-FFF2-40B4-BE49-F238E27FC236}">
+                <a16:creationId xmlns:a16="http://schemas.microsoft.com/office/drawing/2014/main" id="{F2B38F72-8FC4-4001-8C67-FA6B86DEC767}"/>
               </a:ext>
               <a:ext uri="{C183D7F6-B498-43B3-948B-1728B52AA6E4}">
                 <adec:decorative xmlns:adec="http://schemas.microsoft.com/office/drawing/2017/decorative" val="1"/>
@@ -8925,14 +9080,14 @@
         </p:nvSpPr>
         <p:spPr>
           <a:xfrm>
-            <a:off x="3048" y="0"/>
-            <a:ext cx="12188952" cy="6858000"/>
+            <a:off x="4636008" y="2"/>
+            <a:ext cx="7555992" cy="6857998"/>
           </a:xfrm>
           <a:prstGeom prst="rect">
             <a:avLst/>
           </a:prstGeom>
           <a:solidFill>
-            <a:schemeClr val="tx2"/>
+            <a:schemeClr val="tx1"/>
           </a:solidFill>
           <a:ln>
             <a:noFill/>
@@ -8963,1623 +9118,85 @@
           </a:p>
         </p:txBody>
       </p:sp>
-      <p:sp>
-        <p:nvSpPr>
-          <p:cNvPr id="12" name="Rectangle 11">
-            <a:extLst>
-              <a:ext uri="{FF2B5EF4-FFF2-40B4-BE49-F238E27FC236}">
-                <a16:creationId xmlns:a16="http://schemas.microsoft.com/office/drawing/2014/main" id="{8161EA6B-09CA-445B-AB0D-8DF76FA92DEF}"/>
-              </a:ext>
-              <a:ext uri="{C183D7F6-B498-43B3-948B-1728B52AA6E4}">
-                <adec:decorative xmlns:adec="http://schemas.microsoft.com/office/drawing/2017/decorative" val="1"/>
-              </a:ext>
-            </a:extLst>
-          </p:cNvPr>
-          <p:cNvSpPr>
-            <a:spLocks noGrp="1" noRot="1" noChangeAspect="1" noMove="1" noResize="1" noEditPoints="1" noAdjustHandles="1" noChangeArrowheads="1" noChangeShapeType="1" noTextEdit="1"/>
-          </p:cNvSpPr>
+      <p:pic>
+        <p:nvPicPr>
+          <p:cNvPr id="5" name="Content Placeholder 4" descr="Diagram&#10;&#10;Description automatically generated">
+            <a:extLst>
+              <a:ext uri="{FF2B5EF4-FFF2-40B4-BE49-F238E27FC236}">
+                <a16:creationId xmlns:a16="http://schemas.microsoft.com/office/drawing/2014/main" id="{923259F1-1E3F-48F2-9E55-FC438D061C61}"/>
+              </a:ext>
+            </a:extLst>
+          </p:cNvPr>
+          <p:cNvPicPr>
+            <a:picLocks noGrp="1" noChangeAspect="1"/>
+          </p:cNvPicPr>
           <p:nvPr>
-            <p:extLst>
-              <p:ext uri="{386F3935-93C4-4BCD-93E2-E3B085C9AB24}">
-                <p16:designElem xmlns:p16="http://schemas.microsoft.com/office/powerpoint/2015/main" val="1"/>
-              </p:ext>
-            </p:extLst>
+            <p:ph idx="1"/>
           </p:nvPr>
-        </p:nvSpPr>
+        </p:nvPicPr>
+        <p:blipFill rotWithShape="1">
+          <a:blip r:embed="rId2">
+            <a:extLst>
+              <a:ext uri="{28A0092B-C50C-407E-A947-70E740481C1C}">
+                <a14:useLocalDpi xmlns:a14="http://schemas.microsoft.com/office/drawing/2010/main" val="0"/>
+              </a:ext>
+            </a:extLst>
+          </a:blip>
+          <a:srcRect t="3137" r="2" b="2"/>
+          <a:stretch/>
+        </p:blipFill>
         <p:spPr>
           <a:xfrm>
-            <a:off x="0" y="0"/>
-            <a:ext cx="12188952" cy="6858000"/>
+            <a:off x="5276088" y="640082"/>
+            <a:ext cx="6276250" cy="5577838"/>
           </a:xfrm>
           <a:prstGeom prst="rect">
             <a:avLst/>
           </a:prstGeom>
-          <a:solidFill>
-            <a:schemeClr val="tx1">
-              <a:alpha val="53000"/>
-            </a:schemeClr>
-          </a:solidFill>
-          <a:ln>
-            <a:noFill/>
-          </a:ln>
-        </p:spPr>
-        <p:style>
-          <a:lnRef idx="2">
-            <a:schemeClr val="accent1">
-              <a:shade val="50000"/>
-            </a:schemeClr>
-          </a:lnRef>
-          <a:fillRef idx="1">
-            <a:schemeClr val="accent1"/>
-          </a:fillRef>
-          <a:effectRef idx="0">
-            <a:schemeClr val="accent1"/>
-          </a:effectRef>
-          <a:fontRef idx="minor">
-            <a:schemeClr val="lt1"/>
-          </a:fontRef>
-        </p:style>
-        <p:txBody>
-          <a:bodyPr rtlCol="0" anchor="ctr"/>
-          <a:lstStyle/>
-          <a:p>
-            <a:pPr algn="ctr"/>
-            <a:endParaRPr lang="en-US"/>
-          </a:p>
-        </p:txBody>
-      </p:sp>
-      <p:grpSp>
-        <p:nvGrpSpPr>
-          <p:cNvPr id="14" name="Group 13">
-            <a:extLst>
-              <a:ext uri="{FF2B5EF4-FFF2-40B4-BE49-F238E27FC236}">
-                <a16:creationId xmlns:a16="http://schemas.microsoft.com/office/drawing/2014/main" id="{1EA1DAFF-CECA-492F-BFA1-22C64956B8D9}"/>
-              </a:ext>
-              <a:ext uri="{C183D7F6-B498-43B3-948B-1728B52AA6E4}">
-                <adec:decorative xmlns:adec="http://schemas.microsoft.com/office/drawing/2017/decorative" val="1"/>
-              </a:ext>
-            </a:extLst>
-          </p:cNvPr>
-          <p:cNvGrpSpPr>
-            <a:grpSpLocks noGrp="1" noUngrp="1" noRot="1" noChangeAspect="1" noMove="1" noResize="1"/>
-          </p:cNvGrpSpPr>
-          <p:nvPr>
-            <p:extLst>
-              <p:ext uri="{386F3935-93C4-4BCD-93E2-E3B085C9AB24}">
-                <p16:designElem xmlns:p16="http://schemas.microsoft.com/office/powerpoint/2015/main" val="1"/>
-              </p:ext>
-            </p:extLst>
-          </p:nvPr>
-        </p:nvGrpSpPr>
-        <p:grpSpPr>
-          <a:xfrm>
-            <a:off x="1" y="2075420"/>
-            <a:ext cx="12048729" cy="4093306"/>
-            <a:chOff x="1" y="2075420"/>
-            <a:chExt cx="12048729" cy="4093306"/>
-          </a:xfrm>
-        </p:grpSpPr>
-        <p:sp>
-          <p:nvSpPr>
-            <p:cNvPr id="15" name="Oval 14">
-              <a:extLst>
-                <a:ext uri="{FF2B5EF4-FFF2-40B4-BE49-F238E27FC236}">
-                  <a16:creationId xmlns:a16="http://schemas.microsoft.com/office/drawing/2014/main" id="{5D3D3744-142C-4653-90AB-546FE6B849E3}"/>
-                </a:ext>
-                <a:ext uri="{C183D7F6-B498-43B3-948B-1728B52AA6E4}">
-                  <adec:decorative xmlns:adec="http://schemas.microsoft.com/office/drawing/2017/decorative" val="1"/>
-                </a:ext>
-              </a:extLst>
-            </p:cNvPr>
-            <p:cNvSpPr/>
-            <p:nvPr>
-              <p:extLst>
-                <p:ext uri="{386F3935-93C4-4BCD-93E2-E3B085C9AB24}">
-                  <p16:designElem xmlns:p16="http://schemas.microsoft.com/office/powerpoint/2015/main" val="1"/>
-                </p:ext>
-              </p:extLst>
-            </p:nvPr>
-          </p:nvSpPr>
-          <p:spPr>
-            <a:xfrm rot="4500000">
-              <a:off x="7942191" y="2507571"/>
-              <a:ext cx="3563871" cy="3563871"/>
-            </a:xfrm>
-            <a:prstGeom prst="ellipse">
-              <a:avLst/>
-            </a:prstGeom>
-            <a:noFill/>
-            <a:ln w="31750">
-              <a:gradFill>
-                <a:gsLst>
-                  <a:gs pos="0">
-                    <a:schemeClr val="tx2">
-                      <a:lumMod val="60000"/>
-                      <a:lumOff val="40000"/>
-                      <a:alpha val="10000"/>
-                    </a:schemeClr>
-                  </a:gs>
-                  <a:gs pos="100000">
-                    <a:schemeClr val="tx2">
-                      <a:lumMod val="50000"/>
-                      <a:alpha val="20000"/>
-                    </a:schemeClr>
-                  </a:gs>
-                </a:gsLst>
-                <a:lin ang="5400000" scaled="1"/>
-              </a:gradFill>
-              <a:prstDash val="sysDot"/>
-            </a:ln>
-          </p:spPr>
-          <p:style>
-            <a:lnRef idx="2">
-              <a:schemeClr val="accent1">
-                <a:shade val="50000"/>
-              </a:schemeClr>
-            </a:lnRef>
-            <a:fillRef idx="1">
-              <a:schemeClr val="accent1"/>
-            </a:fillRef>
-            <a:effectRef idx="0">
-              <a:schemeClr val="accent1"/>
-            </a:effectRef>
-            <a:fontRef idx="minor">
-              <a:schemeClr val="lt1"/>
-            </a:fontRef>
-          </p:style>
-          <p:txBody>
-            <a:bodyPr rtlCol="0" anchor="ctr"/>
-            <a:lstStyle/>
-            <a:p>
-              <a:pPr algn="ctr"/>
-              <a:endParaRPr lang="en-US"/>
-            </a:p>
-          </p:txBody>
-        </p:sp>
-        <p:sp>
-          <p:nvSpPr>
-            <p:cNvPr id="16" name="Oval 15">
-              <a:extLst>
-                <a:ext uri="{FF2B5EF4-FFF2-40B4-BE49-F238E27FC236}">
-                  <a16:creationId xmlns:a16="http://schemas.microsoft.com/office/drawing/2014/main" id="{0BC69CAC-820B-41BA-BFCA-79B455768377}"/>
-                </a:ext>
-                <a:ext uri="{C183D7F6-B498-43B3-948B-1728B52AA6E4}">
-                  <adec:decorative xmlns:adec="http://schemas.microsoft.com/office/drawing/2017/decorative" val="1"/>
-                </a:ext>
-              </a:extLst>
-            </p:cNvPr>
-            <p:cNvSpPr/>
-            <p:nvPr>
-              <p:extLst>
-                <p:ext uri="{386F3935-93C4-4BCD-93E2-E3B085C9AB24}">
-                  <p16:designElem xmlns:p16="http://schemas.microsoft.com/office/powerpoint/2015/main" val="1"/>
-                </p:ext>
-              </p:extLst>
-            </p:nvPr>
-          </p:nvSpPr>
-          <p:spPr>
-            <a:xfrm rot="16200000">
-              <a:off x="10435065" y="4048931"/>
-              <a:ext cx="1381607" cy="1381607"/>
-            </a:xfrm>
-            <a:prstGeom prst="ellipse">
-              <a:avLst/>
-            </a:prstGeom>
-            <a:noFill/>
-            <a:ln w="31750">
-              <a:gradFill>
-                <a:gsLst>
-                  <a:gs pos="0">
-                    <a:schemeClr val="tx2">
-                      <a:lumMod val="60000"/>
-                      <a:lumOff val="40000"/>
-                      <a:alpha val="20000"/>
-                    </a:schemeClr>
-                  </a:gs>
-                  <a:gs pos="100000">
-                    <a:schemeClr val="tx2">
-                      <a:lumMod val="50000"/>
-                      <a:alpha val="20000"/>
-                    </a:schemeClr>
-                  </a:gs>
-                </a:gsLst>
-                <a:lin ang="5400000" scaled="1"/>
-              </a:gradFill>
-              <a:prstDash val="sysDot"/>
-            </a:ln>
-          </p:spPr>
-          <p:style>
-            <a:lnRef idx="2">
-              <a:schemeClr val="accent1">
-                <a:shade val="50000"/>
-              </a:schemeClr>
-            </a:lnRef>
-            <a:fillRef idx="1">
-              <a:schemeClr val="accent1"/>
-            </a:fillRef>
-            <a:effectRef idx="0">
-              <a:schemeClr val="accent1"/>
-            </a:effectRef>
-            <a:fontRef idx="minor">
-              <a:schemeClr val="lt1"/>
-            </a:fontRef>
-          </p:style>
-          <p:txBody>
-            <a:bodyPr rtlCol="0" anchor="ctr"/>
-            <a:lstStyle/>
-            <a:p>
-              <a:pPr algn="ctr"/>
-              <a:endParaRPr lang="en-US"/>
-            </a:p>
-          </p:txBody>
-        </p:sp>
-        <p:sp>
-          <p:nvSpPr>
-            <p:cNvPr id="17" name="Oval 16">
-              <a:extLst>
-                <a:ext uri="{FF2B5EF4-FFF2-40B4-BE49-F238E27FC236}">
-                  <a16:creationId xmlns:a16="http://schemas.microsoft.com/office/drawing/2014/main" id="{3D205E7A-88AB-4C4B-B8D1-5A76AA878BF6}"/>
-                </a:ext>
-                <a:ext uri="{C183D7F6-B498-43B3-948B-1728B52AA6E4}">
-                  <adec:decorative xmlns:adec="http://schemas.microsoft.com/office/drawing/2017/decorative" val="1"/>
-                </a:ext>
-              </a:extLst>
-            </p:cNvPr>
-            <p:cNvSpPr/>
-            <p:nvPr>
-              <p:extLst>
-                <p:ext uri="{386F3935-93C4-4BCD-93E2-E3B085C9AB24}">
-                  <p16:designElem xmlns:p16="http://schemas.microsoft.com/office/powerpoint/2015/main" val="1"/>
-                </p:ext>
-              </p:extLst>
-            </p:nvPr>
-          </p:nvSpPr>
-          <p:spPr>
-            <a:xfrm rot="16200000">
-              <a:off x="1" y="2075420"/>
-              <a:ext cx="3144364" cy="3144364"/>
-            </a:xfrm>
-            <a:prstGeom prst="ellipse">
-              <a:avLst/>
-            </a:prstGeom>
-            <a:gradFill>
-              <a:gsLst>
-                <a:gs pos="0">
-                  <a:schemeClr val="tx2">
-                    <a:lumMod val="75000"/>
-                    <a:alpha val="20000"/>
-                  </a:schemeClr>
-                </a:gs>
-                <a:gs pos="100000">
-                  <a:schemeClr val="tx2">
-                    <a:lumMod val="50000"/>
-                    <a:alpha val="10000"/>
-                  </a:schemeClr>
-                </a:gs>
-              </a:gsLst>
-              <a:lin ang="5400000" scaled="1"/>
-            </a:gradFill>
-            <a:ln>
-              <a:noFill/>
-            </a:ln>
-          </p:spPr>
-          <p:style>
-            <a:lnRef idx="2">
-              <a:schemeClr val="accent1">
-                <a:shade val="50000"/>
-              </a:schemeClr>
-            </a:lnRef>
-            <a:fillRef idx="1">
-              <a:schemeClr val="accent1"/>
-            </a:fillRef>
-            <a:effectRef idx="0">
-              <a:schemeClr val="accent1"/>
-            </a:effectRef>
-            <a:fontRef idx="minor">
-              <a:schemeClr val="lt1"/>
-            </a:fontRef>
-          </p:style>
-          <p:txBody>
-            <a:bodyPr rtlCol="0" anchor="ctr"/>
-            <a:lstStyle/>
-            <a:p>
-              <a:pPr algn="ctr"/>
-              <a:endParaRPr lang="en-US"/>
-            </a:p>
-          </p:txBody>
-        </p:sp>
-        <p:sp>
-          <p:nvSpPr>
-            <p:cNvPr id="18" name="Oval 17">
-              <a:extLst>
-                <a:ext uri="{FF2B5EF4-FFF2-40B4-BE49-F238E27FC236}">
-                  <a16:creationId xmlns:a16="http://schemas.microsoft.com/office/drawing/2014/main" id="{0D4286E9-8501-4EBF-874C-74897B4B6F01}"/>
-                </a:ext>
-                <a:ext uri="{C183D7F6-B498-43B3-948B-1728B52AA6E4}">
-                  <adec:decorative xmlns:adec="http://schemas.microsoft.com/office/drawing/2017/decorative" val="1"/>
-                </a:ext>
-              </a:extLst>
-            </p:cNvPr>
-            <p:cNvSpPr/>
-            <p:nvPr>
-              <p:extLst>
-                <p:ext uri="{386F3935-93C4-4BCD-93E2-E3B085C9AB24}">
-                  <p16:designElem xmlns:p16="http://schemas.microsoft.com/office/powerpoint/2015/main" val="1"/>
-                </p:ext>
-              </p:extLst>
-            </p:nvPr>
-          </p:nvSpPr>
-          <p:spPr>
-            <a:xfrm rot="12600000">
-              <a:off x="10150845" y="4270841"/>
-              <a:ext cx="1897885" cy="1897885"/>
-            </a:xfrm>
-            <a:prstGeom prst="ellipse">
-              <a:avLst/>
-            </a:prstGeom>
-            <a:gradFill>
-              <a:gsLst>
-                <a:gs pos="0">
-                  <a:schemeClr val="tx2">
-                    <a:lumMod val="75000"/>
-                    <a:alpha val="10000"/>
-                  </a:schemeClr>
-                </a:gs>
-                <a:gs pos="100000">
-                  <a:schemeClr val="tx2">
-                    <a:lumMod val="75000"/>
-                    <a:alpha val="20000"/>
-                  </a:schemeClr>
-                </a:gs>
-              </a:gsLst>
-              <a:lin ang="5400000" scaled="1"/>
-            </a:gradFill>
-            <a:ln>
-              <a:noFill/>
-            </a:ln>
-          </p:spPr>
-          <p:style>
-            <a:lnRef idx="2">
-              <a:schemeClr val="accent1">
-                <a:shade val="50000"/>
-              </a:schemeClr>
-            </a:lnRef>
-            <a:fillRef idx="1">
-              <a:schemeClr val="accent1"/>
-            </a:fillRef>
-            <a:effectRef idx="0">
-              <a:schemeClr val="accent1"/>
-            </a:effectRef>
-            <a:fontRef idx="minor">
-              <a:schemeClr val="lt1"/>
-            </a:fontRef>
-          </p:style>
-          <p:txBody>
-            <a:bodyPr rtlCol="0" anchor="ctr"/>
-            <a:lstStyle/>
-            <a:p>
-              <a:pPr algn="ctr"/>
-              <a:endParaRPr lang="en-US" dirty="0"/>
-            </a:p>
-          </p:txBody>
-        </p:sp>
-        <p:sp>
-          <p:nvSpPr>
-            <p:cNvPr id="19" name="Oval 18">
-              <a:extLst>
-                <a:ext uri="{FF2B5EF4-FFF2-40B4-BE49-F238E27FC236}">
-                  <a16:creationId xmlns:a16="http://schemas.microsoft.com/office/drawing/2014/main" id="{45586ADC-910E-45C9-BAB4-CB0EFBEE5B17}"/>
-                </a:ext>
-                <a:ext uri="{C183D7F6-B498-43B3-948B-1728B52AA6E4}">
-                  <adec:decorative xmlns:adec="http://schemas.microsoft.com/office/drawing/2017/decorative" val="1"/>
-                </a:ext>
-              </a:extLst>
-            </p:cNvPr>
-            <p:cNvSpPr/>
-            <p:nvPr>
-              <p:extLst>
-                <p:ext uri="{386F3935-93C4-4BCD-93E2-E3B085C9AB24}">
-                  <p16:designElem xmlns:p16="http://schemas.microsoft.com/office/powerpoint/2015/main" val="1"/>
-                </p:ext>
-              </p:extLst>
-            </p:nvPr>
-          </p:nvSpPr>
-          <p:spPr>
-            <a:xfrm rot="4500000">
-              <a:off x="2046780" y="3040492"/>
-              <a:ext cx="2579322" cy="2579322"/>
-            </a:xfrm>
-            <a:prstGeom prst="ellipse">
-              <a:avLst/>
-            </a:prstGeom>
-            <a:noFill/>
-            <a:ln w="31750">
-              <a:gradFill>
-                <a:gsLst>
-                  <a:gs pos="0">
-                    <a:schemeClr val="tx2">
-                      <a:lumMod val="60000"/>
-                      <a:lumOff val="40000"/>
-                      <a:alpha val="20000"/>
-                    </a:schemeClr>
-                  </a:gs>
-                  <a:gs pos="100000">
-                    <a:schemeClr val="tx2">
-                      <a:lumMod val="50000"/>
-                      <a:alpha val="20000"/>
-                    </a:schemeClr>
-                  </a:gs>
-                </a:gsLst>
-                <a:lin ang="5400000" scaled="1"/>
-              </a:gradFill>
-              <a:prstDash val="sysDot"/>
-            </a:ln>
-          </p:spPr>
-          <p:style>
-            <a:lnRef idx="2">
-              <a:schemeClr val="accent1">
-                <a:shade val="50000"/>
-              </a:schemeClr>
-            </a:lnRef>
-            <a:fillRef idx="1">
-              <a:schemeClr val="accent1"/>
-            </a:fillRef>
-            <a:effectRef idx="0">
-              <a:schemeClr val="accent1"/>
-            </a:effectRef>
-            <a:fontRef idx="minor">
-              <a:schemeClr val="lt1"/>
-            </a:fontRef>
-          </p:style>
-          <p:txBody>
-            <a:bodyPr rtlCol="0" anchor="ctr"/>
-            <a:lstStyle/>
-            <a:p>
-              <a:pPr algn="ctr"/>
-              <a:endParaRPr lang="en-US"/>
-            </a:p>
-          </p:txBody>
-        </p:sp>
-        <p:sp>
-          <p:nvSpPr>
-            <p:cNvPr id="20" name="Oval 19">
-              <a:extLst>
-                <a:ext uri="{FF2B5EF4-FFF2-40B4-BE49-F238E27FC236}">
-                  <a16:creationId xmlns:a16="http://schemas.microsoft.com/office/drawing/2014/main" id="{DAB594C5-5BB0-49AE-8AAC-AE40A6F8A3F3}"/>
-                </a:ext>
-                <a:ext uri="{C183D7F6-B498-43B3-948B-1728B52AA6E4}">
-                  <adec:decorative xmlns:adec="http://schemas.microsoft.com/office/drawing/2017/decorative" val="1"/>
-                </a:ext>
-              </a:extLst>
-            </p:cNvPr>
-            <p:cNvSpPr/>
-            <p:nvPr>
-              <p:extLst>
-                <p:ext uri="{386F3935-93C4-4BCD-93E2-E3B085C9AB24}">
-                  <p16:designElem xmlns:p16="http://schemas.microsoft.com/office/powerpoint/2015/main" val="1"/>
-                </p:ext>
-              </p:extLst>
-            </p:nvPr>
-          </p:nvSpPr>
-          <p:spPr>
-            <a:xfrm rot="4500000">
-              <a:off x="2224640" y="3193975"/>
-              <a:ext cx="2243193" cy="2243193"/>
-            </a:xfrm>
-            <a:prstGeom prst="ellipse">
-              <a:avLst/>
-            </a:prstGeom>
-            <a:noFill/>
-            <a:ln w="31750">
-              <a:gradFill>
-                <a:gsLst>
-                  <a:gs pos="0">
-                    <a:schemeClr val="tx2">
-                      <a:lumMod val="60000"/>
-                      <a:lumOff val="40000"/>
-                      <a:alpha val="10000"/>
-                    </a:schemeClr>
-                  </a:gs>
-                  <a:gs pos="100000">
-                    <a:schemeClr val="tx2">
-                      <a:lumMod val="50000"/>
-                      <a:alpha val="10000"/>
-                    </a:schemeClr>
-                  </a:gs>
-                </a:gsLst>
-                <a:lin ang="5400000" scaled="1"/>
-              </a:gradFill>
-            </a:ln>
-          </p:spPr>
-          <p:style>
-            <a:lnRef idx="2">
-              <a:schemeClr val="accent1">
-                <a:shade val="50000"/>
-              </a:schemeClr>
-            </a:lnRef>
-            <a:fillRef idx="1">
-              <a:schemeClr val="accent1"/>
-            </a:fillRef>
-            <a:effectRef idx="0">
-              <a:schemeClr val="accent1"/>
-            </a:effectRef>
-            <a:fontRef idx="minor">
-              <a:schemeClr val="lt1"/>
-            </a:fontRef>
-          </p:style>
-          <p:txBody>
-            <a:bodyPr rtlCol="0" anchor="ctr"/>
-            <a:lstStyle/>
-            <a:p>
-              <a:pPr algn="ctr"/>
-              <a:endParaRPr lang="en-US"/>
-            </a:p>
-          </p:txBody>
-        </p:sp>
-      </p:grpSp>
-      <p:sp>
-        <p:nvSpPr>
-          <p:cNvPr id="22" name="Rectangle 21">
-            <a:extLst>
-              <a:ext uri="{FF2B5EF4-FFF2-40B4-BE49-F238E27FC236}">
-                <a16:creationId xmlns:a16="http://schemas.microsoft.com/office/drawing/2014/main" id="{B8114C98-A349-4111-A123-E8EAB86ABE30}"/>
-              </a:ext>
-              <a:ext uri="{C183D7F6-B498-43B3-948B-1728B52AA6E4}">
-                <adec:decorative xmlns:adec="http://schemas.microsoft.com/office/drawing/2017/decorative" val="1"/>
-              </a:ext>
-            </a:extLst>
-          </p:cNvPr>
-          <p:cNvSpPr>
-            <a:spLocks noGrp="1" noRot="1" noChangeAspect="1" noMove="1" noResize="1" noEditPoints="1" noAdjustHandles="1" noChangeArrowheads="1" noChangeShapeType="1" noTextEdit="1"/>
-          </p:cNvSpPr>
-          <p:nvPr>
-            <p:extLst>
-              <p:ext uri="{386F3935-93C4-4BCD-93E2-E3B085C9AB24}">
-                <p16:designElem xmlns:p16="http://schemas.microsoft.com/office/powerpoint/2015/main" val="1"/>
-              </p:ext>
-            </p:extLst>
-          </p:nvPr>
-        </p:nvSpPr>
-        <p:spPr>
-          <a:xfrm rot="16200000">
-            <a:off x="10438146" y="1042605"/>
-            <a:ext cx="2796461" cy="711252"/>
-          </a:xfrm>
-          <a:prstGeom prst="rect">
-            <a:avLst/>
-          </a:prstGeom>
-          <a:gradFill flip="none" rotWithShape="1">
-            <a:gsLst>
-              <a:gs pos="0">
-                <a:schemeClr val="tx2">
-                  <a:lumMod val="40000"/>
-                  <a:lumOff val="60000"/>
-                  <a:alpha val="0"/>
-                </a:schemeClr>
-              </a:gs>
-              <a:gs pos="100000">
-                <a:schemeClr val="tx2">
-                  <a:lumMod val="75000"/>
-                  <a:alpha val="10000"/>
-                </a:schemeClr>
-              </a:gs>
-            </a:gsLst>
-            <a:lin ang="8400000" scaled="0"/>
-            <a:tileRect/>
-          </a:gradFill>
-          <a:ln>
-            <a:noFill/>
-          </a:ln>
-        </p:spPr>
-        <p:style>
-          <a:lnRef idx="2">
-            <a:schemeClr val="accent1">
-              <a:shade val="50000"/>
-            </a:schemeClr>
-          </a:lnRef>
-          <a:fillRef idx="1">
-            <a:schemeClr val="accent1"/>
-          </a:fillRef>
-          <a:effectRef idx="0">
-            <a:schemeClr val="accent1"/>
-          </a:effectRef>
-          <a:fontRef idx="minor">
-            <a:schemeClr val="lt1"/>
-          </a:fontRef>
-        </p:style>
-        <p:txBody>
-          <a:bodyPr rtlCol="0" anchor="ctr"/>
-          <a:lstStyle/>
-          <a:p>
-            <a:pPr algn="ctr"/>
-            <a:endParaRPr lang="en-US"/>
-          </a:p>
-        </p:txBody>
-      </p:sp>
-      <p:grpSp>
-        <p:nvGrpSpPr>
-          <p:cNvPr id="24" name="Group 23">
-            <a:extLst>
-              <a:ext uri="{FF2B5EF4-FFF2-40B4-BE49-F238E27FC236}">
-                <a16:creationId xmlns:a16="http://schemas.microsoft.com/office/drawing/2014/main" id="{670FB431-AE18-414D-92F4-1D12D1991152}"/>
-              </a:ext>
-              <a:ext uri="{C183D7F6-B498-43B3-948B-1728B52AA6E4}">
-                <adec:decorative xmlns:adec="http://schemas.microsoft.com/office/drawing/2017/decorative" val="1"/>
-              </a:ext>
-            </a:extLst>
-          </p:cNvPr>
-          <p:cNvGrpSpPr>
-            <a:grpSpLocks noGrp="1" noUngrp="1" noRot="1" noChangeAspect="1" noMove="1" noResize="1"/>
-          </p:cNvGrpSpPr>
-          <p:nvPr>
-            <p:extLst>
-              <p:ext uri="{386F3935-93C4-4BCD-93E2-E3B085C9AB24}">
-                <p16:designElem xmlns:p16="http://schemas.microsoft.com/office/powerpoint/2015/main" val="1"/>
-              </p:ext>
-            </p:extLst>
-          </p:nvPr>
-        </p:nvGrpSpPr>
-        <p:grpSpPr>
-          <a:xfrm>
-            <a:off x="11259539" y="317578"/>
-            <a:ext cx="548640" cy="549007"/>
-            <a:chOff x="7029447" y="3514725"/>
-            <a:chExt cx="1285875" cy="549007"/>
-          </a:xfrm>
-        </p:grpSpPr>
-        <p:cxnSp>
-          <p:nvCxnSpPr>
-            <p:cNvPr id="25" name="Straight Connector 24">
-              <a:extLst>
-                <a:ext uri="{FF2B5EF4-FFF2-40B4-BE49-F238E27FC236}">
-                  <a16:creationId xmlns:a16="http://schemas.microsoft.com/office/drawing/2014/main" id="{24467063-D74E-4D42-8790-B9F6D69584BE}"/>
-                </a:ext>
-                <a:ext uri="{C183D7F6-B498-43B3-948B-1728B52AA6E4}">
-                  <adec:decorative xmlns:adec="http://schemas.microsoft.com/office/drawing/2017/decorative" val="1"/>
-                </a:ext>
-              </a:extLst>
-            </p:cNvPr>
-            <p:cNvCxnSpPr>
-              <a:cxnSpLocks/>
-            </p:cNvCxnSpPr>
-            <p:nvPr>
-              <p:extLst>
-                <p:ext uri="{386F3935-93C4-4BCD-93E2-E3B085C9AB24}">
-                  <p16:designElem xmlns:p16="http://schemas.microsoft.com/office/powerpoint/2015/main" val="1"/>
-                </p:ext>
-              </p:extLst>
-            </p:nvPr>
-          </p:nvCxnSpPr>
-          <p:spPr>
-            <a:xfrm>
-              <a:off x="7029447" y="3514725"/>
-              <a:ext cx="1285875" cy="0"/>
-            </a:xfrm>
-            <a:prstGeom prst="line">
-              <a:avLst/>
-            </a:prstGeom>
-            <a:ln w="31750" cap="rnd" cmpd="sng">
-              <a:gradFill>
-                <a:gsLst>
-                  <a:gs pos="0">
-                    <a:schemeClr val="tx2">
-                      <a:lumMod val="60000"/>
-                      <a:lumOff val="40000"/>
-                      <a:alpha val="40000"/>
-                    </a:schemeClr>
-                  </a:gs>
-                  <a:gs pos="100000">
-                    <a:schemeClr val="tx2">
-                      <a:lumMod val="75000"/>
-                      <a:alpha val="40000"/>
-                    </a:schemeClr>
-                  </a:gs>
-                </a:gsLst>
-                <a:lin ang="5400000" scaled="1"/>
-              </a:gradFill>
-              <a:prstDash val="sysDot"/>
-              <a:round/>
-            </a:ln>
-          </p:spPr>
-          <p:style>
-            <a:lnRef idx="1">
-              <a:schemeClr val="accent1"/>
-            </a:lnRef>
-            <a:fillRef idx="0">
-              <a:schemeClr val="accent1"/>
-            </a:fillRef>
-            <a:effectRef idx="0">
-              <a:schemeClr val="accent1"/>
-            </a:effectRef>
-            <a:fontRef idx="minor">
-              <a:schemeClr val="tx1"/>
-            </a:fontRef>
-          </p:style>
-        </p:cxnSp>
-        <p:cxnSp>
-          <p:nvCxnSpPr>
-            <p:cNvPr id="26" name="Straight Connector 25">
-              <a:extLst>
-                <a:ext uri="{FF2B5EF4-FFF2-40B4-BE49-F238E27FC236}">
-                  <a16:creationId xmlns:a16="http://schemas.microsoft.com/office/drawing/2014/main" id="{A1D19BAC-1681-47BC-AAF5-92FAFFF6F4CE}"/>
-                </a:ext>
-                <a:ext uri="{C183D7F6-B498-43B3-948B-1728B52AA6E4}">
-                  <adec:decorative xmlns:adec="http://schemas.microsoft.com/office/drawing/2017/decorative" val="1"/>
-                </a:ext>
-              </a:extLst>
-            </p:cNvPr>
-            <p:cNvCxnSpPr>
-              <a:cxnSpLocks/>
-            </p:cNvCxnSpPr>
-            <p:nvPr>
-              <p:extLst>
-                <p:ext uri="{386F3935-93C4-4BCD-93E2-E3B085C9AB24}">
-                  <p16:designElem xmlns:p16="http://schemas.microsoft.com/office/powerpoint/2015/main" val="1"/>
-                </p:ext>
-              </p:extLst>
-            </p:nvPr>
-          </p:nvCxnSpPr>
-          <p:spPr>
-            <a:xfrm>
-              <a:off x="7029447" y="3697727"/>
-              <a:ext cx="1285875" cy="0"/>
-            </a:xfrm>
-            <a:prstGeom prst="line">
-              <a:avLst/>
-            </a:prstGeom>
-            <a:ln w="31750" cap="rnd" cmpd="sng">
-              <a:gradFill>
-                <a:gsLst>
-                  <a:gs pos="0">
-                    <a:schemeClr val="tx2">
-                      <a:lumMod val="60000"/>
-                      <a:lumOff val="40000"/>
-                      <a:alpha val="40000"/>
-                    </a:schemeClr>
-                  </a:gs>
-                  <a:gs pos="100000">
-                    <a:schemeClr val="tx2">
-                      <a:lumMod val="75000"/>
-                      <a:alpha val="40000"/>
-                    </a:schemeClr>
-                  </a:gs>
-                </a:gsLst>
-                <a:lin ang="5400000" scaled="1"/>
-              </a:gradFill>
-              <a:prstDash val="sysDot"/>
-              <a:round/>
-            </a:ln>
-          </p:spPr>
-          <p:style>
-            <a:lnRef idx="1">
-              <a:schemeClr val="accent1"/>
-            </a:lnRef>
-            <a:fillRef idx="0">
-              <a:schemeClr val="accent1"/>
-            </a:fillRef>
-            <a:effectRef idx="0">
-              <a:schemeClr val="accent1"/>
-            </a:effectRef>
-            <a:fontRef idx="minor">
-              <a:schemeClr val="tx1"/>
-            </a:fontRef>
-          </p:style>
-        </p:cxnSp>
-        <p:cxnSp>
-          <p:nvCxnSpPr>
-            <p:cNvPr id="27" name="Straight Connector 26">
-              <a:extLst>
-                <a:ext uri="{FF2B5EF4-FFF2-40B4-BE49-F238E27FC236}">
-                  <a16:creationId xmlns:a16="http://schemas.microsoft.com/office/drawing/2014/main" id="{94347C2B-E846-452C-97AA-7E254FC1CE8F}"/>
-                </a:ext>
-                <a:ext uri="{C183D7F6-B498-43B3-948B-1728B52AA6E4}">
-                  <adec:decorative xmlns:adec="http://schemas.microsoft.com/office/drawing/2017/decorative" val="1"/>
-                </a:ext>
-              </a:extLst>
-            </p:cNvPr>
-            <p:cNvCxnSpPr>
-              <a:cxnSpLocks/>
-            </p:cNvCxnSpPr>
-            <p:nvPr>
-              <p:extLst>
-                <p:ext uri="{386F3935-93C4-4BCD-93E2-E3B085C9AB24}">
-                  <p16:designElem xmlns:p16="http://schemas.microsoft.com/office/powerpoint/2015/main" val="1"/>
-                </p:ext>
-              </p:extLst>
-            </p:nvPr>
-          </p:nvCxnSpPr>
-          <p:spPr>
-            <a:xfrm>
-              <a:off x="7029447" y="3880729"/>
-              <a:ext cx="1285875" cy="0"/>
-            </a:xfrm>
-            <a:prstGeom prst="line">
-              <a:avLst/>
-            </a:prstGeom>
-            <a:ln w="31750" cap="rnd" cmpd="sng">
-              <a:gradFill>
-                <a:gsLst>
-                  <a:gs pos="0">
-                    <a:schemeClr val="tx2">
-                      <a:lumMod val="60000"/>
-                      <a:lumOff val="40000"/>
-                      <a:alpha val="40000"/>
-                    </a:schemeClr>
-                  </a:gs>
-                  <a:gs pos="100000">
-                    <a:schemeClr val="tx2">
-                      <a:lumMod val="75000"/>
-                      <a:alpha val="40000"/>
-                    </a:schemeClr>
-                  </a:gs>
-                </a:gsLst>
-                <a:lin ang="5400000" scaled="1"/>
-              </a:gradFill>
-              <a:prstDash val="sysDot"/>
-              <a:round/>
-            </a:ln>
-          </p:spPr>
-          <p:style>
-            <a:lnRef idx="1">
-              <a:schemeClr val="accent1"/>
-            </a:lnRef>
-            <a:fillRef idx="0">
-              <a:schemeClr val="accent1"/>
-            </a:fillRef>
-            <a:effectRef idx="0">
-              <a:schemeClr val="accent1"/>
-            </a:effectRef>
-            <a:fontRef idx="minor">
-              <a:schemeClr val="tx1"/>
-            </a:fontRef>
-          </p:style>
-        </p:cxnSp>
-        <p:cxnSp>
-          <p:nvCxnSpPr>
-            <p:cNvPr id="28" name="Straight Connector 27">
-              <a:extLst>
-                <a:ext uri="{FF2B5EF4-FFF2-40B4-BE49-F238E27FC236}">
-                  <a16:creationId xmlns:a16="http://schemas.microsoft.com/office/drawing/2014/main" id="{10EA2B35-7959-4C2A-84AA-FF5D94FEDE90}"/>
-                </a:ext>
-                <a:ext uri="{C183D7F6-B498-43B3-948B-1728B52AA6E4}">
-                  <adec:decorative xmlns:adec="http://schemas.microsoft.com/office/drawing/2017/decorative" val="1"/>
-                </a:ext>
-              </a:extLst>
-            </p:cNvPr>
-            <p:cNvCxnSpPr>
-              <a:cxnSpLocks/>
-            </p:cNvCxnSpPr>
-            <p:nvPr>
-              <p:extLst>
-                <p:ext uri="{386F3935-93C4-4BCD-93E2-E3B085C9AB24}">
-                  <p16:designElem xmlns:p16="http://schemas.microsoft.com/office/powerpoint/2015/main" val="1"/>
-                </p:ext>
-              </p:extLst>
-            </p:nvPr>
-          </p:nvCxnSpPr>
-          <p:spPr>
-            <a:xfrm>
-              <a:off x="7029447" y="4063732"/>
-              <a:ext cx="1285875" cy="0"/>
-            </a:xfrm>
-            <a:prstGeom prst="line">
-              <a:avLst/>
-            </a:prstGeom>
-            <a:ln w="31750" cap="rnd" cmpd="sng">
-              <a:gradFill>
-                <a:gsLst>
-                  <a:gs pos="0">
-                    <a:schemeClr val="tx2">
-                      <a:lumMod val="60000"/>
-                      <a:lumOff val="40000"/>
-                      <a:alpha val="40000"/>
-                    </a:schemeClr>
-                  </a:gs>
-                  <a:gs pos="100000">
-                    <a:schemeClr val="tx2">
-                      <a:lumMod val="75000"/>
-                      <a:alpha val="40000"/>
-                    </a:schemeClr>
-                  </a:gs>
-                </a:gsLst>
-                <a:lin ang="5400000" scaled="1"/>
-              </a:gradFill>
-              <a:prstDash val="sysDot"/>
-              <a:round/>
-            </a:ln>
-          </p:spPr>
-          <p:style>
-            <a:lnRef idx="1">
-              <a:schemeClr val="accent1"/>
-            </a:lnRef>
-            <a:fillRef idx="0">
-              <a:schemeClr val="accent1"/>
-            </a:fillRef>
-            <a:effectRef idx="0">
-              <a:schemeClr val="accent1"/>
-            </a:effectRef>
-            <a:fontRef idx="minor">
-              <a:schemeClr val="tx1"/>
-            </a:fontRef>
-          </p:style>
-        </p:cxnSp>
-      </p:grpSp>
-      <p:pic>
-        <p:nvPicPr>
-          <p:cNvPr id="5" name="Picture 4">
-            <a:extLst>
-              <a:ext uri="{FF2B5EF4-FFF2-40B4-BE49-F238E27FC236}">
-                <a16:creationId xmlns:a16="http://schemas.microsoft.com/office/drawing/2014/main" id="{417DB823-C491-4CEE-BE96-DE6146C47695}"/>
-              </a:ext>
-            </a:extLst>
-          </p:cNvPr>
-          <p:cNvPicPr>
-            <a:picLocks noChangeAspect="1"/>
-          </p:cNvPicPr>
-          <p:nvPr/>
-        </p:nvPicPr>
-        <p:blipFill rotWithShape="1">
-          <a:blip r:embed="rId2"/>
-          <a:srcRect t="10529" r="1" b="15144"/>
-          <a:stretch/>
-        </p:blipFill>
-        <p:spPr>
-          <a:xfrm>
-            <a:off x="626590" y="317578"/>
-            <a:ext cx="10851111" cy="3508437"/>
-          </a:xfrm>
-          <a:prstGeom prst="rect">
-            <a:avLst/>
-          </a:prstGeom>
+          <a:effectLst/>
         </p:spPr>
       </p:pic>
-      <p:grpSp>
-        <p:nvGrpSpPr>
-          <p:cNvPr id="30" name="Group 29">
-            <a:extLst>
-              <a:ext uri="{FF2B5EF4-FFF2-40B4-BE49-F238E27FC236}">
-                <a16:creationId xmlns:a16="http://schemas.microsoft.com/office/drawing/2014/main" id="{AF19A774-30A5-488B-9BAF-629C6440294E}"/>
-              </a:ext>
-              <a:ext uri="{C183D7F6-B498-43B3-948B-1728B52AA6E4}">
-                <adec:decorative xmlns:adec="http://schemas.microsoft.com/office/drawing/2017/decorative" val="1"/>
-              </a:ext>
-            </a:extLst>
-          </p:cNvPr>
-          <p:cNvGrpSpPr>
-            <a:grpSpLocks noGrp="1" noUngrp="1" noRot="1" noChangeAspect="1" noMove="1" noResize="1"/>
-          </p:cNvGrpSpPr>
-          <p:nvPr>
-            <p:extLst>
-              <p:ext uri="{386F3935-93C4-4BCD-93E2-E3B085C9AB24}">
-                <p16:designElem xmlns:p16="http://schemas.microsoft.com/office/powerpoint/2015/main" val="1"/>
-              </p:ext>
-            </p:extLst>
-          </p:nvPr>
-        </p:nvGrpSpPr>
-        <p:grpSpPr>
-          <a:xfrm rot="16200000">
-            <a:off x="474192" y="482489"/>
-            <a:ext cx="304800" cy="429768"/>
-            <a:chOff x="215328" y="-46937"/>
-            <a:chExt cx="304800" cy="2773841"/>
-          </a:xfrm>
-        </p:grpSpPr>
-        <p:cxnSp>
-          <p:nvCxnSpPr>
-            <p:cNvPr id="31" name="Straight Connector 30">
-              <a:extLst>
-                <a:ext uri="{FF2B5EF4-FFF2-40B4-BE49-F238E27FC236}">
-                  <a16:creationId xmlns:a16="http://schemas.microsoft.com/office/drawing/2014/main" id="{291EBF88-5B98-4258-A542-14C3AF2E5225}"/>
-                </a:ext>
-                <a:ext uri="{C183D7F6-B498-43B3-948B-1728B52AA6E4}">
-                  <adec:decorative xmlns:adec="http://schemas.microsoft.com/office/drawing/2017/decorative" val="1"/>
-                </a:ext>
-              </a:extLst>
-            </p:cNvPr>
-            <p:cNvCxnSpPr>
-              <a:cxnSpLocks/>
-            </p:cNvCxnSpPr>
-            <p:nvPr>
-              <p:extLst>
-                <p:ext uri="{386F3935-93C4-4BCD-93E2-E3B085C9AB24}">
-                  <p16:designElem xmlns:p16="http://schemas.microsoft.com/office/powerpoint/2015/main" val="1"/>
-                </p:ext>
-              </p:extLst>
-            </p:nvPr>
-          </p:nvCxnSpPr>
-          <p:spPr>
-            <a:xfrm>
-              <a:off x="215328" y="-46937"/>
-              <a:ext cx="0" cy="2773841"/>
-            </a:xfrm>
-            <a:prstGeom prst="line">
-              <a:avLst/>
-            </a:prstGeom>
-            <a:ln w="25400" cmpd="sng">
-              <a:solidFill>
-                <a:schemeClr val="bg2">
-                  <a:lumMod val="60000"/>
-                  <a:lumOff val="40000"/>
-                  <a:alpha val="50000"/>
-                </a:schemeClr>
-              </a:solidFill>
-              <a:prstDash val="sysDot"/>
-            </a:ln>
-          </p:spPr>
-          <p:style>
-            <a:lnRef idx="1">
-              <a:schemeClr val="accent1"/>
-            </a:lnRef>
-            <a:fillRef idx="0">
-              <a:schemeClr val="accent1"/>
-            </a:fillRef>
-            <a:effectRef idx="0">
-              <a:schemeClr val="accent1"/>
-            </a:effectRef>
-            <a:fontRef idx="minor">
-              <a:schemeClr val="tx1"/>
-            </a:fontRef>
-          </p:style>
-        </p:cxnSp>
-        <p:cxnSp>
-          <p:nvCxnSpPr>
-            <p:cNvPr id="32" name="Straight Connector 31">
-              <a:extLst>
-                <a:ext uri="{FF2B5EF4-FFF2-40B4-BE49-F238E27FC236}">
-                  <a16:creationId xmlns:a16="http://schemas.microsoft.com/office/drawing/2014/main" id="{8FBC2D58-9E3C-490D-BD7A-61EF07EA79E4}"/>
-                </a:ext>
-                <a:ext uri="{C183D7F6-B498-43B3-948B-1728B52AA6E4}">
-                  <adec:decorative xmlns:adec="http://schemas.microsoft.com/office/drawing/2017/decorative" val="1"/>
-                </a:ext>
-              </a:extLst>
-            </p:cNvPr>
-            <p:cNvCxnSpPr>
-              <a:cxnSpLocks/>
-            </p:cNvCxnSpPr>
-            <p:nvPr>
-              <p:extLst>
-                <p:ext uri="{386F3935-93C4-4BCD-93E2-E3B085C9AB24}">
-                  <p16:designElem xmlns:p16="http://schemas.microsoft.com/office/powerpoint/2015/main" val="1"/>
-                </p:ext>
-              </p:extLst>
-            </p:nvPr>
-          </p:nvCxnSpPr>
-          <p:spPr>
-            <a:xfrm>
-              <a:off x="316928" y="-46937"/>
-              <a:ext cx="0" cy="2773841"/>
-            </a:xfrm>
-            <a:prstGeom prst="line">
-              <a:avLst/>
-            </a:prstGeom>
-            <a:ln w="25400" cmpd="sng">
-              <a:solidFill>
-                <a:schemeClr val="bg2">
-                  <a:lumMod val="60000"/>
-                  <a:lumOff val="40000"/>
-                  <a:alpha val="50000"/>
-                </a:schemeClr>
-              </a:solidFill>
-              <a:prstDash val="sysDot"/>
-            </a:ln>
-          </p:spPr>
-          <p:style>
-            <a:lnRef idx="1">
-              <a:schemeClr val="accent1"/>
-            </a:lnRef>
-            <a:fillRef idx="0">
-              <a:schemeClr val="accent1"/>
-            </a:fillRef>
-            <a:effectRef idx="0">
-              <a:schemeClr val="accent1"/>
-            </a:effectRef>
-            <a:fontRef idx="minor">
-              <a:schemeClr val="tx1"/>
-            </a:fontRef>
-          </p:style>
-        </p:cxnSp>
-        <p:cxnSp>
-          <p:nvCxnSpPr>
-            <p:cNvPr id="33" name="Straight Connector 32">
-              <a:extLst>
-                <a:ext uri="{FF2B5EF4-FFF2-40B4-BE49-F238E27FC236}">
-                  <a16:creationId xmlns:a16="http://schemas.microsoft.com/office/drawing/2014/main" id="{B6CF1BB4-1C1D-4EDE-BA26-0243FCF83BB9}"/>
-                </a:ext>
-                <a:ext uri="{C183D7F6-B498-43B3-948B-1728B52AA6E4}">
-                  <adec:decorative xmlns:adec="http://schemas.microsoft.com/office/drawing/2017/decorative" val="1"/>
-                </a:ext>
-              </a:extLst>
-            </p:cNvPr>
-            <p:cNvCxnSpPr>
-              <a:cxnSpLocks/>
-            </p:cNvCxnSpPr>
-            <p:nvPr>
-              <p:extLst>
-                <p:ext uri="{386F3935-93C4-4BCD-93E2-E3B085C9AB24}">
-                  <p16:designElem xmlns:p16="http://schemas.microsoft.com/office/powerpoint/2015/main" val="1"/>
-                </p:ext>
-              </p:extLst>
-            </p:nvPr>
-          </p:nvCxnSpPr>
-          <p:spPr>
-            <a:xfrm>
-              <a:off x="418528" y="-46937"/>
-              <a:ext cx="0" cy="2773841"/>
-            </a:xfrm>
-            <a:prstGeom prst="line">
-              <a:avLst/>
-            </a:prstGeom>
-            <a:ln w="25400" cmpd="sng">
-              <a:solidFill>
-                <a:schemeClr val="bg2">
-                  <a:lumMod val="60000"/>
-                  <a:lumOff val="40000"/>
-                  <a:alpha val="50000"/>
-                </a:schemeClr>
-              </a:solidFill>
-              <a:prstDash val="sysDot"/>
-            </a:ln>
-          </p:spPr>
-          <p:style>
-            <a:lnRef idx="1">
-              <a:schemeClr val="accent1"/>
-            </a:lnRef>
-            <a:fillRef idx="0">
-              <a:schemeClr val="accent1"/>
-            </a:fillRef>
-            <a:effectRef idx="0">
-              <a:schemeClr val="accent1"/>
-            </a:effectRef>
-            <a:fontRef idx="minor">
-              <a:schemeClr val="tx1"/>
-            </a:fontRef>
-          </p:style>
-        </p:cxnSp>
-        <p:cxnSp>
-          <p:nvCxnSpPr>
-            <p:cNvPr id="34" name="Straight Connector 33">
-              <a:extLst>
-                <a:ext uri="{FF2B5EF4-FFF2-40B4-BE49-F238E27FC236}">
-                  <a16:creationId xmlns:a16="http://schemas.microsoft.com/office/drawing/2014/main" id="{00C83729-E02F-4512-AFE7-F4792228BDA2}"/>
-                </a:ext>
-                <a:ext uri="{C183D7F6-B498-43B3-948B-1728B52AA6E4}">
-                  <adec:decorative xmlns:adec="http://schemas.microsoft.com/office/drawing/2017/decorative" val="1"/>
-                </a:ext>
-              </a:extLst>
-            </p:cNvPr>
-            <p:cNvCxnSpPr>
-              <a:cxnSpLocks/>
-            </p:cNvCxnSpPr>
-            <p:nvPr>
-              <p:extLst>
-                <p:ext uri="{386F3935-93C4-4BCD-93E2-E3B085C9AB24}">
-                  <p16:designElem xmlns:p16="http://schemas.microsoft.com/office/powerpoint/2015/main" val="1"/>
-                </p:ext>
-              </p:extLst>
-            </p:nvPr>
-          </p:nvCxnSpPr>
-          <p:spPr>
-            <a:xfrm>
-              <a:off x="520128" y="-46937"/>
-              <a:ext cx="0" cy="2773841"/>
-            </a:xfrm>
-            <a:prstGeom prst="line">
-              <a:avLst/>
-            </a:prstGeom>
-            <a:ln w="25400" cmpd="sng">
-              <a:solidFill>
-                <a:schemeClr val="bg2">
-                  <a:lumMod val="60000"/>
-                  <a:lumOff val="40000"/>
-                  <a:alpha val="50000"/>
-                </a:schemeClr>
-              </a:solidFill>
-              <a:prstDash val="sysDot"/>
-            </a:ln>
-          </p:spPr>
-          <p:style>
-            <a:lnRef idx="1">
-              <a:schemeClr val="accent1"/>
-            </a:lnRef>
-            <a:fillRef idx="0">
-              <a:schemeClr val="accent1"/>
-            </a:fillRef>
-            <a:effectRef idx="0">
-              <a:schemeClr val="accent1"/>
-            </a:effectRef>
-            <a:fontRef idx="minor">
-              <a:schemeClr val="tx1"/>
-            </a:fontRef>
-          </p:style>
-        </p:cxnSp>
-      </p:grpSp>
-      <p:sp>
-        <p:nvSpPr>
-          <p:cNvPr id="36" name="Rectangle 35">
-            <a:extLst>
-              <a:ext uri="{FF2B5EF4-FFF2-40B4-BE49-F238E27FC236}">
-                <a16:creationId xmlns:a16="http://schemas.microsoft.com/office/drawing/2014/main" id="{E2D3D3F2-ABBB-4453-B1C5-1BEBF7E4DD56}"/>
-              </a:ext>
-              <a:ext uri="{C183D7F6-B498-43B3-948B-1728B52AA6E4}">
-                <adec:decorative xmlns:adec="http://schemas.microsoft.com/office/drawing/2017/decorative" val="1"/>
-              </a:ext>
-            </a:extLst>
-          </p:cNvPr>
-          <p:cNvSpPr>
-            <a:spLocks noGrp="1" noRot="1" noChangeAspect="1" noMove="1" noResize="1" noEditPoints="1" noAdjustHandles="1" noChangeArrowheads="1" noChangeShapeType="1" noTextEdit="1"/>
-          </p:cNvSpPr>
-          <p:nvPr>
-            <p:extLst>
-              <p:ext uri="{386F3935-93C4-4BCD-93E2-E3B085C9AB24}">
-                <p16:designElem xmlns:p16="http://schemas.microsoft.com/office/powerpoint/2015/main" val="1"/>
-              </p:ext>
-            </p:extLst>
-          </p:nvPr>
-        </p:nvSpPr>
-        <p:spPr>
-          <a:xfrm rot="10800000">
-            <a:off x="-1" y="6140785"/>
-            <a:ext cx="6095997" cy="711252"/>
-          </a:xfrm>
-          <a:prstGeom prst="rect">
-            <a:avLst/>
-          </a:prstGeom>
-          <a:gradFill flip="none" rotWithShape="1">
-            <a:gsLst>
-              <a:gs pos="10000">
-                <a:schemeClr val="tx2">
-                  <a:lumMod val="50000"/>
-                  <a:alpha val="10000"/>
-                </a:schemeClr>
-              </a:gs>
-              <a:gs pos="100000">
-                <a:schemeClr val="tx2">
-                  <a:lumMod val="60000"/>
-                  <a:lumOff val="40000"/>
-                  <a:alpha val="0"/>
-                </a:schemeClr>
-              </a:gs>
-            </a:gsLst>
-            <a:lin ang="8400000" scaled="0"/>
-            <a:tileRect/>
-          </a:gradFill>
-          <a:ln>
-            <a:noFill/>
-          </a:ln>
-        </p:spPr>
-        <p:style>
-          <a:lnRef idx="2">
-            <a:schemeClr val="accent1">
-              <a:shade val="50000"/>
-            </a:schemeClr>
-          </a:lnRef>
-          <a:fillRef idx="1">
-            <a:schemeClr val="accent1"/>
-          </a:fillRef>
-          <a:effectRef idx="0">
-            <a:schemeClr val="accent1"/>
-          </a:effectRef>
-          <a:fontRef idx="minor">
-            <a:schemeClr val="lt1"/>
-          </a:fontRef>
-        </p:style>
-        <p:txBody>
-          <a:bodyPr rtlCol="0" anchor="ctr"/>
-          <a:lstStyle/>
-          <a:p>
-            <a:pPr algn="ctr"/>
-            <a:endParaRPr lang="en-US"/>
-          </a:p>
-        </p:txBody>
-      </p:sp>
-      <p:grpSp>
-        <p:nvGrpSpPr>
-          <p:cNvPr id="38" name="Group 37">
-            <a:extLst>
-              <a:ext uri="{FF2B5EF4-FFF2-40B4-BE49-F238E27FC236}">
-                <a16:creationId xmlns:a16="http://schemas.microsoft.com/office/drawing/2014/main" id="{8214E4A5-A0D2-42C4-8D14-D2A7E495F041}"/>
-              </a:ext>
-              <a:ext uri="{C183D7F6-B498-43B3-948B-1728B52AA6E4}">
-                <adec:decorative xmlns:adec="http://schemas.microsoft.com/office/drawing/2017/decorative" val="1"/>
-              </a:ext>
-            </a:extLst>
-          </p:cNvPr>
-          <p:cNvGrpSpPr>
-            <a:grpSpLocks noGrp="1" noUngrp="1" noRot="1" noChangeAspect="1" noMove="1" noResize="1"/>
-          </p:cNvGrpSpPr>
-          <p:nvPr>
-            <p:extLst>
-              <p:ext uri="{386F3935-93C4-4BCD-93E2-E3B085C9AB24}">
-                <p16:designElem xmlns:p16="http://schemas.microsoft.com/office/powerpoint/2015/main" val="1"/>
-              </p:ext>
-            </p:extLst>
-          </p:nvPr>
-        </p:nvGrpSpPr>
-        <p:grpSpPr>
-          <a:xfrm rot="5400000">
-            <a:off x="616345" y="5940560"/>
-            <a:ext cx="1285875" cy="549007"/>
-            <a:chOff x="7029447" y="3514725"/>
-            <a:chExt cx="1285875" cy="549007"/>
-          </a:xfrm>
-        </p:grpSpPr>
-        <p:cxnSp>
-          <p:nvCxnSpPr>
-            <p:cNvPr id="39" name="Straight Connector 38">
-              <a:extLst>
-                <a:ext uri="{FF2B5EF4-FFF2-40B4-BE49-F238E27FC236}">
-                  <a16:creationId xmlns:a16="http://schemas.microsoft.com/office/drawing/2014/main" id="{7494D7A0-6B21-41E8-A7D3-0033BBB79156}"/>
-                </a:ext>
-                <a:ext uri="{C183D7F6-B498-43B3-948B-1728B52AA6E4}">
-                  <adec:decorative xmlns:adec="http://schemas.microsoft.com/office/drawing/2017/decorative" val="1"/>
-                </a:ext>
-              </a:extLst>
-            </p:cNvPr>
-            <p:cNvCxnSpPr>
-              <a:cxnSpLocks/>
-            </p:cNvCxnSpPr>
-            <p:nvPr>
-              <p:extLst>
-                <p:ext uri="{386F3935-93C4-4BCD-93E2-E3B085C9AB24}">
-                  <p16:designElem xmlns:p16="http://schemas.microsoft.com/office/powerpoint/2015/main" val="1"/>
-                </p:ext>
-              </p:extLst>
-            </p:nvPr>
-          </p:nvCxnSpPr>
-          <p:spPr>
-            <a:xfrm>
-              <a:off x="7029447" y="3514725"/>
-              <a:ext cx="1285875" cy="0"/>
-            </a:xfrm>
-            <a:prstGeom prst="line">
-              <a:avLst/>
-            </a:prstGeom>
-            <a:ln w="31750" cap="rnd" cmpd="sng">
-              <a:gradFill>
-                <a:gsLst>
-                  <a:gs pos="0">
-                    <a:schemeClr val="tx2">
-                      <a:lumMod val="60000"/>
-                      <a:lumOff val="40000"/>
-                      <a:alpha val="40000"/>
-                    </a:schemeClr>
-                  </a:gs>
-                  <a:gs pos="100000">
-                    <a:schemeClr val="tx2">
-                      <a:lumMod val="50000"/>
-                      <a:alpha val="40000"/>
-                    </a:schemeClr>
-                  </a:gs>
-                </a:gsLst>
-                <a:lin ang="5400000" scaled="1"/>
-              </a:gradFill>
-              <a:prstDash val="sysDot"/>
-              <a:round/>
-            </a:ln>
-          </p:spPr>
-          <p:style>
-            <a:lnRef idx="1">
-              <a:schemeClr val="accent1"/>
-            </a:lnRef>
-            <a:fillRef idx="0">
-              <a:schemeClr val="accent1"/>
-            </a:fillRef>
-            <a:effectRef idx="0">
-              <a:schemeClr val="accent1"/>
-            </a:effectRef>
-            <a:fontRef idx="minor">
-              <a:schemeClr val="tx1"/>
-            </a:fontRef>
-          </p:style>
-        </p:cxnSp>
-        <p:cxnSp>
-          <p:nvCxnSpPr>
-            <p:cNvPr id="40" name="Straight Connector 39">
-              <a:extLst>
-                <a:ext uri="{FF2B5EF4-FFF2-40B4-BE49-F238E27FC236}">
-                  <a16:creationId xmlns:a16="http://schemas.microsoft.com/office/drawing/2014/main" id="{1E141D7D-32B0-448E-A666-EA8703AFCF2C}"/>
-                </a:ext>
-                <a:ext uri="{C183D7F6-B498-43B3-948B-1728B52AA6E4}">
-                  <adec:decorative xmlns:adec="http://schemas.microsoft.com/office/drawing/2017/decorative" val="1"/>
-                </a:ext>
-              </a:extLst>
-            </p:cNvPr>
-            <p:cNvCxnSpPr>
-              <a:cxnSpLocks/>
-            </p:cNvCxnSpPr>
-            <p:nvPr>
-              <p:extLst>
-                <p:ext uri="{386F3935-93C4-4BCD-93E2-E3B085C9AB24}">
-                  <p16:designElem xmlns:p16="http://schemas.microsoft.com/office/powerpoint/2015/main" val="1"/>
-                </p:ext>
-              </p:extLst>
-            </p:nvPr>
-          </p:nvCxnSpPr>
-          <p:spPr>
-            <a:xfrm>
-              <a:off x="7029447" y="3697727"/>
-              <a:ext cx="1285875" cy="0"/>
-            </a:xfrm>
-            <a:prstGeom prst="line">
-              <a:avLst/>
-            </a:prstGeom>
-            <a:ln w="31750" cap="rnd" cmpd="sng">
-              <a:gradFill>
-                <a:gsLst>
-                  <a:gs pos="0">
-                    <a:schemeClr val="tx2">
-                      <a:lumMod val="60000"/>
-                      <a:lumOff val="40000"/>
-                      <a:alpha val="40000"/>
-                    </a:schemeClr>
-                  </a:gs>
-                  <a:gs pos="100000">
-                    <a:schemeClr val="tx2">
-                      <a:lumMod val="50000"/>
-                      <a:alpha val="40000"/>
-                    </a:schemeClr>
-                  </a:gs>
-                </a:gsLst>
-                <a:lin ang="5400000" scaled="1"/>
-              </a:gradFill>
-              <a:prstDash val="sysDot"/>
-              <a:round/>
-            </a:ln>
-          </p:spPr>
-          <p:style>
-            <a:lnRef idx="1">
-              <a:schemeClr val="accent1"/>
-            </a:lnRef>
-            <a:fillRef idx="0">
-              <a:schemeClr val="accent1"/>
-            </a:fillRef>
-            <a:effectRef idx="0">
-              <a:schemeClr val="accent1"/>
-            </a:effectRef>
-            <a:fontRef idx="minor">
-              <a:schemeClr val="tx1"/>
-            </a:fontRef>
-          </p:style>
-        </p:cxnSp>
-        <p:cxnSp>
-          <p:nvCxnSpPr>
-            <p:cNvPr id="41" name="Straight Connector 40">
-              <a:extLst>
-                <a:ext uri="{FF2B5EF4-FFF2-40B4-BE49-F238E27FC236}">
-                  <a16:creationId xmlns:a16="http://schemas.microsoft.com/office/drawing/2014/main" id="{8D87E268-6345-420F-8B97-B37ED04100EC}"/>
-                </a:ext>
-                <a:ext uri="{C183D7F6-B498-43B3-948B-1728B52AA6E4}">
-                  <adec:decorative xmlns:adec="http://schemas.microsoft.com/office/drawing/2017/decorative" val="1"/>
-                </a:ext>
-              </a:extLst>
-            </p:cNvPr>
-            <p:cNvCxnSpPr>
-              <a:cxnSpLocks/>
-            </p:cNvCxnSpPr>
-            <p:nvPr>
-              <p:extLst>
-                <p:ext uri="{386F3935-93C4-4BCD-93E2-E3B085C9AB24}">
-                  <p16:designElem xmlns:p16="http://schemas.microsoft.com/office/powerpoint/2015/main" val="1"/>
-                </p:ext>
-              </p:extLst>
-            </p:nvPr>
-          </p:nvCxnSpPr>
-          <p:spPr>
-            <a:xfrm>
-              <a:off x="7029447" y="3880729"/>
-              <a:ext cx="1285875" cy="0"/>
-            </a:xfrm>
-            <a:prstGeom prst="line">
-              <a:avLst/>
-            </a:prstGeom>
-            <a:ln w="31750" cap="rnd" cmpd="sng">
-              <a:gradFill>
-                <a:gsLst>
-                  <a:gs pos="0">
-                    <a:schemeClr val="tx2">
-                      <a:lumMod val="60000"/>
-                      <a:lumOff val="40000"/>
-                      <a:alpha val="40000"/>
-                    </a:schemeClr>
-                  </a:gs>
-                  <a:gs pos="100000">
-                    <a:schemeClr val="tx2">
-                      <a:lumMod val="50000"/>
-                      <a:alpha val="40000"/>
-                    </a:schemeClr>
-                  </a:gs>
-                </a:gsLst>
-                <a:lin ang="5400000" scaled="1"/>
-              </a:gradFill>
-              <a:prstDash val="sysDot"/>
-              <a:round/>
-            </a:ln>
-          </p:spPr>
-          <p:style>
-            <a:lnRef idx="1">
-              <a:schemeClr val="accent1"/>
-            </a:lnRef>
-            <a:fillRef idx="0">
-              <a:schemeClr val="accent1"/>
-            </a:fillRef>
-            <a:effectRef idx="0">
-              <a:schemeClr val="accent1"/>
-            </a:effectRef>
-            <a:fontRef idx="minor">
-              <a:schemeClr val="tx1"/>
-            </a:fontRef>
-          </p:style>
-        </p:cxnSp>
-        <p:cxnSp>
-          <p:nvCxnSpPr>
-            <p:cNvPr id="42" name="Straight Connector 41">
-              <a:extLst>
-                <a:ext uri="{FF2B5EF4-FFF2-40B4-BE49-F238E27FC236}">
-                  <a16:creationId xmlns:a16="http://schemas.microsoft.com/office/drawing/2014/main" id="{35E1622E-7FA6-4760-A2BF-A8105EBF7BB9}"/>
-                </a:ext>
-                <a:ext uri="{C183D7F6-B498-43B3-948B-1728B52AA6E4}">
-                  <adec:decorative xmlns:adec="http://schemas.microsoft.com/office/drawing/2017/decorative" val="1"/>
-                </a:ext>
-              </a:extLst>
-            </p:cNvPr>
-            <p:cNvCxnSpPr>
-              <a:cxnSpLocks/>
-            </p:cNvCxnSpPr>
-            <p:nvPr>
-              <p:extLst>
-                <p:ext uri="{386F3935-93C4-4BCD-93E2-E3B085C9AB24}">
-                  <p16:designElem xmlns:p16="http://schemas.microsoft.com/office/powerpoint/2015/main" val="1"/>
-                </p:ext>
-              </p:extLst>
-            </p:nvPr>
-          </p:nvCxnSpPr>
-          <p:spPr>
-            <a:xfrm>
-              <a:off x="7029447" y="4063732"/>
-              <a:ext cx="1285875" cy="0"/>
-            </a:xfrm>
-            <a:prstGeom prst="line">
-              <a:avLst/>
-            </a:prstGeom>
-            <a:ln w="31750" cap="rnd" cmpd="sng">
-              <a:gradFill>
-                <a:gsLst>
-                  <a:gs pos="0">
-                    <a:schemeClr val="tx2">
-                      <a:lumMod val="60000"/>
-                      <a:lumOff val="40000"/>
-                      <a:alpha val="40000"/>
-                    </a:schemeClr>
-                  </a:gs>
-                  <a:gs pos="100000">
-                    <a:schemeClr val="tx2">
-                      <a:lumMod val="50000"/>
-                      <a:alpha val="40000"/>
-                    </a:schemeClr>
-                  </a:gs>
-                </a:gsLst>
-                <a:lin ang="5400000" scaled="1"/>
-              </a:gradFill>
-              <a:prstDash val="sysDot"/>
-              <a:round/>
-            </a:ln>
-          </p:spPr>
-          <p:style>
-            <a:lnRef idx="1">
-              <a:schemeClr val="accent1"/>
-            </a:lnRef>
-            <a:fillRef idx="0">
-              <a:schemeClr val="accent1"/>
-            </a:fillRef>
-            <a:effectRef idx="0">
-              <a:schemeClr val="accent1"/>
-            </a:effectRef>
-            <a:fontRef idx="minor">
-              <a:schemeClr val="tx1"/>
-            </a:fontRef>
-          </p:style>
-        </p:cxnSp>
-      </p:grpSp>
+    </p:spTree>
+    <p:extLst>
+      <p:ext uri="{BB962C8B-B14F-4D97-AF65-F5344CB8AC3E}">
+        <p14:creationId xmlns:p14="http://schemas.microsoft.com/office/powerpoint/2010/main" val="1328006316"/>
+      </p:ext>
+    </p:extLst>
+  </p:cSld>
+  <p:clrMapOvr>
+    <a:overrideClrMapping bg1="dk1" tx1="lt1" bg2="dk2" tx2="lt2" accent1="accent1" accent2="accent2" accent3="accent3" accent4="accent4" accent5="accent5" accent6="accent6" hlink="hlink" folHlink="folHlink"/>
+  </p:clrMapOvr>
+</p:sld>
+</file>
+
+<file path=ppt/slides/slide6.xml><?xml version="1.0" encoding="utf-8"?>
+<p:sld xmlns:a="http://schemas.openxmlformats.org/drawingml/2006/main" xmlns:r="http://schemas.openxmlformats.org/officeDocument/2006/relationships" xmlns:p="http://schemas.openxmlformats.org/presentationml/2006/main">
+  <p:cSld>
+    <p:bg>
+      <p:bgPr>
+        <a:solidFill>
+          <a:schemeClr val="bg1">
+            <a:tint val="95000"/>
+            <a:satMod val="170000"/>
+          </a:schemeClr>
+        </a:solidFill>
+        <a:effectLst/>
+      </p:bgPr>
+    </p:bg>
+    <p:spTree>
+      <p:nvGrpSpPr>
+        <p:cNvPr id="1" name=""/>
+        <p:cNvGrpSpPr/>
+        <p:nvPr/>
+      </p:nvGrpSpPr>
+      <p:grpSpPr>
+        <a:xfrm>
+          <a:off x="0" y="0"/>
+          <a:ext cx="0" cy="0"/>
+          <a:chOff x="0" y="0"/>
+          <a:chExt cx="0" cy="0"/>
+        </a:xfrm>
+      </p:grpSpPr>
       <p:sp>
         <p:nvSpPr>
           <p:cNvPr id="2" name="Title 1">
@@ -10598,68 +9215,104 @@
         </p:nvSpPr>
         <p:spPr>
           <a:xfrm>
-            <a:off x="630936" y="4018137"/>
-            <a:ext cx="4569060" cy="2129586"/>
+            <a:off x="804673" y="4385066"/>
+            <a:ext cx="10694902" cy="1317643"/>
           </a:xfrm>
-          <a:noFill/>
         </p:spPr>
         <p:txBody>
-          <a:bodyPr anchor="t">
+          <a:bodyPr vert="horz" lIns="91440" tIns="45720" rIns="91440" bIns="45720" rtlCol="0" anchor="b">
             <a:normAutofit/>
           </a:bodyPr>
           <a:lstStyle/>
           <a:p>
             <a:r>
-              <a:rPr lang="en-US" sz="4800" dirty="0">
-                <a:solidFill>
-                  <a:schemeClr val="bg1"/>
-                </a:solidFill>
-              </a:rPr>
+              <a:rPr lang="en-US" sz="5400" dirty="0"/>
               <a:t>Simulation in Proteus</a:t>
             </a:r>
           </a:p>
         </p:txBody>
       </p:sp>
-      <p:sp>
-        <p:nvSpPr>
-          <p:cNvPr id="3" name="Content Placeholder 2">
-            <a:extLst>
-              <a:ext uri="{FF2B5EF4-FFF2-40B4-BE49-F238E27FC236}">
-                <a16:creationId xmlns:a16="http://schemas.microsoft.com/office/drawing/2014/main" id="{6D9179FA-6EF1-4BA4-A260-255FFC283D08}"/>
-              </a:ext>
-            </a:extLst>
-          </p:cNvPr>
-          <p:cNvSpPr>
-            <a:spLocks noGrp="1"/>
-          </p:cNvSpPr>
-          <p:nvPr>
-            <p:ph idx="1"/>
-          </p:nvPr>
-        </p:nvSpPr>
+      <p:pic>
+        <p:nvPicPr>
+          <p:cNvPr id="6" name="Picture 5">
+            <a:extLst>
+              <a:ext uri="{FF2B5EF4-FFF2-40B4-BE49-F238E27FC236}">
+                <a16:creationId xmlns:a16="http://schemas.microsoft.com/office/drawing/2014/main" id="{2588BE5B-DC67-4571-A221-BA6E473CE511}"/>
+              </a:ext>
+            </a:extLst>
+          </p:cNvPr>
+          <p:cNvPicPr>
+            <a:picLocks noChangeAspect="1"/>
+          </p:cNvPicPr>
+          <p:nvPr/>
+        </p:nvPicPr>
+        <p:blipFill rotWithShape="1">
+          <a:blip r:embed="rId2"/>
+          <a:srcRect t="3710" b="27048"/>
+          <a:stretch/>
+        </p:blipFill>
         <p:spPr>
           <a:xfrm>
-            <a:off x="5486080" y="4018143"/>
-            <a:ext cx="5674105" cy="2129599"/>
+            <a:off x="20" y="10"/>
+            <a:ext cx="12191980" cy="4242125"/>
           </a:xfrm>
-          <a:noFill/>
+          <a:prstGeom prst="rect">
+            <a:avLst/>
+          </a:prstGeom>
         </p:spPr>
-        <p:txBody>
-          <a:bodyPr anchor="t">
-            <a:normAutofit/>
-          </a:bodyPr>
-          <a:lstStyle/>
-          <a:p>
-            <a:r>
-              <a:rPr lang="en-US" sz="1800" dirty="0">
-                <a:solidFill>
-                  <a:schemeClr val="bg1"/>
-                </a:solidFill>
-              </a:rPr>
-              <a:t>&lt;Replace the image!!!!!!!!!&gt;</a:t>
-            </a:r>
-          </a:p>
-        </p:txBody>
-      </p:sp>
+      </p:pic>
+      <p:cxnSp>
+        <p:nvCxnSpPr>
+          <p:cNvPr id="49" name="Straight Connector 46">
+            <a:extLst>
+              <a:ext uri="{FF2B5EF4-FFF2-40B4-BE49-F238E27FC236}">
+                <a16:creationId xmlns:a16="http://schemas.microsoft.com/office/drawing/2014/main" id="{C800968E-0A99-46C4-A9B2-6A63AC66F4B0}"/>
+              </a:ext>
+              <a:ext uri="{C183D7F6-B498-43B3-948B-1728B52AA6E4}">
+                <adec:decorative xmlns:adec="http://schemas.microsoft.com/office/drawing/2017/decorative" val="1"/>
+              </a:ext>
+            </a:extLst>
+          </p:cNvPr>
+          <p:cNvCxnSpPr>
+            <a:cxnSpLocks noGrp="1" noRot="1" noChangeAspect="1" noMove="1" noResize="1" noEditPoints="1" noAdjustHandles="1" noChangeArrowheads="1" noChangeShapeType="1"/>
+          </p:cNvCxnSpPr>
+          <p:nvPr>
+            <p:extLst>
+              <p:ext uri="{386F3935-93C4-4BCD-93E2-E3B085C9AB24}">
+                <p16:designElem xmlns:p16="http://schemas.microsoft.com/office/powerpoint/2015/main" val="1"/>
+              </p:ext>
+            </p:extLst>
+          </p:nvPr>
+        </p:nvCxnSpPr>
+        <p:spPr>
+          <a:xfrm>
+            <a:off x="-2" y="4242136"/>
+            <a:ext cx="12192002" cy="0"/>
+          </a:xfrm>
+          <a:prstGeom prst="line">
+            <a:avLst/>
+          </a:prstGeom>
+          <a:ln w="101600">
+            <a:solidFill>
+              <a:schemeClr val="tx1"/>
+            </a:solidFill>
+          </a:ln>
+        </p:spPr>
+        <p:style>
+          <a:lnRef idx="1">
+            <a:schemeClr val="accent1"/>
+          </a:lnRef>
+          <a:fillRef idx="0">
+            <a:schemeClr val="accent1"/>
+          </a:fillRef>
+          <a:effectRef idx="0">
+            <a:schemeClr val="accent1"/>
+          </a:effectRef>
+          <a:fontRef idx="minor">
+            <a:schemeClr val="tx1"/>
+          </a:fontRef>
+        </p:style>
+      </p:cxnSp>
     </p:spTree>
     <p:extLst>
       <p:ext uri="{BB962C8B-B14F-4D97-AF65-F5344CB8AC3E}">
@@ -10668,12 +9321,12 @@
     </p:extLst>
   </p:cSld>
   <p:clrMapOvr>
-    <a:masterClrMapping/>
+    <a:overrideClrMapping bg1="dk1" tx1="lt1" bg2="dk2" tx2="lt2" accent1="accent1" accent2="accent2" accent3="accent3" accent4="accent4" accent5="accent5" accent6="accent6" hlink="hlink" folHlink="folHlink"/>
   </p:clrMapOvr>
 </p:sld>
 </file>
 
-<file path=ppt/slides/slide6.xml><?xml version="1.0" encoding="utf-8"?>
+<file path=ppt/slides/slide7.xml><?xml version="1.0" encoding="utf-8"?>
 <p:sld xmlns:a="http://schemas.openxmlformats.org/drawingml/2006/main" xmlns:r="http://schemas.openxmlformats.org/officeDocument/2006/relationships" xmlns:p="http://schemas.openxmlformats.org/presentationml/2006/main">
   <p:cSld>
     <p:bg>
@@ -11533,7 +10186,7 @@
 </p:sld>
 </file>
 
-<file path=ppt/slides/slide7.xml><?xml version="1.0" encoding="utf-8"?>
+<file path=ppt/slides/slide8.xml><?xml version="1.0" encoding="utf-8"?>
 <p:sld xmlns:a="http://schemas.openxmlformats.org/drawingml/2006/main" xmlns:r="http://schemas.openxmlformats.org/officeDocument/2006/relationships" xmlns:p="http://schemas.openxmlformats.org/presentationml/2006/main">
   <p:cSld>
     <p:bg>

--- a/assignments_material/LPS-progress-review-december_2021.pptx
+++ b/assignments_material/LPS-progress-review-december_2021.pptx
@@ -623,7 +623,7 @@
           <a:p>
             <a:fld id="{ED41D6A0-F1E4-4999-9ECE-1D1F2C4D4E42}" type="datetimeFigureOut">
               <a:rPr lang="en-US" smtClean="0"/>
-              <a:t>2021-12-29</a:t>
+              <a:t>12/29/2021</a:t>
             </a:fld>
             <a:endParaRPr lang="en-US"/>
           </a:p>
@@ -821,7 +821,7 @@
           <a:p>
             <a:fld id="{ED41D6A0-F1E4-4999-9ECE-1D1F2C4D4E42}" type="datetimeFigureOut">
               <a:rPr lang="en-US" smtClean="0"/>
-              <a:t>2021-12-29</a:t>
+              <a:t>12/29/2021</a:t>
             </a:fld>
             <a:endParaRPr lang="en-US"/>
           </a:p>
@@ -1029,7 +1029,7 @@
           <a:p>
             <a:fld id="{ED41D6A0-F1E4-4999-9ECE-1D1F2C4D4E42}" type="datetimeFigureOut">
               <a:rPr lang="en-US" smtClean="0"/>
-              <a:t>2021-12-29</a:t>
+              <a:t>12/29/2021</a:t>
             </a:fld>
             <a:endParaRPr lang="en-US"/>
           </a:p>
@@ -1227,7 +1227,7 @@
           <a:p>
             <a:fld id="{ED41D6A0-F1E4-4999-9ECE-1D1F2C4D4E42}" type="datetimeFigureOut">
               <a:rPr lang="en-US" smtClean="0"/>
-              <a:t>2021-12-29</a:t>
+              <a:t>12/29/2021</a:t>
             </a:fld>
             <a:endParaRPr lang="en-US"/>
           </a:p>
@@ -1502,7 +1502,7 @@
           <a:p>
             <a:fld id="{ED41D6A0-F1E4-4999-9ECE-1D1F2C4D4E42}" type="datetimeFigureOut">
               <a:rPr lang="en-US" smtClean="0"/>
-              <a:t>2021-12-29</a:t>
+              <a:t>12/29/2021</a:t>
             </a:fld>
             <a:endParaRPr lang="en-US"/>
           </a:p>
@@ -1767,7 +1767,7 @@
           <a:p>
             <a:fld id="{ED41D6A0-F1E4-4999-9ECE-1D1F2C4D4E42}" type="datetimeFigureOut">
               <a:rPr lang="en-US" smtClean="0"/>
-              <a:t>2021-12-29</a:t>
+              <a:t>12/29/2021</a:t>
             </a:fld>
             <a:endParaRPr lang="en-US"/>
           </a:p>
@@ -2179,7 +2179,7 @@
           <a:p>
             <a:fld id="{ED41D6A0-F1E4-4999-9ECE-1D1F2C4D4E42}" type="datetimeFigureOut">
               <a:rPr lang="en-US" smtClean="0"/>
-              <a:t>2021-12-29</a:t>
+              <a:t>12/29/2021</a:t>
             </a:fld>
             <a:endParaRPr lang="en-US"/>
           </a:p>
@@ -2320,7 +2320,7 @@
           <a:p>
             <a:fld id="{ED41D6A0-F1E4-4999-9ECE-1D1F2C4D4E42}" type="datetimeFigureOut">
               <a:rPr lang="en-US" smtClean="0"/>
-              <a:t>2021-12-29</a:t>
+              <a:t>12/29/2021</a:t>
             </a:fld>
             <a:endParaRPr lang="en-US"/>
           </a:p>
@@ -2433,7 +2433,7 @@
           <a:p>
             <a:fld id="{ED41D6A0-F1E4-4999-9ECE-1D1F2C4D4E42}" type="datetimeFigureOut">
               <a:rPr lang="en-US" smtClean="0"/>
-              <a:t>2021-12-29</a:t>
+              <a:t>12/29/2021</a:t>
             </a:fld>
             <a:endParaRPr lang="en-US"/>
           </a:p>
@@ -2744,7 +2744,7 @@
           <a:p>
             <a:fld id="{ED41D6A0-F1E4-4999-9ECE-1D1F2C4D4E42}" type="datetimeFigureOut">
               <a:rPr lang="en-US" smtClean="0"/>
-              <a:t>2021-12-29</a:t>
+              <a:t>12/29/2021</a:t>
             </a:fld>
             <a:endParaRPr lang="en-US"/>
           </a:p>
@@ -3032,7 +3032,7 @@
           <a:p>
             <a:fld id="{ED41D6A0-F1E4-4999-9ECE-1D1F2C4D4E42}" type="datetimeFigureOut">
               <a:rPr lang="en-US" smtClean="0"/>
-              <a:t>2021-12-29</a:t>
+              <a:t>12/29/2021</a:t>
             </a:fld>
             <a:endParaRPr lang="en-US"/>
           </a:p>
@@ -3273,7 +3273,7 @@
           <a:p>
             <a:fld id="{ED41D6A0-F1E4-4999-9ECE-1D1F2C4D4E42}" type="datetimeFigureOut">
               <a:rPr lang="en-US" smtClean="0"/>
-              <a:t>2021-12-29</a:t>
+              <a:t>12/29/2021</a:t>
             </a:fld>
             <a:endParaRPr lang="en-US"/>
           </a:p>
@@ -3706,7 +3706,7 @@
                 <a16:creationId xmlns:a16="http://schemas.microsoft.com/office/drawing/2014/main" id="{8B646C36-EEEC-4D52-8E8E-206F4CD8A3DA}"/>
               </a:ext>
               <a:ext uri="{C183D7F6-B498-43B3-948B-1728B52AA6E4}">
-                <adec:decorative xmlns:adec="http://schemas.microsoft.com/office/drawing/2017/decorative" val="1"/>
+                <adec:decorative xmlns:adec="http://schemas.microsoft.com/office/drawing/2017/decorative" xmlns="" val="1"/>
               </a:ext>
             </a:extLst>
           </p:cNvPr>
@@ -3769,7 +3769,7 @@
                 <a16:creationId xmlns:a16="http://schemas.microsoft.com/office/drawing/2014/main" id="{E7E9D86A-D513-48F9-851A-5F3725E80003}"/>
               </a:ext>
               <a:ext uri="{C183D7F6-B498-43B3-948B-1728B52AA6E4}">
-                <adec:decorative xmlns:adec="http://schemas.microsoft.com/office/drawing/2017/decorative" val="1"/>
+                <adec:decorative xmlns:adec="http://schemas.microsoft.com/office/drawing/2017/decorative" xmlns="" val="1"/>
               </a:ext>
             </a:extLst>
           </p:cNvPr>
@@ -3800,7 +3800,7 @@
                   <a16:creationId xmlns:a16="http://schemas.microsoft.com/office/drawing/2014/main" id="{8258443E-B333-44F4-8D49-1EAB1C1A4613}"/>
                 </a:ext>
                 <a:ext uri="{C183D7F6-B498-43B3-948B-1728B52AA6E4}">
-                  <adec:decorative xmlns:adec="http://schemas.microsoft.com/office/drawing/2017/decorative" val="1"/>
+                  <adec:decorative xmlns:adec="http://schemas.microsoft.com/office/drawing/2017/decorative" xmlns="" val="1"/>
                 </a:ext>
               </a:extLst>
             </p:cNvPr>
@@ -3863,7 +3863,7 @@
                   <a16:creationId xmlns:a16="http://schemas.microsoft.com/office/drawing/2014/main" id="{09132A4E-0C09-40DA-A360-EA9D3DAFFBAA}"/>
                 </a:ext>
                 <a:ext uri="{C183D7F6-B498-43B3-948B-1728B52AA6E4}">
-                  <adec:decorative xmlns:adec="http://schemas.microsoft.com/office/drawing/2017/decorative" val="1"/>
+                  <adec:decorative xmlns:adec="http://schemas.microsoft.com/office/drawing/2017/decorative" xmlns="" val="1"/>
                 </a:ext>
               </a:extLst>
             </p:cNvPr>
@@ -3929,7 +3929,7 @@
                 <a16:creationId xmlns:a16="http://schemas.microsoft.com/office/drawing/2014/main" id="{D649D88F-3460-4C52-888E-001C62B26EE5}"/>
               </a:ext>
               <a:ext uri="{C183D7F6-B498-43B3-948B-1728B52AA6E4}">
-                <adec:decorative xmlns:adec="http://schemas.microsoft.com/office/drawing/2017/decorative" val="1"/>
+                <adec:decorative xmlns:adec="http://schemas.microsoft.com/office/drawing/2017/decorative" xmlns="" val="1"/>
               </a:ext>
             </a:extLst>
           </p:cNvPr>
@@ -4033,7 +4033,7 @@
                 <a16:creationId xmlns:a16="http://schemas.microsoft.com/office/drawing/2014/main" id="{A2B5CBEA-F125-49B6-8335-227C325B112B}"/>
               </a:ext>
               <a:ext uri="{C183D7F6-B498-43B3-948B-1728B52AA6E4}">
-                <adec:decorative xmlns:adec="http://schemas.microsoft.com/office/drawing/2017/decorative" val="1"/>
+                <adec:decorative xmlns:adec="http://schemas.microsoft.com/office/drawing/2017/decorative" xmlns="" val="1"/>
               </a:ext>
             </a:extLst>
           </p:cNvPr>
@@ -4182,7 +4182,7 @@
                 <a16:creationId xmlns:a16="http://schemas.microsoft.com/office/drawing/2014/main" id="{217DD14E-3BC7-413D-B4AB-B92EED2F57C5}"/>
               </a:ext>
               <a:ext uri="{C183D7F6-B498-43B3-948B-1728B52AA6E4}">
-                <adec:decorative xmlns:adec="http://schemas.microsoft.com/office/drawing/2017/decorative" val="1"/>
+                <adec:decorative xmlns:adec="http://schemas.microsoft.com/office/drawing/2017/decorative" xmlns="" val="1"/>
               </a:ext>
             </a:extLst>
           </p:cNvPr>
@@ -4403,7 +4403,7 @@
                 <a16:creationId xmlns:a16="http://schemas.microsoft.com/office/drawing/2014/main" id="{4FB204DF-284E-45F6-A017-79A4DF57BCCB}"/>
               </a:ext>
               <a:ext uri="{C183D7F6-B498-43B3-948B-1728B52AA6E4}">
-                <adec:decorative xmlns:adec="http://schemas.microsoft.com/office/drawing/2017/decorative" val="1"/>
+                <adec:decorative xmlns:adec="http://schemas.microsoft.com/office/drawing/2017/decorative" xmlns="" val="1"/>
               </a:ext>
             </a:extLst>
           </p:cNvPr>
@@ -4585,7 +4585,7 @@
                 <a16:creationId xmlns:a16="http://schemas.microsoft.com/office/drawing/2014/main" id="{6908275D-177E-42F2-8887-134AFE8B70CC}"/>
               </a:ext>
               <a:ext uri="{C183D7F6-B498-43B3-948B-1728B52AA6E4}">
-                <adec:decorative xmlns:adec="http://schemas.microsoft.com/office/drawing/2017/decorative" val="1"/>
+                <adec:decorative xmlns:adec="http://schemas.microsoft.com/office/drawing/2017/decorative" xmlns="" val="1"/>
               </a:ext>
             </a:extLst>
           </p:cNvPr>
@@ -4769,7 +4769,7 @@
                 <a16:creationId xmlns:a16="http://schemas.microsoft.com/office/drawing/2014/main" id="{4D1A5E71-B6B6-486A-8CDC-C7ABD9B903F6}"/>
               </a:ext>
               <a:ext uri="{C183D7F6-B498-43B3-948B-1728B52AA6E4}">
-                <adec:decorative xmlns:adec="http://schemas.microsoft.com/office/drawing/2017/decorative" val="1"/>
+                <adec:decorative xmlns:adec="http://schemas.microsoft.com/office/drawing/2017/decorative" xmlns="" val="1"/>
               </a:ext>
             </a:extLst>
           </p:cNvPr>
@@ -4839,7 +4839,7 @@
                 <a16:creationId xmlns:a16="http://schemas.microsoft.com/office/drawing/2014/main" id="{E32B36D4-0C87-4882-A12C-18A91DBAE28D}"/>
               </a:ext>
               <a:ext uri="{C183D7F6-B498-43B3-948B-1728B52AA6E4}">
-                <adec:decorative xmlns:adec="http://schemas.microsoft.com/office/drawing/2017/decorative" val="1"/>
+                <adec:decorative xmlns:adec="http://schemas.microsoft.com/office/drawing/2017/decorative" xmlns="" val="1"/>
               </a:ext>
             </a:extLst>
           </p:cNvPr>
@@ -4911,7 +4911,7 @@
                 <a16:creationId xmlns:a16="http://schemas.microsoft.com/office/drawing/2014/main" id="{FB9739EB-7F66-433D-841F-AB3CD18700B7}"/>
               </a:ext>
               <a:ext uri="{C183D7F6-B498-43B3-948B-1728B52AA6E4}">
-                <adec:decorative xmlns:adec="http://schemas.microsoft.com/office/drawing/2017/decorative" val="1"/>
+                <adec:decorative xmlns:adec="http://schemas.microsoft.com/office/drawing/2017/decorative" xmlns="" val="1"/>
               </a:ext>
             </a:extLst>
           </p:cNvPr>
@@ -4945,7 +4945,7 @@
                   <a16:creationId xmlns:a16="http://schemas.microsoft.com/office/drawing/2014/main" id="{104F2BBD-A005-4DCB-9566-F2351050BEE6}"/>
                 </a:ext>
                 <a:ext uri="{C183D7F6-B498-43B3-948B-1728B52AA6E4}">
-                  <adec:decorative xmlns:adec="http://schemas.microsoft.com/office/drawing/2017/decorative" val="1"/>
+                  <adec:decorative xmlns:adec="http://schemas.microsoft.com/office/drawing/2017/decorative" xmlns="" val="1"/>
                 </a:ext>
               </a:extLst>
             </p:cNvPr>
@@ -5032,7 +5032,7 @@
                   <a16:creationId xmlns:a16="http://schemas.microsoft.com/office/drawing/2014/main" id="{8B00DEC7-198B-49D1-98FD-018F3ECFCF4C}"/>
                 </a:ext>
                 <a:ext uri="{C183D7F6-B498-43B3-948B-1728B52AA6E4}">
-                  <adec:decorative xmlns:adec="http://schemas.microsoft.com/office/drawing/2017/decorative" val="1"/>
+                  <adec:decorative xmlns:adec="http://schemas.microsoft.com/office/drawing/2017/decorative" xmlns="" val="1"/>
                 </a:ext>
               </a:extLst>
             </p:cNvPr>
@@ -5119,7 +5119,7 @@
                   <a16:creationId xmlns:a16="http://schemas.microsoft.com/office/drawing/2014/main" id="{F14DFC82-B3B3-468E-91B3-1302CFC68468}"/>
                 </a:ext>
                 <a:ext uri="{C183D7F6-B498-43B3-948B-1728B52AA6E4}">
-                  <adec:decorative xmlns:adec="http://schemas.microsoft.com/office/drawing/2017/decorative" val="1"/>
+                  <adec:decorative xmlns:adec="http://schemas.microsoft.com/office/drawing/2017/decorative" xmlns="" val="1"/>
                 </a:ext>
               </a:extLst>
             </p:cNvPr>
@@ -5206,7 +5206,7 @@
                   <a16:creationId xmlns:a16="http://schemas.microsoft.com/office/drawing/2014/main" id="{D3250EFE-214E-4B8E-AF96-036A514FFB2D}"/>
                 </a:ext>
                 <a:ext uri="{C183D7F6-B498-43B3-948B-1728B52AA6E4}">
-                  <adec:decorative xmlns:adec="http://schemas.microsoft.com/office/drawing/2017/decorative" val="1"/>
+                  <adec:decorative xmlns:adec="http://schemas.microsoft.com/office/drawing/2017/decorative" xmlns="" val="1"/>
                 </a:ext>
               </a:extLst>
             </p:cNvPr>
@@ -5293,7 +5293,7 @@
                   <a16:creationId xmlns:a16="http://schemas.microsoft.com/office/drawing/2014/main" id="{AD058EBE-D4A5-4C43-B170-6A451F87A7B2}"/>
                 </a:ext>
                 <a:ext uri="{C183D7F6-B498-43B3-948B-1728B52AA6E4}">
-                  <adec:decorative xmlns:adec="http://schemas.microsoft.com/office/drawing/2017/decorative" val="1"/>
+                  <adec:decorative xmlns:adec="http://schemas.microsoft.com/office/drawing/2017/decorative" xmlns="" val="1"/>
                 </a:ext>
               </a:extLst>
             </p:cNvPr>
@@ -5419,7 +5419,7 @@
                 <a16:creationId xmlns:a16="http://schemas.microsoft.com/office/drawing/2014/main" id="{33CD251C-A887-4D2F-925B-FC097198538B}"/>
               </a:ext>
               <a:ext uri="{C183D7F6-B498-43B3-948B-1728B52AA6E4}">
-                <adec:decorative xmlns:adec="http://schemas.microsoft.com/office/drawing/2017/decorative" val="1"/>
+                <adec:decorative xmlns:adec="http://schemas.microsoft.com/office/drawing/2017/decorative" xmlns="" val="1"/>
               </a:ext>
             </a:extLst>
           </p:cNvPr>
@@ -5479,7 +5479,7 @@
                 <a16:creationId xmlns:a16="http://schemas.microsoft.com/office/drawing/2014/main" id="{B19D093C-27FB-4032-B282-42C4563F257C}"/>
               </a:ext>
               <a:ext uri="{C183D7F6-B498-43B3-948B-1728B52AA6E4}">
-                <adec:decorative xmlns:adec="http://schemas.microsoft.com/office/drawing/2017/decorative" val="1"/>
+                <adec:decorative xmlns:adec="http://schemas.microsoft.com/office/drawing/2017/decorative" xmlns="" val="1"/>
               </a:ext>
             </a:extLst>
           </p:cNvPr>
@@ -5581,7 +5581,7 @@
                 <a16:creationId xmlns:a16="http://schemas.microsoft.com/office/drawing/2014/main" id="{35EE815E-1BD3-4777-B652-6D98825BF66B}"/>
               </a:ext>
               <a:ext uri="{C183D7F6-B498-43B3-948B-1728B52AA6E4}">
-                <adec:decorative xmlns:adec="http://schemas.microsoft.com/office/drawing/2017/decorative" val="1"/>
+                <adec:decorative xmlns:adec="http://schemas.microsoft.com/office/drawing/2017/decorative" xmlns="" val="1"/>
               </a:ext>
             </a:extLst>
           </p:cNvPr>
@@ -5612,7 +5612,7 @@
                   <a16:creationId xmlns:a16="http://schemas.microsoft.com/office/drawing/2014/main" id="{E6692982-4A7D-4392-87CD-F0CD4B027DDE}"/>
                 </a:ext>
                 <a:ext uri="{C183D7F6-B498-43B3-948B-1728B52AA6E4}">
-                  <adec:decorative xmlns:adec="http://schemas.microsoft.com/office/drawing/2017/decorative" val="1"/>
+                  <adec:decorative xmlns:adec="http://schemas.microsoft.com/office/drawing/2017/decorative" xmlns="" val="1"/>
                 </a:ext>
               </a:extLst>
             </p:cNvPr>
@@ -5799,7 +5799,7 @@
                   <a16:creationId xmlns:a16="http://schemas.microsoft.com/office/drawing/2014/main" id="{196485F7-F277-4123-AC53-98EA4C858774}"/>
                 </a:ext>
                 <a:ext uri="{C183D7F6-B498-43B3-948B-1728B52AA6E4}">
-                  <adec:decorative xmlns:adec="http://schemas.microsoft.com/office/drawing/2017/decorative" val="1"/>
+                  <adec:decorative xmlns:adec="http://schemas.microsoft.com/office/drawing/2017/decorative" xmlns="" val="1"/>
                 </a:ext>
               </a:extLst>
             </p:cNvPr>
@@ -6837,7 +6837,7 @@
                 <a16:creationId xmlns:a16="http://schemas.microsoft.com/office/drawing/2014/main" id="{2EEE8F11-3582-44B7-9869-F2D26D7DD9D4}"/>
               </a:ext>
               <a:ext uri="{C183D7F6-B498-43B3-948B-1728B52AA6E4}">
-                <adec:decorative xmlns:adec="http://schemas.microsoft.com/office/drawing/2017/decorative" val="1"/>
+                <adec:decorative xmlns:adec="http://schemas.microsoft.com/office/drawing/2017/decorative" xmlns="" val="1"/>
               </a:ext>
             </a:extLst>
           </p:cNvPr>
@@ -7006,7 +7006,7 @@
                 <a16:creationId xmlns:a16="http://schemas.microsoft.com/office/drawing/2014/main" id="{2141F1CC-6A53-4BCF-9127-AABB52E2497E}"/>
               </a:ext>
               <a:ext uri="{C183D7F6-B498-43B3-948B-1728B52AA6E4}">
-                <adec:decorative xmlns:adec="http://schemas.microsoft.com/office/drawing/2017/decorative" val="1"/>
+                <adec:decorative xmlns:adec="http://schemas.microsoft.com/office/drawing/2017/decorative" xmlns="" val="1"/>
               </a:ext>
             </a:extLst>
           </p:cNvPr>
@@ -7183,7 +7183,7 @@
                 <a16:creationId xmlns:a16="http://schemas.microsoft.com/office/drawing/2014/main" id="{561B2B49-7142-4CA8-A929-4671548E6A5A}"/>
               </a:ext>
               <a:ext uri="{C183D7F6-B498-43B3-948B-1728B52AA6E4}">
-                <adec:decorative xmlns:adec="http://schemas.microsoft.com/office/drawing/2017/decorative" val="1"/>
+                <adec:decorative xmlns:adec="http://schemas.microsoft.com/office/drawing/2017/decorative" xmlns="" val="1"/>
               </a:ext>
             </a:extLst>
           </p:cNvPr>
@@ -7518,7 +7518,7 @@
                 <a:hlinkClick r:id="rId5">
                   <a:extLst>
                     <a:ext uri="{A12FA001-AC4F-418D-AE19-62706E023703}">
-                      <ahyp:hlinkClr xmlns:ahyp="http://schemas.microsoft.com/office/drawing/2018/hyperlinkcolor" val="tx"/>
+                      <ahyp:hlinkClr xmlns:ahyp="http://schemas.microsoft.com/office/drawing/2018/hyperlinkcolor" xmlns="" val="tx"/>
                     </a:ext>
                   </a:extLst>
                 </a:hlinkClick>
@@ -7543,7 +7543,7 @@
                 <a:hlinkClick r:id="rId6">
                   <a:extLst>
                     <a:ext uri="{A12FA001-AC4F-418D-AE19-62706E023703}">
-                      <ahyp:hlinkClr xmlns:ahyp="http://schemas.microsoft.com/office/drawing/2018/hyperlinkcolor" val="tx"/>
+                      <ahyp:hlinkClr xmlns:ahyp="http://schemas.microsoft.com/office/drawing/2018/hyperlinkcolor" xmlns="" val="tx"/>
                     </a:ext>
                   </a:extLst>
                 </a:hlinkClick>
@@ -7568,7 +7568,7 @@
                 <a:hlinkClick r:id="rId7">
                   <a:extLst>
                     <a:ext uri="{A12FA001-AC4F-418D-AE19-62706E023703}">
-                      <ahyp:hlinkClr xmlns:ahyp="http://schemas.microsoft.com/office/drawing/2018/hyperlinkcolor" val="tx"/>
+                      <ahyp:hlinkClr xmlns:ahyp="http://schemas.microsoft.com/office/drawing/2018/hyperlinkcolor" xmlns="" val="tx"/>
                     </a:ext>
                   </a:extLst>
                 </a:hlinkClick>
@@ -7602,7 +7602,7 @@
                 <a:hlinkClick r:id="rId8">
                   <a:extLst>
                     <a:ext uri="{A12FA001-AC4F-418D-AE19-62706E023703}">
-                      <ahyp:hlinkClr xmlns:ahyp="http://schemas.microsoft.com/office/drawing/2018/hyperlinkcolor" val="tx"/>
+                      <ahyp:hlinkClr xmlns:ahyp="http://schemas.microsoft.com/office/drawing/2018/hyperlinkcolor" xmlns="" val="tx"/>
                     </a:ext>
                   </a:extLst>
                 </a:hlinkClick>
@@ -7659,7 +7659,7 @@
                 <a16:creationId xmlns:a16="http://schemas.microsoft.com/office/drawing/2014/main" id="{EA67B5B4-3A24-436E-B663-1B2EBFF8A0CD}"/>
               </a:ext>
               <a:ext uri="{C183D7F6-B498-43B3-948B-1728B52AA6E4}">
-                <adec:decorative xmlns:adec="http://schemas.microsoft.com/office/drawing/2017/decorative" val="1"/>
+                <adec:decorative xmlns:adec="http://schemas.microsoft.com/office/drawing/2017/decorative" xmlns="" val="1"/>
               </a:ext>
             </a:extLst>
           </p:cNvPr>
@@ -7722,7 +7722,7 @@
                 <a16:creationId xmlns:a16="http://schemas.microsoft.com/office/drawing/2014/main" id="{987FDF89-C993-41F4-A1B8-DBAFF16008A9}"/>
               </a:ext>
               <a:ext uri="{C183D7F6-B498-43B3-948B-1728B52AA6E4}">
-                <adec:decorative xmlns:adec="http://schemas.microsoft.com/office/drawing/2017/decorative" val="1"/>
+                <adec:decorative xmlns:adec="http://schemas.microsoft.com/office/drawing/2017/decorative" xmlns="" val="1"/>
               </a:ext>
             </a:extLst>
           </p:cNvPr>
@@ -7830,7 +7830,7 @@
                 <a16:creationId xmlns:a16="http://schemas.microsoft.com/office/drawing/2014/main" id="{64E585EA-75FD-4025-8270-F66A58A15CDA}"/>
               </a:ext>
               <a:ext uri="{C183D7F6-B498-43B3-948B-1728B52AA6E4}">
-                <adec:decorative xmlns:adec="http://schemas.microsoft.com/office/drawing/2017/decorative" val="1"/>
+                <adec:decorative xmlns:adec="http://schemas.microsoft.com/office/drawing/2017/decorative" xmlns="" val="1"/>
               </a:ext>
             </a:extLst>
           </p:cNvPr>
@@ -8187,7 +8187,7 @@
                 <a16:creationId xmlns:a16="http://schemas.microsoft.com/office/drawing/2014/main" id="{5B32A67F-3598-4A13-8552-DA884FFCCE57}"/>
               </a:ext>
               <a:ext uri="{C183D7F6-B498-43B3-948B-1728B52AA6E4}">
-                <adec:decorative xmlns:adec="http://schemas.microsoft.com/office/drawing/2017/decorative" val="1"/>
+                <adec:decorative xmlns:adec="http://schemas.microsoft.com/office/drawing/2017/decorative" xmlns="" val="1"/>
               </a:ext>
             </a:extLst>
           </p:cNvPr>
@@ -8295,7 +8295,7 @@
                 <a16:creationId xmlns:a16="http://schemas.microsoft.com/office/drawing/2014/main" id="{BCC55ACC-A2F6-403C-A3A4-D59B3734D45F}"/>
               </a:ext>
               <a:ext uri="{C183D7F6-B498-43B3-948B-1728B52AA6E4}">
-                <adec:decorative xmlns:adec="http://schemas.microsoft.com/office/drawing/2017/decorative" val="1"/>
+                <adec:decorative xmlns:adec="http://schemas.microsoft.com/office/drawing/2017/decorative" xmlns="" val="1"/>
               </a:ext>
             </a:extLst>
           </p:cNvPr>
@@ -8496,7 +8496,7 @@
                 <a16:creationId xmlns:a16="http://schemas.microsoft.com/office/drawing/2014/main" id="{598EBA13-C937-430B-9523-439FE21096E6}"/>
               </a:ext>
               <a:ext uri="{C183D7F6-B498-43B3-948B-1728B52AA6E4}">
-                <adec:decorative xmlns:adec="http://schemas.microsoft.com/office/drawing/2017/decorative" val="1"/>
+                <adec:decorative xmlns:adec="http://schemas.microsoft.com/office/drawing/2017/decorative" xmlns="" val="1"/>
               </a:ext>
             </a:extLst>
           </p:cNvPr>
@@ -8708,7 +8708,7 @@
                 <a14:useLocalDpi xmlns:a14="http://schemas.microsoft.com/office/drawing/2010/main" val="0"/>
               </a:ext>
               <a:ext uri="{96DAC541-7B7A-43D3-8B79-37D633B846F1}">
-                <asvg:svgBlip xmlns:asvg="http://schemas.microsoft.com/office/drawing/2016/SVG/main" r:embed="rId3"/>
+                <asvg:svgBlip xmlns:asvg="http://schemas.microsoft.com/office/drawing/2016/SVG/main" xmlns="" r:embed="rId3"/>
               </a:ext>
             </a:extLst>
           </a:blip>
@@ -8772,7 +8772,7 @@
                 <a16:creationId xmlns:a16="http://schemas.microsoft.com/office/drawing/2014/main" id="{A3BAF07C-C39E-42EB-BB22-8D46691D9735}"/>
               </a:ext>
               <a:ext uri="{C183D7F6-B498-43B3-948B-1728B52AA6E4}">
-                <adec:decorative xmlns:adec="http://schemas.microsoft.com/office/drawing/2017/decorative" val="1"/>
+                <adec:decorative xmlns:adec="http://schemas.microsoft.com/office/drawing/2017/decorative" xmlns="" val="1"/>
               </a:ext>
             </a:extLst>
           </p:cNvPr>
@@ -8838,7 +8838,7 @@
                 <a16:creationId xmlns:a16="http://schemas.microsoft.com/office/drawing/2014/main" id="{D8E9CF54-0466-4261-9E62-0249E60E1886}"/>
               </a:ext>
               <a:ext uri="{C183D7F6-B498-43B3-948B-1728B52AA6E4}">
-                <adec:decorative xmlns:adec="http://schemas.microsoft.com/office/drawing/2017/decorative" val="1"/>
+                <adec:decorative xmlns:adec="http://schemas.microsoft.com/office/drawing/2017/decorative" xmlns="" val="1"/>
               </a:ext>
             </a:extLst>
           </p:cNvPr>
@@ -8869,7 +8869,7 @@
                   <a16:creationId xmlns:a16="http://schemas.microsoft.com/office/drawing/2014/main" id="{33E32106-E8B1-4F76-9EE6-58537738A3C4}"/>
                 </a:ext>
                 <a:ext uri="{C183D7F6-B498-43B3-948B-1728B52AA6E4}">
-                  <adec:decorative xmlns:adec="http://schemas.microsoft.com/office/drawing/2017/decorative" val="1"/>
+                  <adec:decorative xmlns:adec="http://schemas.microsoft.com/office/drawing/2017/decorative" xmlns="" val="1"/>
                 </a:ext>
               </a:extLst>
             </p:cNvPr>
@@ -8952,7 +8952,7 @@
                   <a16:creationId xmlns:a16="http://schemas.microsoft.com/office/drawing/2014/main" id="{C32C2C46-A045-44FB-8A74-5EBD650C2787}"/>
                 </a:ext>
                 <a:ext uri="{C183D7F6-B498-43B3-948B-1728B52AA6E4}">
-                  <adec:decorative xmlns:adec="http://schemas.microsoft.com/office/drawing/2017/decorative" val="1"/>
+                  <adec:decorative xmlns:adec="http://schemas.microsoft.com/office/drawing/2017/decorative" xmlns="" val="1"/>
                 </a:ext>
               </a:extLst>
             </p:cNvPr>
@@ -9035,7 +9035,7 @@
                   <a16:creationId xmlns:a16="http://schemas.microsoft.com/office/drawing/2014/main" id="{6A76F79C-6683-4940-BCF7-4BCCCEE40688}"/>
                 </a:ext>
                 <a:ext uri="{C183D7F6-B498-43B3-948B-1728B52AA6E4}">
-                  <adec:decorative xmlns:adec="http://schemas.microsoft.com/office/drawing/2017/decorative" val="1"/>
+                  <adec:decorative xmlns:adec="http://schemas.microsoft.com/office/drawing/2017/decorative" xmlns="" val="1"/>
                 </a:ext>
               </a:extLst>
             </p:cNvPr>
@@ -9123,7 +9123,7 @@
                   <a16:creationId xmlns:a16="http://schemas.microsoft.com/office/drawing/2014/main" id="{FF4675A3-6D07-4B1F-9BFC-AEBEA1AD067D}"/>
                 </a:ext>
                 <a:ext uri="{C183D7F6-B498-43B3-948B-1728B52AA6E4}">
-                  <adec:decorative xmlns:adec="http://schemas.microsoft.com/office/drawing/2017/decorative" val="1"/>
+                  <adec:decorative xmlns:adec="http://schemas.microsoft.com/office/drawing/2017/decorative" xmlns="" val="1"/>
                 </a:ext>
               </a:extLst>
             </p:cNvPr>
@@ -9201,7 +9201,7 @@
                   <a16:creationId xmlns:a16="http://schemas.microsoft.com/office/drawing/2014/main" id="{765E127A-B6B7-4B1D-B7BD-6C8C969D29C3}"/>
                 </a:ext>
                 <a:ext uri="{C183D7F6-B498-43B3-948B-1728B52AA6E4}">
-                  <adec:decorative xmlns:adec="http://schemas.microsoft.com/office/drawing/2017/decorative" val="1"/>
+                  <adec:decorative xmlns:adec="http://schemas.microsoft.com/office/drawing/2017/decorative" xmlns="" val="1"/>
                 </a:ext>
               </a:extLst>
             </p:cNvPr>
@@ -9269,7 +9269,7 @@
                   <a16:creationId xmlns:a16="http://schemas.microsoft.com/office/drawing/2014/main" id="{3BCA9D9E-C72C-4751-BFA9-10B85CACE3CA}"/>
                 </a:ext>
                 <a:ext uri="{C183D7F6-B498-43B3-948B-1728B52AA6E4}">
-                  <adec:decorative xmlns:adec="http://schemas.microsoft.com/office/drawing/2017/decorative" val="1"/>
+                  <adec:decorative xmlns:adec="http://schemas.microsoft.com/office/drawing/2017/decorative" xmlns="" val="1"/>
                 </a:ext>
               </a:extLst>
             </p:cNvPr>
@@ -9347,7 +9347,7 @@
                   <a16:creationId xmlns:a16="http://schemas.microsoft.com/office/drawing/2014/main" id="{080C708C-69BF-441B-AB75-C98160ED06DE}"/>
                 </a:ext>
                 <a:ext uri="{C183D7F6-B498-43B3-948B-1728B52AA6E4}">
-                  <adec:decorative xmlns:adec="http://schemas.microsoft.com/office/drawing/2017/decorative" val="1"/>
+                  <adec:decorative xmlns:adec="http://schemas.microsoft.com/office/drawing/2017/decorative" xmlns="" val="1"/>
                 </a:ext>
               </a:extLst>
             </p:cNvPr>
@@ -9420,7 +9420,7 @@
                   <a16:creationId xmlns:a16="http://schemas.microsoft.com/office/drawing/2014/main" id="{3E79964E-F8F1-4763-8892-7BC3DAE306E9}"/>
                 </a:ext>
                 <a:ext uri="{C183D7F6-B498-43B3-948B-1728B52AA6E4}">
-                  <adec:decorative xmlns:adec="http://schemas.microsoft.com/office/drawing/2017/decorative" val="1"/>
+                  <adec:decorative xmlns:adec="http://schemas.microsoft.com/office/drawing/2017/decorative" xmlns="" val="1"/>
                 </a:ext>
               </a:extLst>
             </p:cNvPr>
@@ -9488,7 +9488,7 @@
                   <a16:creationId xmlns:a16="http://schemas.microsoft.com/office/drawing/2014/main" id="{FE09592A-FCC9-4AE5-BA0B-730C6F3BBE95}"/>
                 </a:ext>
                 <a:ext uri="{C183D7F6-B498-43B3-948B-1728B52AA6E4}">
-                  <adec:decorative xmlns:adec="http://schemas.microsoft.com/office/drawing/2017/decorative" val="1"/>
+                  <adec:decorative xmlns:adec="http://schemas.microsoft.com/office/drawing/2017/decorative" xmlns="" val="1"/>
                 </a:ext>
               </a:extLst>
             </p:cNvPr>
@@ -9561,7 +9561,7 @@
                   <a16:creationId xmlns:a16="http://schemas.microsoft.com/office/drawing/2014/main" id="{96448994-820C-4BC1-ABF3-4579C6F99A63}"/>
                 </a:ext>
                 <a:ext uri="{C183D7F6-B498-43B3-948B-1728B52AA6E4}">
-                  <adec:decorative xmlns:adec="http://schemas.microsoft.com/office/drawing/2017/decorative" val="1"/>
+                  <adec:decorative xmlns:adec="http://schemas.microsoft.com/office/drawing/2017/decorative" xmlns="" val="1"/>
                 </a:ext>
               </a:extLst>
             </p:cNvPr>
@@ -9629,7 +9629,7 @@
                   <a16:creationId xmlns:a16="http://schemas.microsoft.com/office/drawing/2014/main" id="{9BB0D192-565A-42B9-B292-CC032D71A6A1}"/>
                 </a:ext>
                 <a:ext uri="{C183D7F6-B498-43B3-948B-1728B52AA6E4}">
-                  <adec:decorative xmlns:adec="http://schemas.microsoft.com/office/drawing/2017/decorative" val="1"/>
+                  <adec:decorative xmlns:adec="http://schemas.microsoft.com/office/drawing/2017/decorative" xmlns="" val="1"/>
                 </a:ext>
               </a:extLst>
             </p:cNvPr>
@@ -9702,7 +9702,7 @@
                   <a16:creationId xmlns:a16="http://schemas.microsoft.com/office/drawing/2014/main" id="{6D1CA09C-5F40-4E92-A7E9-D1FCEE51283D}"/>
                 </a:ext>
                 <a:ext uri="{C183D7F6-B498-43B3-948B-1728B52AA6E4}">
-                  <adec:decorative xmlns:adec="http://schemas.microsoft.com/office/drawing/2017/decorative" val="1"/>
+                  <adec:decorative xmlns:adec="http://schemas.microsoft.com/office/drawing/2017/decorative" xmlns="" val="1"/>
                 </a:ext>
               </a:extLst>
             </p:cNvPr>
@@ -9770,7 +9770,7 @@
                   <a16:creationId xmlns:a16="http://schemas.microsoft.com/office/drawing/2014/main" id="{379F5AA5-2E14-4880-A5A6-07AEF2AD89DB}"/>
                 </a:ext>
                 <a:ext uri="{C183D7F6-B498-43B3-948B-1728B52AA6E4}">
-                  <adec:decorative xmlns:adec="http://schemas.microsoft.com/office/drawing/2017/decorative" val="1"/>
+                  <adec:decorative xmlns:adec="http://schemas.microsoft.com/office/drawing/2017/decorative" xmlns="" val="1"/>
                 </a:ext>
               </a:extLst>
             </p:cNvPr>
@@ -9843,7 +9843,7 @@
                   <a16:creationId xmlns:a16="http://schemas.microsoft.com/office/drawing/2014/main" id="{EF14BD32-D239-4DA3-98B3-7752073657CC}"/>
                 </a:ext>
                 <a:ext uri="{C183D7F6-B498-43B3-948B-1728B52AA6E4}">
-                  <adec:decorative xmlns:adec="http://schemas.microsoft.com/office/drawing/2017/decorative" val="1"/>
+                  <adec:decorative xmlns:adec="http://schemas.microsoft.com/office/drawing/2017/decorative" xmlns="" val="1"/>
                 </a:ext>
               </a:extLst>
             </p:cNvPr>
@@ -9916,7 +9916,7 @@
                   <a16:creationId xmlns:a16="http://schemas.microsoft.com/office/drawing/2014/main" id="{CF07B250-E5E4-4624-9BD7-8D513A67B731}"/>
                 </a:ext>
                 <a:ext uri="{C183D7F6-B498-43B3-948B-1728B52AA6E4}">
-                  <adec:decorative xmlns:adec="http://schemas.microsoft.com/office/drawing/2017/decorative" val="1"/>
+                  <adec:decorative xmlns:adec="http://schemas.microsoft.com/office/drawing/2017/decorative" xmlns="" val="1"/>
                 </a:ext>
               </a:extLst>
             </p:cNvPr>
@@ -9989,7 +9989,7 @@
                   <a16:creationId xmlns:a16="http://schemas.microsoft.com/office/drawing/2014/main" id="{BCC5D120-7C8C-4290-865C-4EE6E4F245F9}"/>
                 </a:ext>
                 <a:ext uri="{C183D7F6-B498-43B3-948B-1728B52AA6E4}">
-                  <adec:decorative xmlns:adec="http://schemas.microsoft.com/office/drawing/2017/decorative" val="1"/>
+                  <adec:decorative xmlns:adec="http://schemas.microsoft.com/office/drawing/2017/decorative" xmlns="" val="1"/>
                 </a:ext>
               </a:extLst>
             </p:cNvPr>
@@ -10057,7 +10057,7 @@
                   <a16:creationId xmlns:a16="http://schemas.microsoft.com/office/drawing/2014/main" id="{C24688C6-CAE5-4EF2-B2BA-A138DA0A24B9}"/>
                 </a:ext>
                 <a:ext uri="{C183D7F6-B498-43B3-948B-1728B52AA6E4}">
-                  <adec:decorative xmlns:adec="http://schemas.microsoft.com/office/drawing/2017/decorative" val="1"/>
+                  <adec:decorative xmlns:adec="http://schemas.microsoft.com/office/drawing/2017/decorative" xmlns="" val="1"/>
                 </a:ext>
               </a:extLst>
             </p:cNvPr>
@@ -10125,7 +10125,7 @@
                   <a16:creationId xmlns:a16="http://schemas.microsoft.com/office/drawing/2014/main" id="{6BD31099-7C13-4901-A04F-632B1CD84627}"/>
                 </a:ext>
                 <a:ext uri="{C183D7F6-B498-43B3-948B-1728B52AA6E4}">
-                  <adec:decorative xmlns:adec="http://schemas.microsoft.com/office/drawing/2017/decorative" val="1"/>
+                  <adec:decorative xmlns:adec="http://schemas.microsoft.com/office/drawing/2017/decorative" xmlns="" val="1"/>
                 </a:ext>
               </a:extLst>
             </p:cNvPr>
@@ -10193,7 +10193,7 @@
                   <a16:creationId xmlns:a16="http://schemas.microsoft.com/office/drawing/2014/main" id="{679F5FF7-82B2-4033-8FBE-63170C937833}"/>
                 </a:ext>
                 <a:ext uri="{C183D7F6-B498-43B3-948B-1728B52AA6E4}">
-                  <adec:decorative xmlns:adec="http://schemas.microsoft.com/office/drawing/2017/decorative" val="1"/>
+                  <adec:decorative xmlns:adec="http://schemas.microsoft.com/office/drawing/2017/decorative" xmlns="" val="1"/>
                 </a:ext>
               </a:extLst>
             </p:cNvPr>
@@ -10304,7 +10304,7 @@
                 <a16:creationId xmlns:a16="http://schemas.microsoft.com/office/drawing/2014/main" id="{44C110BA-81E8-4247-853A-5F2B93E92E46}"/>
               </a:ext>
               <a:ext uri="{C183D7F6-B498-43B3-948B-1728B52AA6E4}">
-                <adec:decorative xmlns:adec="http://schemas.microsoft.com/office/drawing/2017/decorative" val="1"/>
+                <adec:decorative xmlns:adec="http://schemas.microsoft.com/office/drawing/2017/decorative" xmlns="" val="1"/>
               </a:ext>
             </a:extLst>
           </p:cNvPr>
@@ -10585,7 +10585,7 @@
                 <a16:creationId xmlns:a16="http://schemas.microsoft.com/office/drawing/2014/main" id="{A3BAF07C-C39E-42EB-BB22-8D46691D9735}"/>
               </a:ext>
               <a:ext uri="{C183D7F6-B498-43B3-948B-1728B52AA6E4}">
-                <adec:decorative xmlns:adec="http://schemas.microsoft.com/office/drawing/2017/decorative" val="1"/>
+                <adec:decorative xmlns:adec="http://schemas.microsoft.com/office/drawing/2017/decorative" xmlns="" val="1"/>
               </a:ext>
             </a:extLst>
           </p:cNvPr>
@@ -10651,7 +10651,7 @@
                 <a16:creationId xmlns:a16="http://schemas.microsoft.com/office/drawing/2014/main" id="{D8E9CF54-0466-4261-9E62-0249E60E1886}"/>
               </a:ext>
               <a:ext uri="{C183D7F6-B498-43B3-948B-1728B52AA6E4}">
-                <adec:decorative xmlns:adec="http://schemas.microsoft.com/office/drawing/2017/decorative" val="1"/>
+                <adec:decorative xmlns:adec="http://schemas.microsoft.com/office/drawing/2017/decorative" xmlns="" val="1"/>
               </a:ext>
             </a:extLst>
           </p:cNvPr>
@@ -10682,7 +10682,7 @@
                   <a16:creationId xmlns:a16="http://schemas.microsoft.com/office/drawing/2014/main" id="{33E32106-E8B1-4F76-9EE6-58537738A3C4}"/>
                 </a:ext>
                 <a:ext uri="{C183D7F6-B498-43B3-948B-1728B52AA6E4}">
-                  <adec:decorative xmlns:adec="http://schemas.microsoft.com/office/drawing/2017/decorative" val="1"/>
+                  <adec:decorative xmlns:adec="http://schemas.microsoft.com/office/drawing/2017/decorative" xmlns="" val="1"/>
                 </a:ext>
               </a:extLst>
             </p:cNvPr>
@@ -10765,7 +10765,7 @@
                   <a16:creationId xmlns:a16="http://schemas.microsoft.com/office/drawing/2014/main" id="{C32C2C46-A045-44FB-8A74-5EBD650C2787}"/>
                 </a:ext>
                 <a:ext uri="{C183D7F6-B498-43B3-948B-1728B52AA6E4}">
-                  <adec:decorative xmlns:adec="http://schemas.microsoft.com/office/drawing/2017/decorative" val="1"/>
+                  <adec:decorative xmlns:adec="http://schemas.microsoft.com/office/drawing/2017/decorative" xmlns="" val="1"/>
                 </a:ext>
               </a:extLst>
             </p:cNvPr>
@@ -10848,7 +10848,7 @@
                   <a16:creationId xmlns:a16="http://schemas.microsoft.com/office/drawing/2014/main" id="{6A76F79C-6683-4940-BCF7-4BCCCEE40688}"/>
                 </a:ext>
                 <a:ext uri="{C183D7F6-B498-43B3-948B-1728B52AA6E4}">
-                  <adec:decorative xmlns:adec="http://schemas.microsoft.com/office/drawing/2017/decorative" val="1"/>
+                  <adec:decorative xmlns:adec="http://schemas.microsoft.com/office/drawing/2017/decorative" xmlns="" val="1"/>
                 </a:ext>
               </a:extLst>
             </p:cNvPr>
@@ -10936,7 +10936,7 @@
                   <a16:creationId xmlns:a16="http://schemas.microsoft.com/office/drawing/2014/main" id="{FF4675A3-6D07-4B1F-9BFC-AEBEA1AD067D}"/>
                 </a:ext>
                 <a:ext uri="{C183D7F6-B498-43B3-948B-1728B52AA6E4}">
-                  <adec:decorative xmlns:adec="http://schemas.microsoft.com/office/drawing/2017/decorative" val="1"/>
+                  <adec:decorative xmlns:adec="http://schemas.microsoft.com/office/drawing/2017/decorative" xmlns="" val="1"/>
                 </a:ext>
               </a:extLst>
             </p:cNvPr>
@@ -11014,7 +11014,7 @@
                   <a16:creationId xmlns:a16="http://schemas.microsoft.com/office/drawing/2014/main" id="{765E127A-B6B7-4B1D-B7BD-6C8C969D29C3}"/>
                 </a:ext>
                 <a:ext uri="{C183D7F6-B498-43B3-948B-1728B52AA6E4}">
-                  <adec:decorative xmlns:adec="http://schemas.microsoft.com/office/drawing/2017/decorative" val="1"/>
+                  <adec:decorative xmlns:adec="http://schemas.microsoft.com/office/drawing/2017/decorative" xmlns="" val="1"/>
                 </a:ext>
               </a:extLst>
             </p:cNvPr>
@@ -11082,7 +11082,7 @@
                   <a16:creationId xmlns:a16="http://schemas.microsoft.com/office/drawing/2014/main" id="{3BCA9D9E-C72C-4751-BFA9-10B85CACE3CA}"/>
                 </a:ext>
                 <a:ext uri="{C183D7F6-B498-43B3-948B-1728B52AA6E4}">
-                  <adec:decorative xmlns:adec="http://schemas.microsoft.com/office/drawing/2017/decorative" val="1"/>
+                  <adec:decorative xmlns:adec="http://schemas.microsoft.com/office/drawing/2017/decorative" xmlns="" val="1"/>
                 </a:ext>
               </a:extLst>
             </p:cNvPr>
@@ -11160,7 +11160,7 @@
                   <a16:creationId xmlns:a16="http://schemas.microsoft.com/office/drawing/2014/main" id="{080C708C-69BF-441B-AB75-C98160ED06DE}"/>
                 </a:ext>
                 <a:ext uri="{C183D7F6-B498-43B3-948B-1728B52AA6E4}">
-                  <adec:decorative xmlns:adec="http://schemas.microsoft.com/office/drawing/2017/decorative" val="1"/>
+                  <adec:decorative xmlns:adec="http://schemas.microsoft.com/office/drawing/2017/decorative" xmlns="" val="1"/>
                 </a:ext>
               </a:extLst>
             </p:cNvPr>
@@ -11233,7 +11233,7 @@
                   <a16:creationId xmlns:a16="http://schemas.microsoft.com/office/drawing/2014/main" id="{3E79964E-F8F1-4763-8892-7BC3DAE306E9}"/>
                 </a:ext>
                 <a:ext uri="{C183D7F6-B498-43B3-948B-1728B52AA6E4}">
-                  <adec:decorative xmlns:adec="http://schemas.microsoft.com/office/drawing/2017/decorative" val="1"/>
+                  <adec:decorative xmlns:adec="http://schemas.microsoft.com/office/drawing/2017/decorative" xmlns="" val="1"/>
                 </a:ext>
               </a:extLst>
             </p:cNvPr>
@@ -11301,7 +11301,7 @@
                   <a16:creationId xmlns:a16="http://schemas.microsoft.com/office/drawing/2014/main" id="{FE09592A-FCC9-4AE5-BA0B-730C6F3BBE95}"/>
                 </a:ext>
                 <a:ext uri="{C183D7F6-B498-43B3-948B-1728B52AA6E4}">
-                  <adec:decorative xmlns:adec="http://schemas.microsoft.com/office/drawing/2017/decorative" val="1"/>
+                  <adec:decorative xmlns:adec="http://schemas.microsoft.com/office/drawing/2017/decorative" xmlns="" val="1"/>
                 </a:ext>
               </a:extLst>
             </p:cNvPr>
@@ -11374,7 +11374,7 @@
                   <a16:creationId xmlns:a16="http://schemas.microsoft.com/office/drawing/2014/main" id="{96448994-820C-4BC1-ABF3-4579C6F99A63}"/>
                 </a:ext>
                 <a:ext uri="{C183D7F6-B498-43B3-948B-1728B52AA6E4}">
-                  <adec:decorative xmlns:adec="http://schemas.microsoft.com/office/drawing/2017/decorative" val="1"/>
+                  <adec:decorative xmlns:adec="http://schemas.microsoft.com/office/drawing/2017/decorative" xmlns="" val="1"/>
                 </a:ext>
               </a:extLst>
             </p:cNvPr>
@@ -11442,7 +11442,7 @@
                   <a16:creationId xmlns:a16="http://schemas.microsoft.com/office/drawing/2014/main" id="{9BB0D192-565A-42B9-B292-CC032D71A6A1}"/>
                 </a:ext>
                 <a:ext uri="{C183D7F6-B498-43B3-948B-1728B52AA6E4}">
-                  <adec:decorative xmlns:adec="http://schemas.microsoft.com/office/drawing/2017/decorative" val="1"/>
+                  <adec:decorative xmlns:adec="http://schemas.microsoft.com/office/drawing/2017/decorative" xmlns="" val="1"/>
                 </a:ext>
               </a:extLst>
             </p:cNvPr>
@@ -11515,7 +11515,7 @@
                   <a16:creationId xmlns:a16="http://schemas.microsoft.com/office/drawing/2014/main" id="{6D1CA09C-5F40-4E92-A7E9-D1FCEE51283D}"/>
                 </a:ext>
                 <a:ext uri="{C183D7F6-B498-43B3-948B-1728B52AA6E4}">
-                  <adec:decorative xmlns:adec="http://schemas.microsoft.com/office/drawing/2017/decorative" val="1"/>
+                  <adec:decorative xmlns:adec="http://schemas.microsoft.com/office/drawing/2017/decorative" xmlns="" val="1"/>
                 </a:ext>
               </a:extLst>
             </p:cNvPr>
@@ -11583,7 +11583,7 @@
                   <a16:creationId xmlns:a16="http://schemas.microsoft.com/office/drawing/2014/main" id="{379F5AA5-2E14-4880-A5A6-07AEF2AD89DB}"/>
                 </a:ext>
                 <a:ext uri="{C183D7F6-B498-43B3-948B-1728B52AA6E4}">
-                  <adec:decorative xmlns:adec="http://schemas.microsoft.com/office/drawing/2017/decorative" val="1"/>
+                  <adec:decorative xmlns:adec="http://schemas.microsoft.com/office/drawing/2017/decorative" xmlns="" val="1"/>
                 </a:ext>
               </a:extLst>
             </p:cNvPr>
@@ -11656,7 +11656,7 @@
                   <a16:creationId xmlns:a16="http://schemas.microsoft.com/office/drawing/2014/main" id="{EF14BD32-D239-4DA3-98B3-7752073657CC}"/>
                 </a:ext>
                 <a:ext uri="{C183D7F6-B498-43B3-948B-1728B52AA6E4}">
-                  <adec:decorative xmlns:adec="http://schemas.microsoft.com/office/drawing/2017/decorative" val="1"/>
+                  <adec:decorative xmlns:adec="http://schemas.microsoft.com/office/drawing/2017/decorative" xmlns="" val="1"/>
                 </a:ext>
               </a:extLst>
             </p:cNvPr>
@@ -11729,7 +11729,7 @@
                   <a16:creationId xmlns:a16="http://schemas.microsoft.com/office/drawing/2014/main" id="{CF07B250-E5E4-4624-9BD7-8D513A67B731}"/>
                 </a:ext>
                 <a:ext uri="{C183D7F6-B498-43B3-948B-1728B52AA6E4}">
-                  <adec:decorative xmlns:adec="http://schemas.microsoft.com/office/drawing/2017/decorative" val="1"/>
+                  <adec:decorative xmlns:adec="http://schemas.microsoft.com/office/drawing/2017/decorative" xmlns="" val="1"/>
                 </a:ext>
               </a:extLst>
             </p:cNvPr>
@@ -11802,7 +11802,7 @@
                   <a16:creationId xmlns:a16="http://schemas.microsoft.com/office/drawing/2014/main" id="{BCC5D120-7C8C-4290-865C-4EE6E4F245F9}"/>
                 </a:ext>
                 <a:ext uri="{C183D7F6-B498-43B3-948B-1728B52AA6E4}">
-                  <adec:decorative xmlns:adec="http://schemas.microsoft.com/office/drawing/2017/decorative" val="1"/>
+                  <adec:decorative xmlns:adec="http://schemas.microsoft.com/office/drawing/2017/decorative" xmlns="" val="1"/>
                 </a:ext>
               </a:extLst>
             </p:cNvPr>
@@ -11870,7 +11870,7 @@
                   <a16:creationId xmlns:a16="http://schemas.microsoft.com/office/drawing/2014/main" id="{C24688C6-CAE5-4EF2-B2BA-A138DA0A24B9}"/>
                 </a:ext>
                 <a:ext uri="{C183D7F6-B498-43B3-948B-1728B52AA6E4}">
-                  <adec:decorative xmlns:adec="http://schemas.microsoft.com/office/drawing/2017/decorative" val="1"/>
+                  <adec:decorative xmlns:adec="http://schemas.microsoft.com/office/drawing/2017/decorative" xmlns="" val="1"/>
                 </a:ext>
               </a:extLst>
             </p:cNvPr>
@@ -11938,7 +11938,7 @@
                   <a16:creationId xmlns:a16="http://schemas.microsoft.com/office/drawing/2014/main" id="{6BD31099-7C13-4901-A04F-632B1CD84627}"/>
                 </a:ext>
                 <a:ext uri="{C183D7F6-B498-43B3-948B-1728B52AA6E4}">
-                  <adec:decorative xmlns:adec="http://schemas.microsoft.com/office/drawing/2017/decorative" val="1"/>
+                  <adec:decorative xmlns:adec="http://schemas.microsoft.com/office/drawing/2017/decorative" xmlns="" val="1"/>
                 </a:ext>
               </a:extLst>
             </p:cNvPr>
@@ -12006,7 +12006,7 @@
                   <a16:creationId xmlns:a16="http://schemas.microsoft.com/office/drawing/2014/main" id="{679F5FF7-82B2-4033-8FBE-63170C937833}"/>
                 </a:ext>
                 <a:ext uri="{C183D7F6-B498-43B3-948B-1728B52AA6E4}">
-                  <adec:decorative xmlns:adec="http://schemas.microsoft.com/office/drawing/2017/decorative" val="1"/>
+                  <adec:decorative xmlns:adec="http://schemas.microsoft.com/office/drawing/2017/decorative" xmlns="" val="1"/>
                 </a:ext>
               </a:extLst>
             </p:cNvPr>
@@ -12099,6 +12099,10 @@
             <a:r>
               <a:rPr lang="en-US" sz="4000" b="1" dirty="0"/>
               <a:t>Conversion stage </a:t>
+            </a:r>
+            <a:r>
+              <a:rPr lang="en-US" sz="4000" dirty="0"/>
+              <a:t/>
             </a:r>
             <a:br>
               <a:rPr lang="en-US" sz="4000" dirty="0"/>
@@ -12219,7 +12223,15 @@
             </a:r>
             <a:r>
               <a:rPr lang="en-US" sz="3200" i="1" dirty="0"/>
-              <a:t>Our preferred solution</a:t>
+              <a:t>Our </a:t>
+            </a:r>
+            <a:r>
+              <a:rPr lang="en-US" sz="3200" i="1" dirty="0" smtClean="0"/>
+              <a:t>First </a:t>
+            </a:r>
+            <a:r>
+              <a:rPr lang="en-US" sz="3200" i="1" dirty="0"/>
+              <a:t>solution</a:t>
             </a:r>
             <a:endParaRPr lang="en-US" sz="1800" i="1" dirty="0"/>
           </a:p>
@@ -12274,7 +12286,7 @@
                 <a16:creationId xmlns:a16="http://schemas.microsoft.com/office/drawing/2014/main" id="{B0792D4F-247E-46FE-85FC-881DEFA41D94}"/>
               </a:ext>
               <a:ext uri="{C183D7F6-B498-43B3-948B-1728B52AA6E4}">
-                <adec:decorative xmlns:adec="http://schemas.microsoft.com/office/drawing/2017/decorative" val="1"/>
+                <adec:decorative xmlns:adec="http://schemas.microsoft.com/office/drawing/2017/decorative" xmlns="" val="1"/>
               </a:ext>
             </a:extLst>
           </p:cNvPr>
@@ -12499,7 +12511,7 @@
                 <a16:creationId xmlns:a16="http://schemas.microsoft.com/office/drawing/2014/main" id="{749A7284-D010-4ACB-A08A-FC3C3689B5EB}"/>
               </a:ext>
               <a:ext uri="{C183D7F6-B498-43B3-948B-1728B52AA6E4}">
-                <adec:decorative xmlns:adec="http://schemas.microsoft.com/office/drawing/2017/decorative" val="1"/>
+                <adec:decorative xmlns:adec="http://schemas.microsoft.com/office/drawing/2017/decorative" xmlns="" val="1"/>
               </a:ext>
             </a:extLst>
           </p:cNvPr>
@@ -12674,7 +12686,7 @@
                 <a16:creationId xmlns:a16="http://schemas.microsoft.com/office/drawing/2014/main" id="{A7AE9375-4664-4DB2-922D-2782A6E439AC}"/>
               </a:ext>
               <a:ext uri="{C183D7F6-B498-43B3-948B-1728B52AA6E4}">
-                <adec:decorative xmlns:adec="http://schemas.microsoft.com/office/drawing/2017/decorative" val="1"/>
+                <adec:decorative xmlns:adec="http://schemas.microsoft.com/office/drawing/2017/decorative" xmlns="" val="1"/>
               </a:ext>
             </a:extLst>
           </p:cNvPr>
@@ -12783,7 +12795,7 @@
                 <a16:creationId xmlns:a16="http://schemas.microsoft.com/office/drawing/2014/main" id="{EE504C98-6397-41C1-A8D8-2D9C4ED307E0}"/>
               </a:ext>
               <a:ext uri="{C183D7F6-B498-43B3-948B-1728B52AA6E4}">
-                <adec:decorative xmlns:adec="http://schemas.microsoft.com/office/drawing/2017/decorative" val="1"/>
+                <adec:decorative xmlns:adec="http://schemas.microsoft.com/office/drawing/2017/decorative" xmlns="" val="1"/>
               </a:ext>
             </a:extLst>
           </p:cNvPr>
@@ -12871,7 +12883,7 @@
                 <a16:creationId xmlns:a16="http://schemas.microsoft.com/office/drawing/2014/main" id="{C87417AF-190E-4D6E-AFA6-7D3E84B0B430}"/>
               </a:ext>
               <a:ext uri="{C183D7F6-B498-43B3-948B-1728B52AA6E4}">
-                <adec:decorative xmlns:adec="http://schemas.microsoft.com/office/drawing/2017/decorative" val="1"/>
+                <adec:decorative xmlns:adec="http://schemas.microsoft.com/office/drawing/2017/decorative" xmlns="" val="1"/>
               </a:ext>
             </a:extLst>
           </p:cNvPr>
@@ -12970,7 +12982,7 @@
                 <a16:creationId xmlns:a16="http://schemas.microsoft.com/office/drawing/2014/main" id="{80B30ED8-273E-4C07-8568-2FE5CC5C483D}"/>
               </a:ext>
               <a:ext uri="{C183D7F6-B498-43B3-948B-1728B52AA6E4}">
-                <adec:decorative xmlns:adec="http://schemas.microsoft.com/office/drawing/2017/decorative" val="1"/>
+                <adec:decorative xmlns:adec="http://schemas.microsoft.com/office/drawing/2017/decorative" xmlns="" val="1"/>
               </a:ext>
             </a:extLst>
           </p:cNvPr>
@@ -13376,7 +13388,7 @@
                 <a16:creationId xmlns:a16="http://schemas.microsoft.com/office/drawing/2014/main" id="{F2B38F72-8FC4-4001-8C67-FA6B86DEC767}"/>
               </a:ext>
               <a:ext uri="{C183D7F6-B498-43B3-948B-1728B52AA6E4}">
-                <adec:decorative xmlns:adec="http://schemas.microsoft.com/office/drawing/2017/decorative" val="1"/>
+                <adec:decorative xmlns:adec="http://schemas.microsoft.com/office/drawing/2017/decorative" xmlns="" val="1"/>
               </a:ext>
             </a:extLst>
           </p:cNvPr>
@@ -13537,9 +13549,10 @@
           <a:p>
             <a:pPr algn="ctr"/>
             <a:r>
-              <a:rPr lang="en-US" sz="3200" dirty="0"/>
-              <a:t>Full circuit (Final)</a:t>
+              <a:rPr lang="en-US" sz="3200" dirty="0" smtClean="0"/>
+              <a:t>New Solution</a:t>
             </a:r>
+            <a:endParaRPr lang="en-US" sz="3200" dirty="0"/>
           </a:p>
         </p:txBody>
       </p:sp>
@@ -13693,7 +13706,7 @@
                 <a16:creationId xmlns:a16="http://schemas.microsoft.com/office/drawing/2014/main" id="{C800968E-0A99-46C4-A9B2-6A63AC66F4B0}"/>
               </a:ext>
               <a:ext uri="{C183D7F6-B498-43B3-948B-1728B52AA6E4}">
-                <adec:decorative xmlns:adec="http://schemas.microsoft.com/office/drawing/2017/decorative" val="1"/>
+                <adec:decorative xmlns:adec="http://schemas.microsoft.com/office/drawing/2017/decorative" xmlns="" val="1"/>
               </a:ext>
             </a:extLst>
           </p:cNvPr>
@@ -13783,7 +13796,7 @@
                 <a16:creationId xmlns:a16="http://schemas.microsoft.com/office/drawing/2014/main" id="{D12DDE76-C203-4047-9998-63900085B5E8}"/>
               </a:ext>
               <a:ext uri="{C183D7F6-B498-43B3-948B-1728B52AA6E4}">
-                <adec:decorative xmlns:adec="http://schemas.microsoft.com/office/drawing/2017/decorative" val="1"/>
+                <adec:decorative xmlns:adec="http://schemas.microsoft.com/office/drawing/2017/decorative" xmlns="" val="1"/>
               </a:ext>
             </a:extLst>
           </p:cNvPr>

--- a/assignments_material/LPS-progress-review-december_2021.pptx
+++ b/assignments_material/LPS-progress-review-december_2021.pptx
@@ -132,23 +132,22 @@
         <inkml:traceFormat>
           <inkml:channel name="X" type="integer" min="-2.14748E9" max="2.14748E9" units="cm"/>
           <inkml:channel name="Y" type="integer" min="-2.14748E9" max="2.14748E9" units="cm"/>
-          <inkml:channel name="F" type="integer" max="32767" units="dev"/>
         </inkml:traceFormat>
         <inkml:channelProperties>
           <inkml:channelProperty channel="X" name="resolution" value="1000" units="1/cm"/>
           <inkml:channelProperty channel="Y" name="resolution" value="1000" units="1/cm"/>
-          <inkml:channelProperty channel="F" name="resolution" value="0" units="1/dev"/>
         </inkml:channelProperties>
       </inkml:inkSource>
-      <inkml:timestamp xml:id="ts0" timeString="2021-12-28T16:14:54.437"/>
+      <inkml:timestamp xml:id="ts0" timeString="2021-12-29T11:44:20.145"/>
     </inkml:context>
     <inkml:brush xml:id="br0">
-      <inkml:brushProperty name="width" value="0.05" units="cm"/>
-      <inkml:brushProperty name="height" value="0.05" units="cm"/>
+      <inkml:brushProperty name="width" value="0.2" units="cm"/>
+      <inkml:brushProperty name="height" value="0.2" units="cm"/>
       <inkml:brushProperty name="color" value="#E71224"/>
+      <inkml:brushProperty name="ignorePressure" value="1"/>
     </inkml:brush>
   </inkml:definitions>
-  <inkml:trace contextRef="#ctx0" brushRef="#br0">0 1 24575,'924'0'0,"-894"1"-682,53 8-1,-48-3-6143</inkml:trace>
+  <inkml:trace contextRef="#ctx0" brushRef="#br0">0 1,'899'0,"-851"0</inkml:trace>
 </inkml:ink>
 </file>
 
@@ -166,7 +165,7 @@
           <inkml:channelProperty channel="Y" name="resolution" value="1000" units="1/cm"/>
         </inkml:channelProperties>
       </inkml:inkSource>
-      <inkml:timestamp xml:id="ts0" timeString="2021-12-28T16:16:58.237"/>
+      <inkml:timestamp xml:id="ts0" timeString="2021-12-29T11:45:50.857"/>
     </inkml:context>
     <inkml:brush xml:id="br0">
       <inkml:brushProperty name="width" value="0.2" units="cm"/>
@@ -175,7 +174,7 @@
       <inkml:brushProperty name="ignorePressure" value="1"/>
     </inkml:brush>
   </inkml:definitions>
-  <inkml:trace contextRef="#ctx0" brushRef="#br0">0 0,'4966'0,"-4945"0</inkml:trace>
+  <inkml:trace contextRef="#ctx0" brushRef="#br0">1 1,'0'3094,"0"-3053</inkml:trace>
 </inkml:ink>
 </file>
 
@@ -193,7 +192,7 @@
           <inkml:channelProperty channel="Y" name="resolution" value="1000" units="1/cm"/>
         </inkml:channelProperties>
       </inkml:inkSource>
-      <inkml:timestamp xml:id="ts0" timeString="2021-12-28T16:17:28.273"/>
+      <inkml:timestamp xml:id="ts0" timeString="2021-12-29T11:46:10.786"/>
     </inkml:context>
     <inkml:brush xml:id="br0">
       <inkml:brushProperty name="width" value="0.2" units="cm"/>
@@ -202,7 +201,7 @@
       <inkml:brushProperty name="ignorePressure" value="1"/>
     </inkml:brush>
   </inkml:definitions>
-  <inkml:trace contextRef="#ctx0" brushRef="#br0">0 0,'0'988,"0"-965</inkml:trace>
+  <inkml:trace contextRef="#ctx0" brushRef="#br0">0 1,'1689'0,"-1647"0</inkml:trace>
 </inkml:ink>
 </file>
 
@@ -220,7 +219,7 @@
           <inkml:channelProperty channel="Y" name="resolution" value="1000" units="1/cm"/>
         </inkml:channelProperties>
       </inkml:inkSource>
-      <inkml:timestamp xml:id="ts0" timeString="2021-12-28T16:17:32.419"/>
+      <inkml:timestamp xml:id="ts0" timeString="2021-12-29T11:49:00.716"/>
     </inkml:context>
     <inkml:brush xml:id="br0">
       <inkml:brushProperty name="width" value="0.2" units="cm"/>
@@ -229,7 +228,7 @@
       <inkml:brushProperty name="ignorePressure" value="1"/>
     </inkml:brush>
   </inkml:definitions>
-  <inkml:trace contextRef="#ctx0" brushRef="#br0">0 0,'0'773,"0"-749</inkml:trace>
+  <inkml:trace contextRef="#ctx0" brushRef="#br0">0 1,'875'15,"-839"-14</inkml:trace>
 </inkml:ink>
 </file>
 
@@ -247,7 +246,7 @@
           <inkml:channelProperty channel="Y" name="resolution" value="1000" units="1/cm"/>
         </inkml:channelProperties>
       </inkml:inkSource>
-      <inkml:timestamp xml:id="ts0" timeString="2021-12-28T16:17:39.297"/>
+      <inkml:timestamp xml:id="ts0" timeString="2021-12-29T11:49:19.106"/>
     </inkml:context>
     <inkml:brush xml:id="br0">
       <inkml:brushProperty name="width" value="0.2" units="cm"/>
@@ -256,7 +255,7 @@
       <inkml:brushProperty name="ignorePressure" value="1"/>
     </inkml:brush>
   </inkml:definitions>
-  <inkml:trace contextRef="#ctx0" brushRef="#br0">1 0,'0'3136,"0"-3115</inkml:trace>
+  <inkml:trace contextRef="#ctx0" brushRef="#br0">1 1,'0'792,"0"-757</inkml:trace>
 </inkml:ink>
 </file>
 
@@ -274,16 +273,16 @@
           <inkml:channelProperty channel="Y" name="resolution" value="1000" units="1/cm"/>
         </inkml:channelProperties>
       </inkml:inkSource>
-      <inkml:timestamp xml:id="ts0" timeString="2021-12-28T16:15:27.005"/>
+      <inkml:timestamp xml:id="ts0" timeString="2021-12-29T11:44:24.086"/>
     </inkml:context>
     <inkml:brush xml:id="br0">
-      <inkml:brushProperty name="width" value="0.05" units="cm"/>
-      <inkml:brushProperty name="height" value="0.05" units="cm"/>
+      <inkml:brushProperty name="width" value="0.2" units="cm"/>
+      <inkml:brushProperty name="height" value="0.2" units="cm"/>
       <inkml:brushProperty name="color" value="#E71224"/>
       <inkml:brushProperty name="ignorePressure" value="1"/>
     </inkml:brush>
   </inkml:definitions>
-  <inkml:trace contextRef="#ctx0" brushRef="#br0">0 5376,'0'-5362,"0"5349</inkml:trace>
+  <inkml:trace contextRef="#ctx0" brushRef="#br0">0 1,'877'0,"-834"0</inkml:trace>
 </inkml:ink>
 </file>
 
@@ -301,7 +300,7 @@
           <inkml:channelProperty channel="Y" name="resolution" value="1000" units="1/cm"/>
         </inkml:channelProperties>
       </inkml:inkSource>
-      <inkml:timestamp xml:id="ts0" timeString="2021-12-28T16:15:42.889"/>
+      <inkml:timestamp xml:id="ts0" timeString="2021-12-29T11:44:48.131"/>
     </inkml:context>
     <inkml:brush xml:id="br0">
       <inkml:brushProperty name="width" value="0.2" units="cm"/>
@@ -310,7 +309,7 @@
       <inkml:brushProperty name="ignorePressure" value="1"/>
     </inkml:brush>
   </inkml:definitions>
-  <inkml:trace contextRef="#ctx0" brushRef="#br0">0 0,'0'5085,"0"-5062</inkml:trace>
+  <inkml:trace contextRef="#ctx0" brushRef="#br0">1 1,'2918'0,"-2869"0</inkml:trace>
 </inkml:ink>
 </file>
 
@@ -328,7 +327,7 @@
           <inkml:channelProperty channel="Y" name="resolution" value="1000" units="1/cm"/>
         </inkml:channelProperties>
       </inkml:inkSource>
-      <inkml:timestamp xml:id="ts0" timeString="2021-12-28T16:15:49.424"/>
+      <inkml:timestamp xml:id="ts0" timeString="2021-12-29T11:44:53.643"/>
     </inkml:context>
     <inkml:brush xml:id="br0">
       <inkml:brushProperty name="width" value="0.2" units="cm"/>
@@ -337,7 +336,7 @@
       <inkml:brushProperty name="ignorePressure" value="1"/>
     </inkml:brush>
   </inkml:definitions>
-  <inkml:trace contextRef="#ctx0" brushRef="#br0">1 0,'0'2979,"0"-2951</inkml:trace>
+  <inkml:trace contextRef="#ctx0" brushRef="#br0">1 0,'2176'0,"-2137"0</inkml:trace>
 </inkml:ink>
 </file>
 
@@ -355,7 +354,7 @@
           <inkml:channelProperty channel="Y" name="resolution" value="1000" units="1/cm"/>
         </inkml:channelProperties>
       </inkml:inkSource>
-      <inkml:timestamp xml:id="ts0" timeString="2021-12-28T16:15:54.754"/>
+      <inkml:timestamp xml:id="ts0" timeString="2021-12-29T11:44:30.386"/>
     </inkml:context>
     <inkml:brush xml:id="br0">
       <inkml:brushProperty name="width" value="0.2" units="cm"/>
@@ -364,7 +363,7 @@
       <inkml:brushProperty name="ignorePressure" value="1"/>
     </inkml:brush>
   </inkml:definitions>
-  <inkml:trace contextRef="#ctx0" brushRef="#br0">0 0,'0'3363,"0"-3344</inkml:trace>
+  <inkml:trace contextRef="#ctx0" brushRef="#br0">0 1,'16'0,"4"0,8 0,14 0,8 0,4 0,7 0,-5 0</inkml:trace>
 </inkml:ink>
 </file>
 
@@ -382,7 +381,7 @@
           <inkml:channelProperty channel="Y" name="resolution" value="1000" units="1/cm"/>
         </inkml:channelProperties>
       </inkml:inkSource>
-      <inkml:timestamp xml:id="ts0" timeString="2021-12-28T16:16:41.517"/>
+      <inkml:timestamp xml:id="ts0" timeString="2021-12-29T11:45:07.565"/>
     </inkml:context>
     <inkml:brush xml:id="br0">
       <inkml:brushProperty name="width" value="0.2" units="cm"/>
@@ -391,7 +390,7 @@
       <inkml:brushProperty name="ignorePressure" value="1"/>
     </inkml:brush>
   </inkml:definitions>
-  <inkml:trace contextRef="#ctx0" brushRef="#br0">0 1,'851'0,"-832"0</inkml:trace>
+  <inkml:trace contextRef="#ctx0" brushRef="#br0">0 1,'0'3345,"0"-3357</inkml:trace>
 </inkml:ink>
 </file>
 
@@ -409,7 +408,7 @@
           <inkml:channelProperty channel="Y" name="resolution" value="1000" units="1/cm"/>
         </inkml:channelProperties>
       </inkml:inkSource>
-      <inkml:timestamp xml:id="ts0" timeString="2021-12-28T16:16:47.216"/>
+      <inkml:timestamp xml:id="ts0" timeString="2021-12-29T11:45:12.904"/>
     </inkml:context>
     <inkml:brush xml:id="br0">
       <inkml:brushProperty name="width" value="0.2" units="cm"/>
@@ -418,7 +417,7 @@
       <inkml:brushProperty name="ignorePressure" value="1"/>
     </inkml:brush>
   </inkml:definitions>
-  <inkml:trace contextRef="#ctx0" brushRef="#br0">0 0,'4'0,"4"0,6 0,3 0,3 0,6 0,0 0,2 0,-1 0,2 0,0 0,-2 0,-1 0,3 0,-1 0,-5 0</inkml:trace>
+  <inkml:trace contextRef="#ctx0" brushRef="#br0">0 1,'0'1395,"0"-1345</inkml:trace>
 </inkml:ink>
 </file>
 
@@ -436,7 +435,7 @@
           <inkml:channelProperty channel="Y" name="resolution" value="1000" units="1/cm"/>
         </inkml:channelProperties>
       </inkml:inkSource>
-      <inkml:timestamp xml:id="ts0" timeString="2021-12-28T16:16:49.767"/>
+      <inkml:timestamp xml:id="ts0" timeString="2021-12-29T11:45:44.679"/>
     </inkml:context>
     <inkml:brush xml:id="br0">
       <inkml:brushProperty name="width" value="0.2" units="cm"/>
@@ -445,7 +444,7 @@
       <inkml:brushProperty name="ignorePressure" value="1"/>
     </inkml:brush>
   </inkml:definitions>
-  <inkml:trace contextRef="#ctx0" brushRef="#br0">0 0,'982'0,"-956"0</inkml:trace>
+  <inkml:trace contextRef="#ctx0" brushRef="#br0">0 1,'0'3680,"0"-3699</inkml:trace>
 </inkml:ink>
 </file>
 
@@ -463,7 +462,7 @@
           <inkml:channelProperty channel="Y" name="resolution" value="1000" units="1/cm"/>
         </inkml:channelProperties>
       </inkml:inkSource>
-      <inkml:timestamp xml:id="ts0" timeString="2021-12-28T16:16:53.456"/>
+      <inkml:timestamp xml:id="ts0" timeString="2021-12-29T11:45:46.845"/>
     </inkml:context>
     <inkml:brush xml:id="br0">
       <inkml:brushProperty name="width" value="0.2" units="cm"/>
@@ -472,7 +471,7 @@
       <inkml:brushProperty name="ignorePressure" value="1"/>
     </inkml:brush>
   </inkml:definitions>
-  <inkml:trace contextRef="#ctx0" brushRef="#br0">0 1,'937'0,"-910"0</inkml:trace>
+  <inkml:trace contextRef="#ctx0" brushRef="#br0">0 0,'0'2818,"0"-2778</inkml:trace>
 </inkml:ink>
 </file>
 
@@ -623,7 +622,7 @@
           <a:p>
             <a:fld id="{ED41D6A0-F1E4-4999-9ECE-1D1F2C4D4E42}" type="datetimeFigureOut">
               <a:rPr lang="en-US" smtClean="0"/>
-              <a:t>12/29/2021</a:t>
+              <a:t>2021-12-29</a:t>
             </a:fld>
             <a:endParaRPr lang="en-US"/>
           </a:p>
@@ -821,7 +820,7 @@
           <a:p>
             <a:fld id="{ED41D6A0-F1E4-4999-9ECE-1D1F2C4D4E42}" type="datetimeFigureOut">
               <a:rPr lang="en-US" smtClean="0"/>
-              <a:t>12/29/2021</a:t>
+              <a:t>2021-12-29</a:t>
             </a:fld>
             <a:endParaRPr lang="en-US"/>
           </a:p>
@@ -1029,7 +1028,7 @@
           <a:p>
             <a:fld id="{ED41D6A0-F1E4-4999-9ECE-1D1F2C4D4E42}" type="datetimeFigureOut">
               <a:rPr lang="en-US" smtClean="0"/>
-              <a:t>12/29/2021</a:t>
+              <a:t>2021-12-29</a:t>
             </a:fld>
             <a:endParaRPr lang="en-US"/>
           </a:p>
@@ -1227,7 +1226,7 @@
           <a:p>
             <a:fld id="{ED41D6A0-F1E4-4999-9ECE-1D1F2C4D4E42}" type="datetimeFigureOut">
               <a:rPr lang="en-US" smtClean="0"/>
-              <a:t>12/29/2021</a:t>
+              <a:t>2021-12-29</a:t>
             </a:fld>
             <a:endParaRPr lang="en-US"/>
           </a:p>
@@ -1502,7 +1501,7 @@
           <a:p>
             <a:fld id="{ED41D6A0-F1E4-4999-9ECE-1D1F2C4D4E42}" type="datetimeFigureOut">
               <a:rPr lang="en-US" smtClean="0"/>
-              <a:t>12/29/2021</a:t>
+              <a:t>2021-12-29</a:t>
             </a:fld>
             <a:endParaRPr lang="en-US"/>
           </a:p>
@@ -1767,7 +1766,7 @@
           <a:p>
             <a:fld id="{ED41D6A0-F1E4-4999-9ECE-1D1F2C4D4E42}" type="datetimeFigureOut">
               <a:rPr lang="en-US" smtClean="0"/>
-              <a:t>12/29/2021</a:t>
+              <a:t>2021-12-29</a:t>
             </a:fld>
             <a:endParaRPr lang="en-US"/>
           </a:p>
@@ -2179,7 +2178,7 @@
           <a:p>
             <a:fld id="{ED41D6A0-F1E4-4999-9ECE-1D1F2C4D4E42}" type="datetimeFigureOut">
               <a:rPr lang="en-US" smtClean="0"/>
-              <a:t>12/29/2021</a:t>
+              <a:t>2021-12-29</a:t>
             </a:fld>
             <a:endParaRPr lang="en-US"/>
           </a:p>
@@ -2320,7 +2319,7 @@
           <a:p>
             <a:fld id="{ED41D6A0-F1E4-4999-9ECE-1D1F2C4D4E42}" type="datetimeFigureOut">
               <a:rPr lang="en-US" smtClean="0"/>
-              <a:t>12/29/2021</a:t>
+              <a:t>2021-12-29</a:t>
             </a:fld>
             <a:endParaRPr lang="en-US"/>
           </a:p>
@@ -2433,7 +2432,7 @@
           <a:p>
             <a:fld id="{ED41D6A0-F1E4-4999-9ECE-1D1F2C4D4E42}" type="datetimeFigureOut">
               <a:rPr lang="en-US" smtClean="0"/>
-              <a:t>12/29/2021</a:t>
+              <a:t>2021-12-29</a:t>
             </a:fld>
             <a:endParaRPr lang="en-US"/>
           </a:p>
@@ -2744,7 +2743,7 @@
           <a:p>
             <a:fld id="{ED41D6A0-F1E4-4999-9ECE-1D1F2C4D4E42}" type="datetimeFigureOut">
               <a:rPr lang="en-US" smtClean="0"/>
-              <a:t>12/29/2021</a:t>
+              <a:t>2021-12-29</a:t>
             </a:fld>
             <a:endParaRPr lang="en-US"/>
           </a:p>
@@ -3032,7 +3031,7 @@
           <a:p>
             <a:fld id="{ED41D6A0-F1E4-4999-9ECE-1D1F2C4D4E42}" type="datetimeFigureOut">
               <a:rPr lang="en-US" smtClean="0"/>
-              <a:t>12/29/2021</a:t>
+              <a:t>2021-12-29</a:t>
             </a:fld>
             <a:endParaRPr lang="en-US"/>
           </a:p>
@@ -3273,7 +3272,7 @@
           <a:p>
             <a:fld id="{ED41D6A0-F1E4-4999-9ECE-1D1F2C4D4E42}" type="datetimeFigureOut">
               <a:rPr lang="en-US" smtClean="0"/>
-              <a:t>12/29/2021</a:t>
+              <a:t>2021-12-29</a:t>
             </a:fld>
             <a:endParaRPr lang="en-US"/>
           </a:p>
@@ -3706,7 +3705,7 @@
                 <a16:creationId xmlns:a16="http://schemas.microsoft.com/office/drawing/2014/main" id="{8B646C36-EEEC-4D52-8E8E-206F4CD8A3DA}"/>
               </a:ext>
               <a:ext uri="{C183D7F6-B498-43B3-948B-1728B52AA6E4}">
-                <adec:decorative xmlns:adec="http://schemas.microsoft.com/office/drawing/2017/decorative" xmlns="" val="1"/>
+                <adec:decorative xmlns:adec="http://schemas.microsoft.com/office/drawing/2017/decorative" val="1"/>
               </a:ext>
             </a:extLst>
           </p:cNvPr>
@@ -3769,7 +3768,7 @@
                 <a16:creationId xmlns:a16="http://schemas.microsoft.com/office/drawing/2014/main" id="{E7E9D86A-D513-48F9-851A-5F3725E80003}"/>
               </a:ext>
               <a:ext uri="{C183D7F6-B498-43B3-948B-1728B52AA6E4}">
-                <adec:decorative xmlns:adec="http://schemas.microsoft.com/office/drawing/2017/decorative" xmlns="" val="1"/>
+                <adec:decorative xmlns:adec="http://schemas.microsoft.com/office/drawing/2017/decorative" val="1"/>
               </a:ext>
             </a:extLst>
           </p:cNvPr>
@@ -3800,7 +3799,7 @@
                   <a16:creationId xmlns:a16="http://schemas.microsoft.com/office/drawing/2014/main" id="{8258443E-B333-44F4-8D49-1EAB1C1A4613}"/>
                 </a:ext>
                 <a:ext uri="{C183D7F6-B498-43B3-948B-1728B52AA6E4}">
-                  <adec:decorative xmlns:adec="http://schemas.microsoft.com/office/drawing/2017/decorative" xmlns="" val="1"/>
+                  <adec:decorative xmlns:adec="http://schemas.microsoft.com/office/drawing/2017/decorative" val="1"/>
                 </a:ext>
               </a:extLst>
             </p:cNvPr>
@@ -3863,7 +3862,7 @@
                   <a16:creationId xmlns:a16="http://schemas.microsoft.com/office/drawing/2014/main" id="{09132A4E-0C09-40DA-A360-EA9D3DAFFBAA}"/>
                 </a:ext>
                 <a:ext uri="{C183D7F6-B498-43B3-948B-1728B52AA6E4}">
-                  <adec:decorative xmlns:adec="http://schemas.microsoft.com/office/drawing/2017/decorative" xmlns="" val="1"/>
+                  <adec:decorative xmlns:adec="http://schemas.microsoft.com/office/drawing/2017/decorative" val="1"/>
                 </a:ext>
               </a:extLst>
             </p:cNvPr>
@@ -3929,7 +3928,7 @@
                 <a16:creationId xmlns:a16="http://schemas.microsoft.com/office/drawing/2014/main" id="{D649D88F-3460-4C52-888E-001C62B26EE5}"/>
               </a:ext>
               <a:ext uri="{C183D7F6-B498-43B3-948B-1728B52AA6E4}">
-                <adec:decorative xmlns:adec="http://schemas.microsoft.com/office/drawing/2017/decorative" xmlns="" val="1"/>
+                <adec:decorative xmlns:adec="http://schemas.microsoft.com/office/drawing/2017/decorative" val="1"/>
               </a:ext>
             </a:extLst>
           </p:cNvPr>
@@ -4033,7 +4032,7 @@
                 <a16:creationId xmlns:a16="http://schemas.microsoft.com/office/drawing/2014/main" id="{A2B5CBEA-F125-49B6-8335-227C325B112B}"/>
               </a:ext>
               <a:ext uri="{C183D7F6-B498-43B3-948B-1728B52AA6E4}">
-                <adec:decorative xmlns:adec="http://schemas.microsoft.com/office/drawing/2017/decorative" xmlns="" val="1"/>
+                <adec:decorative xmlns:adec="http://schemas.microsoft.com/office/drawing/2017/decorative" val="1"/>
               </a:ext>
             </a:extLst>
           </p:cNvPr>
@@ -4182,7 +4181,7 @@
                 <a16:creationId xmlns:a16="http://schemas.microsoft.com/office/drawing/2014/main" id="{217DD14E-3BC7-413D-B4AB-B92EED2F57C5}"/>
               </a:ext>
               <a:ext uri="{C183D7F6-B498-43B3-948B-1728B52AA6E4}">
-                <adec:decorative xmlns:adec="http://schemas.microsoft.com/office/drawing/2017/decorative" xmlns="" val="1"/>
+                <adec:decorative xmlns:adec="http://schemas.microsoft.com/office/drawing/2017/decorative" val="1"/>
               </a:ext>
             </a:extLst>
           </p:cNvPr>
@@ -4403,7 +4402,7 @@
                 <a16:creationId xmlns:a16="http://schemas.microsoft.com/office/drawing/2014/main" id="{4FB204DF-284E-45F6-A017-79A4DF57BCCB}"/>
               </a:ext>
               <a:ext uri="{C183D7F6-B498-43B3-948B-1728B52AA6E4}">
-                <adec:decorative xmlns:adec="http://schemas.microsoft.com/office/drawing/2017/decorative" xmlns="" val="1"/>
+                <adec:decorative xmlns:adec="http://schemas.microsoft.com/office/drawing/2017/decorative" val="1"/>
               </a:ext>
             </a:extLst>
           </p:cNvPr>
@@ -4585,7 +4584,7 @@
                 <a16:creationId xmlns:a16="http://schemas.microsoft.com/office/drawing/2014/main" id="{6908275D-177E-42F2-8887-134AFE8B70CC}"/>
               </a:ext>
               <a:ext uri="{C183D7F6-B498-43B3-948B-1728B52AA6E4}">
-                <adec:decorative xmlns:adec="http://schemas.microsoft.com/office/drawing/2017/decorative" xmlns="" val="1"/>
+                <adec:decorative xmlns:adec="http://schemas.microsoft.com/office/drawing/2017/decorative" val="1"/>
               </a:ext>
             </a:extLst>
           </p:cNvPr>
@@ -4769,7 +4768,7 @@
                 <a16:creationId xmlns:a16="http://schemas.microsoft.com/office/drawing/2014/main" id="{4D1A5E71-B6B6-486A-8CDC-C7ABD9B903F6}"/>
               </a:ext>
               <a:ext uri="{C183D7F6-B498-43B3-948B-1728B52AA6E4}">
-                <adec:decorative xmlns:adec="http://schemas.microsoft.com/office/drawing/2017/decorative" xmlns="" val="1"/>
+                <adec:decorative xmlns:adec="http://schemas.microsoft.com/office/drawing/2017/decorative" val="1"/>
               </a:ext>
             </a:extLst>
           </p:cNvPr>
@@ -4839,7 +4838,7 @@
                 <a16:creationId xmlns:a16="http://schemas.microsoft.com/office/drawing/2014/main" id="{E32B36D4-0C87-4882-A12C-18A91DBAE28D}"/>
               </a:ext>
               <a:ext uri="{C183D7F6-B498-43B3-948B-1728B52AA6E4}">
-                <adec:decorative xmlns:adec="http://schemas.microsoft.com/office/drawing/2017/decorative" xmlns="" val="1"/>
+                <adec:decorative xmlns:adec="http://schemas.microsoft.com/office/drawing/2017/decorative" val="1"/>
               </a:ext>
             </a:extLst>
           </p:cNvPr>
@@ -4911,7 +4910,7 @@
                 <a16:creationId xmlns:a16="http://schemas.microsoft.com/office/drawing/2014/main" id="{FB9739EB-7F66-433D-841F-AB3CD18700B7}"/>
               </a:ext>
               <a:ext uri="{C183D7F6-B498-43B3-948B-1728B52AA6E4}">
-                <adec:decorative xmlns:adec="http://schemas.microsoft.com/office/drawing/2017/decorative" xmlns="" val="1"/>
+                <adec:decorative xmlns:adec="http://schemas.microsoft.com/office/drawing/2017/decorative" val="1"/>
               </a:ext>
             </a:extLst>
           </p:cNvPr>
@@ -4945,7 +4944,7 @@
                   <a16:creationId xmlns:a16="http://schemas.microsoft.com/office/drawing/2014/main" id="{104F2BBD-A005-4DCB-9566-F2351050BEE6}"/>
                 </a:ext>
                 <a:ext uri="{C183D7F6-B498-43B3-948B-1728B52AA6E4}">
-                  <adec:decorative xmlns:adec="http://schemas.microsoft.com/office/drawing/2017/decorative" xmlns="" val="1"/>
+                  <adec:decorative xmlns:adec="http://schemas.microsoft.com/office/drawing/2017/decorative" val="1"/>
                 </a:ext>
               </a:extLst>
             </p:cNvPr>
@@ -5032,7 +5031,7 @@
                   <a16:creationId xmlns:a16="http://schemas.microsoft.com/office/drawing/2014/main" id="{8B00DEC7-198B-49D1-98FD-018F3ECFCF4C}"/>
                 </a:ext>
                 <a:ext uri="{C183D7F6-B498-43B3-948B-1728B52AA6E4}">
-                  <adec:decorative xmlns:adec="http://schemas.microsoft.com/office/drawing/2017/decorative" xmlns="" val="1"/>
+                  <adec:decorative xmlns:adec="http://schemas.microsoft.com/office/drawing/2017/decorative" val="1"/>
                 </a:ext>
               </a:extLst>
             </p:cNvPr>
@@ -5119,7 +5118,7 @@
                   <a16:creationId xmlns:a16="http://schemas.microsoft.com/office/drawing/2014/main" id="{F14DFC82-B3B3-468E-91B3-1302CFC68468}"/>
                 </a:ext>
                 <a:ext uri="{C183D7F6-B498-43B3-948B-1728B52AA6E4}">
-                  <adec:decorative xmlns:adec="http://schemas.microsoft.com/office/drawing/2017/decorative" xmlns="" val="1"/>
+                  <adec:decorative xmlns:adec="http://schemas.microsoft.com/office/drawing/2017/decorative" val="1"/>
                 </a:ext>
               </a:extLst>
             </p:cNvPr>
@@ -5206,7 +5205,7 @@
                   <a16:creationId xmlns:a16="http://schemas.microsoft.com/office/drawing/2014/main" id="{D3250EFE-214E-4B8E-AF96-036A514FFB2D}"/>
                 </a:ext>
                 <a:ext uri="{C183D7F6-B498-43B3-948B-1728B52AA6E4}">
-                  <adec:decorative xmlns:adec="http://schemas.microsoft.com/office/drawing/2017/decorative" xmlns="" val="1"/>
+                  <adec:decorative xmlns:adec="http://schemas.microsoft.com/office/drawing/2017/decorative" val="1"/>
                 </a:ext>
               </a:extLst>
             </p:cNvPr>
@@ -5293,7 +5292,7 @@
                   <a16:creationId xmlns:a16="http://schemas.microsoft.com/office/drawing/2014/main" id="{AD058EBE-D4A5-4C43-B170-6A451F87A7B2}"/>
                 </a:ext>
                 <a:ext uri="{C183D7F6-B498-43B3-948B-1728B52AA6E4}">
-                  <adec:decorative xmlns:adec="http://schemas.microsoft.com/office/drawing/2017/decorative" xmlns="" val="1"/>
+                  <adec:decorative xmlns:adec="http://schemas.microsoft.com/office/drawing/2017/decorative" val="1"/>
                 </a:ext>
               </a:extLst>
             </p:cNvPr>
@@ -5413,13 +5412,13 @@
       </p:grpSpPr>
       <p:sp useBgFill="1">
         <p:nvSpPr>
-          <p:cNvPr id="28" name="Rectangle 27">
+          <p:cNvPr id="59" name="Rectangle 58">
             <a:extLst>
               <a:ext uri="{FF2B5EF4-FFF2-40B4-BE49-F238E27FC236}">
-                <a16:creationId xmlns:a16="http://schemas.microsoft.com/office/drawing/2014/main" id="{33CD251C-A887-4D2F-925B-FC097198538B}"/>
+                <a16:creationId xmlns:a16="http://schemas.microsoft.com/office/drawing/2014/main" id="{C232B152-3720-4D3B-97ED-45CE5483F16F}"/>
               </a:ext>
               <a:ext uri="{C183D7F6-B498-43B3-948B-1728B52AA6E4}">
-                <adec:decorative xmlns:adec="http://schemas.microsoft.com/office/drawing/2017/decorative" xmlns="" val="1"/>
+                <adec:decorative xmlns:adec="http://schemas.microsoft.com/office/drawing/2017/decorative" val="1"/>
               </a:ext>
             </a:extLst>
           </p:cNvPr>
@@ -5442,9 +5441,12 @@
           <a:prstGeom prst="rect">
             <a:avLst/>
           </a:prstGeom>
-          <a:ln>
+          <a:ln w="12700" cap="flat" cmpd="sng" algn="ctr">
             <a:noFill/>
+            <a:prstDash val="solid"/>
+            <a:miter lim="800000"/>
           </a:ln>
+          <a:effectLst/>
         </p:spPr>
         <p:style>
           <a:lnRef idx="2">
@@ -5473,13 +5475,1236 @@
       </p:sp>
       <p:sp>
         <p:nvSpPr>
-          <p:cNvPr id="30" name="Rectangle 29">
+          <p:cNvPr id="61" name="Freeform: Shape 60">
             <a:extLst>
               <a:ext uri="{FF2B5EF4-FFF2-40B4-BE49-F238E27FC236}">
-                <a16:creationId xmlns:a16="http://schemas.microsoft.com/office/drawing/2014/main" id="{B19D093C-27FB-4032-B282-42C4563F257C}"/>
+                <a16:creationId xmlns:a16="http://schemas.microsoft.com/office/drawing/2014/main" id="{11BAB570-FF10-4E96-8A3F-FA9804702B89}"/>
               </a:ext>
               <a:ext uri="{C183D7F6-B498-43B3-948B-1728B52AA6E4}">
-                <adec:decorative xmlns:adec="http://schemas.microsoft.com/office/drawing/2017/decorative" xmlns="" val="1"/>
+                <adec:decorative xmlns:adec="http://schemas.microsoft.com/office/drawing/2017/decorative" val="1"/>
+              </a:ext>
+            </a:extLst>
+          </p:cNvPr>
+          <p:cNvSpPr>
+            <a:spLocks noGrp="1" noRot="1" noChangeAspect="1" noMove="1" noResize="1" noEditPoints="1" noAdjustHandles="1" noChangeArrowheads="1" noChangeShapeType="1" noTextEdit="1"/>
+          </p:cNvSpPr>
+          <p:nvPr>
+            <p:extLst>
+              <p:ext uri="{386F3935-93C4-4BCD-93E2-E3B085C9AB24}">
+                <p16:designElem xmlns:p16="http://schemas.microsoft.com/office/powerpoint/2015/main" val="1"/>
+              </p:ext>
+            </p:extLst>
+          </p:nvPr>
+        </p:nvSpPr>
+        <p:spPr bwMode="ltGray">
+          <a:xfrm>
+            <a:off x="0" y="0"/>
+            <a:ext cx="4693698" cy="6858000"/>
+          </a:xfrm>
+          <a:custGeom>
+            <a:avLst/>
+            <a:gdLst>
+              <a:gd name="connsiteX0" fmla="*/ 0 w 4693698"/>
+              <a:gd name="connsiteY0" fmla="*/ 0 h 6858000"/>
+              <a:gd name="connsiteX1" fmla="*/ 420914 w 4693698"/>
+              <a:gd name="connsiteY1" fmla="*/ 0 h 6858000"/>
+              <a:gd name="connsiteX2" fmla="*/ 1582057 w 4693698"/>
+              <a:gd name="connsiteY2" fmla="*/ 0 h 6858000"/>
+              <a:gd name="connsiteX3" fmla="*/ 4503903 w 4693698"/>
+              <a:gd name="connsiteY3" fmla="*/ 0 h 6858000"/>
+              <a:gd name="connsiteX4" fmla="*/ 4508943 w 4693698"/>
+              <a:gd name="connsiteY4" fmla="*/ 66675 h 6858000"/>
+              <a:gd name="connsiteX5" fmla="*/ 4517340 w 4693698"/>
+              <a:gd name="connsiteY5" fmla="*/ 122237 h 6858000"/>
+              <a:gd name="connsiteX6" fmla="*/ 4527418 w 4693698"/>
+              <a:gd name="connsiteY6" fmla="*/ 174625 h 6858000"/>
+              <a:gd name="connsiteX7" fmla="*/ 4544214 w 4693698"/>
+              <a:gd name="connsiteY7" fmla="*/ 217487 h 6858000"/>
+              <a:gd name="connsiteX8" fmla="*/ 4561010 w 4693698"/>
+              <a:gd name="connsiteY8" fmla="*/ 260350 h 6858000"/>
+              <a:gd name="connsiteX9" fmla="*/ 4581165 w 4693698"/>
+              <a:gd name="connsiteY9" fmla="*/ 296862 h 6858000"/>
+              <a:gd name="connsiteX10" fmla="*/ 4601320 w 4693698"/>
+              <a:gd name="connsiteY10" fmla="*/ 334962 h 6858000"/>
+              <a:gd name="connsiteX11" fmla="*/ 4619796 w 4693698"/>
+              <a:gd name="connsiteY11" fmla="*/ 369887 h 6858000"/>
+              <a:gd name="connsiteX12" fmla="*/ 4638271 w 4693698"/>
+              <a:gd name="connsiteY12" fmla="*/ 409575 h 6858000"/>
+              <a:gd name="connsiteX13" fmla="*/ 4655067 w 4693698"/>
+              <a:gd name="connsiteY13" fmla="*/ 450850 h 6858000"/>
+              <a:gd name="connsiteX14" fmla="*/ 4670184 w 4693698"/>
+              <a:gd name="connsiteY14" fmla="*/ 496887 h 6858000"/>
+              <a:gd name="connsiteX15" fmla="*/ 4681941 w 4693698"/>
+              <a:gd name="connsiteY15" fmla="*/ 546100 h 6858000"/>
+              <a:gd name="connsiteX16" fmla="*/ 4690339 w 4693698"/>
+              <a:gd name="connsiteY16" fmla="*/ 606425 h 6858000"/>
+              <a:gd name="connsiteX17" fmla="*/ 4693698 w 4693698"/>
+              <a:gd name="connsiteY17" fmla="*/ 673100 h 6858000"/>
+              <a:gd name="connsiteX18" fmla="*/ 4690339 w 4693698"/>
+              <a:gd name="connsiteY18" fmla="*/ 744537 h 6858000"/>
+              <a:gd name="connsiteX19" fmla="*/ 4681941 w 4693698"/>
+              <a:gd name="connsiteY19" fmla="*/ 801687 h 6858000"/>
+              <a:gd name="connsiteX20" fmla="*/ 4670184 w 4693698"/>
+              <a:gd name="connsiteY20" fmla="*/ 854075 h 6858000"/>
+              <a:gd name="connsiteX21" fmla="*/ 4655067 w 4693698"/>
+              <a:gd name="connsiteY21" fmla="*/ 901700 h 6858000"/>
+              <a:gd name="connsiteX22" fmla="*/ 4638271 w 4693698"/>
+              <a:gd name="connsiteY22" fmla="*/ 942975 h 6858000"/>
+              <a:gd name="connsiteX23" fmla="*/ 4618116 w 4693698"/>
+              <a:gd name="connsiteY23" fmla="*/ 981075 h 6858000"/>
+              <a:gd name="connsiteX24" fmla="*/ 4597961 w 4693698"/>
+              <a:gd name="connsiteY24" fmla="*/ 1017587 h 6858000"/>
+              <a:gd name="connsiteX25" fmla="*/ 4577806 w 4693698"/>
+              <a:gd name="connsiteY25" fmla="*/ 1055687 h 6858000"/>
+              <a:gd name="connsiteX26" fmla="*/ 4559330 w 4693698"/>
+              <a:gd name="connsiteY26" fmla="*/ 1095375 h 6858000"/>
+              <a:gd name="connsiteX27" fmla="*/ 4540854 w 4693698"/>
+              <a:gd name="connsiteY27" fmla="*/ 1136650 h 6858000"/>
+              <a:gd name="connsiteX28" fmla="*/ 4525739 w 4693698"/>
+              <a:gd name="connsiteY28" fmla="*/ 1182687 h 6858000"/>
+              <a:gd name="connsiteX29" fmla="*/ 4515661 w 4693698"/>
+              <a:gd name="connsiteY29" fmla="*/ 1235075 h 6858000"/>
+              <a:gd name="connsiteX30" fmla="*/ 4505583 w 4693698"/>
+              <a:gd name="connsiteY30" fmla="*/ 1295400 h 6858000"/>
+              <a:gd name="connsiteX31" fmla="*/ 4503903 w 4693698"/>
+              <a:gd name="connsiteY31" fmla="*/ 1363662 h 6858000"/>
+              <a:gd name="connsiteX32" fmla="*/ 4505583 w 4693698"/>
+              <a:gd name="connsiteY32" fmla="*/ 1431925 h 6858000"/>
+              <a:gd name="connsiteX33" fmla="*/ 4515661 w 4693698"/>
+              <a:gd name="connsiteY33" fmla="*/ 1492250 h 6858000"/>
+              <a:gd name="connsiteX34" fmla="*/ 4525739 w 4693698"/>
+              <a:gd name="connsiteY34" fmla="*/ 1544637 h 6858000"/>
+              <a:gd name="connsiteX35" fmla="*/ 4540854 w 4693698"/>
+              <a:gd name="connsiteY35" fmla="*/ 1589087 h 6858000"/>
+              <a:gd name="connsiteX36" fmla="*/ 4559330 w 4693698"/>
+              <a:gd name="connsiteY36" fmla="*/ 1631950 h 6858000"/>
+              <a:gd name="connsiteX37" fmla="*/ 4577806 w 4693698"/>
+              <a:gd name="connsiteY37" fmla="*/ 1671637 h 6858000"/>
+              <a:gd name="connsiteX38" fmla="*/ 4597961 w 4693698"/>
+              <a:gd name="connsiteY38" fmla="*/ 1708150 h 6858000"/>
+              <a:gd name="connsiteX39" fmla="*/ 4618116 w 4693698"/>
+              <a:gd name="connsiteY39" fmla="*/ 1743075 h 6858000"/>
+              <a:gd name="connsiteX40" fmla="*/ 4638271 w 4693698"/>
+              <a:gd name="connsiteY40" fmla="*/ 1782762 h 6858000"/>
+              <a:gd name="connsiteX41" fmla="*/ 4655067 w 4693698"/>
+              <a:gd name="connsiteY41" fmla="*/ 1824037 h 6858000"/>
+              <a:gd name="connsiteX42" fmla="*/ 4670184 w 4693698"/>
+              <a:gd name="connsiteY42" fmla="*/ 1870075 h 6858000"/>
+              <a:gd name="connsiteX43" fmla="*/ 4681941 w 4693698"/>
+              <a:gd name="connsiteY43" fmla="*/ 1922462 h 6858000"/>
+              <a:gd name="connsiteX44" fmla="*/ 4690339 w 4693698"/>
+              <a:gd name="connsiteY44" fmla="*/ 1982787 h 6858000"/>
+              <a:gd name="connsiteX45" fmla="*/ 4693698 w 4693698"/>
+              <a:gd name="connsiteY45" fmla="*/ 2051050 h 6858000"/>
+              <a:gd name="connsiteX46" fmla="*/ 4690339 w 4693698"/>
+              <a:gd name="connsiteY46" fmla="*/ 2119312 h 6858000"/>
+              <a:gd name="connsiteX47" fmla="*/ 4681941 w 4693698"/>
+              <a:gd name="connsiteY47" fmla="*/ 2179637 h 6858000"/>
+              <a:gd name="connsiteX48" fmla="*/ 4670184 w 4693698"/>
+              <a:gd name="connsiteY48" fmla="*/ 2232025 h 6858000"/>
+              <a:gd name="connsiteX49" fmla="*/ 4655067 w 4693698"/>
+              <a:gd name="connsiteY49" fmla="*/ 2278062 h 6858000"/>
+              <a:gd name="connsiteX50" fmla="*/ 4638271 w 4693698"/>
+              <a:gd name="connsiteY50" fmla="*/ 2319337 h 6858000"/>
+              <a:gd name="connsiteX51" fmla="*/ 4618116 w 4693698"/>
+              <a:gd name="connsiteY51" fmla="*/ 2359025 h 6858000"/>
+              <a:gd name="connsiteX52" fmla="*/ 4597961 w 4693698"/>
+              <a:gd name="connsiteY52" fmla="*/ 2395537 h 6858000"/>
+              <a:gd name="connsiteX53" fmla="*/ 4577806 w 4693698"/>
+              <a:gd name="connsiteY53" fmla="*/ 2433637 h 6858000"/>
+              <a:gd name="connsiteX54" fmla="*/ 4559330 w 4693698"/>
+              <a:gd name="connsiteY54" fmla="*/ 2471737 h 6858000"/>
+              <a:gd name="connsiteX55" fmla="*/ 4540854 w 4693698"/>
+              <a:gd name="connsiteY55" fmla="*/ 2513012 h 6858000"/>
+              <a:gd name="connsiteX56" fmla="*/ 4525739 w 4693698"/>
+              <a:gd name="connsiteY56" fmla="*/ 2560637 h 6858000"/>
+              <a:gd name="connsiteX57" fmla="*/ 4515661 w 4693698"/>
+              <a:gd name="connsiteY57" fmla="*/ 2613025 h 6858000"/>
+              <a:gd name="connsiteX58" fmla="*/ 4505583 w 4693698"/>
+              <a:gd name="connsiteY58" fmla="*/ 2671762 h 6858000"/>
+              <a:gd name="connsiteX59" fmla="*/ 4503903 w 4693698"/>
+              <a:gd name="connsiteY59" fmla="*/ 2741612 h 6858000"/>
+              <a:gd name="connsiteX60" fmla="*/ 4505583 w 4693698"/>
+              <a:gd name="connsiteY60" fmla="*/ 2809875 h 6858000"/>
+              <a:gd name="connsiteX61" fmla="*/ 4515661 w 4693698"/>
+              <a:gd name="connsiteY61" fmla="*/ 2868612 h 6858000"/>
+              <a:gd name="connsiteX62" fmla="*/ 4525739 w 4693698"/>
+              <a:gd name="connsiteY62" fmla="*/ 2922587 h 6858000"/>
+              <a:gd name="connsiteX63" fmla="*/ 4540854 w 4693698"/>
+              <a:gd name="connsiteY63" fmla="*/ 2967037 h 6858000"/>
+              <a:gd name="connsiteX64" fmla="*/ 4559330 w 4693698"/>
+              <a:gd name="connsiteY64" fmla="*/ 3009900 h 6858000"/>
+              <a:gd name="connsiteX65" fmla="*/ 4577806 w 4693698"/>
+              <a:gd name="connsiteY65" fmla="*/ 3046412 h 6858000"/>
+              <a:gd name="connsiteX66" fmla="*/ 4597961 w 4693698"/>
+              <a:gd name="connsiteY66" fmla="*/ 3084512 h 6858000"/>
+              <a:gd name="connsiteX67" fmla="*/ 4618116 w 4693698"/>
+              <a:gd name="connsiteY67" fmla="*/ 3121025 h 6858000"/>
+              <a:gd name="connsiteX68" fmla="*/ 4638271 w 4693698"/>
+              <a:gd name="connsiteY68" fmla="*/ 3160712 h 6858000"/>
+              <a:gd name="connsiteX69" fmla="*/ 4655067 w 4693698"/>
+              <a:gd name="connsiteY69" fmla="*/ 3201987 h 6858000"/>
+              <a:gd name="connsiteX70" fmla="*/ 4670184 w 4693698"/>
+              <a:gd name="connsiteY70" fmla="*/ 3248025 h 6858000"/>
+              <a:gd name="connsiteX71" fmla="*/ 4681941 w 4693698"/>
+              <a:gd name="connsiteY71" fmla="*/ 3300412 h 6858000"/>
+              <a:gd name="connsiteX72" fmla="*/ 4690339 w 4693698"/>
+              <a:gd name="connsiteY72" fmla="*/ 3360737 h 6858000"/>
+              <a:gd name="connsiteX73" fmla="*/ 4693698 w 4693698"/>
+              <a:gd name="connsiteY73" fmla="*/ 3427412 h 6858000"/>
+              <a:gd name="connsiteX74" fmla="*/ 4690339 w 4693698"/>
+              <a:gd name="connsiteY74" fmla="*/ 3497262 h 6858000"/>
+              <a:gd name="connsiteX75" fmla="*/ 4681941 w 4693698"/>
+              <a:gd name="connsiteY75" fmla="*/ 3557587 h 6858000"/>
+              <a:gd name="connsiteX76" fmla="*/ 4670184 w 4693698"/>
+              <a:gd name="connsiteY76" fmla="*/ 3609975 h 6858000"/>
+              <a:gd name="connsiteX77" fmla="*/ 4655067 w 4693698"/>
+              <a:gd name="connsiteY77" fmla="*/ 3656012 h 6858000"/>
+              <a:gd name="connsiteX78" fmla="*/ 4638271 w 4693698"/>
+              <a:gd name="connsiteY78" fmla="*/ 3697287 h 6858000"/>
+              <a:gd name="connsiteX79" fmla="*/ 4618116 w 4693698"/>
+              <a:gd name="connsiteY79" fmla="*/ 3736975 h 6858000"/>
+              <a:gd name="connsiteX80" fmla="*/ 4577806 w 4693698"/>
+              <a:gd name="connsiteY80" fmla="*/ 3811587 h 6858000"/>
+              <a:gd name="connsiteX81" fmla="*/ 4559330 w 4693698"/>
+              <a:gd name="connsiteY81" fmla="*/ 3848100 h 6858000"/>
+              <a:gd name="connsiteX82" fmla="*/ 4540854 w 4693698"/>
+              <a:gd name="connsiteY82" fmla="*/ 3890962 h 6858000"/>
+              <a:gd name="connsiteX83" fmla="*/ 4525739 w 4693698"/>
+              <a:gd name="connsiteY83" fmla="*/ 3935412 h 6858000"/>
+              <a:gd name="connsiteX84" fmla="*/ 4515661 w 4693698"/>
+              <a:gd name="connsiteY84" fmla="*/ 3987800 h 6858000"/>
+              <a:gd name="connsiteX85" fmla="*/ 4505583 w 4693698"/>
+              <a:gd name="connsiteY85" fmla="*/ 4048125 h 6858000"/>
+              <a:gd name="connsiteX86" fmla="*/ 4503903 w 4693698"/>
+              <a:gd name="connsiteY86" fmla="*/ 4116387 h 6858000"/>
+              <a:gd name="connsiteX87" fmla="*/ 4505583 w 4693698"/>
+              <a:gd name="connsiteY87" fmla="*/ 4186237 h 6858000"/>
+              <a:gd name="connsiteX88" fmla="*/ 4515661 w 4693698"/>
+              <a:gd name="connsiteY88" fmla="*/ 4244975 h 6858000"/>
+              <a:gd name="connsiteX89" fmla="*/ 4525739 w 4693698"/>
+              <a:gd name="connsiteY89" fmla="*/ 4297362 h 6858000"/>
+              <a:gd name="connsiteX90" fmla="*/ 4540854 w 4693698"/>
+              <a:gd name="connsiteY90" fmla="*/ 4343400 h 6858000"/>
+              <a:gd name="connsiteX91" fmla="*/ 4559330 w 4693698"/>
+              <a:gd name="connsiteY91" fmla="*/ 4386262 h 6858000"/>
+              <a:gd name="connsiteX92" fmla="*/ 4577806 w 4693698"/>
+              <a:gd name="connsiteY92" fmla="*/ 4424362 h 6858000"/>
+              <a:gd name="connsiteX93" fmla="*/ 4618116 w 4693698"/>
+              <a:gd name="connsiteY93" fmla="*/ 4498975 h 6858000"/>
+              <a:gd name="connsiteX94" fmla="*/ 4638271 w 4693698"/>
+              <a:gd name="connsiteY94" fmla="*/ 4537075 h 6858000"/>
+              <a:gd name="connsiteX95" fmla="*/ 4655067 w 4693698"/>
+              <a:gd name="connsiteY95" fmla="*/ 4579937 h 6858000"/>
+              <a:gd name="connsiteX96" fmla="*/ 4670184 w 4693698"/>
+              <a:gd name="connsiteY96" fmla="*/ 4625975 h 6858000"/>
+              <a:gd name="connsiteX97" fmla="*/ 4681941 w 4693698"/>
+              <a:gd name="connsiteY97" fmla="*/ 4678362 h 6858000"/>
+              <a:gd name="connsiteX98" fmla="*/ 4690339 w 4693698"/>
+              <a:gd name="connsiteY98" fmla="*/ 4738687 h 6858000"/>
+              <a:gd name="connsiteX99" fmla="*/ 4693698 w 4693698"/>
+              <a:gd name="connsiteY99" fmla="*/ 4806950 h 6858000"/>
+              <a:gd name="connsiteX100" fmla="*/ 4690339 w 4693698"/>
+              <a:gd name="connsiteY100" fmla="*/ 4875212 h 6858000"/>
+              <a:gd name="connsiteX101" fmla="*/ 4681941 w 4693698"/>
+              <a:gd name="connsiteY101" fmla="*/ 4935537 h 6858000"/>
+              <a:gd name="connsiteX102" fmla="*/ 4670184 w 4693698"/>
+              <a:gd name="connsiteY102" fmla="*/ 4987925 h 6858000"/>
+              <a:gd name="connsiteX103" fmla="*/ 4655067 w 4693698"/>
+              <a:gd name="connsiteY103" fmla="*/ 5033962 h 6858000"/>
+              <a:gd name="connsiteX104" fmla="*/ 4638271 w 4693698"/>
+              <a:gd name="connsiteY104" fmla="*/ 5075237 h 6858000"/>
+              <a:gd name="connsiteX105" fmla="*/ 4618116 w 4693698"/>
+              <a:gd name="connsiteY105" fmla="*/ 5114925 h 6858000"/>
+              <a:gd name="connsiteX106" fmla="*/ 4597961 w 4693698"/>
+              <a:gd name="connsiteY106" fmla="*/ 5149850 h 6858000"/>
+              <a:gd name="connsiteX107" fmla="*/ 4577806 w 4693698"/>
+              <a:gd name="connsiteY107" fmla="*/ 5186362 h 6858000"/>
+              <a:gd name="connsiteX108" fmla="*/ 4559330 w 4693698"/>
+              <a:gd name="connsiteY108" fmla="*/ 5226050 h 6858000"/>
+              <a:gd name="connsiteX109" fmla="*/ 4540854 w 4693698"/>
+              <a:gd name="connsiteY109" fmla="*/ 5268912 h 6858000"/>
+              <a:gd name="connsiteX110" fmla="*/ 4525739 w 4693698"/>
+              <a:gd name="connsiteY110" fmla="*/ 5313362 h 6858000"/>
+              <a:gd name="connsiteX111" fmla="*/ 4515661 w 4693698"/>
+              <a:gd name="connsiteY111" fmla="*/ 5365750 h 6858000"/>
+              <a:gd name="connsiteX112" fmla="*/ 4505583 w 4693698"/>
+              <a:gd name="connsiteY112" fmla="*/ 5426075 h 6858000"/>
+              <a:gd name="connsiteX113" fmla="*/ 4503903 w 4693698"/>
+              <a:gd name="connsiteY113" fmla="*/ 5494337 h 6858000"/>
+              <a:gd name="connsiteX114" fmla="*/ 4505583 w 4693698"/>
+              <a:gd name="connsiteY114" fmla="*/ 5562600 h 6858000"/>
+              <a:gd name="connsiteX115" fmla="*/ 4515661 w 4693698"/>
+              <a:gd name="connsiteY115" fmla="*/ 5622925 h 6858000"/>
+              <a:gd name="connsiteX116" fmla="*/ 4525739 w 4693698"/>
+              <a:gd name="connsiteY116" fmla="*/ 5675312 h 6858000"/>
+              <a:gd name="connsiteX117" fmla="*/ 4540854 w 4693698"/>
+              <a:gd name="connsiteY117" fmla="*/ 5721350 h 6858000"/>
+              <a:gd name="connsiteX118" fmla="*/ 4559330 w 4693698"/>
+              <a:gd name="connsiteY118" fmla="*/ 5762625 h 6858000"/>
+              <a:gd name="connsiteX119" fmla="*/ 4577806 w 4693698"/>
+              <a:gd name="connsiteY119" fmla="*/ 5802312 h 6858000"/>
+              <a:gd name="connsiteX120" fmla="*/ 4597961 w 4693698"/>
+              <a:gd name="connsiteY120" fmla="*/ 5840412 h 6858000"/>
+              <a:gd name="connsiteX121" fmla="*/ 4618116 w 4693698"/>
+              <a:gd name="connsiteY121" fmla="*/ 5876925 h 6858000"/>
+              <a:gd name="connsiteX122" fmla="*/ 4638271 w 4693698"/>
+              <a:gd name="connsiteY122" fmla="*/ 5915025 h 6858000"/>
+              <a:gd name="connsiteX123" fmla="*/ 4655067 w 4693698"/>
+              <a:gd name="connsiteY123" fmla="*/ 5956300 h 6858000"/>
+              <a:gd name="connsiteX124" fmla="*/ 4670184 w 4693698"/>
+              <a:gd name="connsiteY124" fmla="*/ 6003925 h 6858000"/>
+              <a:gd name="connsiteX125" fmla="*/ 4681941 w 4693698"/>
+              <a:gd name="connsiteY125" fmla="*/ 6056312 h 6858000"/>
+              <a:gd name="connsiteX126" fmla="*/ 4690339 w 4693698"/>
+              <a:gd name="connsiteY126" fmla="*/ 6113462 h 6858000"/>
+              <a:gd name="connsiteX127" fmla="*/ 4693698 w 4693698"/>
+              <a:gd name="connsiteY127" fmla="*/ 6183312 h 6858000"/>
+              <a:gd name="connsiteX128" fmla="*/ 4690339 w 4693698"/>
+              <a:gd name="connsiteY128" fmla="*/ 6251575 h 6858000"/>
+              <a:gd name="connsiteX129" fmla="*/ 4681941 w 4693698"/>
+              <a:gd name="connsiteY129" fmla="*/ 6311900 h 6858000"/>
+              <a:gd name="connsiteX130" fmla="*/ 4670184 w 4693698"/>
+              <a:gd name="connsiteY130" fmla="*/ 6361112 h 6858000"/>
+              <a:gd name="connsiteX131" fmla="*/ 4655067 w 4693698"/>
+              <a:gd name="connsiteY131" fmla="*/ 6407150 h 6858000"/>
+              <a:gd name="connsiteX132" fmla="*/ 4638271 w 4693698"/>
+              <a:gd name="connsiteY132" fmla="*/ 6448425 h 6858000"/>
+              <a:gd name="connsiteX133" fmla="*/ 4619796 w 4693698"/>
+              <a:gd name="connsiteY133" fmla="*/ 6488112 h 6858000"/>
+              <a:gd name="connsiteX134" fmla="*/ 4601320 w 4693698"/>
+              <a:gd name="connsiteY134" fmla="*/ 6523037 h 6858000"/>
+              <a:gd name="connsiteX135" fmla="*/ 4581165 w 4693698"/>
+              <a:gd name="connsiteY135" fmla="*/ 6561137 h 6858000"/>
+              <a:gd name="connsiteX136" fmla="*/ 4561010 w 4693698"/>
+              <a:gd name="connsiteY136" fmla="*/ 6597650 h 6858000"/>
+              <a:gd name="connsiteX137" fmla="*/ 4544214 w 4693698"/>
+              <a:gd name="connsiteY137" fmla="*/ 6640512 h 6858000"/>
+              <a:gd name="connsiteX138" fmla="*/ 4527418 w 4693698"/>
+              <a:gd name="connsiteY138" fmla="*/ 6683375 h 6858000"/>
+              <a:gd name="connsiteX139" fmla="*/ 4517340 w 4693698"/>
+              <a:gd name="connsiteY139" fmla="*/ 6735762 h 6858000"/>
+              <a:gd name="connsiteX140" fmla="*/ 4508943 w 4693698"/>
+              <a:gd name="connsiteY140" fmla="*/ 6791325 h 6858000"/>
+              <a:gd name="connsiteX141" fmla="*/ 4503903 w 4693698"/>
+              <a:gd name="connsiteY141" fmla="*/ 6858000 h 6858000"/>
+              <a:gd name="connsiteX142" fmla="*/ 1582057 w 4693698"/>
+              <a:gd name="connsiteY142" fmla="*/ 6858000 h 6858000"/>
+              <a:gd name="connsiteX143" fmla="*/ 420914 w 4693698"/>
+              <a:gd name="connsiteY143" fmla="*/ 6858000 h 6858000"/>
+              <a:gd name="connsiteX144" fmla="*/ 0 w 4693698"/>
+              <a:gd name="connsiteY144" fmla="*/ 6858000 h 6858000"/>
+            </a:gdLst>
+            <a:ahLst/>
+            <a:cxnLst>
+              <a:cxn ang="0">
+                <a:pos x="connsiteX0" y="connsiteY0"/>
+              </a:cxn>
+              <a:cxn ang="0">
+                <a:pos x="connsiteX1" y="connsiteY1"/>
+              </a:cxn>
+              <a:cxn ang="0">
+                <a:pos x="connsiteX2" y="connsiteY2"/>
+              </a:cxn>
+              <a:cxn ang="0">
+                <a:pos x="connsiteX3" y="connsiteY3"/>
+              </a:cxn>
+              <a:cxn ang="0">
+                <a:pos x="connsiteX4" y="connsiteY4"/>
+              </a:cxn>
+              <a:cxn ang="0">
+                <a:pos x="connsiteX5" y="connsiteY5"/>
+              </a:cxn>
+              <a:cxn ang="0">
+                <a:pos x="connsiteX6" y="connsiteY6"/>
+              </a:cxn>
+              <a:cxn ang="0">
+                <a:pos x="connsiteX7" y="connsiteY7"/>
+              </a:cxn>
+              <a:cxn ang="0">
+                <a:pos x="connsiteX8" y="connsiteY8"/>
+              </a:cxn>
+              <a:cxn ang="0">
+                <a:pos x="connsiteX9" y="connsiteY9"/>
+              </a:cxn>
+              <a:cxn ang="0">
+                <a:pos x="connsiteX10" y="connsiteY10"/>
+              </a:cxn>
+              <a:cxn ang="0">
+                <a:pos x="connsiteX11" y="connsiteY11"/>
+              </a:cxn>
+              <a:cxn ang="0">
+                <a:pos x="connsiteX12" y="connsiteY12"/>
+              </a:cxn>
+              <a:cxn ang="0">
+                <a:pos x="connsiteX13" y="connsiteY13"/>
+              </a:cxn>
+              <a:cxn ang="0">
+                <a:pos x="connsiteX14" y="connsiteY14"/>
+              </a:cxn>
+              <a:cxn ang="0">
+                <a:pos x="connsiteX15" y="connsiteY15"/>
+              </a:cxn>
+              <a:cxn ang="0">
+                <a:pos x="connsiteX16" y="connsiteY16"/>
+              </a:cxn>
+              <a:cxn ang="0">
+                <a:pos x="connsiteX17" y="connsiteY17"/>
+              </a:cxn>
+              <a:cxn ang="0">
+                <a:pos x="connsiteX18" y="connsiteY18"/>
+              </a:cxn>
+              <a:cxn ang="0">
+                <a:pos x="connsiteX19" y="connsiteY19"/>
+              </a:cxn>
+              <a:cxn ang="0">
+                <a:pos x="connsiteX20" y="connsiteY20"/>
+              </a:cxn>
+              <a:cxn ang="0">
+                <a:pos x="connsiteX21" y="connsiteY21"/>
+              </a:cxn>
+              <a:cxn ang="0">
+                <a:pos x="connsiteX22" y="connsiteY22"/>
+              </a:cxn>
+              <a:cxn ang="0">
+                <a:pos x="connsiteX23" y="connsiteY23"/>
+              </a:cxn>
+              <a:cxn ang="0">
+                <a:pos x="connsiteX24" y="connsiteY24"/>
+              </a:cxn>
+              <a:cxn ang="0">
+                <a:pos x="connsiteX25" y="connsiteY25"/>
+              </a:cxn>
+              <a:cxn ang="0">
+                <a:pos x="connsiteX26" y="connsiteY26"/>
+              </a:cxn>
+              <a:cxn ang="0">
+                <a:pos x="connsiteX27" y="connsiteY27"/>
+              </a:cxn>
+              <a:cxn ang="0">
+                <a:pos x="connsiteX28" y="connsiteY28"/>
+              </a:cxn>
+              <a:cxn ang="0">
+                <a:pos x="connsiteX29" y="connsiteY29"/>
+              </a:cxn>
+              <a:cxn ang="0">
+                <a:pos x="connsiteX30" y="connsiteY30"/>
+              </a:cxn>
+              <a:cxn ang="0">
+                <a:pos x="connsiteX31" y="connsiteY31"/>
+              </a:cxn>
+              <a:cxn ang="0">
+                <a:pos x="connsiteX32" y="connsiteY32"/>
+              </a:cxn>
+              <a:cxn ang="0">
+                <a:pos x="connsiteX33" y="connsiteY33"/>
+              </a:cxn>
+              <a:cxn ang="0">
+                <a:pos x="connsiteX34" y="connsiteY34"/>
+              </a:cxn>
+              <a:cxn ang="0">
+                <a:pos x="connsiteX35" y="connsiteY35"/>
+              </a:cxn>
+              <a:cxn ang="0">
+                <a:pos x="connsiteX36" y="connsiteY36"/>
+              </a:cxn>
+              <a:cxn ang="0">
+                <a:pos x="connsiteX37" y="connsiteY37"/>
+              </a:cxn>
+              <a:cxn ang="0">
+                <a:pos x="connsiteX38" y="connsiteY38"/>
+              </a:cxn>
+              <a:cxn ang="0">
+                <a:pos x="connsiteX39" y="connsiteY39"/>
+              </a:cxn>
+              <a:cxn ang="0">
+                <a:pos x="connsiteX40" y="connsiteY40"/>
+              </a:cxn>
+              <a:cxn ang="0">
+                <a:pos x="connsiteX41" y="connsiteY41"/>
+              </a:cxn>
+              <a:cxn ang="0">
+                <a:pos x="connsiteX42" y="connsiteY42"/>
+              </a:cxn>
+              <a:cxn ang="0">
+                <a:pos x="connsiteX43" y="connsiteY43"/>
+              </a:cxn>
+              <a:cxn ang="0">
+                <a:pos x="connsiteX44" y="connsiteY44"/>
+              </a:cxn>
+              <a:cxn ang="0">
+                <a:pos x="connsiteX45" y="connsiteY45"/>
+              </a:cxn>
+              <a:cxn ang="0">
+                <a:pos x="connsiteX46" y="connsiteY46"/>
+              </a:cxn>
+              <a:cxn ang="0">
+                <a:pos x="connsiteX47" y="connsiteY47"/>
+              </a:cxn>
+              <a:cxn ang="0">
+                <a:pos x="connsiteX48" y="connsiteY48"/>
+              </a:cxn>
+              <a:cxn ang="0">
+                <a:pos x="connsiteX49" y="connsiteY49"/>
+              </a:cxn>
+              <a:cxn ang="0">
+                <a:pos x="connsiteX50" y="connsiteY50"/>
+              </a:cxn>
+              <a:cxn ang="0">
+                <a:pos x="connsiteX51" y="connsiteY51"/>
+              </a:cxn>
+              <a:cxn ang="0">
+                <a:pos x="connsiteX52" y="connsiteY52"/>
+              </a:cxn>
+              <a:cxn ang="0">
+                <a:pos x="connsiteX53" y="connsiteY53"/>
+              </a:cxn>
+              <a:cxn ang="0">
+                <a:pos x="connsiteX54" y="connsiteY54"/>
+              </a:cxn>
+              <a:cxn ang="0">
+                <a:pos x="connsiteX55" y="connsiteY55"/>
+              </a:cxn>
+              <a:cxn ang="0">
+                <a:pos x="connsiteX56" y="connsiteY56"/>
+              </a:cxn>
+              <a:cxn ang="0">
+                <a:pos x="connsiteX57" y="connsiteY57"/>
+              </a:cxn>
+              <a:cxn ang="0">
+                <a:pos x="connsiteX58" y="connsiteY58"/>
+              </a:cxn>
+              <a:cxn ang="0">
+                <a:pos x="connsiteX59" y="connsiteY59"/>
+              </a:cxn>
+              <a:cxn ang="0">
+                <a:pos x="connsiteX60" y="connsiteY60"/>
+              </a:cxn>
+              <a:cxn ang="0">
+                <a:pos x="connsiteX61" y="connsiteY61"/>
+              </a:cxn>
+              <a:cxn ang="0">
+                <a:pos x="connsiteX62" y="connsiteY62"/>
+              </a:cxn>
+              <a:cxn ang="0">
+                <a:pos x="connsiteX63" y="connsiteY63"/>
+              </a:cxn>
+              <a:cxn ang="0">
+                <a:pos x="connsiteX64" y="connsiteY64"/>
+              </a:cxn>
+              <a:cxn ang="0">
+                <a:pos x="connsiteX65" y="connsiteY65"/>
+              </a:cxn>
+              <a:cxn ang="0">
+                <a:pos x="connsiteX66" y="connsiteY66"/>
+              </a:cxn>
+              <a:cxn ang="0">
+                <a:pos x="connsiteX67" y="connsiteY67"/>
+              </a:cxn>
+              <a:cxn ang="0">
+                <a:pos x="connsiteX68" y="connsiteY68"/>
+              </a:cxn>
+              <a:cxn ang="0">
+                <a:pos x="connsiteX69" y="connsiteY69"/>
+              </a:cxn>
+              <a:cxn ang="0">
+                <a:pos x="connsiteX70" y="connsiteY70"/>
+              </a:cxn>
+              <a:cxn ang="0">
+                <a:pos x="connsiteX71" y="connsiteY71"/>
+              </a:cxn>
+              <a:cxn ang="0">
+                <a:pos x="connsiteX72" y="connsiteY72"/>
+              </a:cxn>
+              <a:cxn ang="0">
+                <a:pos x="connsiteX73" y="connsiteY73"/>
+              </a:cxn>
+              <a:cxn ang="0">
+                <a:pos x="connsiteX74" y="connsiteY74"/>
+              </a:cxn>
+              <a:cxn ang="0">
+                <a:pos x="connsiteX75" y="connsiteY75"/>
+              </a:cxn>
+              <a:cxn ang="0">
+                <a:pos x="connsiteX76" y="connsiteY76"/>
+              </a:cxn>
+              <a:cxn ang="0">
+                <a:pos x="connsiteX77" y="connsiteY77"/>
+              </a:cxn>
+              <a:cxn ang="0">
+                <a:pos x="connsiteX78" y="connsiteY78"/>
+              </a:cxn>
+              <a:cxn ang="0">
+                <a:pos x="connsiteX79" y="connsiteY79"/>
+              </a:cxn>
+              <a:cxn ang="0">
+                <a:pos x="connsiteX80" y="connsiteY80"/>
+              </a:cxn>
+              <a:cxn ang="0">
+                <a:pos x="connsiteX81" y="connsiteY81"/>
+              </a:cxn>
+              <a:cxn ang="0">
+                <a:pos x="connsiteX82" y="connsiteY82"/>
+              </a:cxn>
+              <a:cxn ang="0">
+                <a:pos x="connsiteX83" y="connsiteY83"/>
+              </a:cxn>
+              <a:cxn ang="0">
+                <a:pos x="connsiteX84" y="connsiteY84"/>
+              </a:cxn>
+              <a:cxn ang="0">
+                <a:pos x="connsiteX85" y="connsiteY85"/>
+              </a:cxn>
+              <a:cxn ang="0">
+                <a:pos x="connsiteX86" y="connsiteY86"/>
+              </a:cxn>
+              <a:cxn ang="0">
+                <a:pos x="connsiteX87" y="connsiteY87"/>
+              </a:cxn>
+              <a:cxn ang="0">
+                <a:pos x="connsiteX88" y="connsiteY88"/>
+              </a:cxn>
+              <a:cxn ang="0">
+                <a:pos x="connsiteX89" y="connsiteY89"/>
+              </a:cxn>
+              <a:cxn ang="0">
+                <a:pos x="connsiteX90" y="connsiteY90"/>
+              </a:cxn>
+              <a:cxn ang="0">
+                <a:pos x="connsiteX91" y="connsiteY91"/>
+              </a:cxn>
+              <a:cxn ang="0">
+                <a:pos x="connsiteX92" y="connsiteY92"/>
+              </a:cxn>
+              <a:cxn ang="0">
+                <a:pos x="connsiteX93" y="connsiteY93"/>
+              </a:cxn>
+              <a:cxn ang="0">
+                <a:pos x="connsiteX94" y="connsiteY94"/>
+              </a:cxn>
+              <a:cxn ang="0">
+                <a:pos x="connsiteX95" y="connsiteY95"/>
+              </a:cxn>
+              <a:cxn ang="0">
+                <a:pos x="connsiteX96" y="connsiteY96"/>
+              </a:cxn>
+              <a:cxn ang="0">
+                <a:pos x="connsiteX97" y="connsiteY97"/>
+              </a:cxn>
+              <a:cxn ang="0">
+                <a:pos x="connsiteX98" y="connsiteY98"/>
+              </a:cxn>
+              <a:cxn ang="0">
+                <a:pos x="connsiteX99" y="connsiteY99"/>
+              </a:cxn>
+              <a:cxn ang="0">
+                <a:pos x="connsiteX100" y="connsiteY100"/>
+              </a:cxn>
+              <a:cxn ang="0">
+                <a:pos x="connsiteX101" y="connsiteY101"/>
+              </a:cxn>
+              <a:cxn ang="0">
+                <a:pos x="connsiteX102" y="connsiteY102"/>
+              </a:cxn>
+              <a:cxn ang="0">
+                <a:pos x="connsiteX103" y="connsiteY103"/>
+              </a:cxn>
+              <a:cxn ang="0">
+                <a:pos x="connsiteX104" y="connsiteY104"/>
+              </a:cxn>
+              <a:cxn ang="0">
+                <a:pos x="connsiteX105" y="connsiteY105"/>
+              </a:cxn>
+              <a:cxn ang="0">
+                <a:pos x="connsiteX106" y="connsiteY106"/>
+              </a:cxn>
+              <a:cxn ang="0">
+                <a:pos x="connsiteX107" y="connsiteY107"/>
+              </a:cxn>
+              <a:cxn ang="0">
+                <a:pos x="connsiteX108" y="connsiteY108"/>
+              </a:cxn>
+              <a:cxn ang="0">
+                <a:pos x="connsiteX109" y="connsiteY109"/>
+              </a:cxn>
+              <a:cxn ang="0">
+                <a:pos x="connsiteX110" y="connsiteY110"/>
+              </a:cxn>
+              <a:cxn ang="0">
+                <a:pos x="connsiteX111" y="connsiteY111"/>
+              </a:cxn>
+              <a:cxn ang="0">
+                <a:pos x="connsiteX112" y="connsiteY112"/>
+              </a:cxn>
+              <a:cxn ang="0">
+                <a:pos x="connsiteX113" y="connsiteY113"/>
+              </a:cxn>
+              <a:cxn ang="0">
+                <a:pos x="connsiteX114" y="connsiteY114"/>
+              </a:cxn>
+              <a:cxn ang="0">
+                <a:pos x="connsiteX115" y="connsiteY115"/>
+              </a:cxn>
+              <a:cxn ang="0">
+                <a:pos x="connsiteX116" y="connsiteY116"/>
+              </a:cxn>
+              <a:cxn ang="0">
+                <a:pos x="connsiteX117" y="connsiteY117"/>
+              </a:cxn>
+              <a:cxn ang="0">
+                <a:pos x="connsiteX118" y="connsiteY118"/>
+              </a:cxn>
+              <a:cxn ang="0">
+                <a:pos x="connsiteX119" y="connsiteY119"/>
+              </a:cxn>
+              <a:cxn ang="0">
+                <a:pos x="connsiteX120" y="connsiteY120"/>
+              </a:cxn>
+              <a:cxn ang="0">
+                <a:pos x="connsiteX121" y="connsiteY121"/>
+              </a:cxn>
+              <a:cxn ang="0">
+                <a:pos x="connsiteX122" y="connsiteY122"/>
+              </a:cxn>
+              <a:cxn ang="0">
+                <a:pos x="connsiteX123" y="connsiteY123"/>
+              </a:cxn>
+              <a:cxn ang="0">
+                <a:pos x="connsiteX124" y="connsiteY124"/>
+              </a:cxn>
+              <a:cxn ang="0">
+                <a:pos x="connsiteX125" y="connsiteY125"/>
+              </a:cxn>
+              <a:cxn ang="0">
+                <a:pos x="connsiteX126" y="connsiteY126"/>
+              </a:cxn>
+              <a:cxn ang="0">
+                <a:pos x="connsiteX127" y="connsiteY127"/>
+              </a:cxn>
+              <a:cxn ang="0">
+                <a:pos x="connsiteX128" y="connsiteY128"/>
+              </a:cxn>
+              <a:cxn ang="0">
+                <a:pos x="connsiteX129" y="connsiteY129"/>
+              </a:cxn>
+              <a:cxn ang="0">
+                <a:pos x="connsiteX130" y="connsiteY130"/>
+              </a:cxn>
+              <a:cxn ang="0">
+                <a:pos x="connsiteX131" y="connsiteY131"/>
+              </a:cxn>
+              <a:cxn ang="0">
+                <a:pos x="connsiteX132" y="connsiteY132"/>
+              </a:cxn>
+              <a:cxn ang="0">
+                <a:pos x="connsiteX133" y="connsiteY133"/>
+              </a:cxn>
+              <a:cxn ang="0">
+                <a:pos x="connsiteX134" y="connsiteY134"/>
+              </a:cxn>
+              <a:cxn ang="0">
+                <a:pos x="connsiteX135" y="connsiteY135"/>
+              </a:cxn>
+              <a:cxn ang="0">
+                <a:pos x="connsiteX136" y="connsiteY136"/>
+              </a:cxn>
+              <a:cxn ang="0">
+                <a:pos x="connsiteX137" y="connsiteY137"/>
+              </a:cxn>
+              <a:cxn ang="0">
+                <a:pos x="connsiteX138" y="connsiteY138"/>
+              </a:cxn>
+              <a:cxn ang="0">
+                <a:pos x="connsiteX139" y="connsiteY139"/>
+              </a:cxn>
+              <a:cxn ang="0">
+                <a:pos x="connsiteX140" y="connsiteY140"/>
+              </a:cxn>
+              <a:cxn ang="0">
+                <a:pos x="connsiteX141" y="connsiteY141"/>
+              </a:cxn>
+              <a:cxn ang="0">
+                <a:pos x="connsiteX142" y="connsiteY142"/>
+              </a:cxn>
+              <a:cxn ang="0">
+                <a:pos x="connsiteX143" y="connsiteY143"/>
+              </a:cxn>
+              <a:cxn ang="0">
+                <a:pos x="connsiteX144" y="connsiteY144"/>
+              </a:cxn>
+            </a:cxnLst>
+            <a:rect l="l" t="t" r="r" b="b"/>
+            <a:pathLst>
+              <a:path w="4693698" h="6858000">
+                <a:moveTo>
+                  <a:pt x="0" y="0"/>
+                </a:moveTo>
+                <a:lnTo>
+                  <a:pt x="420914" y="0"/>
+                </a:lnTo>
+                <a:lnTo>
+                  <a:pt x="1582057" y="0"/>
+                </a:lnTo>
+                <a:lnTo>
+                  <a:pt x="4503903" y="0"/>
+                </a:lnTo>
+                <a:lnTo>
+                  <a:pt x="4508943" y="66675"/>
+                </a:lnTo>
+                <a:lnTo>
+                  <a:pt x="4517340" y="122237"/>
+                </a:lnTo>
+                <a:lnTo>
+                  <a:pt x="4527418" y="174625"/>
+                </a:lnTo>
+                <a:lnTo>
+                  <a:pt x="4544214" y="217487"/>
+                </a:lnTo>
+                <a:lnTo>
+                  <a:pt x="4561010" y="260350"/>
+                </a:lnTo>
+                <a:lnTo>
+                  <a:pt x="4581165" y="296862"/>
+                </a:lnTo>
+                <a:lnTo>
+                  <a:pt x="4601320" y="334962"/>
+                </a:lnTo>
+                <a:lnTo>
+                  <a:pt x="4619796" y="369887"/>
+                </a:lnTo>
+                <a:lnTo>
+                  <a:pt x="4638271" y="409575"/>
+                </a:lnTo>
+                <a:lnTo>
+                  <a:pt x="4655067" y="450850"/>
+                </a:lnTo>
+                <a:lnTo>
+                  <a:pt x="4670184" y="496887"/>
+                </a:lnTo>
+                <a:lnTo>
+                  <a:pt x="4681941" y="546100"/>
+                </a:lnTo>
+                <a:lnTo>
+                  <a:pt x="4690339" y="606425"/>
+                </a:lnTo>
+                <a:lnTo>
+                  <a:pt x="4693698" y="673100"/>
+                </a:lnTo>
+                <a:lnTo>
+                  <a:pt x="4690339" y="744537"/>
+                </a:lnTo>
+                <a:lnTo>
+                  <a:pt x="4681941" y="801687"/>
+                </a:lnTo>
+                <a:lnTo>
+                  <a:pt x="4670184" y="854075"/>
+                </a:lnTo>
+                <a:lnTo>
+                  <a:pt x="4655067" y="901700"/>
+                </a:lnTo>
+                <a:lnTo>
+                  <a:pt x="4638271" y="942975"/>
+                </a:lnTo>
+                <a:lnTo>
+                  <a:pt x="4618116" y="981075"/>
+                </a:lnTo>
+                <a:lnTo>
+                  <a:pt x="4597961" y="1017587"/>
+                </a:lnTo>
+                <a:lnTo>
+                  <a:pt x="4577806" y="1055687"/>
+                </a:lnTo>
+                <a:lnTo>
+                  <a:pt x="4559330" y="1095375"/>
+                </a:lnTo>
+                <a:lnTo>
+                  <a:pt x="4540854" y="1136650"/>
+                </a:lnTo>
+                <a:lnTo>
+                  <a:pt x="4525739" y="1182687"/>
+                </a:lnTo>
+                <a:lnTo>
+                  <a:pt x="4515661" y="1235075"/>
+                </a:lnTo>
+                <a:lnTo>
+                  <a:pt x="4505583" y="1295400"/>
+                </a:lnTo>
+                <a:lnTo>
+                  <a:pt x="4503903" y="1363662"/>
+                </a:lnTo>
+                <a:lnTo>
+                  <a:pt x="4505583" y="1431925"/>
+                </a:lnTo>
+                <a:lnTo>
+                  <a:pt x="4515661" y="1492250"/>
+                </a:lnTo>
+                <a:lnTo>
+                  <a:pt x="4525739" y="1544637"/>
+                </a:lnTo>
+                <a:lnTo>
+                  <a:pt x="4540854" y="1589087"/>
+                </a:lnTo>
+                <a:lnTo>
+                  <a:pt x="4559330" y="1631950"/>
+                </a:lnTo>
+                <a:lnTo>
+                  <a:pt x="4577806" y="1671637"/>
+                </a:lnTo>
+                <a:lnTo>
+                  <a:pt x="4597961" y="1708150"/>
+                </a:lnTo>
+                <a:lnTo>
+                  <a:pt x="4618116" y="1743075"/>
+                </a:lnTo>
+                <a:lnTo>
+                  <a:pt x="4638271" y="1782762"/>
+                </a:lnTo>
+                <a:lnTo>
+                  <a:pt x="4655067" y="1824037"/>
+                </a:lnTo>
+                <a:lnTo>
+                  <a:pt x="4670184" y="1870075"/>
+                </a:lnTo>
+                <a:lnTo>
+                  <a:pt x="4681941" y="1922462"/>
+                </a:lnTo>
+                <a:lnTo>
+                  <a:pt x="4690339" y="1982787"/>
+                </a:lnTo>
+                <a:lnTo>
+                  <a:pt x="4693698" y="2051050"/>
+                </a:lnTo>
+                <a:lnTo>
+                  <a:pt x="4690339" y="2119312"/>
+                </a:lnTo>
+                <a:lnTo>
+                  <a:pt x="4681941" y="2179637"/>
+                </a:lnTo>
+                <a:lnTo>
+                  <a:pt x="4670184" y="2232025"/>
+                </a:lnTo>
+                <a:lnTo>
+                  <a:pt x="4655067" y="2278062"/>
+                </a:lnTo>
+                <a:lnTo>
+                  <a:pt x="4638271" y="2319337"/>
+                </a:lnTo>
+                <a:lnTo>
+                  <a:pt x="4618116" y="2359025"/>
+                </a:lnTo>
+                <a:lnTo>
+                  <a:pt x="4597961" y="2395537"/>
+                </a:lnTo>
+                <a:lnTo>
+                  <a:pt x="4577806" y="2433637"/>
+                </a:lnTo>
+                <a:lnTo>
+                  <a:pt x="4559330" y="2471737"/>
+                </a:lnTo>
+                <a:lnTo>
+                  <a:pt x="4540854" y="2513012"/>
+                </a:lnTo>
+                <a:lnTo>
+                  <a:pt x="4525739" y="2560637"/>
+                </a:lnTo>
+                <a:lnTo>
+                  <a:pt x="4515661" y="2613025"/>
+                </a:lnTo>
+                <a:lnTo>
+                  <a:pt x="4505583" y="2671762"/>
+                </a:lnTo>
+                <a:lnTo>
+                  <a:pt x="4503903" y="2741612"/>
+                </a:lnTo>
+                <a:lnTo>
+                  <a:pt x="4505583" y="2809875"/>
+                </a:lnTo>
+                <a:lnTo>
+                  <a:pt x="4515661" y="2868612"/>
+                </a:lnTo>
+                <a:lnTo>
+                  <a:pt x="4525739" y="2922587"/>
+                </a:lnTo>
+                <a:lnTo>
+                  <a:pt x="4540854" y="2967037"/>
+                </a:lnTo>
+                <a:lnTo>
+                  <a:pt x="4559330" y="3009900"/>
+                </a:lnTo>
+                <a:lnTo>
+                  <a:pt x="4577806" y="3046412"/>
+                </a:lnTo>
+                <a:lnTo>
+                  <a:pt x="4597961" y="3084512"/>
+                </a:lnTo>
+                <a:lnTo>
+                  <a:pt x="4618116" y="3121025"/>
+                </a:lnTo>
+                <a:lnTo>
+                  <a:pt x="4638271" y="3160712"/>
+                </a:lnTo>
+                <a:lnTo>
+                  <a:pt x="4655067" y="3201987"/>
+                </a:lnTo>
+                <a:lnTo>
+                  <a:pt x="4670184" y="3248025"/>
+                </a:lnTo>
+                <a:lnTo>
+                  <a:pt x="4681941" y="3300412"/>
+                </a:lnTo>
+                <a:lnTo>
+                  <a:pt x="4690339" y="3360737"/>
+                </a:lnTo>
+                <a:lnTo>
+                  <a:pt x="4693698" y="3427412"/>
+                </a:lnTo>
+                <a:lnTo>
+                  <a:pt x="4690339" y="3497262"/>
+                </a:lnTo>
+                <a:lnTo>
+                  <a:pt x="4681941" y="3557587"/>
+                </a:lnTo>
+                <a:lnTo>
+                  <a:pt x="4670184" y="3609975"/>
+                </a:lnTo>
+                <a:lnTo>
+                  <a:pt x="4655067" y="3656012"/>
+                </a:lnTo>
+                <a:lnTo>
+                  <a:pt x="4638271" y="3697287"/>
+                </a:lnTo>
+                <a:lnTo>
+                  <a:pt x="4618116" y="3736975"/>
+                </a:lnTo>
+                <a:lnTo>
+                  <a:pt x="4577806" y="3811587"/>
+                </a:lnTo>
+                <a:lnTo>
+                  <a:pt x="4559330" y="3848100"/>
+                </a:lnTo>
+                <a:lnTo>
+                  <a:pt x="4540854" y="3890962"/>
+                </a:lnTo>
+                <a:lnTo>
+                  <a:pt x="4525739" y="3935412"/>
+                </a:lnTo>
+                <a:lnTo>
+                  <a:pt x="4515661" y="3987800"/>
+                </a:lnTo>
+                <a:lnTo>
+                  <a:pt x="4505583" y="4048125"/>
+                </a:lnTo>
+                <a:lnTo>
+                  <a:pt x="4503903" y="4116387"/>
+                </a:lnTo>
+                <a:lnTo>
+                  <a:pt x="4505583" y="4186237"/>
+                </a:lnTo>
+                <a:lnTo>
+                  <a:pt x="4515661" y="4244975"/>
+                </a:lnTo>
+                <a:lnTo>
+                  <a:pt x="4525739" y="4297362"/>
+                </a:lnTo>
+                <a:lnTo>
+                  <a:pt x="4540854" y="4343400"/>
+                </a:lnTo>
+                <a:lnTo>
+                  <a:pt x="4559330" y="4386262"/>
+                </a:lnTo>
+                <a:lnTo>
+                  <a:pt x="4577806" y="4424362"/>
+                </a:lnTo>
+                <a:lnTo>
+                  <a:pt x="4618116" y="4498975"/>
+                </a:lnTo>
+                <a:lnTo>
+                  <a:pt x="4638271" y="4537075"/>
+                </a:lnTo>
+                <a:lnTo>
+                  <a:pt x="4655067" y="4579937"/>
+                </a:lnTo>
+                <a:lnTo>
+                  <a:pt x="4670184" y="4625975"/>
+                </a:lnTo>
+                <a:lnTo>
+                  <a:pt x="4681941" y="4678362"/>
+                </a:lnTo>
+                <a:lnTo>
+                  <a:pt x="4690339" y="4738687"/>
+                </a:lnTo>
+                <a:lnTo>
+                  <a:pt x="4693698" y="4806950"/>
+                </a:lnTo>
+                <a:lnTo>
+                  <a:pt x="4690339" y="4875212"/>
+                </a:lnTo>
+                <a:lnTo>
+                  <a:pt x="4681941" y="4935537"/>
+                </a:lnTo>
+                <a:lnTo>
+                  <a:pt x="4670184" y="4987925"/>
+                </a:lnTo>
+                <a:lnTo>
+                  <a:pt x="4655067" y="5033962"/>
+                </a:lnTo>
+                <a:lnTo>
+                  <a:pt x="4638271" y="5075237"/>
+                </a:lnTo>
+                <a:lnTo>
+                  <a:pt x="4618116" y="5114925"/>
+                </a:lnTo>
+                <a:lnTo>
+                  <a:pt x="4597961" y="5149850"/>
+                </a:lnTo>
+                <a:lnTo>
+                  <a:pt x="4577806" y="5186362"/>
+                </a:lnTo>
+                <a:lnTo>
+                  <a:pt x="4559330" y="5226050"/>
+                </a:lnTo>
+                <a:lnTo>
+                  <a:pt x="4540854" y="5268912"/>
+                </a:lnTo>
+                <a:lnTo>
+                  <a:pt x="4525739" y="5313362"/>
+                </a:lnTo>
+                <a:lnTo>
+                  <a:pt x="4515661" y="5365750"/>
+                </a:lnTo>
+                <a:lnTo>
+                  <a:pt x="4505583" y="5426075"/>
+                </a:lnTo>
+                <a:lnTo>
+                  <a:pt x="4503903" y="5494337"/>
+                </a:lnTo>
+                <a:lnTo>
+                  <a:pt x="4505583" y="5562600"/>
+                </a:lnTo>
+                <a:lnTo>
+                  <a:pt x="4515661" y="5622925"/>
+                </a:lnTo>
+                <a:lnTo>
+                  <a:pt x="4525739" y="5675312"/>
+                </a:lnTo>
+                <a:lnTo>
+                  <a:pt x="4540854" y="5721350"/>
+                </a:lnTo>
+                <a:lnTo>
+                  <a:pt x="4559330" y="5762625"/>
+                </a:lnTo>
+                <a:lnTo>
+                  <a:pt x="4577806" y="5802312"/>
+                </a:lnTo>
+                <a:lnTo>
+                  <a:pt x="4597961" y="5840412"/>
+                </a:lnTo>
+                <a:lnTo>
+                  <a:pt x="4618116" y="5876925"/>
+                </a:lnTo>
+                <a:lnTo>
+                  <a:pt x="4638271" y="5915025"/>
+                </a:lnTo>
+                <a:lnTo>
+                  <a:pt x="4655067" y="5956300"/>
+                </a:lnTo>
+                <a:lnTo>
+                  <a:pt x="4670184" y="6003925"/>
+                </a:lnTo>
+                <a:lnTo>
+                  <a:pt x="4681941" y="6056312"/>
+                </a:lnTo>
+                <a:lnTo>
+                  <a:pt x="4690339" y="6113462"/>
+                </a:lnTo>
+                <a:lnTo>
+                  <a:pt x="4693698" y="6183312"/>
+                </a:lnTo>
+                <a:lnTo>
+                  <a:pt x="4690339" y="6251575"/>
+                </a:lnTo>
+                <a:lnTo>
+                  <a:pt x="4681941" y="6311900"/>
+                </a:lnTo>
+                <a:lnTo>
+                  <a:pt x="4670184" y="6361112"/>
+                </a:lnTo>
+                <a:lnTo>
+                  <a:pt x="4655067" y="6407150"/>
+                </a:lnTo>
+                <a:lnTo>
+                  <a:pt x="4638271" y="6448425"/>
+                </a:lnTo>
+                <a:lnTo>
+                  <a:pt x="4619796" y="6488112"/>
+                </a:lnTo>
+                <a:lnTo>
+                  <a:pt x="4601320" y="6523037"/>
+                </a:lnTo>
+                <a:lnTo>
+                  <a:pt x="4581165" y="6561137"/>
+                </a:lnTo>
+                <a:lnTo>
+                  <a:pt x="4561010" y="6597650"/>
+                </a:lnTo>
+                <a:lnTo>
+                  <a:pt x="4544214" y="6640512"/>
+                </a:lnTo>
+                <a:lnTo>
+                  <a:pt x="4527418" y="6683375"/>
+                </a:lnTo>
+                <a:lnTo>
+                  <a:pt x="4517340" y="6735762"/>
+                </a:lnTo>
+                <a:lnTo>
+                  <a:pt x="4508943" y="6791325"/>
+                </a:lnTo>
+                <a:lnTo>
+                  <a:pt x="4503903" y="6858000"/>
+                </a:lnTo>
+                <a:lnTo>
+                  <a:pt x="1582057" y="6858000"/>
+                </a:lnTo>
+                <a:lnTo>
+                  <a:pt x="420914" y="6858000"/>
+                </a:lnTo>
+                <a:lnTo>
+                  <a:pt x="0" y="6858000"/>
+                </a:lnTo>
+                <a:close/>
+              </a:path>
+            </a:pathLst>
+          </a:custGeom>
+          <a:solidFill>
+            <a:schemeClr val="tx1"/>
+          </a:solidFill>
+          <a:ln w="0">
+            <a:noFill/>
+            <a:prstDash val="solid"/>
+            <a:round/>
+            <a:headEnd/>
+            <a:tailEnd/>
+          </a:ln>
+        </p:spPr>
+        <p:txBody>
+          <a:bodyPr wrap="square">
+            <a:noAutofit/>
+          </a:bodyPr>
+          <a:lstStyle/>
+          <a:p>
+            <a:endParaRPr lang="en-US" dirty="0"/>
+          </a:p>
+        </p:txBody>
+      </p:sp>
+      <p:sp>
+        <p:nvSpPr>
+          <p:cNvPr id="63" name="Freeform: Shape 62">
+            <a:extLst>
+              <a:ext uri="{FF2B5EF4-FFF2-40B4-BE49-F238E27FC236}">
+                <a16:creationId xmlns:a16="http://schemas.microsoft.com/office/drawing/2014/main" id="{4B9FAFB2-BEB5-4848-8018-BCAD99E2E1AA}"/>
+              </a:ext>
+              <a:ext uri="{C183D7F6-B498-43B3-948B-1728B52AA6E4}">
+                <adec:decorative xmlns:adec="http://schemas.microsoft.com/office/drawing/2017/decorative" val="1"/>
               </a:ext>
             </a:extLst>
           </p:cNvPr>
@@ -5495,15 +6720,1221 @@
           </p:nvPr>
         </p:nvSpPr>
         <p:spPr>
-          <a:xfrm>
+          <a:xfrm flipH="1">
             <a:off x="0" y="0"/>
-            <a:ext cx="4694548" cy="6858000"/>
+            <a:ext cx="4838076" cy="6858000"/>
           </a:xfrm>
-          <a:prstGeom prst="rect">
+          <a:custGeom>
             <a:avLst/>
-          </a:prstGeom>
+            <a:gdLst>
+              <a:gd name="connsiteX0" fmla="*/ 4838076 w 4838076"/>
+              <a:gd name="connsiteY0" fmla="*/ 0 h 6858000"/>
+              <a:gd name="connsiteX1" fmla="*/ 4417162 w 4838076"/>
+              <a:gd name="connsiteY1" fmla="*/ 0 h 6858000"/>
+              <a:gd name="connsiteX2" fmla="*/ 3459219 w 4838076"/>
+              <a:gd name="connsiteY2" fmla="*/ 0 h 6858000"/>
+              <a:gd name="connsiteX3" fmla="*/ 334174 w 4838076"/>
+              <a:gd name="connsiteY3" fmla="*/ 0 h 6858000"/>
+              <a:gd name="connsiteX4" fmla="*/ 334173 w 4838076"/>
+              <a:gd name="connsiteY4" fmla="*/ 0 h 6858000"/>
+              <a:gd name="connsiteX5" fmla="*/ 189795 w 4838076"/>
+              <a:gd name="connsiteY5" fmla="*/ 0 h 6858000"/>
+              <a:gd name="connsiteX6" fmla="*/ 184756 w 4838076"/>
+              <a:gd name="connsiteY6" fmla="*/ 66675 h 6858000"/>
+              <a:gd name="connsiteX7" fmla="*/ 176358 w 4838076"/>
+              <a:gd name="connsiteY7" fmla="*/ 122237 h 6858000"/>
+              <a:gd name="connsiteX8" fmla="*/ 166281 w 4838076"/>
+              <a:gd name="connsiteY8" fmla="*/ 174625 h 6858000"/>
+              <a:gd name="connsiteX9" fmla="*/ 149485 w 4838076"/>
+              <a:gd name="connsiteY9" fmla="*/ 217487 h 6858000"/>
+              <a:gd name="connsiteX10" fmla="*/ 132689 w 4838076"/>
+              <a:gd name="connsiteY10" fmla="*/ 260350 h 6858000"/>
+              <a:gd name="connsiteX11" fmla="*/ 112534 w 4838076"/>
+              <a:gd name="connsiteY11" fmla="*/ 296862 h 6858000"/>
+              <a:gd name="connsiteX12" fmla="*/ 92379 w 4838076"/>
+              <a:gd name="connsiteY12" fmla="*/ 334962 h 6858000"/>
+              <a:gd name="connsiteX13" fmla="*/ 73903 w 4838076"/>
+              <a:gd name="connsiteY13" fmla="*/ 369887 h 6858000"/>
+              <a:gd name="connsiteX14" fmla="*/ 55427 w 4838076"/>
+              <a:gd name="connsiteY14" fmla="*/ 409575 h 6858000"/>
+              <a:gd name="connsiteX15" fmla="*/ 38632 w 4838076"/>
+              <a:gd name="connsiteY15" fmla="*/ 450850 h 6858000"/>
+              <a:gd name="connsiteX16" fmla="*/ 23515 w 4838076"/>
+              <a:gd name="connsiteY16" fmla="*/ 496887 h 6858000"/>
+              <a:gd name="connsiteX17" fmla="*/ 11758 w 4838076"/>
+              <a:gd name="connsiteY17" fmla="*/ 546100 h 6858000"/>
+              <a:gd name="connsiteX18" fmla="*/ 3359 w 4838076"/>
+              <a:gd name="connsiteY18" fmla="*/ 606425 h 6858000"/>
+              <a:gd name="connsiteX19" fmla="*/ 0 w 4838076"/>
+              <a:gd name="connsiteY19" fmla="*/ 673100 h 6858000"/>
+              <a:gd name="connsiteX20" fmla="*/ 3359 w 4838076"/>
+              <a:gd name="connsiteY20" fmla="*/ 744537 h 6858000"/>
+              <a:gd name="connsiteX21" fmla="*/ 11758 w 4838076"/>
+              <a:gd name="connsiteY21" fmla="*/ 801687 h 6858000"/>
+              <a:gd name="connsiteX22" fmla="*/ 23515 w 4838076"/>
+              <a:gd name="connsiteY22" fmla="*/ 854075 h 6858000"/>
+              <a:gd name="connsiteX23" fmla="*/ 38632 w 4838076"/>
+              <a:gd name="connsiteY23" fmla="*/ 901700 h 6858000"/>
+              <a:gd name="connsiteX24" fmla="*/ 55427 w 4838076"/>
+              <a:gd name="connsiteY24" fmla="*/ 942975 h 6858000"/>
+              <a:gd name="connsiteX25" fmla="*/ 75583 w 4838076"/>
+              <a:gd name="connsiteY25" fmla="*/ 981075 h 6858000"/>
+              <a:gd name="connsiteX26" fmla="*/ 95738 w 4838076"/>
+              <a:gd name="connsiteY26" fmla="*/ 1017587 h 6858000"/>
+              <a:gd name="connsiteX27" fmla="*/ 115893 w 4838076"/>
+              <a:gd name="connsiteY27" fmla="*/ 1055687 h 6858000"/>
+              <a:gd name="connsiteX28" fmla="*/ 134368 w 4838076"/>
+              <a:gd name="connsiteY28" fmla="*/ 1095375 h 6858000"/>
+              <a:gd name="connsiteX29" fmla="*/ 152844 w 4838076"/>
+              <a:gd name="connsiteY29" fmla="*/ 1136650 h 6858000"/>
+              <a:gd name="connsiteX30" fmla="*/ 167960 w 4838076"/>
+              <a:gd name="connsiteY30" fmla="*/ 1182687 h 6858000"/>
+              <a:gd name="connsiteX31" fmla="*/ 178038 w 4838076"/>
+              <a:gd name="connsiteY31" fmla="*/ 1235075 h 6858000"/>
+              <a:gd name="connsiteX32" fmla="*/ 188115 w 4838076"/>
+              <a:gd name="connsiteY32" fmla="*/ 1295400 h 6858000"/>
+              <a:gd name="connsiteX33" fmla="*/ 189795 w 4838076"/>
+              <a:gd name="connsiteY33" fmla="*/ 1363662 h 6858000"/>
+              <a:gd name="connsiteX34" fmla="*/ 188115 w 4838076"/>
+              <a:gd name="connsiteY34" fmla="*/ 1431925 h 6858000"/>
+              <a:gd name="connsiteX35" fmla="*/ 178038 w 4838076"/>
+              <a:gd name="connsiteY35" fmla="*/ 1492250 h 6858000"/>
+              <a:gd name="connsiteX36" fmla="*/ 167960 w 4838076"/>
+              <a:gd name="connsiteY36" fmla="*/ 1544637 h 6858000"/>
+              <a:gd name="connsiteX37" fmla="*/ 152844 w 4838076"/>
+              <a:gd name="connsiteY37" fmla="*/ 1589087 h 6858000"/>
+              <a:gd name="connsiteX38" fmla="*/ 134368 w 4838076"/>
+              <a:gd name="connsiteY38" fmla="*/ 1631950 h 6858000"/>
+              <a:gd name="connsiteX39" fmla="*/ 115893 w 4838076"/>
+              <a:gd name="connsiteY39" fmla="*/ 1671637 h 6858000"/>
+              <a:gd name="connsiteX40" fmla="*/ 95738 w 4838076"/>
+              <a:gd name="connsiteY40" fmla="*/ 1708150 h 6858000"/>
+              <a:gd name="connsiteX41" fmla="*/ 75583 w 4838076"/>
+              <a:gd name="connsiteY41" fmla="*/ 1743075 h 6858000"/>
+              <a:gd name="connsiteX42" fmla="*/ 55427 w 4838076"/>
+              <a:gd name="connsiteY42" fmla="*/ 1782762 h 6858000"/>
+              <a:gd name="connsiteX43" fmla="*/ 38632 w 4838076"/>
+              <a:gd name="connsiteY43" fmla="*/ 1824037 h 6858000"/>
+              <a:gd name="connsiteX44" fmla="*/ 23515 w 4838076"/>
+              <a:gd name="connsiteY44" fmla="*/ 1870075 h 6858000"/>
+              <a:gd name="connsiteX45" fmla="*/ 11758 w 4838076"/>
+              <a:gd name="connsiteY45" fmla="*/ 1922462 h 6858000"/>
+              <a:gd name="connsiteX46" fmla="*/ 3359 w 4838076"/>
+              <a:gd name="connsiteY46" fmla="*/ 1982787 h 6858000"/>
+              <a:gd name="connsiteX47" fmla="*/ 0 w 4838076"/>
+              <a:gd name="connsiteY47" fmla="*/ 2051050 h 6858000"/>
+              <a:gd name="connsiteX48" fmla="*/ 3359 w 4838076"/>
+              <a:gd name="connsiteY48" fmla="*/ 2119312 h 6858000"/>
+              <a:gd name="connsiteX49" fmla="*/ 11758 w 4838076"/>
+              <a:gd name="connsiteY49" fmla="*/ 2179637 h 6858000"/>
+              <a:gd name="connsiteX50" fmla="*/ 23515 w 4838076"/>
+              <a:gd name="connsiteY50" fmla="*/ 2232025 h 6858000"/>
+              <a:gd name="connsiteX51" fmla="*/ 38632 w 4838076"/>
+              <a:gd name="connsiteY51" fmla="*/ 2278062 h 6858000"/>
+              <a:gd name="connsiteX52" fmla="*/ 55427 w 4838076"/>
+              <a:gd name="connsiteY52" fmla="*/ 2319337 h 6858000"/>
+              <a:gd name="connsiteX53" fmla="*/ 75583 w 4838076"/>
+              <a:gd name="connsiteY53" fmla="*/ 2359025 h 6858000"/>
+              <a:gd name="connsiteX54" fmla="*/ 95738 w 4838076"/>
+              <a:gd name="connsiteY54" fmla="*/ 2395537 h 6858000"/>
+              <a:gd name="connsiteX55" fmla="*/ 115893 w 4838076"/>
+              <a:gd name="connsiteY55" fmla="*/ 2433637 h 6858000"/>
+              <a:gd name="connsiteX56" fmla="*/ 134368 w 4838076"/>
+              <a:gd name="connsiteY56" fmla="*/ 2471737 h 6858000"/>
+              <a:gd name="connsiteX57" fmla="*/ 152844 w 4838076"/>
+              <a:gd name="connsiteY57" fmla="*/ 2513012 h 6858000"/>
+              <a:gd name="connsiteX58" fmla="*/ 167960 w 4838076"/>
+              <a:gd name="connsiteY58" fmla="*/ 2560637 h 6858000"/>
+              <a:gd name="connsiteX59" fmla="*/ 178038 w 4838076"/>
+              <a:gd name="connsiteY59" fmla="*/ 2613025 h 6858000"/>
+              <a:gd name="connsiteX60" fmla="*/ 188115 w 4838076"/>
+              <a:gd name="connsiteY60" fmla="*/ 2671762 h 6858000"/>
+              <a:gd name="connsiteX61" fmla="*/ 189795 w 4838076"/>
+              <a:gd name="connsiteY61" fmla="*/ 2741612 h 6858000"/>
+              <a:gd name="connsiteX62" fmla="*/ 188115 w 4838076"/>
+              <a:gd name="connsiteY62" fmla="*/ 2809875 h 6858000"/>
+              <a:gd name="connsiteX63" fmla="*/ 178038 w 4838076"/>
+              <a:gd name="connsiteY63" fmla="*/ 2868612 h 6858000"/>
+              <a:gd name="connsiteX64" fmla="*/ 167960 w 4838076"/>
+              <a:gd name="connsiteY64" fmla="*/ 2922587 h 6858000"/>
+              <a:gd name="connsiteX65" fmla="*/ 152844 w 4838076"/>
+              <a:gd name="connsiteY65" fmla="*/ 2967037 h 6858000"/>
+              <a:gd name="connsiteX66" fmla="*/ 134368 w 4838076"/>
+              <a:gd name="connsiteY66" fmla="*/ 3009900 h 6858000"/>
+              <a:gd name="connsiteX67" fmla="*/ 115893 w 4838076"/>
+              <a:gd name="connsiteY67" fmla="*/ 3046412 h 6858000"/>
+              <a:gd name="connsiteX68" fmla="*/ 95738 w 4838076"/>
+              <a:gd name="connsiteY68" fmla="*/ 3084512 h 6858000"/>
+              <a:gd name="connsiteX69" fmla="*/ 75583 w 4838076"/>
+              <a:gd name="connsiteY69" fmla="*/ 3121025 h 6858000"/>
+              <a:gd name="connsiteX70" fmla="*/ 55427 w 4838076"/>
+              <a:gd name="connsiteY70" fmla="*/ 3160712 h 6858000"/>
+              <a:gd name="connsiteX71" fmla="*/ 38632 w 4838076"/>
+              <a:gd name="connsiteY71" fmla="*/ 3201987 h 6858000"/>
+              <a:gd name="connsiteX72" fmla="*/ 23515 w 4838076"/>
+              <a:gd name="connsiteY72" fmla="*/ 3248025 h 6858000"/>
+              <a:gd name="connsiteX73" fmla="*/ 11758 w 4838076"/>
+              <a:gd name="connsiteY73" fmla="*/ 3300412 h 6858000"/>
+              <a:gd name="connsiteX74" fmla="*/ 3359 w 4838076"/>
+              <a:gd name="connsiteY74" fmla="*/ 3360737 h 6858000"/>
+              <a:gd name="connsiteX75" fmla="*/ 0 w 4838076"/>
+              <a:gd name="connsiteY75" fmla="*/ 3427412 h 6858000"/>
+              <a:gd name="connsiteX76" fmla="*/ 3359 w 4838076"/>
+              <a:gd name="connsiteY76" fmla="*/ 3497262 h 6858000"/>
+              <a:gd name="connsiteX77" fmla="*/ 11758 w 4838076"/>
+              <a:gd name="connsiteY77" fmla="*/ 3557587 h 6858000"/>
+              <a:gd name="connsiteX78" fmla="*/ 23515 w 4838076"/>
+              <a:gd name="connsiteY78" fmla="*/ 3609975 h 6858000"/>
+              <a:gd name="connsiteX79" fmla="*/ 38632 w 4838076"/>
+              <a:gd name="connsiteY79" fmla="*/ 3656012 h 6858000"/>
+              <a:gd name="connsiteX80" fmla="*/ 55427 w 4838076"/>
+              <a:gd name="connsiteY80" fmla="*/ 3697287 h 6858000"/>
+              <a:gd name="connsiteX81" fmla="*/ 75583 w 4838076"/>
+              <a:gd name="connsiteY81" fmla="*/ 3736975 h 6858000"/>
+              <a:gd name="connsiteX82" fmla="*/ 115893 w 4838076"/>
+              <a:gd name="connsiteY82" fmla="*/ 3811587 h 6858000"/>
+              <a:gd name="connsiteX83" fmla="*/ 134368 w 4838076"/>
+              <a:gd name="connsiteY83" fmla="*/ 3848100 h 6858000"/>
+              <a:gd name="connsiteX84" fmla="*/ 152844 w 4838076"/>
+              <a:gd name="connsiteY84" fmla="*/ 3890962 h 6858000"/>
+              <a:gd name="connsiteX85" fmla="*/ 167960 w 4838076"/>
+              <a:gd name="connsiteY85" fmla="*/ 3935412 h 6858000"/>
+              <a:gd name="connsiteX86" fmla="*/ 178038 w 4838076"/>
+              <a:gd name="connsiteY86" fmla="*/ 3987800 h 6858000"/>
+              <a:gd name="connsiteX87" fmla="*/ 188115 w 4838076"/>
+              <a:gd name="connsiteY87" fmla="*/ 4048125 h 6858000"/>
+              <a:gd name="connsiteX88" fmla="*/ 189795 w 4838076"/>
+              <a:gd name="connsiteY88" fmla="*/ 4116387 h 6858000"/>
+              <a:gd name="connsiteX89" fmla="*/ 188115 w 4838076"/>
+              <a:gd name="connsiteY89" fmla="*/ 4186237 h 6858000"/>
+              <a:gd name="connsiteX90" fmla="*/ 178038 w 4838076"/>
+              <a:gd name="connsiteY90" fmla="*/ 4244975 h 6858000"/>
+              <a:gd name="connsiteX91" fmla="*/ 167960 w 4838076"/>
+              <a:gd name="connsiteY91" fmla="*/ 4297362 h 6858000"/>
+              <a:gd name="connsiteX92" fmla="*/ 152844 w 4838076"/>
+              <a:gd name="connsiteY92" fmla="*/ 4343400 h 6858000"/>
+              <a:gd name="connsiteX93" fmla="*/ 134368 w 4838076"/>
+              <a:gd name="connsiteY93" fmla="*/ 4386262 h 6858000"/>
+              <a:gd name="connsiteX94" fmla="*/ 115893 w 4838076"/>
+              <a:gd name="connsiteY94" fmla="*/ 4424362 h 6858000"/>
+              <a:gd name="connsiteX95" fmla="*/ 75583 w 4838076"/>
+              <a:gd name="connsiteY95" fmla="*/ 4498975 h 6858000"/>
+              <a:gd name="connsiteX96" fmla="*/ 55427 w 4838076"/>
+              <a:gd name="connsiteY96" fmla="*/ 4537075 h 6858000"/>
+              <a:gd name="connsiteX97" fmla="*/ 38632 w 4838076"/>
+              <a:gd name="connsiteY97" fmla="*/ 4579937 h 6858000"/>
+              <a:gd name="connsiteX98" fmla="*/ 23515 w 4838076"/>
+              <a:gd name="connsiteY98" fmla="*/ 4625975 h 6858000"/>
+              <a:gd name="connsiteX99" fmla="*/ 11758 w 4838076"/>
+              <a:gd name="connsiteY99" fmla="*/ 4678362 h 6858000"/>
+              <a:gd name="connsiteX100" fmla="*/ 3359 w 4838076"/>
+              <a:gd name="connsiteY100" fmla="*/ 4738687 h 6858000"/>
+              <a:gd name="connsiteX101" fmla="*/ 0 w 4838076"/>
+              <a:gd name="connsiteY101" fmla="*/ 4806950 h 6858000"/>
+              <a:gd name="connsiteX102" fmla="*/ 3359 w 4838076"/>
+              <a:gd name="connsiteY102" fmla="*/ 4875212 h 6858000"/>
+              <a:gd name="connsiteX103" fmla="*/ 11758 w 4838076"/>
+              <a:gd name="connsiteY103" fmla="*/ 4935537 h 6858000"/>
+              <a:gd name="connsiteX104" fmla="*/ 23515 w 4838076"/>
+              <a:gd name="connsiteY104" fmla="*/ 4987925 h 6858000"/>
+              <a:gd name="connsiteX105" fmla="*/ 38632 w 4838076"/>
+              <a:gd name="connsiteY105" fmla="*/ 5033962 h 6858000"/>
+              <a:gd name="connsiteX106" fmla="*/ 55427 w 4838076"/>
+              <a:gd name="connsiteY106" fmla="*/ 5075237 h 6858000"/>
+              <a:gd name="connsiteX107" fmla="*/ 75583 w 4838076"/>
+              <a:gd name="connsiteY107" fmla="*/ 5114925 h 6858000"/>
+              <a:gd name="connsiteX108" fmla="*/ 95738 w 4838076"/>
+              <a:gd name="connsiteY108" fmla="*/ 5149850 h 6858000"/>
+              <a:gd name="connsiteX109" fmla="*/ 115893 w 4838076"/>
+              <a:gd name="connsiteY109" fmla="*/ 5186362 h 6858000"/>
+              <a:gd name="connsiteX110" fmla="*/ 134368 w 4838076"/>
+              <a:gd name="connsiteY110" fmla="*/ 5226050 h 6858000"/>
+              <a:gd name="connsiteX111" fmla="*/ 152844 w 4838076"/>
+              <a:gd name="connsiteY111" fmla="*/ 5268912 h 6858000"/>
+              <a:gd name="connsiteX112" fmla="*/ 167960 w 4838076"/>
+              <a:gd name="connsiteY112" fmla="*/ 5313362 h 6858000"/>
+              <a:gd name="connsiteX113" fmla="*/ 178038 w 4838076"/>
+              <a:gd name="connsiteY113" fmla="*/ 5365750 h 6858000"/>
+              <a:gd name="connsiteX114" fmla="*/ 188115 w 4838076"/>
+              <a:gd name="connsiteY114" fmla="*/ 5426075 h 6858000"/>
+              <a:gd name="connsiteX115" fmla="*/ 189795 w 4838076"/>
+              <a:gd name="connsiteY115" fmla="*/ 5494337 h 6858000"/>
+              <a:gd name="connsiteX116" fmla="*/ 188115 w 4838076"/>
+              <a:gd name="connsiteY116" fmla="*/ 5562600 h 6858000"/>
+              <a:gd name="connsiteX117" fmla="*/ 178038 w 4838076"/>
+              <a:gd name="connsiteY117" fmla="*/ 5622925 h 6858000"/>
+              <a:gd name="connsiteX118" fmla="*/ 167960 w 4838076"/>
+              <a:gd name="connsiteY118" fmla="*/ 5675312 h 6858000"/>
+              <a:gd name="connsiteX119" fmla="*/ 152844 w 4838076"/>
+              <a:gd name="connsiteY119" fmla="*/ 5721350 h 6858000"/>
+              <a:gd name="connsiteX120" fmla="*/ 134368 w 4838076"/>
+              <a:gd name="connsiteY120" fmla="*/ 5762625 h 6858000"/>
+              <a:gd name="connsiteX121" fmla="*/ 115893 w 4838076"/>
+              <a:gd name="connsiteY121" fmla="*/ 5802312 h 6858000"/>
+              <a:gd name="connsiteX122" fmla="*/ 95738 w 4838076"/>
+              <a:gd name="connsiteY122" fmla="*/ 5840412 h 6858000"/>
+              <a:gd name="connsiteX123" fmla="*/ 75583 w 4838076"/>
+              <a:gd name="connsiteY123" fmla="*/ 5876925 h 6858000"/>
+              <a:gd name="connsiteX124" fmla="*/ 55427 w 4838076"/>
+              <a:gd name="connsiteY124" fmla="*/ 5915025 h 6858000"/>
+              <a:gd name="connsiteX125" fmla="*/ 38632 w 4838076"/>
+              <a:gd name="connsiteY125" fmla="*/ 5956300 h 6858000"/>
+              <a:gd name="connsiteX126" fmla="*/ 23515 w 4838076"/>
+              <a:gd name="connsiteY126" fmla="*/ 6003925 h 6858000"/>
+              <a:gd name="connsiteX127" fmla="*/ 11758 w 4838076"/>
+              <a:gd name="connsiteY127" fmla="*/ 6056312 h 6858000"/>
+              <a:gd name="connsiteX128" fmla="*/ 3359 w 4838076"/>
+              <a:gd name="connsiteY128" fmla="*/ 6113462 h 6858000"/>
+              <a:gd name="connsiteX129" fmla="*/ 0 w 4838076"/>
+              <a:gd name="connsiteY129" fmla="*/ 6183312 h 6858000"/>
+              <a:gd name="connsiteX130" fmla="*/ 3359 w 4838076"/>
+              <a:gd name="connsiteY130" fmla="*/ 6251575 h 6858000"/>
+              <a:gd name="connsiteX131" fmla="*/ 11758 w 4838076"/>
+              <a:gd name="connsiteY131" fmla="*/ 6311900 h 6858000"/>
+              <a:gd name="connsiteX132" fmla="*/ 23515 w 4838076"/>
+              <a:gd name="connsiteY132" fmla="*/ 6361112 h 6858000"/>
+              <a:gd name="connsiteX133" fmla="*/ 38632 w 4838076"/>
+              <a:gd name="connsiteY133" fmla="*/ 6407150 h 6858000"/>
+              <a:gd name="connsiteX134" fmla="*/ 55427 w 4838076"/>
+              <a:gd name="connsiteY134" fmla="*/ 6448425 h 6858000"/>
+              <a:gd name="connsiteX135" fmla="*/ 73903 w 4838076"/>
+              <a:gd name="connsiteY135" fmla="*/ 6488112 h 6858000"/>
+              <a:gd name="connsiteX136" fmla="*/ 92379 w 4838076"/>
+              <a:gd name="connsiteY136" fmla="*/ 6523037 h 6858000"/>
+              <a:gd name="connsiteX137" fmla="*/ 112534 w 4838076"/>
+              <a:gd name="connsiteY137" fmla="*/ 6561137 h 6858000"/>
+              <a:gd name="connsiteX138" fmla="*/ 132689 w 4838076"/>
+              <a:gd name="connsiteY138" fmla="*/ 6597650 h 6858000"/>
+              <a:gd name="connsiteX139" fmla="*/ 149485 w 4838076"/>
+              <a:gd name="connsiteY139" fmla="*/ 6640512 h 6858000"/>
+              <a:gd name="connsiteX140" fmla="*/ 166281 w 4838076"/>
+              <a:gd name="connsiteY140" fmla="*/ 6683375 h 6858000"/>
+              <a:gd name="connsiteX141" fmla="*/ 176358 w 4838076"/>
+              <a:gd name="connsiteY141" fmla="*/ 6735762 h 6858000"/>
+              <a:gd name="connsiteX142" fmla="*/ 184756 w 4838076"/>
+              <a:gd name="connsiteY142" fmla="*/ 6791325 h 6858000"/>
+              <a:gd name="connsiteX143" fmla="*/ 189795 w 4838076"/>
+              <a:gd name="connsiteY143" fmla="*/ 6858000 h 6858000"/>
+              <a:gd name="connsiteX144" fmla="*/ 334173 w 4838076"/>
+              <a:gd name="connsiteY144" fmla="*/ 6858000 h 6858000"/>
+              <a:gd name="connsiteX145" fmla="*/ 334174 w 4838076"/>
+              <a:gd name="connsiteY145" fmla="*/ 6858000 h 6858000"/>
+              <a:gd name="connsiteX146" fmla="*/ 3459219 w 4838076"/>
+              <a:gd name="connsiteY146" fmla="*/ 6858000 h 6858000"/>
+              <a:gd name="connsiteX147" fmla="*/ 4417162 w 4838076"/>
+              <a:gd name="connsiteY147" fmla="*/ 6858000 h 6858000"/>
+              <a:gd name="connsiteX148" fmla="*/ 4838076 w 4838076"/>
+              <a:gd name="connsiteY148" fmla="*/ 6858000 h 6858000"/>
+            </a:gdLst>
+            <a:ahLst/>
+            <a:cxnLst>
+              <a:cxn ang="0">
+                <a:pos x="connsiteX0" y="connsiteY0"/>
+              </a:cxn>
+              <a:cxn ang="0">
+                <a:pos x="connsiteX1" y="connsiteY1"/>
+              </a:cxn>
+              <a:cxn ang="0">
+                <a:pos x="connsiteX2" y="connsiteY2"/>
+              </a:cxn>
+              <a:cxn ang="0">
+                <a:pos x="connsiteX3" y="connsiteY3"/>
+              </a:cxn>
+              <a:cxn ang="0">
+                <a:pos x="connsiteX4" y="connsiteY4"/>
+              </a:cxn>
+              <a:cxn ang="0">
+                <a:pos x="connsiteX5" y="connsiteY5"/>
+              </a:cxn>
+              <a:cxn ang="0">
+                <a:pos x="connsiteX6" y="connsiteY6"/>
+              </a:cxn>
+              <a:cxn ang="0">
+                <a:pos x="connsiteX7" y="connsiteY7"/>
+              </a:cxn>
+              <a:cxn ang="0">
+                <a:pos x="connsiteX8" y="connsiteY8"/>
+              </a:cxn>
+              <a:cxn ang="0">
+                <a:pos x="connsiteX9" y="connsiteY9"/>
+              </a:cxn>
+              <a:cxn ang="0">
+                <a:pos x="connsiteX10" y="connsiteY10"/>
+              </a:cxn>
+              <a:cxn ang="0">
+                <a:pos x="connsiteX11" y="connsiteY11"/>
+              </a:cxn>
+              <a:cxn ang="0">
+                <a:pos x="connsiteX12" y="connsiteY12"/>
+              </a:cxn>
+              <a:cxn ang="0">
+                <a:pos x="connsiteX13" y="connsiteY13"/>
+              </a:cxn>
+              <a:cxn ang="0">
+                <a:pos x="connsiteX14" y="connsiteY14"/>
+              </a:cxn>
+              <a:cxn ang="0">
+                <a:pos x="connsiteX15" y="connsiteY15"/>
+              </a:cxn>
+              <a:cxn ang="0">
+                <a:pos x="connsiteX16" y="connsiteY16"/>
+              </a:cxn>
+              <a:cxn ang="0">
+                <a:pos x="connsiteX17" y="connsiteY17"/>
+              </a:cxn>
+              <a:cxn ang="0">
+                <a:pos x="connsiteX18" y="connsiteY18"/>
+              </a:cxn>
+              <a:cxn ang="0">
+                <a:pos x="connsiteX19" y="connsiteY19"/>
+              </a:cxn>
+              <a:cxn ang="0">
+                <a:pos x="connsiteX20" y="connsiteY20"/>
+              </a:cxn>
+              <a:cxn ang="0">
+                <a:pos x="connsiteX21" y="connsiteY21"/>
+              </a:cxn>
+              <a:cxn ang="0">
+                <a:pos x="connsiteX22" y="connsiteY22"/>
+              </a:cxn>
+              <a:cxn ang="0">
+                <a:pos x="connsiteX23" y="connsiteY23"/>
+              </a:cxn>
+              <a:cxn ang="0">
+                <a:pos x="connsiteX24" y="connsiteY24"/>
+              </a:cxn>
+              <a:cxn ang="0">
+                <a:pos x="connsiteX25" y="connsiteY25"/>
+              </a:cxn>
+              <a:cxn ang="0">
+                <a:pos x="connsiteX26" y="connsiteY26"/>
+              </a:cxn>
+              <a:cxn ang="0">
+                <a:pos x="connsiteX27" y="connsiteY27"/>
+              </a:cxn>
+              <a:cxn ang="0">
+                <a:pos x="connsiteX28" y="connsiteY28"/>
+              </a:cxn>
+              <a:cxn ang="0">
+                <a:pos x="connsiteX29" y="connsiteY29"/>
+              </a:cxn>
+              <a:cxn ang="0">
+                <a:pos x="connsiteX30" y="connsiteY30"/>
+              </a:cxn>
+              <a:cxn ang="0">
+                <a:pos x="connsiteX31" y="connsiteY31"/>
+              </a:cxn>
+              <a:cxn ang="0">
+                <a:pos x="connsiteX32" y="connsiteY32"/>
+              </a:cxn>
+              <a:cxn ang="0">
+                <a:pos x="connsiteX33" y="connsiteY33"/>
+              </a:cxn>
+              <a:cxn ang="0">
+                <a:pos x="connsiteX34" y="connsiteY34"/>
+              </a:cxn>
+              <a:cxn ang="0">
+                <a:pos x="connsiteX35" y="connsiteY35"/>
+              </a:cxn>
+              <a:cxn ang="0">
+                <a:pos x="connsiteX36" y="connsiteY36"/>
+              </a:cxn>
+              <a:cxn ang="0">
+                <a:pos x="connsiteX37" y="connsiteY37"/>
+              </a:cxn>
+              <a:cxn ang="0">
+                <a:pos x="connsiteX38" y="connsiteY38"/>
+              </a:cxn>
+              <a:cxn ang="0">
+                <a:pos x="connsiteX39" y="connsiteY39"/>
+              </a:cxn>
+              <a:cxn ang="0">
+                <a:pos x="connsiteX40" y="connsiteY40"/>
+              </a:cxn>
+              <a:cxn ang="0">
+                <a:pos x="connsiteX41" y="connsiteY41"/>
+              </a:cxn>
+              <a:cxn ang="0">
+                <a:pos x="connsiteX42" y="connsiteY42"/>
+              </a:cxn>
+              <a:cxn ang="0">
+                <a:pos x="connsiteX43" y="connsiteY43"/>
+              </a:cxn>
+              <a:cxn ang="0">
+                <a:pos x="connsiteX44" y="connsiteY44"/>
+              </a:cxn>
+              <a:cxn ang="0">
+                <a:pos x="connsiteX45" y="connsiteY45"/>
+              </a:cxn>
+              <a:cxn ang="0">
+                <a:pos x="connsiteX46" y="connsiteY46"/>
+              </a:cxn>
+              <a:cxn ang="0">
+                <a:pos x="connsiteX47" y="connsiteY47"/>
+              </a:cxn>
+              <a:cxn ang="0">
+                <a:pos x="connsiteX48" y="connsiteY48"/>
+              </a:cxn>
+              <a:cxn ang="0">
+                <a:pos x="connsiteX49" y="connsiteY49"/>
+              </a:cxn>
+              <a:cxn ang="0">
+                <a:pos x="connsiteX50" y="connsiteY50"/>
+              </a:cxn>
+              <a:cxn ang="0">
+                <a:pos x="connsiteX51" y="connsiteY51"/>
+              </a:cxn>
+              <a:cxn ang="0">
+                <a:pos x="connsiteX52" y="connsiteY52"/>
+              </a:cxn>
+              <a:cxn ang="0">
+                <a:pos x="connsiteX53" y="connsiteY53"/>
+              </a:cxn>
+              <a:cxn ang="0">
+                <a:pos x="connsiteX54" y="connsiteY54"/>
+              </a:cxn>
+              <a:cxn ang="0">
+                <a:pos x="connsiteX55" y="connsiteY55"/>
+              </a:cxn>
+              <a:cxn ang="0">
+                <a:pos x="connsiteX56" y="connsiteY56"/>
+              </a:cxn>
+              <a:cxn ang="0">
+                <a:pos x="connsiteX57" y="connsiteY57"/>
+              </a:cxn>
+              <a:cxn ang="0">
+                <a:pos x="connsiteX58" y="connsiteY58"/>
+              </a:cxn>
+              <a:cxn ang="0">
+                <a:pos x="connsiteX59" y="connsiteY59"/>
+              </a:cxn>
+              <a:cxn ang="0">
+                <a:pos x="connsiteX60" y="connsiteY60"/>
+              </a:cxn>
+              <a:cxn ang="0">
+                <a:pos x="connsiteX61" y="connsiteY61"/>
+              </a:cxn>
+              <a:cxn ang="0">
+                <a:pos x="connsiteX62" y="connsiteY62"/>
+              </a:cxn>
+              <a:cxn ang="0">
+                <a:pos x="connsiteX63" y="connsiteY63"/>
+              </a:cxn>
+              <a:cxn ang="0">
+                <a:pos x="connsiteX64" y="connsiteY64"/>
+              </a:cxn>
+              <a:cxn ang="0">
+                <a:pos x="connsiteX65" y="connsiteY65"/>
+              </a:cxn>
+              <a:cxn ang="0">
+                <a:pos x="connsiteX66" y="connsiteY66"/>
+              </a:cxn>
+              <a:cxn ang="0">
+                <a:pos x="connsiteX67" y="connsiteY67"/>
+              </a:cxn>
+              <a:cxn ang="0">
+                <a:pos x="connsiteX68" y="connsiteY68"/>
+              </a:cxn>
+              <a:cxn ang="0">
+                <a:pos x="connsiteX69" y="connsiteY69"/>
+              </a:cxn>
+              <a:cxn ang="0">
+                <a:pos x="connsiteX70" y="connsiteY70"/>
+              </a:cxn>
+              <a:cxn ang="0">
+                <a:pos x="connsiteX71" y="connsiteY71"/>
+              </a:cxn>
+              <a:cxn ang="0">
+                <a:pos x="connsiteX72" y="connsiteY72"/>
+              </a:cxn>
+              <a:cxn ang="0">
+                <a:pos x="connsiteX73" y="connsiteY73"/>
+              </a:cxn>
+              <a:cxn ang="0">
+                <a:pos x="connsiteX74" y="connsiteY74"/>
+              </a:cxn>
+              <a:cxn ang="0">
+                <a:pos x="connsiteX75" y="connsiteY75"/>
+              </a:cxn>
+              <a:cxn ang="0">
+                <a:pos x="connsiteX76" y="connsiteY76"/>
+              </a:cxn>
+              <a:cxn ang="0">
+                <a:pos x="connsiteX77" y="connsiteY77"/>
+              </a:cxn>
+              <a:cxn ang="0">
+                <a:pos x="connsiteX78" y="connsiteY78"/>
+              </a:cxn>
+              <a:cxn ang="0">
+                <a:pos x="connsiteX79" y="connsiteY79"/>
+              </a:cxn>
+              <a:cxn ang="0">
+                <a:pos x="connsiteX80" y="connsiteY80"/>
+              </a:cxn>
+              <a:cxn ang="0">
+                <a:pos x="connsiteX81" y="connsiteY81"/>
+              </a:cxn>
+              <a:cxn ang="0">
+                <a:pos x="connsiteX82" y="connsiteY82"/>
+              </a:cxn>
+              <a:cxn ang="0">
+                <a:pos x="connsiteX83" y="connsiteY83"/>
+              </a:cxn>
+              <a:cxn ang="0">
+                <a:pos x="connsiteX84" y="connsiteY84"/>
+              </a:cxn>
+              <a:cxn ang="0">
+                <a:pos x="connsiteX85" y="connsiteY85"/>
+              </a:cxn>
+              <a:cxn ang="0">
+                <a:pos x="connsiteX86" y="connsiteY86"/>
+              </a:cxn>
+              <a:cxn ang="0">
+                <a:pos x="connsiteX87" y="connsiteY87"/>
+              </a:cxn>
+              <a:cxn ang="0">
+                <a:pos x="connsiteX88" y="connsiteY88"/>
+              </a:cxn>
+              <a:cxn ang="0">
+                <a:pos x="connsiteX89" y="connsiteY89"/>
+              </a:cxn>
+              <a:cxn ang="0">
+                <a:pos x="connsiteX90" y="connsiteY90"/>
+              </a:cxn>
+              <a:cxn ang="0">
+                <a:pos x="connsiteX91" y="connsiteY91"/>
+              </a:cxn>
+              <a:cxn ang="0">
+                <a:pos x="connsiteX92" y="connsiteY92"/>
+              </a:cxn>
+              <a:cxn ang="0">
+                <a:pos x="connsiteX93" y="connsiteY93"/>
+              </a:cxn>
+              <a:cxn ang="0">
+                <a:pos x="connsiteX94" y="connsiteY94"/>
+              </a:cxn>
+              <a:cxn ang="0">
+                <a:pos x="connsiteX95" y="connsiteY95"/>
+              </a:cxn>
+              <a:cxn ang="0">
+                <a:pos x="connsiteX96" y="connsiteY96"/>
+              </a:cxn>
+              <a:cxn ang="0">
+                <a:pos x="connsiteX97" y="connsiteY97"/>
+              </a:cxn>
+              <a:cxn ang="0">
+                <a:pos x="connsiteX98" y="connsiteY98"/>
+              </a:cxn>
+              <a:cxn ang="0">
+                <a:pos x="connsiteX99" y="connsiteY99"/>
+              </a:cxn>
+              <a:cxn ang="0">
+                <a:pos x="connsiteX100" y="connsiteY100"/>
+              </a:cxn>
+              <a:cxn ang="0">
+                <a:pos x="connsiteX101" y="connsiteY101"/>
+              </a:cxn>
+              <a:cxn ang="0">
+                <a:pos x="connsiteX102" y="connsiteY102"/>
+              </a:cxn>
+              <a:cxn ang="0">
+                <a:pos x="connsiteX103" y="connsiteY103"/>
+              </a:cxn>
+              <a:cxn ang="0">
+                <a:pos x="connsiteX104" y="connsiteY104"/>
+              </a:cxn>
+              <a:cxn ang="0">
+                <a:pos x="connsiteX105" y="connsiteY105"/>
+              </a:cxn>
+              <a:cxn ang="0">
+                <a:pos x="connsiteX106" y="connsiteY106"/>
+              </a:cxn>
+              <a:cxn ang="0">
+                <a:pos x="connsiteX107" y="connsiteY107"/>
+              </a:cxn>
+              <a:cxn ang="0">
+                <a:pos x="connsiteX108" y="connsiteY108"/>
+              </a:cxn>
+              <a:cxn ang="0">
+                <a:pos x="connsiteX109" y="connsiteY109"/>
+              </a:cxn>
+              <a:cxn ang="0">
+                <a:pos x="connsiteX110" y="connsiteY110"/>
+              </a:cxn>
+              <a:cxn ang="0">
+                <a:pos x="connsiteX111" y="connsiteY111"/>
+              </a:cxn>
+              <a:cxn ang="0">
+                <a:pos x="connsiteX112" y="connsiteY112"/>
+              </a:cxn>
+              <a:cxn ang="0">
+                <a:pos x="connsiteX113" y="connsiteY113"/>
+              </a:cxn>
+              <a:cxn ang="0">
+                <a:pos x="connsiteX114" y="connsiteY114"/>
+              </a:cxn>
+              <a:cxn ang="0">
+                <a:pos x="connsiteX115" y="connsiteY115"/>
+              </a:cxn>
+              <a:cxn ang="0">
+                <a:pos x="connsiteX116" y="connsiteY116"/>
+              </a:cxn>
+              <a:cxn ang="0">
+                <a:pos x="connsiteX117" y="connsiteY117"/>
+              </a:cxn>
+              <a:cxn ang="0">
+                <a:pos x="connsiteX118" y="connsiteY118"/>
+              </a:cxn>
+              <a:cxn ang="0">
+                <a:pos x="connsiteX119" y="connsiteY119"/>
+              </a:cxn>
+              <a:cxn ang="0">
+                <a:pos x="connsiteX120" y="connsiteY120"/>
+              </a:cxn>
+              <a:cxn ang="0">
+                <a:pos x="connsiteX121" y="connsiteY121"/>
+              </a:cxn>
+              <a:cxn ang="0">
+                <a:pos x="connsiteX122" y="connsiteY122"/>
+              </a:cxn>
+              <a:cxn ang="0">
+                <a:pos x="connsiteX123" y="connsiteY123"/>
+              </a:cxn>
+              <a:cxn ang="0">
+                <a:pos x="connsiteX124" y="connsiteY124"/>
+              </a:cxn>
+              <a:cxn ang="0">
+                <a:pos x="connsiteX125" y="connsiteY125"/>
+              </a:cxn>
+              <a:cxn ang="0">
+                <a:pos x="connsiteX126" y="connsiteY126"/>
+              </a:cxn>
+              <a:cxn ang="0">
+                <a:pos x="connsiteX127" y="connsiteY127"/>
+              </a:cxn>
+              <a:cxn ang="0">
+                <a:pos x="connsiteX128" y="connsiteY128"/>
+              </a:cxn>
+              <a:cxn ang="0">
+                <a:pos x="connsiteX129" y="connsiteY129"/>
+              </a:cxn>
+              <a:cxn ang="0">
+                <a:pos x="connsiteX130" y="connsiteY130"/>
+              </a:cxn>
+              <a:cxn ang="0">
+                <a:pos x="connsiteX131" y="connsiteY131"/>
+              </a:cxn>
+              <a:cxn ang="0">
+                <a:pos x="connsiteX132" y="connsiteY132"/>
+              </a:cxn>
+              <a:cxn ang="0">
+                <a:pos x="connsiteX133" y="connsiteY133"/>
+              </a:cxn>
+              <a:cxn ang="0">
+                <a:pos x="connsiteX134" y="connsiteY134"/>
+              </a:cxn>
+              <a:cxn ang="0">
+                <a:pos x="connsiteX135" y="connsiteY135"/>
+              </a:cxn>
+              <a:cxn ang="0">
+                <a:pos x="connsiteX136" y="connsiteY136"/>
+              </a:cxn>
+              <a:cxn ang="0">
+                <a:pos x="connsiteX137" y="connsiteY137"/>
+              </a:cxn>
+              <a:cxn ang="0">
+                <a:pos x="connsiteX138" y="connsiteY138"/>
+              </a:cxn>
+              <a:cxn ang="0">
+                <a:pos x="connsiteX139" y="connsiteY139"/>
+              </a:cxn>
+              <a:cxn ang="0">
+                <a:pos x="connsiteX140" y="connsiteY140"/>
+              </a:cxn>
+              <a:cxn ang="0">
+                <a:pos x="connsiteX141" y="connsiteY141"/>
+              </a:cxn>
+              <a:cxn ang="0">
+                <a:pos x="connsiteX142" y="connsiteY142"/>
+              </a:cxn>
+              <a:cxn ang="0">
+                <a:pos x="connsiteX143" y="connsiteY143"/>
+              </a:cxn>
+              <a:cxn ang="0">
+                <a:pos x="connsiteX144" y="connsiteY144"/>
+              </a:cxn>
+              <a:cxn ang="0">
+                <a:pos x="connsiteX145" y="connsiteY145"/>
+              </a:cxn>
+              <a:cxn ang="0">
+                <a:pos x="connsiteX146" y="connsiteY146"/>
+              </a:cxn>
+              <a:cxn ang="0">
+                <a:pos x="connsiteX147" y="connsiteY147"/>
+              </a:cxn>
+              <a:cxn ang="0">
+                <a:pos x="connsiteX148" y="connsiteY148"/>
+              </a:cxn>
+            </a:cxnLst>
+            <a:rect l="l" t="t" r="r" b="b"/>
+            <a:pathLst>
+              <a:path w="4838076" h="6858000">
+                <a:moveTo>
+                  <a:pt x="4838076" y="0"/>
+                </a:moveTo>
+                <a:lnTo>
+                  <a:pt x="4417162" y="0"/>
+                </a:lnTo>
+                <a:lnTo>
+                  <a:pt x="3459219" y="0"/>
+                </a:lnTo>
+                <a:lnTo>
+                  <a:pt x="334174" y="0"/>
+                </a:lnTo>
+                <a:lnTo>
+                  <a:pt x="334173" y="0"/>
+                </a:lnTo>
+                <a:lnTo>
+                  <a:pt x="189795" y="0"/>
+                </a:lnTo>
+                <a:lnTo>
+                  <a:pt x="184756" y="66675"/>
+                </a:lnTo>
+                <a:lnTo>
+                  <a:pt x="176358" y="122237"/>
+                </a:lnTo>
+                <a:lnTo>
+                  <a:pt x="166281" y="174625"/>
+                </a:lnTo>
+                <a:lnTo>
+                  <a:pt x="149485" y="217487"/>
+                </a:lnTo>
+                <a:lnTo>
+                  <a:pt x="132689" y="260350"/>
+                </a:lnTo>
+                <a:lnTo>
+                  <a:pt x="112534" y="296862"/>
+                </a:lnTo>
+                <a:lnTo>
+                  <a:pt x="92379" y="334962"/>
+                </a:lnTo>
+                <a:lnTo>
+                  <a:pt x="73903" y="369887"/>
+                </a:lnTo>
+                <a:lnTo>
+                  <a:pt x="55427" y="409575"/>
+                </a:lnTo>
+                <a:lnTo>
+                  <a:pt x="38632" y="450850"/>
+                </a:lnTo>
+                <a:lnTo>
+                  <a:pt x="23515" y="496887"/>
+                </a:lnTo>
+                <a:lnTo>
+                  <a:pt x="11758" y="546100"/>
+                </a:lnTo>
+                <a:lnTo>
+                  <a:pt x="3359" y="606425"/>
+                </a:lnTo>
+                <a:lnTo>
+                  <a:pt x="0" y="673100"/>
+                </a:lnTo>
+                <a:lnTo>
+                  <a:pt x="3359" y="744537"/>
+                </a:lnTo>
+                <a:lnTo>
+                  <a:pt x="11758" y="801687"/>
+                </a:lnTo>
+                <a:lnTo>
+                  <a:pt x="23515" y="854075"/>
+                </a:lnTo>
+                <a:lnTo>
+                  <a:pt x="38632" y="901700"/>
+                </a:lnTo>
+                <a:lnTo>
+                  <a:pt x="55427" y="942975"/>
+                </a:lnTo>
+                <a:lnTo>
+                  <a:pt x="75583" y="981075"/>
+                </a:lnTo>
+                <a:lnTo>
+                  <a:pt x="95738" y="1017587"/>
+                </a:lnTo>
+                <a:lnTo>
+                  <a:pt x="115893" y="1055687"/>
+                </a:lnTo>
+                <a:lnTo>
+                  <a:pt x="134368" y="1095375"/>
+                </a:lnTo>
+                <a:lnTo>
+                  <a:pt x="152844" y="1136650"/>
+                </a:lnTo>
+                <a:lnTo>
+                  <a:pt x="167960" y="1182687"/>
+                </a:lnTo>
+                <a:lnTo>
+                  <a:pt x="178038" y="1235075"/>
+                </a:lnTo>
+                <a:lnTo>
+                  <a:pt x="188115" y="1295400"/>
+                </a:lnTo>
+                <a:lnTo>
+                  <a:pt x="189795" y="1363662"/>
+                </a:lnTo>
+                <a:lnTo>
+                  <a:pt x="188115" y="1431925"/>
+                </a:lnTo>
+                <a:lnTo>
+                  <a:pt x="178038" y="1492250"/>
+                </a:lnTo>
+                <a:lnTo>
+                  <a:pt x="167960" y="1544637"/>
+                </a:lnTo>
+                <a:lnTo>
+                  <a:pt x="152844" y="1589087"/>
+                </a:lnTo>
+                <a:lnTo>
+                  <a:pt x="134368" y="1631950"/>
+                </a:lnTo>
+                <a:lnTo>
+                  <a:pt x="115893" y="1671637"/>
+                </a:lnTo>
+                <a:lnTo>
+                  <a:pt x="95738" y="1708150"/>
+                </a:lnTo>
+                <a:lnTo>
+                  <a:pt x="75583" y="1743075"/>
+                </a:lnTo>
+                <a:lnTo>
+                  <a:pt x="55427" y="1782762"/>
+                </a:lnTo>
+                <a:lnTo>
+                  <a:pt x="38632" y="1824037"/>
+                </a:lnTo>
+                <a:lnTo>
+                  <a:pt x="23515" y="1870075"/>
+                </a:lnTo>
+                <a:lnTo>
+                  <a:pt x="11758" y="1922462"/>
+                </a:lnTo>
+                <a:lnTo>
+                  <a:pt x="3359" y="1982787"/>
+                </a:lnTo>
+                <a:lnTo>
+                  <a:pt x="0" y="2051050"/>
+                </a:lnTo>
+                <a:lnTo>
+                  <a:pt x="3359" y="2119312"/>
+                </a:lnTo>
+                <a:lnTo>
+                  <a:pt x="11758" y="2179637"/>
+                </a:lnTo>
+                <a:lnTo>
+                  <a:pt x="23515" y="2232025"/>
+                </a:lnTo>
+                <a:lnTo>
+                  <a:pt x="38632" y="2278062"/>
+                </a:lnTo>
+                <a:lnTo>
+                  <a:pt x="55427" y="2319337"/>
+                </a:lnTo>
+                <a:lnTo>
+                  <a:pt x="75583" y="2359025"/>
+                </a:lnTo>
+                <a:lnTo>
+                  <a:pt x="95738" y="2395537"/>
+                </a:lnTo>
+                <a:lnTo>
+                  <a:pt x="115893" y="2433637"/>
+                </a:lnTo>
+                <a:lnTo>
+                  <a:pt x="134368" y="2471737"/>
+                </a:lnTo>
+                <a:lnTo>
+                  <a:pt x="152844" y="2513012"/>
+                </a:lnTo>
+                <a:lnTo>
+                  <a:pt x="167960" y="2560637"/>
+                </a:lnTo>
+                <a:lnTo>
+                  <a:pt x="178038" y="2613025"/>
+                </a:lnTo>
+                <a:lnTo>
+                  <a:pt x="188115" y="2671762"/>
+                </a:lnTo>
+                <a:lnTo>
+                  <a:pt x="189795" y="2741612"/>
+                </a:lnTo>
+                <a:lnTo>
+                  <a:pt x="188115" y="2809875"/>
+                </a:lnTo>
+                <a:lnTo>
+                  <a:pt x="178038" y="2868612"/>
+                </a:lnTo>
+                <a:lnTo>
+                  <a:pt x="167960" y="2922587"/>
+                </a:lnTo>
+                <a:lnTo>
+                  <a:pt x="152844" y="2967037"/>
+                </a:lnTo>
+                <a:lnTo>
+                  <a:pt x="134368" y="3009900"/>
+                </a:lnTo>
+                <a:lnTo>
+                  <a:pt x="115893" y="3046412"/>
+                </a:lnTo>
+                <a:lnTo>
+                  <a:pt x="95738" y="3084512"/>
+                </a:lnTo>
+                <a:lnTo>
+                  <a:pt x="75583" y="3121025"/>
+                </a:lnTo>
+                <a:lnTo>
+                  <a:pt x="55427" y="3160712"/>
+                </a:lnTo>
+                <a:lnTo>
+                  <a:pt x="38632" y="3201987"/>
+                </a:lnTo>
+                <a:lnTo>
+                  <a:pt x="23515" y="3248025"/>
+                </a:lnTo>
+                <a:lnTo>
+                  <a:pt x="11758" y="3300412"/>
+                </a:lnTo>
+                <a:lnTo>
+                  <a:pt x="3359" y="3360737"/>
+                </a:lnTo>
+                <a:lnTo>
+                  <a:pt x="0" y="3427412"/>
+                </a:lnTo>
+                <a:lnTo>
+                  <a:pt x="3359" y="3497262"/>
+                </a:lnTo>
+                <a:lnTo>
+                  <a:pt x="11758" y="3557587"/>
+                </a:lnTo>
+                <a:lnTo>
+                  <a:pt x="23515" y="3609975"/>
+                </a:lnTo>
+                <a:lnTo>
+                  <a:pt x="38632" y="3656012"/>
+                </a:lnTo>
+                <a:lnTo>
+                  <a:pt x="55427" y="3697287"/>
+                </a:lnTo>
+                <a:lnTo>
+                  <a:pt x="75583" y="3736975"/>
+                </a:lnTo>
+                <a:lnTo>
+                  <a:pt x="115893" y="3811587"/>
+                </a:lnTo>
+                <a:lnTo>
+                  <a:pt x="134368" y="3848100"/>
+                </a:lnTo>
+                <a:lnTo>
+                  <a:pt x="152844" y="3890962"/>
+                </a:lnTo>
+                <a:lnTo>
+                  <a:pt x="167960" y="3935412"/>
+                </a:lnTo>
+                <a:lnTo>
+                  <a:pt x="178038" y="3987800"/>
+                </a:lnTo>
+                <a:lnTo>
+                  <a:pt x="188115" y="4048125"/>
+                </a:lnTo>
+                <a:lnTo>
+                  <a:pt x="189795" y="4116387"/>
+                </a:lnTo>
+                <a:lnTo>
+                  <a:pt x="188115" y="4186237"/>
+                </a:lnTo>
+                <a:lnTo>
+                  <a:pt x="178038" y="4244975"/>
+                </a:lnTo>
+                <a:lnTo>
+                  <a:pt x="167960" y="4297362"/>
+                </a:lnTo>
+                <a:lnTo>
+                  <a:pt x="152844" y="4343400"/>
+                </a:lnTo>
+                <a:lnTo>
+                  <a:pt x="134368" y="4386262"/>
+                </a:lnTo>
+                <a:lnTo>
+                  <a:pt x="115893" y="4424362"/>
+                </a:lnTo>
+                <a:lnTo>
+                  <a:pt x="75583" y="4498975"/>
+                </a:lnTo>
+                <a:lnTo>
+                  <a:pt x="55427" y="4537075"/>
+                </a:lnTo>
+                <a:lnTo>
+                  <a:pt x="38632" y="4579937"/>
+                </a:lnTo>
+                <a:lnTo>
+                  <a:pt x="23515" y="4625975"/>
+                </a:lnTo>
+                <a:lnTo>
+                  <a:pt x="11758" y="4678362"/>
+                </a:lnTo>
+                <a:lnTo>
+                  <a:pt x="3359" y="4738687"/>
+                </a:lnTo>
+                <a:lnTo>
+                  <a:pt x="0" y="4806950"/>
+                </a:lnTo>
+                <a:lnTo>
+                  <a:pt x="3359" y="4875212"/>
+                </a:lnTo>
+                <a:lnTo>
+                  <a:pt x="11758" y="4935537"/>
+                </a:lnTo>
+                <a:lnTo>
+                  <a:pt x="23515" y="4987925"/>
+                </a:lnTo>
+                <a:lnTo>
+                  <a:pt x="38632" y="5033962"/>
+                </a:lnTo>
+                <a:lnTo>
+                  <a:pt x="55427" y="5075237"/>
+                </a:lnTo>
+                <a:lnTo>
+                  <a:pt x="75583" y="5114925"/>
+                </a:lnTo>
+                <a:lnTo>
+                  <a:pt x="95738" y="5149850"/>
+                </a:lnTo>
+                <a:lnTo>
+                  <a:pt x="115893" y="5186362"/>
+                </a:lnTo>
+                <a:lnTo>
+                  <a:pt x="134368" y="5226050"/>
+                </a:lnTo>
+                <a:lnTo>
+                  <a:pt x="152844" y="5268912"/>
+                </a:lnTo>
+                <a:lnTo>
+                  <a:pt x="167960" y="5313362"/>
+                </a:lnTo>
+                <a:lnTo>
+                  <a:pt x="178038" y="5365750"/>
+                </a:lnTo>
+                <a:lnTo>
+                  <a:pt x="188115" y="5426075"/>
+                </a:lnTo>
+                <a:lnTo>
+                  <a:pt x="189795" y="5494337"/>
+                </a:lnTo>
+                <a:lnTo>
+                  <a:pt x="188115" y="5562600"/>
+                </a:lnTo>
+                <a:lnTo>
+                  <a:pt x="178038" y="5622925"/>
+                </a:lnTo>
+                <a:lnTo>
+                  <a:pt x="167960" y="5675312"/>
+                </a:lnTo>
+                <a:lnTo>
+                  <a:pt x="152844" y="5721350"/>
+                </a:lnTo>
+                <a:lnTo>
+                  <a:pt x="134368" y="5762625"/>
+                </a:lnTo>
+                <a:lnTo>
+                  <a:pt x="115893" y="5802312"/>
+                </a:lnTo>
+                <a:lnTo>
+                  <a:pt x="95738" y="5840412"/>
+                </a:lnTo>
+                <a:lnTo>
+                  <a:pt x="75583" y="5876925"/>
+                </a:lnTo>
+                <a:lnTo>
+                  <a:pt x="55427" y="5915025"/>
+                </a:lnTo>
+                <a:lnTo>
+                  <a:pt x="38632" y="5956300"/>
+                </a:lnTo>
+                <a:lnTo>
+                  <a:pt x="23515" y="6003925"/>
+                </a:lnTo>
+                <a:lnTo>
+                  <a:pt x="11758" y="6056312"/>
+                </a:lnTo>
+                <a:lnTo>
+                  <a:pt x="3359" y="6113462"/>
+                </a:lnTo>
+                <a:lnTo>
+                  <a:pt x="0" y="6183312"/>
+                </a:lnTo>
+                <a:lnTo>
+                  <a:pt x="3359" y="6251575"/>
+                </a:lnTo>
+                <a:lnTo>
+                  <a:pt x="11758" y="6311900"/>
+                </a:lnTo>
+                <a:lnTo>
+                  <a:pt x="23515" y="6361112"/>
+                </a:lnTo>
+                <a:lnTo>
+                  <a:pt x="38632" y="6407150"/>
+                </a:lnTo>
+                <a:lnTo>
+                  <a:pt x="55427" y="6448425"/>
+                </a:lnTo>
+                <a:lnTo>
+                  <a:pt x="73903" y="6488112"/>
+                </a:lnTo>
+                <a:lnTo>
+                  <a:pt x="92379" y="6523037"/>
+                </a:lnTo>
+                <a:lnTo>
+                  <a:pt x="112534" y="6561137"/>
+                </a:lnTo>
+                <a:lnTo>
+                  <a:pt x="132689" y="6597650"/>
+                </a:lnTo>
+                <a:lnTo>
+                  <a:pt x="149485" y="6640512"/>
+                </a:lnTo>
+                <a:lnTo>
+                  <a:pt x="166281" y="6683375"/>
+                </a:lnTo>
+                <a:lnTo>
+                  <a:pt x="176358" y="6735762"/>
+                </a:lnTo>
+                <a:lnTo>
+                  <a:pt x="184756" y="6791325"/>
+                </a:lnTo>
+                <a:lnTo>
+                  <a:pt x="189795" y="6858000"/>
+                </a:lnTo>
+                <a:lnTo>
+                  <a:pt x="334173" y="6858000"/>
+                </a:lnTo>
+                <a:lnTo>
+                  <a:pt x="334174" y="6858000"/>
+                </a:lnTo>
+                <a:lnTo>
+                  <a:pt x="3459219" y="6858000"/>
+                </a:lnTo>
+                <a:lnTo>
+                  <a:pt x="4417162" y="6858000"/>
+                </a:lnTo>
+                <a:lnTo>
+                  <a:pt x="4838076" y="6858000"/>
+                </a:lnTo>
+                <a:close/>
+              </a:path>
+            </a:pathLst>
+          </a:custGeom>
           <a:solidFill>
-            <a:schemeClr val="tx1"/>
+            <a:schemeClr val="accent1">
+              <a:lumMod val="50000"/>
+              <a:alpha val="25000"/>
+            </a:schemeClr>
           </a:solidFill>
           <a:ln>
             <a:noFill/>
@@ -5526,11 +7957,13 @@
           </a:fontRef>
         </p:style>
         <p:txBody>
-          <a:bodyPr rtlCol="0" anchor="ctr"/>
+          <a:bodyPr wrap="square" rtlCol="0" anchor="ctr">
+            <a:noAutofit/>
+          </a:bodyPr>
           <a:lstStyle/>
           <a:p>
             <a:pPr algn="ctr"/>
-            <a:endParaRPr lang="en-US"/>
+            <a:endParaRPr lang="en-US" dirty="0"/>
           </a:p>
         </p:txBody>
       </p:sp>
@@ -5552,8 +7985,8 @@
         </p:nvSpPr>
         <p:spPr>
           <a:xfrm>
-            <a:off x="767290" y="1780661"/>
-            <a:ext cx="3582073" cy="1463472"/>
+            <a:off x="765051" y="662400"/>
+            <a:ext cx="3384000" cy="1492132"/>
           </a:xfrm>
         </p:spPr>
         <p:txBody>
@@ -5563,7 +7996,7 @@
           <a:lstStyle/>
           <a:p>
             <a:r>
-              <a:rPr lang="en-US" sz="4100">
+              <a:rPr lang="en-US" sz="3700">
                 <a:solidFill>
                   <a:schemeClr val="bg1"/>
                 </a:solidFill>
@@ -5573,412 +8006,6 @@
           </a:p>
         </p:txBody>
       </p:sp>
-      <p:grpSp>
-        <p:nvGrpSpPr>
-          <p:cNvPr id="32" name="Group 31">
-            <a:extLst>
-              <a:ext uri="{FF2B5EF4-FFF2-40B4-BE49-F238E27FC236}">
-                <a16:creationId xmlns:a16="http://schemas.microsoft.com/office/drawing/2014/main" id="{35EE815E-1BD3-4777-B652-6D98825BF66B}"/>
-              </a:ext>
-              <a:ext uri="{C183D7F6-B498-43B3-948B-1728B52AA6E4}">
-                <adec:decorative xmlns:adec="http://schemas.microsoft.com/office/drawing/2017/decorative" xmlns="" val="1"/>
-              </a:ext>
-            </a:extLst>
-          </p:cNvPr>
-          <p:cNvGrpSpPr>
-            <a:grpSpLocks noGrp="1" noUngrp="1" noRot="1" noChangeAspect="1" noMove="1" noResize="1"/>
-          </p:cNvGrpSpPr>
-          <p:nvPr>
-            <p:extLst>
-              <p:ext uri="{386F3935-93C4-4BCD-93E2-E3B085C9AB24}">
-                <p16:designElem xmlns:p16="http://schemas.microsoft.com/office/powerpoint/2015/main" val="1"/>
-              </p:ext>
-            </p:extLst>
-          </p:nvPr>
-        </p:nvGrpSpPr>
-        <p:grpSpPr>
-          <a:xfrm>
-            <a:off x="767290" y="681628"/>
-            <a:ext cx="1128382" cy="847206"/>
-            <a:chOff x="668003" y="1684057"/>
-            <a:chExt cx="1128382" cy="847206"/>
-          </a:xfrm>
-        </p:grpSpPr>
-        <p:sp>
-          <p:nvSpPr>
-            <p:cNvPr id="33" name="Freeform 5">
-              <a:extLst>
-                <a:ext uri="{FF2B5EF4-FFF2-40B4-BE49-F238E27FC236}">
-                  <a16:creationId xmlns:a16="http://schemas.microsoft.com/office/drawing/2014/main" id="{E6692982-4A7D-4392-87CD-F0CD4B027DDE}"/>
-                </a:ext>
-                <a:ext uri="{C183D7F6-B498-43B3-948B-1728B52AA6E4}">
-                  <adec:decorative xmlns:adec="http://schemas.microsoft.com/office/drawing/2017/decorative" xmlns="" val="1"/>
-                </a:ext>
-              </a:extLst>
-            </p:cNvPr>
-            <p:cNvSpPr>
-              <a:spLocks/>
-            </p:cNvSpPr>
-            <p:nvPr>
-              <p:extLst>
-                <p:ext uri="{386F3935-93C4-4BCD-93E2-E3B085C9AB24}">
-                  <p16:designElem xmlns:p16="http://schemas.microsoft.com/office/powerpoint/2015/main" val="1"/>
-                </p:ext>
-              </p:extLst>
-            </p:nvPr>
-          </p:nvSpPr>
-          <p:spPr bwMode="auto">
-            <a:xfrm>
-              <a:off x="668003" y="1935883"/>
-              <a:ext cx="675351" cy="595380"/>
-            </a:xfrm>
-            <a:custGeom>
-              <a:avLst/>
-              <a:gdLst>
-                <a:gd name="T0" fmla="*/ 225 w 785"/>
-                <a:gd name="T1" fmla="*/ 692 h 692"/>
-                <a:gd name="T2" fmla="*/ 177 w 785"/>
-                <a:gd name="T3" fmla="*/ 665 h 692"/>
-                <a:gd name="T4" fmla="*/ 9 w 785"/>
-                <a:gd name="T5" fmla="*/ 374 h 692"/>
-                <a:gd name="T6" fmla="*/ 9 w 785"/>
-                <a:gd name="T7" fmla="*/ 318 h 692"/>
-                <a:gd name="T8" fmla="*/ 177 w 785"/>
-                <a:gd name="T9" fmla="*/ 27 h 692"/>
-                <a:gd name="T10" fmla="*/ 225 w 785"/>
-                <a:gd name="T11" fmla="*/ 0 h 692"/>
-                <a:gd name="T12" fmla="*/ 561 w 785"/>
-                <a:gd name="T13" fmla="*/ 0 h 692"/>
-                <a:gd name="T14" fmla="*/ 609 w 785"/>
-                <a:gd name="T15" fmla="*/ 27 h 692"/>
-                <a:gd name="T16" fmla="*/ 777 w 785"/>
-                <a:gd name="T17" fmla="*/ 318 h 692"/>
-                <a:gd name="T18" fmla="*/ 777 w 785"/>
-                <a:gd name="T19" fmla="*/ 374 h 692"/>
-                <a:gd name="T20" fmla="*/ 609 w 785"/>
-                <a:gd name="T21" fmla="*/ 665 h 692"/>
-                <a:gd name="T22" fmla="*/ 561 w 785"/>
-                <a:gd name="T23" fmla="*/ 692 h 692"/>
-                <a:gd name="T24" fmla="*/ 225 w 785"/>
-                <a:gd name="T25" fmla="*/ 692 h 692"/>
-              </a:gdLst>
-              <a:ahLst/>
-              <a:cxnLst>
-                <a:cxn ang="0">
-                  <a:pos x="T0" y="T1"/>
-                </a:cxn>
-                <a:cxn ang="0">
-                  <a:pos x="T2" y="T3"/>
-                </a:cxn>
-                <a:cxn ang="0">
-                  <a:pos x="T4" y="T5"/>
-                </a:cxn>
-                <a:cxn ang="0">
-                  <a:pos x="T6" y="T7"/>
-                </a:cxn>
-                <a:cxn ang="0">
-                  <a:pos x="T8" y="T9"/>
-                </a:cxn>
-                <a:cxn ang="0">
-                  <a:pos x="T10" y="T11"/>
-                </a:cxn>
-                <a:cxn ang="0">
-                  <a:pos x="T12" y="T13"/>
-                </a:cxn>
-                <a:cxn ang="0">
-                  <a:pos x="T14" y="T15"/>
-                </a:cxn>
-                <a:cxn ang="0">
-                  <a:pos x="T16" y="T17"/>
-                </a:cxn>
-                <a:cxn ang="0">
-                  <a:pos x="T18" y="T19"/>
-                </a:cxn>
-                <a:cxn ang="0">
-                  <a:pos x="T20" y="T21"/>
-                </a:cxn>
-                <a:cxn ang="0">
-                  <a:pos x="T22" y="T23"/>
-                </a:cxn>
-                <a:cxn ang="0">
-                  <a:pos x="T24" y="T25"/>
-                </a:cxn>
-              </a:cxnLst>
-              <a:rect l="0" t="0" r="r" b="b"/>
-              <a:pathLst>
-                <a:path w="785" h="692">
-                  <a:moveTo>
-                    <a:pt x="225" y="692"/>
-                  </a:moveTo>
-                  <a:cubicBezTo>
-                    <a:pt x="207" y="692"/>
-                    <a:pt x="185" y="680"/>
-                    <a:pt x="177" y="665"/>
-                  </a:cubicBezTo>
-                  <a:cubicBezTo>
-                    <a:pt x="9" y="374"/>
-                    <a:pt x="9" y="374"/>
-                    <a:pt x="9" y="374"/>
-                  </a:cubicBezTo>
-                  <a:cubicBezTo>
-                    <a:pt x="0" y="358"/>
-                    <a:pt x="0" y="334"/>
-                    <a:pt x="9" y="318"/>
-                  </a:cubicBezTo>
-                  <a:cubicBezTo>
-                    <a:pt x="177" y="27"/>
-                    <a:pt x="177" y="27"/>
-                    <a:pt x="177" y="27"/>
-                  </a:cubicBezTo>
-                  <a:cubicBezTo>
-                    <a:pt x="185" y="12"/>
-                    <a:pt x="207" y="0"/>
-                    <a:pt x="225" y="0"/>
-                  </a:cubicBezTo>
-                  <a:cubicBezTo>
-                    <a:pt x="561" y="0"/>
-                    <a:pt x="561" y="0"/>
-                    <a:pt x="561" y="0"/>
-                  </a:cubicBezTo>
-                  <a:cubicBezTo>
-                    <a:pt x="578" y="0"/>
-                    <a:pt x="600" y="12"/>
-                    <a:pt x="609" y="27"/>
-                  </a:cubicBezTo>
-                  <a:cubicBezTo>
-                    <a:pt x="777" y="318"/>
-                    <a:pt x="777" y="318"/>
-                    <a:pt x="777" y="318"/>
-                  </a:cubicBezTo>
-                  <a:cubicBezTo>
-                    <a:pt x="785" y="334"/>
-                    <a:pt x="785" y="358"/>
-                    <a:pt x="777" y="374"/>
-                  </a:cubicBezTo>
-                  <a:cubicBezTo>
-                    <a:pt x="609" y="665"/>
-                    <a:pt x="609" y="665"/>
-                    <a:pt x="609" y="665"/>
-                  </a:cubicBezTo>
-                  <a:cubicBezTo>
-                    <a:pt x="600" y="680"/>
-                    <a:pt x="578" y="692"/>
-                    <a:pt x="561" y="692"/>
-                  </a:cubicBezTo>
-                  <a:lnTo>
-                    <a:pt x="225" y="692"/>
-                  </a:lnTo>
-                  <a:close/>
-                </a:path>
-              </a:pathLst>
-            </a:custGeom>
-            <a:noFill/>
-            <a:ln w="28575" cmpd="sng">
-              <a:solidFill>
-                <a:schemeClr val="bg1"/>
-              </a:solidFill>
-            </a:ln>
-          </p:spPr>
-          <p:txBody>
-            <a:bodyPr vert="horz" wrap="square" lIns="91440" tIns="45720" rIns="91440" bIns="45720" numCol="1" anchor="t" anchorCtr="0" compatLnSpc="1">
-              <a:prstTxWarp prst="textNoShape">
-                <a:avLst/>
-              </a:prstTxWarp>
-            </a:bodyPr>
-            <a:lstStyle/>
-            <a:p>
-              <a:endParaRPr lang="en-US"/>
-            </a:p>
-          </p:txBody>
-        </p:sp>
-        <p:sp>
-          <p:nvSpPr>
-            <p:cNvPr id="34" name="Freeform 5">
-              <a:extLst>
-                <a:ext uri="{FF2B5EF4-FFF2-40B4-BE49-F238E27FC236}">
-                  <a16:creationId xmlns:a16="http://schemas.microsoft.com/office/drawing/2014/main" id="{196485F7-F277-4123-AC53-98EA4C858774}"/>
-                </a:ext>
-                <a:ext uri="{C183D7F6-B498-43B3-948B-1728B52AA6E4}">
-                  <adec:decorative xmlns:adec="http://schemas.microsoft.com/office/drawing/2017/decorative" xmlns="" val="1"/>
-                </a:ext>
-              </a:extLst>
-            </p:cNvPr>
-            <p:cNvSpPr>
-              <a:spLocks/>
-            </p:cNvSpPr>
-            <p:nvPr>
-              <p:extLst>
-                <p:ext uri="{386F3935-93C4-4BCD-93E2-E3B085C9AB24}">
-                  <p16:designElem xmlns:p16="http://schemas.microsoft.com/office/powerpoint/2015/main" val="1"/>
-                </p:ext>
-              </p:extLst>
-            </p:nvPr>
-          </p:nvSpPr>
-          <p:spPr bwMode="auto">
-            <a:xfrm>
-              <a:off x="1245893" y="1684057"/>
-              <a:ext cx="550492" cy="485306"/>
-            </a:xfrm>
-            <a:custGeom>
-              <a:avLst/>
-              <a:gdLst>
-                <a:gd name="T0" fmla="*/ 225 w 785"/>
-                <a:gd name="T1" fmla="*/ 692 h 692"/>
-                <a:gd name="T2" fmla="*/ 177 w 785"/>
-                <a:gd name="T3" fmla="*/ 665 h 692"/>
-                <a:gd name="T4" fmla="*/ 9 w 785"/>
-                <a:gd name="T5" fmla="*/ 374 h 692"/>
-                <a:gd name="T6" fmla="*/ 9 w 785"/>
-                <a:gd name="T7" fmla="*/ 318 h 692"/>
-                <a:gd name="T8" fmla="*/ 177 w 785"/>
-                <a:gd name="T9" fmla="*/ 27 h 692"/>
-                <a:gd name="T10" fmla="*/ 225 w 785"/>
-                <a:gd name="T11" fmla="*/ 0 h 692"/>
-                <a:gd name="T12" fmla="*/ 561 w 785"/>
-                <a:gd name="T13" fmla="*/ 0 h 692"/>
-                <a:gd name="T14" fmla="*/ 609 w 785"/>
-                <a:gd name="T15" fmla="*/ 27 h 692"/>
-                <a:gd name="T16" fmla="*/ 777 w 785"/>
-                <a:gd name="T17" fmla="*/ 318 h 692"/>
-                <a:gd name="T18" fmla="*/ 777 w 785"/>
-                <a:gd name="T19" fmla="*/ 374 h 692"/>
-                <a:gd name="T20" fmla="*/ 609 w 785"/>
-                <a:gd name="T21" fmla="*/ 665 h 692"/>
-                <a:gd name="T22" fmla="*/ 561 w 785"/>
-                <a:gd name="T23" fmla="*/ 692 h 692"/>
-                <a:gd name="T24" fmla="*/ 225 w 785"/>
-                <a:gd name="T25" fmla="*/ 692 h 692"/>
-              </a:gdLst>
-              <a:ahLst/>
-              <a:cxnLst>
-                <a:cxn ang="0">
-                  <a:pos x="T0" y="T1"/>
-                </a:cxn>
-                <a:cxn ang="0">
-                  <a:pos x="T2" y="T3"/>
-                </a:cxn>
-                <a:cxn ang="0">
-                  <a:pos x="T4" y="T5"/>
-                </a:cxn>
-                <a:cxn ang="0">
-                  <a:pos x="T6" y="T7"/>
-                </a:cxn>
-                <a:cxn ang="0">
-                  <a:pos x="T8" y="T9"/>
-                </a:cxn>
-                <a:cxn ang="0">
-                  <a:pos x="T10" y="T11"/>
-                </a:cxn>
-                <a:cxn ang="0">
-                  <a:pos x="T12" y="T13"/>
-                </a:cxn>
-                <a:cxn ang="0">
-                  <a:pos x="T14" y="T15"/>
-                </a:cxn>
-                <a:cxn ang="0">
-                  <a:pos x="T16" y="T17"/>
-                </a:cxn>
-                <a:cxn ang="0">
-                  <a:pos x="T18" y="T19"/>
-                </a:cxn>
-                <a:cxn ang="0">
-                  <a:pos x="T20" y="T21"/>
-                </a:cxn>
-                <a:cxn ang="0">
-                  <a:pos x="T22" y="T23"/>
-                </a:cxn>
-                <a:cxn ang="0">
-                  <a:pos x="T24" y="T25"/>
-                </a:cxn>
-              </a:cxnLst>
-              <a:rect l="0" t="0" r="r" b="b"/>
-              <a:pathLst>
-                <a:path w="785" h="692">
-                  <a:moveTo>
-                    <a:pt x="225" y="692"/>
-                  </a:moveTo>
-                  <a:cubicBezTo>
-                    <a:pt x="207" y="692"/>
-                    <a:pt x="185" y="680"/>
-                    <a:pt x="177" y="665"/>
-                  </a:cubicBezTo>
-                  <a:cubicBezTo>
-                    <a:pt x="9" y="374"/>
-                    <a:pt x="9" y="374"/>
-                    <a:pt x="9" y="374"/>
-                  </a:cubicBezTo>
-                  <a:cubicBezTo>
-                    <a:pt x="0" y="358"/>
-                    <a:pt x="0" y="334"/>
-                    <a:pt x="9" y="318"/>
-                  </a:cubicBezTo>
-                  <a:cubicBezTo>
-                    <a:pt x="177" y="27"/>
-                    <a:pt x="177" y="27"/>
-                    <a:pt x="177" y="27"/>
-                  </a:cubicBezTo>
-                  <a:cubicBezTo>
-                    <a:pt x="185" y="12"/>
-                    <a:pt x="207" y="0"/>
-                    <a:pt x="225" y="0"/>
-                  </a:cubicBezTo>
-                  <a:cubicBezTo>
-                    <a:pt x="561" y="0"/>
-                    <a:pt x="561" y="0"/>
-                    <a:pt x="561" y="0"/>
-                  </a:cubicBezTo>
-                  <a:cubicBezTo>
-                    <a:pt x="578" y="0"/>
-                    <a:pt x="600" y="12"/>
-                    <a:pt x="609" y="27"/>
-                  </a:cubicBezTo>
-                  <a:cubicBezTo>
-                    <a:pt x="777" y="318"/>
-                    <a:pt x="777" y="318"/>
-                    <a:pt x="777" y="318"/>
-                  </a:cubicBezTo>
-                  <a:cubicBezTo>
-                    <a:pt x="785" y="334"/>
-                    <a:pt x="785" y="358"/>
-                    <a:pt x="777" y="374"/>
-                  </a:cubicBezTo>
-                  <a:cubicBezTo>
-                    <a:pt x="609" y="665"/>
-                    <a:pt x="609" y="665"/>
-                    <a:pt x="609" y="665"/>
-                  </a:cubicBezTo>
-                  <a:cubicBezTo>
-                    <a:pt x="600" y="680"/>
-                    <a:pt x="578" y="692"/>
-                    <a:pt x="561" y="692"/>
-                  </a:cubicBezTo>
-                  <a:lnTo>
-                    <a:pt x="225" y="692"/>
-                  </a:lnTo>
-                  <a:close/>
-                </a:path>
-              </a:pathLst>
-            </a:custGeom>
-            <a:noFill/>
-            <a:ln w="28575" cmpd="sng">
-              <a:solidFill>
-                <a:schemeClr val="bg1"/>
-              </a:solidFill>
-            </a:ln>
-          </p:spPr>
-          <p:txBody>
-            <a:bodyPr vert="horz" wrap="square" lIns="91440" tIns="45720" rIns="91440" bIns="45720" numCol="1" anchor="t" anchorCtr="0" compatLnSpc="1">
-              <a:prstTxWarp prst="textNoShape">
-                <a:avLst/>
-              </a:prstTxWarp>
-            </a:bodyPr>
-            <a:lstStyle/>
-            <a:p>
-              <a:endParaRPr lang="en-US"/>
-            </a:p>
-          </p:txBody>
-        </p:sp>
-      </p:grpSp>
       <p:sp>
         <p:nvSpPr>
           <p:cNvPr id="3" name="Content Placeholder 2">
@@ -5997,20 +8024,22 @@
         </p:nvSpPr>
         <p:spPr>
           <a:xfrm>
-            <a:off x="767290" y="3383121"/>
-            <a:ext cx="3582072" cy="2793251"/>
+            <a:off x="765051" y="2286000"/>
+            <a:ext cx="3384000" cy="3844800"/>
           </a:xfrm>
         </p:spPr>
         <p:txBody>
-          <a:bodyPr anchor="t">
+          <a:bodyPr>
             <a:normAutofit/>
           </a:bodyPr>
           <a:lstStyle/>
           <a:p>
             <a:r>
-              <a:rPr lang="en-US" sz="2000" dirty="0">
+              <a:rPr lang="en-US" sz="2000">
                 <a:solidFill>
-                  <a:schemeClr val="bg1"/>
+                  <a:schemeClr val="bg1">
+                    <a:alpha val="60000"/>
+                  </a:schemeClr>
                 </a:solidFill>
               </a:rPr>
               <a:t>As we are using an op amp separate power should be given to it.</a:t>
@@ -6020,10 +8049,10 @@
       </p:sp>
       <p:grpSp>
         <p:nvGrpSpPr>
-          <p:cNvPr id="23" name="Group 22">
+          <p:cNvPr id="57" name="Group 56">
             <a:extLst>
               <a:ext uri="{FF2B5EF4-FFF2-40B4-BE49-F238E27FC236}">
-                <a16:creationId xmlns:a16="http://schemas.microsoft.com/office/drawing/2014/main" id="{99A21F6B-EF2E-43BE-A649-9848A1ED6BAF}"/>
+                <a16:creationId xmlns:a16="http://schemas.microsoft.com/office/drawing/2014/main" id="{0147D879-8B25-41D3-8F7A-939BEEF0001E}"/>
               </a:ext>
             </a:extLst>
           </p:cNvPr>
@@ -6032,18 +8061,18 @@
         </p:nvGrpSpPr>
         <p:grpSpPr>
           <a:xfrm>
-            <a:off x="5405380" y="903730"/>
-            <a:ext cx="6065076" cy="4472307"/>
-            <a:chOff x="845820" y="2369166"/>
-            <a:chExt cx="5890770" cy="4343776"/>
+            <a:off x="5681627" y="643469"/>
+            <a:ext cx="5473037" cy="5571062"/>
+            <a:chOff x="5681627" y="643469"/>
+            <a:chExt cx="5473037" cy="5571062"/>
           </a:xfrm>
         </p:grpSpPr>
         <p:pic>
           <p:nvPicPr>
-            <p:cNvPr id="5" name="Picture 4" descr="Diagram&#10;&#10;Description automatically generated">
+            <p:cNvPr id="7" name="Picture 6" descr="Diagram&#10;&#10;Description automatically generated">
               <a:extLst>
                 <a:ext uri="{FF2B5EF4-FFF2-40B4-BE49-F238E27FC236}">
-                  <a16:creationId xmlns:a16="http://schemas.microsoft.com/office/drawing/2014/main" id="{DF5E846B-8562-4F8F-99FD-D1C85D90273C}"/>
+                  <a16:creationId xmlns:a16="http://schemas.microsoft.com/office/drawing/2014/main" id="{5BD6CD60-1992-4EDC-8C6A-1E53A4F49FEE}"/>
                 </a:ext>
               </a:extLst>
             </p:cNvPr>
@@ -6060,22 +8089,22 @@
           </p:blipFill>
           <p:spPr>
             <a:xfrm>
-              <a:off x="845820" y="2369166"/>
-              <a:ext cx="5890770" cy="4343776"/>
+              <a:off x="5681627" y="643469"/>
+              <a:ext cx="5473037" cy="5571062"/>
             </a:xfrm>
             <a:prstGeom prst="rect">
               <a:avLst/>
             </a:prstGeom>
           </p:spPr>
         </p:pic>
-        <mc:AlternateContent xmlns:mc="http://schemas.openxmlformats.org/markup-compatibility/2006" xmlns:p14="http://schemas.microsoft.com/office/powerpoint/2010/main">
-          <mc:Choice Requires="p14">
+        <mc:AlternateContent xmlns:mc="http://schemas.openxmlformats.org/markup-compatibility/2006">
+          <mc:Choice xmlns:p14="http://schemas.microsoft.com/office/powerpoint/2010/main" Requires="p14">
             <p:contentPart p14:bwMode="auto" r:id="rId3">
               <p14:nvContentPartPr>
-                <p14:cNvPr id="6" name="Ink 5">
+                <p14:cNvPr id="8" name="Ink 7">
                   <a:extLst>
                     <a:ext uri="{FF2B5EF4-FFF2-40B4-BE49-F238E27FC236}">
-                      <a16:creationId xmlns:a16="http://schemas.microsoft.com/office/drawing/2014/main" id="{E1247344-8EC6-463C-B9EE-DA6FE15FE637}"/>
+                      <a16:creationId xmlns:a16="http://schemas.microsoft.com/office/drawing/2014/main" id="{3D50CEB0-E1DB-411C-B3A7-079B82C410AE}"/>
                     </a:ext>
                   </a:extLst>
                 </p14:cNvPr>
@@ -6083,18 +8112,18 @@
                 <p14:nvPr/>
               </p14:nvContentPartPr>
               <p14:xfrm>
-                <a:off x="2009700" y="5172060"/>
-                <a:ext cx="375120" cy="6120"/>
+                <a:off x="6696714" y="4708335"/>
+                <a:ext cx="341127" cy="386"/>
               </p14:xfrm>
             </p:contentPart>
           </mc:Choice>
-          <mc:Fallback xmlns="">
+          <mc:Fallback>
             <p:pic>
               <p:nvPicPr>
-                <p:cNvPr id="6" name="Ink 5">
+                <p:cNvPr id="8" name="Ink 7">
                   <a:extLst>
                     <a:ext uri="{FF2B5EF4-FFF2-40B4-BE49-F238E27FC236}">
-                      <a16:creationId xmlns:a16="http://schemas.microsoft.com/office/drawing/2014/main" id="{E1247344-8EC6-463C-B9EE-DA6FE15FE637}"/>
+                      <a16:creationId xmlns:a16="http://schemas.microsoft.com/office/drawing/2014/main" id="{3D50CEB0-E1DB-411C-B3A7-079B82C410AE}"/>
                     </a:ext>
                   </a:extLst>
                 </p:cNvPr>
@@ -6109,8 +8138,8 @@
               </p:blipFill>
               <p:spPr>
                 <a:xfrm>
-                  <a:off x="2000960" y="5163060"/>
-                  <a:ext cx="392250" cy="23760"/>
+                  <a:off x="6660730" y="4669735"/>
+                  <a:ext cx="412735" cy="77200"/>
                 </a:xfrm>
                 <a:prstGeom prst="rect">
                   <a:avLst/>
@@ -6119,14 +8148,14 @@
             </p:pic>
           </mc:Fallback>
         </mc:AlternateContent>
-        <mc:AlternateContent xmlns:mc="http://schemas.openxmlformats.org/markup-compatibility/2006" xmlns:p14="http://schemas.microsoft.com/office/powerpoint/2010/main">
-          <mc:Choice Requires="p14">
+        <mc:AlternateContent xmlns:mc="http://schemas.openxmlformats.org/markup-compatibility/2006">
+          <mc:Choice xmlns:p14="http://schemas.microsoft.com/office/powerpoint/2010/main" Requires="p14">
             <p:contentPart p14:bwMode="auto" r:id="rId5">
               <p14:nvContentPartPr>
-                <p14:cNvPr id="9" name="Ink 8">
+                <p14:cNvPr id="22" name="Ink 21">
                   <a:extLst>
                     <a:ext uri="{FF2B5EF4-FFF2-40B4-BE49-F238E27FC236}">
-                      <a16:creationId xmlns:a16="http://schemas.microsoft.com/office/drawing/2014/main" id="{0A31125E-8567-4F23-804B-81826811097F}"/>
+                      <a16:creationId xmlns:a16="http://schemas.microsoft.com/office/drawing/2014/main" id="{910A488E-C59C-457D-9E0B-9A3BE78C9CF1}"/>
                     </a:ext>
                   </a:extLst>
                 </p14:cNvPr>
@@ -6134,18 +8163,18 @@
                 <p14:nvPr/>
               </p14:nvContentPartPr>
               <p14:xfrm>
-                <a:off x="2409960" y="3308112"/>
-                <a:ext cx="360" cy="1879920"/>
+                <a:off x="6713307" y="4143392"/>
+                <a:ext cx="331480" cy="386"/>
               </p14:xfrm>
             </p:contentPart>
           </mc:Choice>
-          <mc:Fallback xmlns="">
+          <mc:Fallback>
             <p:pic>
               <p:nvPicPr>
-                <p:cNvPr id="9" name="Ink 8">
+                <p:cNvPr id="22" name="Ink 21">
                   <a:extLst>
                     <a:ext uri="{FF2B5EF4-FFF2-40B4-BE49-F238E27FC236}">
-                      <a16:creationId xmlns:a16="http://schemas.microsoft.com/office/drawing/2014/main" id="{0A31125E-8567-4F23-804B-81826811097F}"/>
+                      <a16:creationId xmlns:a16="http://schemas.microsoft.com/office/drawing/2014/main" id="{910A488E-C59C-457D-9E0B-9A3BE78C9CF1}"/>
                     </a:ext>
                   </a:extLst>
                 </p:cNvPr>
@@ -6160,8 +8189,8 @@
               </p:blipFill>
               <p:spPr>
                 <a:xfrm>
-                  <a:off x="2400960" y="3299370"/>
-                  <a:ext cx="18000" cy="1897055"/>
+                  <a:off x="6677316" y="4104792"/>
+                  <a:ext cx="403103" cy="77200"/>
                 </a:xfrm>
                 <a:prstGeom prst="rect">
                   <a:avLst/>
@@ -6170,14 +8199,14 @@
             </p:pic>
           </mc:Fallback>
         </mc:AlternateContent>
-        <mc:AlternateContent xmlns:mc="http://schemas.openxmlformats.org/markup-compatibility/2006" xmlns:p14="http://schemas.microsoft.com/office/powerpoint/2010/main">
-          <mc:Choice Requires="p14">
+        <mc:AlternateContent xmlns:mc="http://schemas.openxmlformats.org/markup-compatibility/2006">
+          <mc:Choice xmlns:p14="http://schemas.microsoft.com/office/powerpoint/2010/main" Requires="p14">
             <p:contentPart p14:bwMode="auto" r:id="rId7">
               <p14:nvContentPartPr>
-                <p14:cNvPr id="10" name="Ink 9">
+                <p14:cNvPr id="29" name="Ink 28">
                   <a:extLst>
                     <a:ext uri="{FF2B5EF4-FFF2-40B4-BE49-F238E27FC236}">
-                      <a16:creationId xmlns:a16="http://schemas.microsoft.com/office/drawing/2014/main" id="{7FB26EF4-9F09-4E44-ABBA-DF022D3388EE}"/>
+                      <a16:creationId xmlns:a16="http://schemas.microsoft.com/office/drawing/2014/main" id="{859BFF8B-032C-4222-A259-4C3CD008BE64}"/>
                     </a:ext>
                   </a:extLst>
                 </p14:cNvPr>
@@ -6185,18 +8214,18 @@
                 <p14:nvPr/>
               </p14:nvContentPartPr>
               <p14:xfrm>
-                <a:off x="2427660" y="3337620"/>
-                <a:ext cx="360" cy="1786320"/>
+                <a:off x="8557475" y="2432355"/>
+                <a:ext cx="1068529" cy="386"/>
               </p14:xfrm>
             </p:contentPart>
           </mc:Choice>
-          <mc:Fallback xmlns="">
+          <mc:Fallback>
             <p:pic>
               <p:nvPicPr>
-                <p:cNvPr id="10" name="Ink 9">
+                <p:cNvPr id="29" name="Ink 28">
                   <a:extLst>
                     <a:ext uri="{FF2B5EF4-FFF2-40B4-BE49-F238E27FC236}">
-                      <a16:creationId xmlns:a16="http://schemas.microsoft.com/office/drawing/2014/main" id="{7FB26EF4-9F09-4E44-ABBA-DF022D3388EE}"/>
+                      <a16:creationId xmlns:a16="http://schemas.microsoft.com/office/drawing/2014/main" id="{859BFF8B-032C-4222-A259-4C3CD008BE64}"/>
                     </a:ext>
                   </a:extLst>
                 </p:cNvPr>
@@ -6211,8 +8240,8 @@
               </p:blipFill>
               <p:spPr>
                 <a:xfrm>
-                  <a:off x="2391660" y="3302656"/>
-                  <a:ext cx="72000" cy="1855899"/>
+                  <a:off x="8521473" y="2393755"/>
+                  <a:ext cx="1140172" cy="77200"/>
                 </a:xfrm>
                 <a:prstGeom prst="rect">
                   <a:avLst/>
@@ -6221,14 +8250,14 @@
             </p:pic>
           </mc:Fallback>
         </mc:AlternateContent>
-        <mc:AlternateContent xmlns:mc="http://schemas.openxmlformats.org/markup-compatibility/2006" xmlns:p14="http://schemas.microsoft.com/office/powerpoint/2010/main">
-          <mc:Choice Requires="p14">
+        <mc:AlternateContent xmlns:mc="http://schemas.openxmlformats.org/markup-compatibility/2006">
+          <mc:Choice xmlns:p14="http://schemas.microsoft.com/office/powerpoint/2010/main" Requires="p14">
             <p:contentPart p14:bwMode="auto" r:id="rId9">
               <p14:nvContentPartPr>
-                <p14:cNvPr id="11" name="Ink 10">
+                <p14:cNvPr id="31" name="Ink 30">
                   <a:extLst>
                     <a:ext uri="{FF2B5EF4-FFF2-40B4-BE49-F238E27FC236}">
-                      <a16:creationId xmlns:a16="http://schemas.microsoft.com/office/drawing/2014/main" id="{3F446C05-C237-43F4-B289-2075DF1409F9}"/>
+                      <a16:creationId xmlns:a16="http://schemas.microsoft.com/office/drawing/2014/main" id="{A8D2963B-7B5B-436D-84A9-7AB08C199DA9}"/>
                     </a:ext>
                   </a:extLst>
                 </p14:cNvPr>
@@ -6236,18 +8265,18 @@
                 <p14:nvPr/>
               </p14:nvContentPartPr>
               <p14:xfrm>
-                <a:off x="4111380" y="3307020"/>
-                <a:ext cx="360" cy="1051560"/>
+                <a:off x="9686975" y="3960866"/>
+                <a:ext cx="797635" cy="386"/>
               </p14:xfrm>
             </p:contentPart>
           </mc:Choice>
-          <mc:Fallback xmlns="">
+          <mc:Fallback>
             <p:pic>
               <p:nvPicPr>
-                <p:cNvPr id="11" name="Ink 10">
+                <p:cNvPr id="31" name="Ink 30">
                   <a:extLst>
                     <a:ext uri="{FF2B5EF4-FFF2-40B4-BE49-F238E27FC236}">
-                      <a16:creationId xmlns:a16="http://schemas.microsoft.com/office/drawing/2014/main" id="{3F446C05-C237-43F4-B289-2075DF1409F9}"/>
+                      <a16:creationId xmlns:a16="http://schemas.microsoft.com/office/drawing/2014/main" id="{A8D2963B-7B5B-436D-84A9-7AB08C199DA9}"/>
                     </a:ext>
                   </a:extLst>
                 </p:cNvPr>
@@ -6262,8 +8291,8 @@
               </p:blipFill>
               <p:spPr>
                 <a:xfrm>
-                  <a:off x="4075380" y="3272061"/>
-                  <a:ext cx="72000" cy="1121128"/>
+                  <a:off x="9650981" y="3922266"/>
+                  <a:ext cx="869264" cy="77200"/>
                 </a:xfrm>
                 <a:prstGeom prst="rect">
                   <a:avLst/>
@@ -6272,14 +8301,14 @@
             </p:pic>
           </mc:Fallback>
         </mc:AlternateContent>
-        <mc:AlternateContent xmlns:mc="http://schemas.openxmlformats.org/markup-compatibility/2006" xmlns:p14="http://schemas.microsoft.com/office/powerpoint/2010/main">
-          <mc:Choice Requires="p14">
+        <mc:AlternateContent xmlns:mc="http://schemas.openxmlformats.org/markup-compatibility/2006">
+          <mc:Choice xmlns:p14="http://schemas.microsoft.com/office/powerpoint/2010/main" Requires="p14">
             <p:contentPart p14:bwMode="auto" r:id="rId11">
               <p14:nvContentPartPr>
-                <p14:cNvPr id="12" name="Ink 11">
+                <p14:cNvPr id="24" name="Ink 23">
                   <a:extLst>
                     <a:ext uri="{FF2B5EF4-FFF2-40B4-BE49-F238E27FC236}">
-                      <a16:creationId xmlns:a16="http://schemas.microsoft.com/office/drawing/2014/main" id="{2FB17927-49B7-4E12-A3E3-47EB94382E0B}"/>
+                      <a16:creationId xmlns:a16="http://schemas.microsoft.com/office/drawing/2014/main" id="{159187D3-552F-4C3A-BA3C-4478773F9276}"/>
                     </a:ext>
                   </a:extLst>
                 </p14:cNvPr>
@@ -6287,18 +8316,18 @@
                 <p14:nvPr/>
               </p14:nvContentPartPr>
               <p14:xfrm>
-                <a:off x="6008940" y="4442460"/>
-                <a:ext cx="360" cy="1182600"/>
+                <a:off x="6696714" y="2847573"/>
+                <a:ext cx="117696" cy="386"/>
               </p14:xfrm>
             </p:contentPart>
           </mc:Choice>
-          <mc:Fallback xmlns="">
+          <mc:Fallback>
             <p:pic>
               <p:nvPicPr>
-                <p:cNvPr id="12" name="Ink 11">
+                <p:cNvPr id="24" name="Ink 23">
                   <a:extLst>
                     <a:ext uri="{FF2B5EF4-FFF2-40B4-BE49-F238E27FC236}">
-                      <a16:creationId xmlns:a16="http://schemas.microsoft.com/office/drawing/2014/main" id="{2FB17927-49B7-4E12-A3E3-47EB94382E0B}"/>
+                      <a16:creationId xmlns:a16="http://schemas.microsoft.com/office/drawing/2014/main" id="{159187D3-552F-4C3A-BA3C-4478773F9276}"/>
                     </a:ext>
                   </a:extLst>
                 </p:cNvPr>
@@ -6313,8 +8342,8 @@
               </p:blipFill>
               <p:spPr>
                 <a:xfrm>
-                  <a:off x="5972940" y="4407503"/>
-                  <a:ext cx="72000" cy="1252165"/>
+                  <a:off x="6660831" y="2808973"/>
+                  <a:ext cx="189103" cy="77200"/>
                 </a:xfrm>
                 <a:prstGeom prst="rect">
                   <a:avLst/>
@@ -6323,14 +8352,14 @@
             </p:pic>
           </mc:Fallback>
         </mc:AlternateContent>
-        <mc:AlternateContent xmlns:mc="http://schemas.openxmlformats.org/markup-compatibility/2006" xmlns:p14="http://schemas.microsoft.com/office/powerpoint/2010/main">
-          <mc:Choice Requires="p14">
+        <mc:AlternateContent xmlns:mc="http://schemas.openxmlformats.org/markup-compatibility/2006">
+          <mc:Choice xmlns:p14="http://schemas.microsoft.com/office/powerpoint/2010/main" Requires="p14">
             <p:contentPart p14:bwMode="auto" r:id="rId13">
               <p14:nvContentPartPr>
-                <p14:cNvPr id="13" name="Ink 12">
+                <p14:cNvPr id="35" name="Ink 34">
                   <a:extLst>
                     <a:ext uri="{FF2B5EF4-FFF2-40B4-BE49-F238E27FC236}">
-                      <a16:creationId xmlns:a16="http://schemas.microsoft.com/office/drawing/2014/main" id="{31E0130D-54C2-446F-8398-B02DEF5C8337}"/>
+                      <a16:creationId xmlns:a16="http://schemas.microsoft.com/office/drawing/2014/main" id="{70C67ABB-7407-4165-890E-B041EED64E8B}"/>
                     </a:ext>
                   </a:extLst>
                 </p14:cNvPr>
@@ -6338,18 +8367,18 @@
                 <p14:nvPr/>
               </p14:nvContentPartPr>
               <p14:xfrm>
-                <a:off x="2102940" y="5173980"/>
-                <a:ext cx="304560" cy="360"/>
+                <a:off x="6668544" y="2875357"/>
+                <a:ext cx="386" cy="1204749"/>
               </p14:xfrm>
             </p:contentPart>
           </mc:Choice>
-          <mc:Fallback xmlns="">
+          <mc:Fallback>
             <p:pic>
               <p:nvPicPr>
-                <p:cNvPr id="13" name="Ink 12">
+                <p:cNvPr id="35" name="Ink 34">
                   <a:extLst>
                     <a:ext uri="{FF2B5EF4-FFF2-40B4-BE49-F238E27FC236}">
-                      <a16:creationId xmlns:a16="http://schemas.microsoft.com/office/drawing/2014/main" id="{31E0130D-54C2-446F-8398-B02DEF5C8337}"/>
+                      <a16:creationId xmlns:a16="http://schemas.microsoft.com/office/drawing/2014/main" id="{70C67ABB-7407-4165-890E-B041EED64E8B}"/>
                     </a:ext>
                   </a:extLst>
                 </p:cNvPr>
@@ -6364,8 +8393,59 @@
               </p:blipFill>
               <p:spPr>
                 <a:xfrm>
-                  <a:off x="2067973" y="5137980"/>
-                  <a:ext cx="374144" cy="72000"/>
+                  <a:off x="6629944" y="2839351"/>
+                  <a:ext cx="77200" cy="1276400"/>
+                </a:xfrm>
+                <a:prstGeom prst="rect">
+                  <a:avLst/>
+                </a:prstGeom>
+              </p:spPr>
+            </p:pic>
+          </mc:Fallback>
+        </mc:AlternateContent>
+        <mc:AlternateContent xmlns:mc="http://schemas.openxmlformats.org/markup-compatibility/2006">
+          <mc:Choice xmlns:p14="http://schemas.microsoft.com/office/powerpoint/2010/main" Requires="p14">
+            <p:contentPart p14:bwMode="auto" r:id="rId15">
+              <p14:nvContentPartPr>
+                <p14:cNvPr id="37" name="Ink 36">
+                  <a:extLst>
+                    <a:ext uri="{FF2B5EF4-FFF2-40B4-BE49-F238E27FC236}">
+                      <a16:creationId xmlns:a16="http://schemas.microsoft.com/office/drawing/2014/main" id="{EFEBFE15-0310-48B0-A1E5-BF0D36B4ED50}"/>
+                    </a:ext>
+                  </a:extLst>
+                </p14:cNvPr>
+                <p14:cNvContentPartPr/>
+                <p14:nvPr/>
+              </p14:nvContentPartPr>
+              <p14:xfrm>
+                <a:off x="7033982" y="4171176"/>
+                <a:ext cx="386" cy="520566"/>
+              </p14:xfrm>
+            </p:contentPart>
+          </mc:Choice>
+          <mc:Fallback>
+            <p:pic>
+              <p:nvPicPr>
+                <p:cNvPr id="37" name="Ink 36">
+                  <a:extLst>
+                    <a:ext uri="{FF2B5EF4-FFF2-40B4-BE49-F238E27FC236}">
+                      <a16:creationId xmlns:a16="http://schemas.microsoft.com/office/drawing/2014/main" id="{EFEBFE15-0310-48B0-A1E5-BF0D36B4ED50}"/>
+                    </a:ext>
+                  </a:extLst>
+                </p:cNvPr>
+                <p:cNvPicPr/>
+                <p:nvPr/>
+              </p:nvPicPr>
+              <p:blipFill>
+                <a:blip r:embed="rId16"/>
+                <a:stretch>
+                  <a:fillRect/>
+                </a:stretch>
+              </p:blipFill>
+              <p:spPr>
+                <a:xfrm>
+                  <a:off x="6995382" y="4135176"/>
+                  <a:ext cx="77200" cy="592207"/>
                 </a:xfrm>
                 <a:prstGeom prst="rect">
                   <a:avLst/>
@@ -6376,10 +8456,10 @@
         </mc:AlternateContent>
         <p:grpSp>
           <p:nvGrpSpPr>
-            <p:cNvPr id="16" name="Group 15">
+            <p:cNvPr id="48" name="Group 47">
               <a:extLst>
                 <a:ext uri="{FF2B5EF4-FFF2-40B4-BE49-F238E27FC236}">
-                  <a16:creationId xmlns:a16="http://schemas.microsoft.com/office/drawing/2014/main" id="{BC291B28-1CA6-4E5A-A0F6-58A7AE093ABF}"/>
+                  <a16:creationId xmlns:a16="http://schemas.microsoft.com/office/drawing/2014/main" id="{598F784E-5E0A-448C-8B33-E0CB4916872D}"/>
                 </a:ext>
               </a:extLst>
             </p:cNvPr>
@@ -6388,20 +8468,20 @@
           </p:nvGrpSpPr>
           <p:grpSpPr>
             <a:xfrm>
-              <a:off x="2476260" y="3276780"/>
-              <a:ext cx="634680" cy="360"/>
-              <a:chOff x="2476260" y="3276780"/>
-              <a:chExt cx="634680" cy="360"/>
+              <a:off x="9642212" y="2459368"/>
+              <a:ext cx="386" cy="2524107"/>
+              <a:chOff x="9256747" y="2339555"/>
+              <a:chExt cx="360" cy="2354760"/>
             </a:xfrm>
           </p:grpSpPr>
-          <mc:AlternateContent xmlns:mc="http://schemas.openxmlformats.org/markup-compatibility/2006" xmlns:p14="http://schemas.microsoft.com/office/powerpoint/2010/main">
-            <mc:Choice Requires="p14">
-              <p:contentPart p14:bwMode="auto" r:id="rId15">
+          <mc:AlternateContent xmlns:mc="http://schemas.openxmlformats.org/markup-compatibility/2006">
+            <mc:Choice xmlns:p14="http://schemas.microsoft.com/office/powerpoint/2010/main" Requires="p14">
+              <p:contentPart p14:bwMode="auto" r:id="rId17">
                 <p14:nvContentPartPr>
-                  <p14:cNvPr id="14" name="Ink 13">
+                  <p14:cNvPr id="46" name="Ink 45">
                     <a:extLst>
                       <a:ext uri="{FF2B5EF4-FFF2-40B4-BE49-F238E27FC236}">
-                        <a16:creationId xmlns:a16="http://schemas.microsoft.com/office/drawing/2014/main" id="{4F18B58C-E70D-4C7F-A831-09762EF38AD5}"/>
+                        <a16:creationId xmlns:a16="http://schemas.microsoft.com/office/drawing/2014/main" id="{FEAD846F-5FBB-434C-B13D-5CC532132A58}"/>
                       </a:ext>
                     </a:extLst>
                   </p14:cNvPr>
@@ -6409,69 +8489,18 @@
                   <p14:nvPr/>
                 </p14:nvContentPartPr>
                 <p14:xfrm>
-                  <a:off x="2476260" y="3276780"/>
-                  <a:ext cx="126720" cy="360"/>
+                  <a:off x="9256747" y="2339555"/>
+                  <a:ext cx="360" cy="1236240"/>
                 </p14:xfrm>
               </p:contentPart>
             </mc:Choice>
-            <mc:Fallback xmlns="">
+            <mc:Fallback>
               <p:pic>
                 <p:nvPicPr>
-                  <p:cNvPr id="14" name="Ink 13">
+                  <p:cNvPr id="46" name="Ink 45">
                     <a:extLst>
                       <a:ext uri="{FF2B5EF4-FFF2-40B4-BE49-F238E27FC236}">
-                        <a16:creationId xmlns:a16="http://schemas.microsoft.com/office/drawing/2014/main" id="{4F18B58C-E70D-4C7F-A831-09762EF38AD5}"/>
-                      </a:ext>
-                    </a:extLst>
-                  </p:cNvPr>
-                  <p:cNvPicPr/>
-                  <p:nvPr/>
-                </p:nvPicPr>
-                <p:blipFill>
-                  <a:blip r:embed="rId16"/>
-                  <a:stretch>
-                    <a:fillRect/>
-                  </a:stretch>
-                </p:blipFill>
-                <p:spPr>
-                  <a:xfrm>
-                    <a:off x="2441254" y="3240780"/>
-                    <a:ext cx="196381" cy="72000"/>
-                  </a:xfrm>
-                  <a:prstGeom prst="rect">
-                    <a:avLst/>
-                  </a:prstGeom>
-                </p:spPr>
-              </p:pic>
-            </mc:Fallback>
-          </mc:AlternateContent>
-          <mc:AlternateContent xmlns:mc="http://schemas.openxmlformats.org/markup-compatibility/2006" xmlns:p14="http://schemas.microsoft.com/office/powerpoint/2010/main">
-            <mc:Choice Requires="p14">
-              <p:contentPart p14:bwMode="auto" r:id="rId17">
-                <p14:nvContentPartPr>
-                  <p14:cNvPr id="15" name="Ink 14">
-                    <a:extLst>
-                      <a:ext uri="{FF2B5EF4-FFF2-40B4-BE49-F238E27FC236}">
-                        <a16:creationId xmlns:a16="http://schemas.microsoft.com/office/drawing/2014/main" id="{451CD8B2-982A-4916-A8DA-3E72F784392E}"/>
-                      </a:ext>
-                    </a:extLst>
-                  </p14:cNvPr>
-                  <p14:cNvContentPartPr/>
-                  <p14:nvPr/>
-                </p14:nvContentPartPr>
-                <p14:xfrm>
-                  <a:off x="2758140" y="3276780"/>
-                  <a:ext cx="352800" cy="360"/>
-                </p14:xfrm>
-              </p:contentPart>
-            </mc:Choice>
-            <mc:Fallback xmlns="">
-              <p:pic>
-                <p:nvPicPr>
-                  <p:cNvPr id="15" name="Ink 14">
-                    <a:extLst>
-                      <a:ext uri="{FF2B5EF4-FFF2-40B4-BE49-F238E27FC236}">
-                        <a16:creationId xmlns:a16="http://schemas.microsoft.com/office/drawing/2014/main" id="{451CD8B2-982A-4916-A8DA-3E72F784392E}"/>
+                        <a16:creationId xmlns:a16="http://schemas.microsoft.com/office/drawing/2014/main" id="{FEAD846F-5FBB-434C-B13D-5CC532132A58}"/>
                       </a:ext>
                     </a:extLst>
                   </p:cNvPr>
@@ -6486,8 +8515,59 @@
                 </p:blipFill>
                 <p:spPr>
                   <a:xfrm>
-                    <a:off x="2723175" y="3240780"/>
-                    <a:ext cx="422381" cy="72000"/>
+                    <a:off x="9220747" y="2305971"/>
+                    <a:ext cx="72000" cy="1303073"/>
+                  </a:xfrm>
+                  <a:prstGeom prst="rect">
+                    <a:avLst/>
+                  </a:prstGeom>
+                </p:spPr>
+              </p:pic>
+            </mc:Fallback>
+          </mc:AlternateContent>
+          <mc:AlternateContent xmlns:mc="http://schemas.openxmlformats.org/markup-compatibility/2006">
+            <mc:Choice xmlns:p14="http://schemas.microsoft.com/office/powerpoint/2010/main" Requires="p14">
+              <p:contentPart p14:bwMode="auto" r:id="rId19">
+                <p14:nvContentPartPr>
+                  <p14:cNvPr id="47" name="Ink 46">
+                    <a:extLst>
+                      <a:ext uri="{FF2B5EF4-FFF2-40B4-BE49-F238E27FC236}">
+                        <a16:creationId xmlns:a16="http://schemas.microsoft.com/office/drawing/2014/main" id="{AFD303C6-E791-4AC0-BDD9-88D8B60326DC}"/>
+                      </a:ext>
+                    </a:extLst>
+                  </p14:cNvPr>
+                  <p14:cNvContentPartPr/>
+                  <p14:nvPr/>
+                </p14:nvContentPartPr>
+                <p14:xfrm>
+                  <a:off x="9256747" y="3734555"/>
+                  <a:ext cx="360" cy="959760"/>
+                </p14:xfrm>
+              </p:contentPart>
+            </mc:Choice>
+            <mc:Fallback>
+              <p:pic>
+                <p:nvPicPr>
+                  <p:cNvPr id="47" name="Ink 46">
+                    <a:extLst>
+                      <a:ext uri="{FF2B5EF4-FFF2-40B4-BE49-F238E27FC236}">
+                        <a16:creationId xmlns:a16="http://schemas.microsoft.com/office/drawing/2014/main" id="{AFD303C6-E791-4AC0-BDD9-88D8B60326DC}"/>
+                      </a:ext>
+                    </a:extLst>
+                  </p:cNvPr>
+                  <p:cNvPicPr/>
+                  <p:nvPr/>
+                </p:nvPicPr>
+                <p:blipFill>
+                  <a:blip r:embed="rId20"/>
+                  <a:stretch>
+                    <a:fillRect/>
+                  </a:stretch>
+                </p:blipFill>
+                <p:spPr>
+                  <a:xfrm>
+                    <a:off x="9220747" y="3700985"/>
+                    <a:ext cx="72000" cy="1026564"/>
                   </a:xfrm>
                   <a:prstGeom prst="rect">
                     <a:avLst/>
@@ -6497,14 +8577,14 @@
             </mc:Fallback>
           </mc:AlternateContent>
         </p:grpSp>
-        <mc:AlternateContent xmlns:mc="http://schemas.openxmlformats.org/markup-compatibility/2006" xmlns:p14="http://schemas.microsoft.com/office/powerpoint/2010/main">
-          <mc:Choice Requires="p14">
-            <p:contentPart p14:bwMode="auto" r:id="rId19">
+        <mc:AlternateContent xmlns:mc="http://schemas.openxmlformats.org/markup-compatibility/2006">
+          <mc:Choice xmlns:p14="http://schemas.microsoft.com/office/powerpoint/2010/main" Requires="p14">
+            <p:contentPart p14:bwMode="auto" r:id="rId21">
               <p14:nvContentPartPr>
-                <p14:cNvPr id="17" name="Ink 16">
+                <p14:cNvPr id="49" name="Ink 48">
                   <a:extLst>
                     <a:ext uri="{FF2B5EF4-FFF2-40B4-BE49-F238E27FC236}">
-                      <a16:creationId xmlns:a16="http://schemas.microsoft.com/office/drawing/2014/main" id="{996B6ABC-A416-4E85-B1C3-17CCD0CDA163}"/>
+                      <a16:creationId xmlns:a16="http://schemas.microsoft.com/office/drawing/2014/main" id="{DFB6AF07-61CF-4EC0-9E47-38CB5710C2BC}"/>
                     </a:ext>
                   </a:extLst>
                 </p14:cNvPr>
@@ -6512,69 +8592,18 @@
                 <p14:nvPr/>
               </p14:nvContentPartPr>
               <p14:xfrm>
-                <a:off x="3200220" y="3299460"/>
-                <a:ext cx="337320" cy="360"/>
+                <a:off x="10489241" y="3971671"/>
+                <a:ext cx="386" cy="1129114"/>
               </p14:xfrm>
             </p:contentPart>
           </mc:Choice>
-          <mc:Fallback xmlns="">
+          <mc:Fallback>
             <p:pic>
               <p:nvPicPr>
-                <p:cNvPr id="17" name="Ink 16">
+                <p:cNvPr id="49" name="Ink 48">
                   <a:extLst>
                     <a:ext uri="{FF2B5EF4-FFF2-40B4-BE49-F238E27FC236}">
-                      <a16:creationId xmlns:a16="http://schemas.microsoft.com/office/drawing/2014/main" id="{996B6ABC-A416-4E85-B1C3-17CCD0CDA163}"/>
-                    </a:ext>
-                  </a:extLst>
-                </p:cNvPr>
-                <p:cNvPicPr/>
-                <p:nvPr/>
-              </p:nvPicPr>
-              <p:blipFill>
-                <a:blip r:embed="rId20"/>
-                <a:stretch>
-                  <a:fillRect/>
-                </a:stretch>
-              </p:blipFill>
-              <p:spPr>
-                <a:xfrm>
-                  <a:off x="3165265" y="3263460"/>
-                  <a:ext cx="406881" cy="72000"/>
-                </a:xfrm>
-                <a:prstGeom prst="rect">
-                  <a:avLst/>
-                </a:prstGeom>
-              </p:spPr>
-            </p:pic>
-          </mc:Fallback>
-        </mc:AlternateContent>
-        <mc:AlternateContent xmlns:mc="http://schemas.openxmlformats.org/markup-compatibility/2006" xmlns:p14="http://schemas.microsoft.com/office/powerpoint/2010/main">
-          <mc:Choice Requires="p14">
-            <p:contentPart p14:bwMode="auto" r:id="rId21">
-              <p14:nvContentPartPr>
-                <p14:cNvPr id="18" name="Ink 17">
-                  <a:extLst>
-                    <a:ext uri="{FF2B5EF4-FFF2-40B4-BE49-F238E27FC236}">
-                      <a16:creationId xmlns:a16="http://schemas.microsoft.com/office/drawing/2014/main" id="{24260C30-B58F-4228-9F11-A058CE64FE03}"/>
-                    </a:ext>
-                  </a:extLst>
-                </p14:cNvPr>
-                <p14:cNvContentPartPr/>
-                <p14:nvPr/>
-              </p14:nvContentPartPr>
-              <p14:xfrm>
-                <a:off x="4198500" y="4419780"/>
-                <a:ext cx="1744200" cy="360"/>
-              </p14:xfrm>
-            </p:contentPart>
-          </mc:Choice>
-          <mc:Fallback xmlns="">
-            <p:pic>
-              <p:nvPicPr>
-                <p:cNvPr id="18" name="Ink 17">
-                  <a:extLst>
-                    <a:ext uri="{FF2B5EF4-FFF2-40B4-BE49-F238E27FC236}">
-                      <a16:creationId xmlns:a16="http://schemas.microsoft.com/office/drawing/2014/main" id="{24260C30-B58F-4228-9F11-A058CE64FE03}"/>
+                      <a16:creationId xmlns:a16="http://schemas.microsoft.com/office/drawing/2014/main" id="{DFB6AF07-61CF-4EC0-9E47-38CB5710C2BC}"/>
                     </a:ext>
                   </a:extLst>
                 </p:cNvPr>
@@ -6589,8 +8618,8 @@
               </p:blipFill>
               <p:spPr>
                 <a:xfrm>
-                  <a:off x="4163532" y="4383780"/>
-                  <a:ext cx="1813786" cy="72000"/>
+                  <a:off x="10450641" y="3935666"/>
+                  <a:ext cx="77200" cy="1200764"/>
                 </a:xfrm>
                 <a:prstGeom prst="rect">
                   <a:avLst/>
@@ -6599,14 +8628,14 @@
             </p:pic>
           </mc:Fallback>
         </mc:AlternateContent>
-        <mc:AlternateContent xmlns:mc="http://schemas.openxmlformats.org/markup-compatibility/2006" xmlns:p14="http://schemas.microsoft.com/office/powerpoint/2010/main">
-          <mc:Choice Requires="p14">
+        <mc:AlternateContent xmlns:mc="http://schemas.openxmlformats.org/markup-compatibility/2006">
+          <mc:Choice xmlns:p14="http://schemas.microsoft.com/office/powerpoint/2010/main" Requires="p14">
             <p:contentPart p14:bwMode="auto" r:id="rId23">
               <p14:nvContentPartPr>
-                <p14:cNvPr id="19" name="Ink 18">
+                <p14:cNvPr id="51" name="Ink 50">
                   <a:extLst>
                     <a:ext uri="{FF2B5EF4-FFF2-40B4-BE49-F238E27FC236}">
-                      <a16:creationId xmlns:a16="http://schemas.microsoft.com/office/drawing/2014/main" id="{5C8D95CD-B7C1-42C6-8386-9C70FAEC7C69}"/>
+                      <a16:creationId xmlns:a16="http://schemas.microsoft.com/office/drawing/2014/main" id="{818C7155-B281-4A06-BFF6-ED3A1704B18B}"/>
                     </a:ext>
                   </a:extLst>
                 </p14:cNvPr>
@@ -6614,18 +8643,18 @@
                 <p14:nvPr/>
               </p14:nvContentPartPr>
               <p14:xfrm>
-                <a:off x="3181500" y="3329700"/>
-                <a:ext cx="360" cy="353880"/>
+                <a:off x="7427589" y="2443546"/>
+                <a:ext cx="623598" cy="386"/>
               </p14:xfrm>
             </p:contentPart>
           </mc:Choice>
-          <mc:Fallback xmlns="">
+          <mc:Fallback>
             <p:pic>
               <p:nvPicPr>
-                <p:cNvPr id="19" name="Ink 18">
+                <p:cNvPr id="51" name="Ink 50">
                   <a:extLst>
                     <a:ext uri="{FF2B5EF4-FFF2-40B4-BE49-F238E27FC236}">
-                      <a16:creationId xmlns:a16="http://schemas.microsoft.com/office/drawing/2014/main" id="{5C8D95CD-B7C1-42C6-8386-9C70FAEC7C69}"/>
+                      <a16:creationId xmlns:a16="http://schemas.microsoft.com/office/drawing/2014/main" id="{818C7155-B281-4A06-BFF6-ED3A1704B18B}"/>
                     </a:ext>
                   </a:extLst>
                 </p:cNvPr>
@@ -6640,8 +8669,8 @@
               </p:blipFill>
               <p:spPr>
                 <a:xfrm>
-                  <a:off x="3145500" y="3294732"/>
-                  <a:ext cx="72000" cy="423467"/>
+                  <a:off x="7391584" y="2404946"/>
+                  <a:ext cx="695247" cy="77200"/>
                 </a:xfrm>
                 <a:prstGeom prst="rect">
                   <a:avLst/>
@@ -6650,14 +8679,14 @@
             </p:pic>
           </mc:Fallback>
         </mc:AlternateContent>
-        <mc:AlternateContent xmlns:mc="http://schemas.openxmlformats.org/markup-compatibility/2006" xmlns:p14="http://schemas.microsoft.com/office/powerpoint/2010/main">
-          <mc:Choice Requires="p14">
+        <mc:AlternateContent xmlns:mc="http://schemas.openxmlformats.org/markup-compatibility/2006">
+          <mc:Choice xmlns:p14="http://schemas.microsoft.com/office/powerpoint/2010/main" Requires="p14">
             <p:contentPart p14:bwMode="auto" r:id="rId25">
               <p14:nvContentPartPr>
-                <p14:cNvPr id="20" name="Ink 19">
+                <p14:cNvPr id="55" name="Ink 54">
                   <a:extLst>
                     <a:ext uri="{FF2B5EF4-FFF2-40B4-BE49-F238E27FC236}">
-                      <a16:creationId xmlns:a16="http://schemas.microsoft.com/office/drawing/2014/main" id="{8661490D-2916-4A51-AA91-3B70C42E22A3}"/>
+                      <a16:creationId xmlns:a16="http://schemas.microsoft.com/office/drawing/2014/main" id="{A638F7EE-0E51-4131-AE16-1C4FFC4AB833}"/>
                     </a:ext>
                   </a:extLst>
                 </p14:cNvPr>
@@ -6665,18 +8694,18 @@
                 <p14:nvPr/>
               </p14:nvContentPartPr>
               <p14:xfrm>
-                <a:off x="3181500" y="3863220"/>
-                <a:ext cx="360" cy="279000"/>
+                <a:off x="7007128" y="2826022"/>
+                <a:ext cx="328320" cy="6120"/>
               </p14:xfrm>
             </p:contentPart>
           </mc:Choice>
-          <mc:Fallback xmlns="">
+          <mc:Fallback>
             <p:pic>
               <p:nvPicPr>
-                <p:cNvPr id="20" name="Ink 19">
+                <p:cNvPr id="55" name="Ink 54">
                   <a:extLst>
                     <a:ext uri="{FF2B5EF4-FFF2-40B4-BE49-F238E27FC236}">
-                      <a16:creationId xmlns:a16="http://schemas.microsoft.com/office/drawing/2014/main" id="{8661490D-2916-4A51-AA91-3B70C42E22A3}"/>
+                      <a16:creationId xmlns:a16="http://schemas.microsoft.com/office/drawing/2014/main" id="{A638F7EE-0E51-4131-AE16-1C4FFC4AB833}"/>
                     </a:ext>
                   </a:extLst>
                 </p:cNvPr>
@@ -6691,8 +8720,8 @@
               </p:blipFill>
               <p:spPr>
                 <a:xfrm>
-                  <a:off x="3145500" y="3828258"/>
-                  <a:ext cx="72000" cy="348575"/>
+                  <a:off x="6971128" y="2790382"/>
+                  <a:ext cx="399960" cy="77760"/>
                 </a:xfrm>
                 <a:prstGeom prst="rect">
                   <a:avLst/>
@@ -6701,14 +8730,14 @@
             </p:pic>
           </mc:Fallback>
         </mc:AlternateContent>
-        <mc:AlternateContent xmlns:mc="http://schemas.openxmlformats.org/markup-compatibility/2006" xmlns:p14="http://schemas.microsoft.com/office/powerpoint/2010/main">
-          <mc:Choice Requires="p14">
+        <mc:AlternateContent xmlns:mc="http://schemas.openxmlformats.org/markup-compatibility/2006">
+          <mc:Choice xmlns:p14="http://schemas.microsoft.com/office/powerpoint/2010/main" Requires="p14">
             <p:contentPart p14:bwMode="auto" r:id="rId27">
               <p14:nvContentPartPr>
-                <p14:cNvPr id="21" name="Ink 20">
+                <p14:cNvPr id="56" name="Ink 55">
                   <a:extLst>
                     <a:ext uri="{FF2B5EF4-FFF2-40B4-BE49-F238E27FC236}">
-                      <a16:creationId xmlns:a16="http://schemas.microsoft.com/office/drawing/2014/main" id="{4D47E764-FF29-4751-BF6D-B2EC5BD17AB4}"/>
+                      <a16:creationId xmlns:a16="http://schemas.microsoft.com/office/drawing/2014/main" id="{1E77E57D-76E0-4047-BBF8-7938FA945C55}"/>
                     </a:ext>
                   </a:extLst>
                 </p14:cNvPr>
@@ -6716,18 +8745,18 @@
                 <p14:nvPr/>
               </p14:nvContentPartPr>
               <p14:xfrm>
-                <a:off x="5177700" y="4419420"/>
-                <a:ext cx="360" cy="1104120"/>
+                <a:off x="7356328" y="2463142"/>
+                <a:ext cx="360" cy="298440"/>
               </p14:xfrm>
             </p:contentPart>
           </mc:Choice>
-          <mc:Fallback xmlns="">
+          <mc:Fallback>
             <p:pic>
               <p:nvPicPr>
-                <p:cNvPr id="21" name="Ink 20">
+                <p:cNvPr id="56" name="Ink 55">
                   <a:extLst>
                     <a:ext uri="{FF2B5EF4-FFF2-40B4-BE49-F238E27FC236}">
-                      <a16:creationId xmlns:a16="http://schemas.microsoft.com/office/drawing/2014/main" id="{4D47E764-FF29-4751-BF6D-B2EC5BD17AB4}"/>
+                      <a16:creationId xmlns:a16="http://schemas.microsoft.com/office/drawing/2014/main" id="{1E77E57D-76E0-4047-BBF8-7938FA945C55}"/>
                     </a:ext>
                   </a:extLst>
                 </p:cNvPr>
@@ -6742,8 +8771,8 @@
               </p:blipFill>
               <p:spPr>
                 <a:xfrm>
-                  <a:off x="5141700" y="4384457"/>
-                  <a:ext cx="72000" cy="1173696"/>
+                  <a:off x="7320688" y="2427502"/>
+                  <a:ext cx="72000" cy="370080"/>
                 </a:xfrm>
                 <a:prstGeom prst="rect">
                   <a:avLst/>
@@ -6837,7 +8866,7 @@
                 <a16:creationId xmlns:a16="http://schemas.microsoft.com/office/drawing/2014/main" id="{2EEE8F11-3582-44B7-9869-F2D26D7DD9D4}"/>
               </a:ext>
               <a:ext uri="{C183D7F6-B498-43B3-948B-1728B52AA6E4}">
-                <adec:decorative xmlns:adec="http://schemas.microsoft.com/office/drawing/2017/decorative" xmlns="" val="1"/>
+                <adec:decorative xmlns:adec="http://schemas.microsoft.com/office/drawing/2017/decorative" val="1"/>
               </a:ext>
             </a:extLst>
           </p:cNvPr>
@@ -7006,7 +9035,7 @@
                 <a16:creationId xmlns:a16="http://schemas.microsoft.com/office/drawing/2014/main" id="{2141F1CC-6A53-4BCF-9127-AABB52E2497E}"/>
               </a:ext>
               <a:ext uri="{C183D7F6-B498-43B3-948B-1728B52AA6E4}">
-                <adec:decorative xmlns:adec="http://schemas.microsoft.com/office/drawing/2017/decorative" xmlns="" val="1"/>
+                <adec:decorative xmlns:adec="http://schemas.microsoft.com/office/drawing/2017/decorative" val="1"/>
               </a:ext>
             </a:extLst>
           </p:cNvPr>
@@ -7183,7 +9212,7 @@
                 <a16:creationId xmlns:a16="http://schemas.microsoft.com/office/drawing/2014/main" id="{561B2B49-7142-4CA8-A929-4671548E6A5A}"/>
               </a:ext>
               <a:ext uri="{C183D7F6-B498-43B3-948B-1728B52AA6E4}">
-                <adec:decorative xmlns:adec="http://schemas.microsoft.com/office/drawing/2017/decorative" xmlns="" val="1"/>
+                <adec:decorative xmlns:adec="http://schemas.microsoft.com/office/drawing/2017/decorative" val="1"/>
               </a:ext>
             </a:extLst>
           </p:cNvPr>
@@ -7518,7 +9547,7 @@
                 <a:hlinkClick r:id="rId5">
                   <a:extLst>
                     <a:ext uri="{A12FA001-AC4F-418D-AE19-62706E023703}">
-                      <ahyp:hlinkClr xmlns:ahyp="http://schemas.microsoft.com/office/drawing/2018/hyperlinkcolor" xmlns="" val="tx"/>
+                      <ahyp:hlinkClr xmlns:ahyp="http://schemas.microsoft.com/office/drawing/2018/hyperlinkcolor" val="tx"/>
                     </a:ext>
                   </a:extLst>
                 </a:hlinkClick>
@@ -7543,7 +9572,7 @@
                 <a:hlinkClick r:id="rId6">
                   <a:extLst>
                     <a:ext uri="{A12FA001-AC4F-418D-AE19-62706E023703}">
-                      <ahyp:hlinkClr xmlns:ahyp="http://schemas.microsoft.com/office/drawing/2018/hyperlinkcolor" xmlns="" val="tx"/>
+                      <ahyp:hlinkClr xmlns:ahyp="http://schemas.microsoft.com/office/drawing/2018/hyperlinkcolor" val="tx"/>
                     </a:ext>
                   </a:extLst>
                 </a:hlinkClick>
@@ -7568,7 +9597,7 @@
                 <a:hlinkClick r:id="rId7">
                   <a:extLst>
                     <a:ext uri="{A12FA001-AC4F-418D-AE19-62706E023703}">
-                      <ahyp:hlinkClr xmlns:ahyp="http://schemas.microsoft.com/office/drawing/2018/hyperlinkcolor" xmlns="" val="tx"/>
+                      <ahyp:hlinkClr xmlns:ahyp="http://schemas.microsoft.com/office/drawing/2018/hyperlinkcolor" val="tx"/>
                     </a:ext>
                   </a:extLst>
                 </a:hlinkClick>
@@ -7602,7 +9631,7 @@
                 <a:hlinkClick r:id="rId8">
                   <a:extLst>
                     <a:ext uri="{A12FA001-AC4F-418D-AE19-62706E023703}">
-                      <ahyp:hlinkClr xmlns:ahyp="http://schemas.microsoft.com/office/drawing/2018/hyperlinkcolor" xmlns="" val="tx"/>
+                      <ahyp:hlinkClr xmlns:ahyp="http://schemas.microsoft.com/office/drawing/2018/hyperlinkcolor" val="tx"/>
                     </a:ext>
                   </a:extLst>
                 </a:hlinkClick>
@@ -7659,7 +9688,7 @@
                 <a16:creationId xmlns:a16="http://schemas.microsoft.com/office/drawing/2014/main" id="{EA67B5B4-3A24-436E-B663-1B2EBFF8A0CD}"/>
               </a:ext>
               <a:ext uri="{C183D7F6-B498-43B3-948B-1728B52AA6E4}">
-                <adec:decorative xmlns:adec="http://schemas.microsoft.com/office/drawing/2017/decorative" xmlns="" val="1"/>
+                <adec:decorative xmlns:adec="http://schemas.microsoft.com/office/drawing/2017/decorative" val="1"/>
               </a:ext>
             </a:extLst>
           </p:cNvPr>
@@ -7722,7 +9751,7 @@
                 <a16:creationId xmlns:a16="http://schemas.microsoft.com/office/drawing/2014/main" id="{987FDF89-C993-41F4-A1B8-DBAFF16008A9}"/>
               </a:ext>
               <a:ext uri="{C183D7F6-B498-43B3-948B-1728B52AA6E4}">
-                <adec:decorative xmlns:adec="http://schemas.microsoft.com/office/drawing/2017/decorative" xmlns="" val="1"/>
+                <adec:decorative xmlns:adec="http://schemas.microsoft.com/office/drawing/2017/decorative" val="1"/>
               </a:ext>
             </a:extLst>
           </p:cNvPr>
@@ -7830,7 +9859,7 @@
                 <a16:creationId xmlns:a16="http://schemas.microsoft.com/office/drawing/2014/main" id="{64E585EA-75FD-4025-8270-F66A58A15CDA}"/>
               </a:ext>
               <a:ext uri="{C183D7F6-B498-43B3-948B-1728B52AA6E4}">
-                <adec:decorative xmlns:adec="http://schemas.microsoft.com/office/drawing/2017/decorative" xmlns="" val="1"/>
+                <adec:decorative xmlns:adec="http://schemas.microsoft.com/office/drawing/2017/decorative" val="1"/>
               </a:ext>
             </a:extLst>
           </p:cNvPr>
@@ -8187,7 +10216,7 @@
                 <a16:creationId xmlns:a16="http://schemas.microsoft.com/office/drawing/2014/main" id="{5B32A67F-3598-4A13-8552-DA884FFCCE57}"/>
               </a:ext>
               <a:ext uri="{C183D7F6-B498-43B3-948B-1728B52AA6E4}">
-                <adec:decorative xmlns:adec="http://schemas.microsoft.com/office/drawing/2017/decorative" xmlns="" val="1"/>
+                <adec:decorative xmlns:adec="http://schemas.microsoft.com/office/drawing/2017/decorative" val="1"/>
               </a:ext>
             </a:extLst>
           </p:cNvPr>
@@ -8295,7 +10324,7 @@
                 <a16:creationId xmlns:a16="http://schemas.microsoft.com/office/drawing/2014/main" id="{BCC55ACC-A2F6-403C-A3A4-D59B3734D45F}"/>
               </a:ext>
               <a:ext uri="{C183D7F6-B498-43B3-948B-1728B52AA6E4}">
-                <adec:decorative xmlns:adec="http://schemas.microsoft.com/office/drawing/2017/decorative" xmlns="" val="1"/>
+                <adec:decorative xmlns:adec="http://schemas.microsoft.com/office/drawing/2017/decorative" val="1"/>
               </a:ext>
             </a:extLst>
           </p:cNvPr>
@@ -8496,7 +10525,7 @@
                 <a16:creationId xmlns:a16="http://schemas.microsoft.com/office/drawing/2014/main" id="{598EBA13-C937-430B-9523-439FE21096E6}"/>
               </a:ext>
               <a:ext uri="{C183D7F6-B498-43B3-948B-1728B52AA6E4}">
-                <adec:decorative xmlns:adec="http://schemas.microsoft.com/office/drawing/2017/decorative" xmlns="" val="1"/>
+                <adec:decorative xmlns:adec="http://schemas.microsoft.com/office/drawing/2017/decorative" val="1"/>
               </a:ext>
             </a:extLst>
           </p:cNvPr>
@@ -8708,7 +10737,7 @@
                 <a14:useLocalDpi xmlns:a14="http://schemas.microsoft.com/office/drawing/2010/main" val="0"/>
               </a:ext>
               <a:ext uri="{96DAC541-7B7A-43D3-8B79-37D633B846F1}">
-                <asvg:svgBlip xmlns:asvg="http://schemas.microsoft.com/office/drawing/2016/SVG/main" xmlns="" r:embed="rId3"/>
+                <asvg:svgBlip xmlns:asvg="http://schemas.microsoft.com/office/drawing/2016/SVG/main" r:embed="rId3"/>
               </a:ext>
             </a:extLst>
           </a:blip>
@@ -8772,7 +10801,7 @@
                 <a16:creationId xmlns:a16="http://schemas.microsoft.com/office/drawing/2014/main" id="{A3BAF07C-C39E-42EB-BB22-8D46691D9735}"/>
               </a:ext>
               <a:ext uri="{C183D7F6-B498-43B3-948B-1728B52AA6E4}">
-                <adec:decorative xmlns:adec="http://schemas.microsoft.com/office/drawing/2017/decorative" xmlns="" val="1"/>
+                <adec:decorative xmlns:adec="http://schemas.microsoft.com/office/drawing/2017/decorative" val="1"/>
               </a:ext>
             </a:extLst>
           </p:cNvPr>
@@ -8838,7 +10867,7 @@
                 <a16:creationId xmlns:a16="http://schemas.microsoft.com/office/drawing/2014/main" id="{D8E9CF54-0466-4261-9E62-0249E60E1886}"/>
               </a:ext>
               <a:ext uri="{C183D7F6-B498-43B3-948B-1728B52AA6E4}">
-                <adec:decorative xmlns:adec="http://schemas.microsoft.com/office/drawing/2017/decorative" xmlns="" val="1"/>
+                <adec:decorative xmlns:adec="http://schemas.microsoft.com/office/drawing/2017/decorative" val="1"/>
               </a:ext>
             </a:extLst>
           </p:cNvPr>
@@ -8869,7 +10898,7 @@
                   <a16:creationId xmlns:a16="http://schemas.microsoft.com/office/drawing/2014/main" id="{33E32106-E8B1-4F76-9EE6-58537738A3C4}"/>
                 </a:ext>
                 <a:ext uri="{C183D7F6-B498-43B3-948B-1728B52AA6E4}">
-                  <adec:decorative xmlns:adec="http://schemas.microsoft.com/office/drawing/2017/decorative" xmlns="" val="1"/>
+                  <adec:decorative xmlns:adec="http://schemas.microsoft.com/office/drawing/2017/decorative" val="1"/>
                 </a:ext>
               </a:extLst>
             </p:cNvPr>
@@ -8952,7 +10981,7 @@
                   <a16:creationId xmlns:a16="http://schemas.microsoft.com/office/drawing/2014/main" id="{C32C2C46-A045-44FB-8A74-5EBD650C2787}"/>
                 </a:ext>
                 <a:ext uri="{C183D7F6-B498-43B3-948B-1728B52AA6E4}">
-                  <adec:decorative xmlns:adec="http://schemas.microsoft.com/office/drawing/2017/decorative" xmlns="" val="1"/>
+                  <adec:decorative xmlns:adec="http://schemas.microsoft.com/office/drawing/2017/decorative" val="1"/>
                 </a:ext>
               </a:extLst>
             </p:cNvPr>
@@ -9035,7 +11064,7 @@
                   <a16:creationId xmlns:a16="http://schemas.microsoft.com/office/drawing/2014/main" id="{6A76F79C-6683-4940-BCF7-4BCCCEE40688}"/>
                 </a:ext>
                 <a:ext uri="{C183D7F6-B498-43B3-948B-1728B52AA6E4}">
-                  <adec:decorative xmlns:adec="http://schemas.microsoft.com/office/drawing/2017/decorative" xmlns="" val="1"/>
+                  <adec:decorative xmlns:adec="http://schemas.microsoft.com/office/drawing/2017/decorative" val="1"/>
                 </a:ext>
               </a:extLst>
             </p:cNvPr>
@@ -9123,7 +11152,7 @@
                   <a16:creationId xmlns:a16="http://schemas.microsoft.com/office/drawing/2014/main" id="{FF4675A3-6D07-4B1F-9BFC-AEBEA1AD067D}"/>
                 </a:ext>
                 <a:ext uri="{C183D7F6-B498-43B3-948B-1728B52AA6E4}">
-                  <adec:decorative xmlns:adec="http://schemas.microsoft.com/office/drawing/2017/decorative" xmlns="" val="1"/>
+                  <adec:decorative xmlns:adec="http://schemas.microsoft.com/office/drawing/2017/decorative" val="1"/>
                 </a:ext>
               </a:extLst>
             </p:cNvPr>
@@ -9201,7 +11230,7 @@
                   <a16:creationId xmlns:a16="http://schemas.microsoft.com/office/drawing/2014/main" id="{765E127A-B6B7-4B1D-B7BD-6C8C969D29C3}"/>
                 </a:ext>
                 <a:ext uri="{C183D7F6-B498-43B3-948B-1728B52AA6E4}">
-                  <adec:decorative xmlns:adec="http://schemas.microsoft.com/office/drawing/2017/decorative" xmlns="" val="1"/>
+                  <adec:decorative xmlns:adec="http://schemas.microsoft.com/office/drawing/2017/decorative" val="1"/>
                 </a:ext>
               </a:extLst>
             </p:cNvPr>
@@ -9269,7 +11298,7 @@
                   <a16:creationId xmlns:a16="http://schemas.microsoft.com/office/drawing/2014/main" id="{3BCA9D9E-C72C-4751-BFA9-10B85CACE3CA}"/>
                 </a:ext>
                 <a:ext uri="{C183D7F6-B498-43B3-948B-1728B52AA6E4}">
-                  <adec:decorative xmlns:adec="http://schemas.microsoft.com/office/drawing/2017/decorative" xmlns="" val="1"/>
+                  <adec:decorative xmlns:adec="http://schemas.microsoft.com/office/drawing/2017/decorative" val="1"/>
                 </a:ext>
               </a:extLst>
             </p:cNvPr>
@@ -9347,7 +11376,7 @@
                   <a16:creationId xmlns:a16="http://schemas.microsoft.com/office/drawing/2014/main" id="{080C708C-69BF-441B-AB75-C98160ED06DE}"/>
                 </a:ext>
                 <a:ext uri="{C183D7F6-B498-43B3-948B-1728B52AA6E4}">
-                  <adec:decorative xmlns:adec="http://schemas.microsoft.com/office/drawing/2017/decorative" xmlns="" val="1"/>
+                  <adec:decorative xmlns:adec="http://schemas.microsoft.com/office/drawing/2017/decorative" val="1"/>
                 </a:ext>
               </a:extLst>
             </p:cNvPr>
@@ -9420,7 +11449,7 @@
                   <a16:creationId xmlns:a16="http://schemas.microsoft.com/office/drawing/2014/main" id="{3E79964E-F8F1-4763-8892-7BC3DAE306E9}"/>
                 </a:ext>
                 <a:ext uri="{C183D7F6-B498-43B3-948B-1728B52AA6E4}">
-                  <adec:decorative xmlns:adec="http://schemas.microsoft.com/office/drawing/2017/decorative" xmlns="" val="1"/>
+                  <adec:decorative xmlns:adec="http://schemas.microsoft.com/office/drawing/2017/decorative" val="1"/>
                 </a:ext>
               </a:extLst>
             </p:cNvPr>
@@ -9488,7 +11517,7 @@
                   <a16:creationId xmlns:a16="http://schemas.microsoft.com/office/drawing/2014/main" id="{FE09592A-FCC9-4AE5-BA0B-730C6F3BBE95}"/>
                 </a:ext>
                 <a:ext uri="{C183D7F6-B498-43B3-948B-1728B52AA6E4}">
-                  <adec:decorative xmlns:adec="http://schemas.microsoft.com/office/drawing/2017/decorative" xmlns="" val="1"/>
+                  <adec:decorative xmlns:adec="http://schemas.microsoft.com/office/drawing/2017/decorative" val="1"/>
                 </a:ext>
               </a:extLst>
             </p:cNvPr>
@@ -9561,7 +11590,7 @@
                   <a16:creationId xmlns:a16="http://schemas.microsoft.com/office/drawing/2014/main" id="{96448994-820C-4BC1-ABF3-4579C6F99A63}"/>
                 </a:ext>
                 <a:ext uri="{C183D7F6-B498-43B3-948B-1728B52AA6E4}">
-                  <adec:decorative xmlns:adec="http://schemas.microsoft.com/office/drawing/2017/decorative" xmlns="" val="1"/>
+                  <adec:decorative xmlns:adec="http://schemas.microsoft.com/office/drawing/2017/decorative" val="1"/>
                 </a:ext>
               </a:extLst>
             </p:cNvPr>
@@ -9629,7 +11658,7 @@
                   <a16:creationId xmlns:a16="http://schemas.microsoft.com/office/drawing/2014/main" id="{9BB0D192-565A-42B9-B292-CC032D71A6A1}"/>
                 </a:ext>
                 <a:ext uri="{C183D7F6-B498-43B3-948B-1728B52AA6E4}">
-                  <adec:decorative xmlns:adec="http://schemas.microsoft.com/office/drawing/2017/decorative" xmlns="" val="1"/>
+                  <adec:decorative xmlns:adec="http://schemas.microsoft.com/office/drawing/2017/decorative" val="1"/>
                 </a:ext>
               </a:extLst>
             </p:cNvPr>
@@ -9702,7 +11731,7 @@
                   <a16:creationId xmlns:a16="http://schemas.microsoft.com/office/drawing/2014/main" id="{6D1CA09C-5F40-4E92-A7E9-D1FCEE51283D}"/>
                 </a:ext>
                 <a:ext uri="{C183D7F6-B498-43B3-948B-1728B52AA6E4}">
-                  <adec:decorative xmlns:adec="http://schemas.microsoft.com/office/drawing/2017/decorative" xmlns="" val="1"/>
+                  <adec:decorative xmlns:adec="http://schemas.microsoft.com/office/drawing/2017/decorative" val="1"/>
                 </a:ext>
               </a:extLst>
             </p:cNvPr>
@@ -9770,7 +11799,7 @@
                   <a16:creationId xmlns:a16="http://schemas.microsoft.com/office/drawing/2014/main" id="{379F5AA5-2E14-4880-A5A6-07AEF2AD89DB}"/>
                 </a:ext>
                 <a:ext uri="{C183D7F6-B498-43B3-948B-1728B52AA6E4}">
-                  <adec:decorative xmlns:adec="http://schemas.microsoft.com/office/drawing/2017/decorative" xmlns="" val="1"/>
+                  <adec:decorative xmlns:adec="http://schemas.microsoft.com/office/drawing/2017/decorative" val="1"/>
                 </a:ext>
               </a:extLst>
             </p:cNvPr>
@@ -9843,7 +11872,7 @@
                   <a16:creationId xmlns:a16="http://schemas.microsoft.com/office/drawing/2014/main" id="{EF14BD32-D239-4DA3-98B3-7752073657CC}"/>
                 </a:ext>
                 <a:ext uri="{C183D7F6-B498-43B3-948B-1728B52AA6E4}">
-                  <adec:decorative xmlns:adec="http://schemas.microsoft.com/office/drawing/2017/decorative" xmlns="" val="1"/>
+                  <adec:decorative xmlns:adec="http://schemas.microsoft.com/office/drawing/2017/decorative" val="1"/>
                 </a:ext>
               </a:extLst>
             </p:cNvPr>
@@ -9916,7 +11945,7 @@
                   <a16:creationId xmlns:a16="http://schemas.microsoft.com/office/drawing/2014/main" id="{CF07B250-E5E4-4624-9BD7-8D513A67B731}"/>
                 </a:ext>
                 <a:ext uri="{C183D7F6-B498-43B3-948B-1728B52AA6E4}">
-                  <adec:decorative xmlns:adec="http://schemas.microsoft.com/office/drawing/2017/decorative" xmlns="" val="1"/>
+                  <adec:decorative xmlns:adec="http://schemas.microsoft.com/office/drawing/2017/decorative" val="1"/>
                 </a:ext>
               </a:extLst>
             </p:cNvPr>
@@ -9989,7 +12018,7 @@
                   <a16:creationId xmlns:a16="http://schemas.microsoft.com/office/drawing/2014/main" id="{BCC5D120-7C8C-4290-865C-4EE6E4F245F9}"/>
                 </a:ext>
                 <a:ext uri="{C183D7F6-B498-43B3-948B-1728B52AA6E4}">
-                  <adec:decorative xmlns:adec="http://schemas.microsoft.com/office/drawing/2017/decorative" xmlns="" val="1"/>
+                  <adec:decorative xmlns:adec="http://schemas.microsoft.com/office/drawing/2017/decorative" val="1"/>
                 </a:ext>
               </a:extLst>
             </p:cNvPr>
@@ -10057,7 +12086,7 @@
                   <a16:creationId xmlns:a16="http://schemas.microsoft.com/office/drawing/2014/main" id="{C24688C6-CAE5-4EF2-B2BA-A138DA0A24B9}"/>
                 </a:ext>
                 <a:ext uri="{C183D7F6-B498-43B3-948B-1728B52AA6E4}">
-                  <adec:decorative xmlns:adec="http://schemas.microsoft.com/office/drawing/2017/decorative" xmlns="" val="1"/>
+                  <adec:decorative xmlns:adec="http://schemas.microsoft.com/office/drawing/2017/decorative" val="1"/>
                 </a:ext>
               </a:extLst>
             </p:cNvPr>
@@ -10125,7 +12154,7 @@
                   <a16:creationId xmlns:a16="http://schemas.microsoft.com/office/drawing/2014/main" id="{6BD31099-7C13-4901-A04F-632B1CD84627}"/>
                 </a:ext>
                 <a:ext uri="{C183D7F6-B498-43B3-948B-1728B52AA6E4}">
-                  <adec:decorative xmlns:adec="http://schemas.microsoft.com/office/drawing/2017/decorative" xmlns="" val="1"/>
+                  <adec:decorative xmlns:adec="http://schemas.microsoft.com/office/drawing/2017/decorative" val="1"/>
                 </a:ext>
               </a:extLst>
             </p:cNvPr>
@@ -10193,7 +12222,7 @@
                   <a16:creationId xmlns:a16="http://schemas.microsoft.com/office/drawing/2014/main" id="{679F5FF7-82B2-4033-8FBE-63170C937833}"/>
                 </a:ext>
                 <a:ext uri="{C183D7F6-B498-43B3-948B-1728B52AA6E4}">
-                  <adec:decorative xmlns:adec="http://schemas.microsoft.com/office/drawing/2017/decorative" xmlns="" val="1"/>
+                  <adec:decorative xmlns:adec="http://schemas.microsoft.com/office/drawing/2017/decorative" val="1"/>
                 </a:ext>
               </a:extLst>
             </p:cNvPr>
@@ -10304,7 +12333,7 @@
                 <a16:creationId xmlns:a16="http://schemas.microsoft.com/office/drawing/2014/main" id="{44C110BA-81E8-4247-853A-5F2B93E92E46}"/>
               </a:ext>
               <a:ext uri="{C183D7F6-B498-43B3-948B-1728B52AA6E4}">
-                <adec:decorative xmlns:adec="http://schemas.microsoft.com/office/drawing/2017/decorative" xmlns="" val="1"/>
+                <adec:decorative xmlns:adec="http://schemas.microsoft.com/office/drawing/2017/decorative" val="1"/>
               </a:ext>
             </a:extLst>
           </p:cNvPr>
@@ -10585,7 +12614,7 @@
                 <a16:creationId xmlns:a16="http://schemas.microsoft.com/office/drawing/2014/main" id="{A3BAF07C-C39E-42EB-BB22-8D46691D9735}"/>
               </a:ext>
               <a:ext uri="{C183D7F6-B498-43B3-948B-1728B52AA6E4}">
-                <adec:decorative xmlns:adec="http://schemas.microsoft.com/office/drawing/2017/decorative" xmlns="" val="1"/>
+                <adec:decorative xmlns:adec="http://schemas.microsoft.com/office/drawing/2017/decorative" val="1"/>
               </a:ext>
             </a:extLst>
           </p:cNvPr>
@@ -10651,7 +12680,7 @@
                 <a16:creationId xmlns:a16="http://schemas.microsoft.com/office/drawing/2014/main" id="{D8E9CF54-0466-4261-9E62-0249E60E1886}"/>
               </a:ext>
               <a:ext uri="{C183D7F6-B498-43B3-948B-1728B52AA6E4}">
-                <adec:decorative xmlns:adec="http://schemas.microsoft.com/office/drawing/2017/decorative" xmlns="" val="1"/>
+                <adec:decorative xmlns:adec="http://schemas.microsoft.com/office/drawing/2017/decorative" val="1"/>
               </a:ext>
             </a:extLst>
           </p:cNvPr>
@@ -10682,7 +12711,7 @@
                   <a16:creationId xmlns:a16="http://schemas.microsoft.com/office/drawing/2014/main" id="{33E32106-E8B1-4F76-9EE6-58537738A3C4}"/>
                 </a:ext>
                 <a:ext uri="{C183D7F6-B498-43B3-948B-1728B52AA6E4}">
-                  <adec:decorative xmlns:adec="http://schemas.microsoft.com/office/drawing/2017/decorative" xmlns="" val="1"/>
+                  <adec:decorative xmlns:adec="http://schemas.microsoft.com/office/drawing/2017/decorative" val="1"/>
                 </a:ext>
               </a:extLst>
             </p:cNvPr>
@@ -10765,7 +12794,7 @@
                   <a16:creationId xmlns:a16="http://schemas.microsoft.com/office/drawing/2014/main" id="{C32C2C46-A045-44FB-8A74-5EBD650C2787}"/>
                 </a:ext>
                 <a:ext uri="{C183D7F6-B498-43B3-948B-1728B52AA6E4}">
-                  <adec:decorative xmlns:adec="http://schemas.microsoft.com/office/drawing/2017/decorative" xmlns="" val="1"/>
+                  <adec:decorative xmlns:adec="http://schemas.microsoft.com/office/drawing/2017/decorative" val="1"/>
                 </a:ext>
               </a:extLst>
             </p:cNvPr>
@@ -10848,7 +12877,7 @@
                   <a16:creationId xmlns:a16="http://schemas.microsoft.com/office/drawing/2014/main" id="{6A76F79C-6683-4940-BCF7-4BCCCEE40688}"/>
                 </a:ext>
                 <a:ext uri="{C183D7F6-B498-43B3-948B-1728B52AA6E4}">
-                  <adec:decorative xmlns:adec="http://schemas.microsoft.com/office/drawing/2017/decorative" xmlns="" val="1"/>
+                  <adec:decorative xmlns:adec="http://schemas.microsoft.com/office/drawing/2017/decorative" val="1"/>
                 </a:ext>
               </a:extLst>
             </p:cNvPr>
@@ -10936,7 +12965,7 @@
                   <a16:creationId xmlns:a16="http://schemas.microsoft.com/office/drawing/2014/main" id="{FF4675A3-6D07-4B1F-9BFC-AEBEA1AD067D}"/>
                 </a:ext>
                 <a:ext uri="{C183D7F6-B498-43B3-948B-1728B52AA6E4}">
-                  <adec:decorative xmlns:adec="http://schemas.microsoft.com/office/drawing/2017/decorative" xmlns="" val="1"/>
+                  <adec:decorative xmlns:adec="http://schemas.microsoft.com/office/drawing/2017/decorative" val="1"/>
                 </a:ext>
               </a:extLst>
             </p:cNvPr>
@@ -11014,7 +13043,7 @@
                   <a16:creationId xmlns:a16="http://schemas.microsoft.com/office/drawing/2014/main" id="{765E127A-B6B7-4B1D-B7BD-6C8C969D29C3}"/>
                 </a:ext>
                 <a:ext uri="{C183D7F6-B498-43B3-948B-1728B52AA6E4}">
-                  <adec:decorative xmlns:adec="http://schemas.microsoft.com/office/drawing/2017/decorative" xmlns="" val="1"/>
+                  <adec:decorative xmlns:adec="http://schemas.microsoft.com/office/drawing/2017/decorative" val="1"/>
                 </a:ext>
               </a:extLst>
             </p:cNvPr>
@@ -11082,7 +13111,7 @@
                   <a16:creationId xmlns:a16="http://schemas.microsoft.com/office/drawing/2014/main" id="{3BCA9D9E-C72C-4751-BFA9-10B85CACE3CA}"/>
                 </a:ext>
                 <a:ext uri="{C183D7F6-B498-43B3-948B-1728B52AA6E4}">
-                  <adec:decorative xmlns:adec="http://schemas.microsoft.com/office/drawing/2017/decorative" xmlns="" val="1"/>
+                  <adec:decorative xmlns:adec="http://schemas.microsoft.com/office/drawing/2017/decorative" val="1"/>
                 </a:ext>
               </a:extLst>
             </p:cNvPr>
@@ -11160,7 +13189,7 @@
                   <a16:creationId xmlns:a16="http://schemas.microsoft.com/office/drawing/2014/main" id="{080C708C-69BF-441B-AB75-C98160ED06DE}"/>
                 </a:ext>
                 <a:ext uri="{C183D7F6-B498-43B3-948B-1728B52AA6E4}">
-                  <adec:decorative xmlns:adec="http://schemas.microsoft.com/office/drawing/2017/decorative" xmlns="" val="1"/>
+                  <adec:decorative xmlns:adec="http://schemas.microsoft.com/office/drawing/2017/decorative" val="1"/>
                 </a:ext>
               </a:extLst>
             </p:cNvPr>
@@ -11233,7 +13262,7 @@
                   <a16:creationId xmlns:a16="http://schemas.microsoft.com/office/drawing/2014/main" id="{3E79964E-F8F1-4763-8892-7BC3DAE306E9}"/>
                 </a:ext>
                 <a:ext uri="{C183D7F6-B498-43B3-948B-1728B52AA6E4}">
-                  <adec:decorative xmlns:adec="http://schemas.microsoft.com/office/drawing/2017/decorative" xmlns="" val="1"/>
+                  <adec:decorative xmlns:adec="http://schemas.microsoft.com/office/drawing/2017/decorative" val="1"/>
                 </a:ext>
               </a:extLst>
             </p:cNvPr>
@@ -11301,7 +13330,7 @@
                   <a16:creationId xmlns:a16="http://schemas.microsoft.com/office/drawing/2014/main" id="{FE09592A-FCC9-4AE5-BA0B-730C6F3BBE95}"/>
                 </a:ext>
                 <a:ext uri="{C183D7F6-B498-43B3-948B-1728B52AA6E4}">
-                  <adec:decorative xmlns:adec="http://schemas.microsoft.com/office/drawing/2017/decorative" xmlns="" val="1"/>
+                  <adec:decorative xmlns:adec="http://schemas.microsoft.com/office/drawing/2017/decorative" val="1"/>
                 </a:ext>
               </a:extLst>
             </p:cNvPr>
@@ -11374,7 +13403,7 @@
                   <a16:creationId xmlns:a16="http://schemas.microsoft.com/office/drawing/2014/main" id="{96448994-820C-4BC1-ABF3-4579C6F99A63}"/>
                 </a:ext>
                 <a:ext uri="{C183D7F6-B498-43B3-948B-1728B52AA6E4}">
-                  <adec:decorative xmlns:adec="http://schemas.microsoft.com/office/drawing/2017/decorative" xmlns="" val="1"/>
+                  <adec:decorative xmlns:adec="http://schemas.microsoft.com/office/drawing/2017/decorative" val="1"/>
                 </a:ext>
               </a:extLst>
             </p:cNvPr>
@@ -11442,7 +13471,7 @@
                   <a16:creationId xmlns:a16="http://schemas.microsoft.com/office/drawing/2014/main" id="{9BB0D192-565A-42B9-B292-CC032D71A6A1}"/>
                 </a:ext>
                 <a:ext uri="{C183D7F6-B498-43B3-948B-1728B52AA6E4}">
-                  <adec:decorative xmlns:adec="http://schemas.microsoft.com/office/drawing/2017/decorative" xmlns="" val="1"/>
+                  <adec:decorative xmlns:adec="http://schemas.microsoft.com/office/drawing/2017/decorative" val="1"/>
                 </a:ext>
               </a:extLst>
             </p:cNvPr>
@@ -11515,7 +13544,7 @@
                   <a16:creationId xmlns:a16="http://schemas.microsoft.com/office/drawing/2014/main" id="{6D1CA09C-5F40-4E92-A7E9-D1FCEE51283D}"/>
                 </a:ext>
                 <a:ext uri="{C183D7F6-B498-43B3-948B-1728B52AA6E4}">
-                  <adec:decorative xmlns:adec="http://schemas.microsoft.com/office/drawing/2017/decorative" xmlns="" val="1"/>
+                  <adec:decorative xmlns:adec="http://schemas.microsoft.com/office/drawing/2017/decorative" val="1"/>
                 </a:ext>
               </a:extLst>
             </p:cNvPr>
@@ -11583,7 +13612,7 @@
                   <a16:creationId xmlns:a16="http://schemas.microsoft.com/office/drawing/2014/main" id="{379F5AA5-2E14-4880-A5A6-07AEF2AD89DB}"/>
                 </a:ext>
                 <a:ext uri="{C183D7F6-B498-43B3-948B-1728B52AA6E4}">
-                  <adec:decorative xmlns:adec="http://schemas.microsoft.com/office/drawing/2017/decorative" xmlns="" val="1"/>
+                  <adec:decorative xmlns:adec="http://schemas.microsoft.com/office/drawing/2017/decorative" val="1"/>
                 </a:ext>
               </a:extLst>
             </p:cNvPr>
@@ -11656,7 +13685,7 @@
                   <a16:creationId xmlns:a16="http://schemas.microsoft.com/office/drawing/2014/main" id="{EF14BD32-D239-4DA3-98B3-7752073657CC}"/>
                 </a:ext>
                 <a:ext uri="{C183D7F6-B498-43B3-948B-1728B52AA6E4}">
-                  <adec:decorative xmlns:adec="http://schemas.microsoft.com/office/drawing/2017/decorative" xmlns="" val="1"/>
+                  <adec:decorative xmlns:adec="http://schemas.microsoft.com/office/drawing/2017/decorative" val="1"/>
                 </a:ext>
               </a:extLst>
             </p:cNvPr>
@@ -11729,7 +13758,7 @@
                   <a16:creationId xmlns:a16="http://schemas.microsoft.com/office/drawing/2014/main" id="{CF07B250-E5E4-4624-9BD7-8D513A67B731}"/>
                 </a:ext>
                 <a:ext uri="{C183D7F6-B498-43B3-948B-1728B52AA6E4}">
-                  <adec:decorative xmlns:adec="http://schemas.microsoft.com/office/drawing/2017/decorative" xmlns="" val="1"/>
+                  <adec:decorative xmlns:adec="http://schemas.microsoft.com/office/drawing/2017/decorative" val="1"/>
                 </a:ext>
               </a:extLst>
             </p:cNvPr>
@@ -11802,7 +13831,7 @@
                   <a16:creationId xmlns:a16="http://schemas.microsoft.com/office/drawing/2014/main" id="{BCC5D120-7C8C-4290-865C-4EE6E4F245F9}"/>
                 </a:ext>
                 <a:ext uri="{C183D7F6-B498-43B3-948B-1728B52AA6E4}">
-                  <adec:decorative xmlns:adec="http://schemas.microsoft.com/office/drawing/2017/decorative" xmlns="" val="1"/>
+                  <adec:decorative xmlns:adec="http://schemas.microsoft.com/office/drawing/2017/decorative" val="1"/>
                 </a:ext>
               </a:extLst>
             </p:cNvPr>
@@ -11870,7 +13899,7 @@
                   <a16:creationId xmlns:a16="http://schemas.microsoft.com/office/drawing/2014/main" id="{C24688C6-CAE5-4EF2-B2BA-A138DA0A24B9}"/>
                 </a:ext>
                 <a:ext uri="{C183D7F6-B498-43B3-948B-1728B52AA6E4}">
-                  <adec:decorative xmlns:adec="http://schemas.microsoft.com/office/drawing/2017/decorative" xmlns="" val="1"/>
+                  <adec:decorative xmlns:adec="http://schemas.microsoft.com/office/drawing/2017/decorative" val="1"/>
                 </a:ext>
               </a:extLst>
             </p:cNvPr>
@@ -11938,7 +13967,7 @@
                   <a16:creationId xmlns:a16="http://schemas.microsoft.com/office/drawing/2014/main" id="{6BD31099-7C13-4901-A04F-632B1CD84627}"/>
                 </a:ext>
                 <a:ext uri="{C183D7F6-B498-43B3-948B-1728B52AA6E4}">
-                  <adec:decorative xmlns:adec="http://schemas.microsoft.com/office/drawing/2017/decorative" xmlns="" val="1"/>
+                  <adec:decorative xmlns:adec="http://schemas.microsoft.com/office/drawing/2017/decorative" val="1"/>
                 </a:ext>
               </a:extLst>
             </p:cNvPr>
@@ -12006,7 +14035,7 @@
                   <a16:creationId xmlns:a16="http://schemas.microsoft.com/office/drawing/2014/main" id="{679F5FF7-82B2-4033-8FBE-63170C937833}"/>
                 </a:ext>
                 <a:ext uri="{C183D7F6-B498-43B3-948B-1728B52AA6E4}">
-                  <adec:decorative xmlns:adec="http://schemas.microsoft.com/office/drawing/2017/decorative" xmlns="" val="1"/>
+                  <adec:decorative xmlns:adec="http://schemas.microsoft.com/office/drawing/2017/decorative" val="1"/>
                 </a:ext>
               </a:extLst>
             </p:cNvPr>
@@ -12100,10 +14129,6 @@
               <a:rPr lang="en-US" sz="4000" b="1" dirty="0"/>
               <a:t>Conversion stage </a:t>
             </a:r>
-            <a:r>
-              <a:rPr lang="en-US" sz="4000" dirty="0"/>
-              <a:t/>
-            </a:r>
             <a:br>
               <a:rPr lang="en-US" sz="4000" dirty="0"/>
             </a:br>
@@ -12223,15 +14248,7 @@
             </a:r>
             <a:r>
               <a:rPr lang="en-US" sz="3200" i="1" dirty="0"/>
-              <a:t>Our </a:t>
-            </a:r>
-            <a:r>
-              <a:rPr lang="en-US" sz="3200" i="1" dirty="0" smtClean="0"/>
-              <a:t>First </a:t>
-            </a:r>
-            <a:r>
-              <a:rPr lang="en-US" sz="3200" i="1" dirty="0"/>
-              <a:t>solution</a:t>
+              <a:t>Our First solution</a:t>
             </a:r>
             <a:endParaRPr lang="en-US" sz="1800" i="1" dirty="0"/>
           </a:p>
@@ -12286,7 +14303,7 @@
                 <a16:creationId xmlns:a16="http://schemas.microsoft.com/office/drawing/2014/main" id="{B0792D4F-247E-46FE-85FC-881DEFA41D94}"/>
               </a:ext>
               <a:ext uri="{C183D7F6-B498-43B3-948B-1728B52AA6E4}">
-                <adec:decorative xmlns:adec="http://schemas.microsoft.com/office/drawing/2017/decorative" xmlns="" val="1"/>
+                <adec:decorative xmlns:adec="http://schemas.microsoft.com/office/drawing/2017/decorative" val="1"/>
               </a:ext>
             </a:extLst>
           </p:cNvPr>
@@ -12511,7 +14528,7 @@
                 <a16:creationId xmlns:a16="http://schemas.microsoft.com/office/drawing/2014/main" id="{749A7284-D010-4ACB-A08A-FC3C3689B5EB}"/>
               </a:ext>
               <a:ext uri="{C183D7F6-B498-43B3-948B-1728B52AA6E4}">
-                <adec:decorative xmlns:adec="http://schemas.microsoft.com/office/drawing/2017/decorative" xmlns="" val="1"/>
+                <adec:decorative xmlns:adec="http://schemas.microsoft.com/office/drawing/2017/decorative" val="1"/>
               </a:ext>
             </a:extLst>
           </p:cNvPr>
@@ -12686,7 +14703,7 @@
                 <a16:creationId xmlns:a16="http://schemas.microsoft.com/office/drawing/2014/main" id="{A7AE9375-4664-4DB2-922D-2782A6E439AC}"/>
               </a:ext>
               <a:ext uri="{C183D7F6-B498-43B3-948B-1728B52AA6E4}">
-                <adec:decorative xmlns:adec="http://schemas.microsoft.com/office/drawing/2017/decorative" xmlns="" val="1"/>
+                <adec:decorative xmlns:adec="http://schemas.microsoft.com/office/drawing/2017/decorative" val="1"/>
               </a:ext>
             </a:extLst>
           </p:cNvPr>
@@ -12795,7 +14812,7 @@
                 <a16:creationId xmlns:a16="http://schemas.microsoft.com/office/drawing/2014/main" id="{EE504C98-6397-41C1-A8D8-2D9C4ED307E0}"/>
               </a:ext>
               <a:ext uri="{C183D7F6-B498-43B3-948B-1728B52AA6E4}">
-                <adec:decorative xmlns:adec="http://schemas.microsoft.com/office/drawing/2017/decorative" xmlns="" val="1"/>
+                <adec:decorative xmlns:adec="http://schemas.microsoft.com/office/drawing/2017/decorative" val="1"/>
               </a:ext>
             </a:extLst>
           </p:cNvPr>
@@ -12883,7 +14900,7 @@
                 <a16:creationId xmlns:a16="http://schemas.microsoft.com/office/drawing/2014/main" id="{C87417AF-190E-4D6E-AFA6-7D3E84B0B430}"/>
               </a:ext>
               <a:ext uri="{C183D7F6-B498-43B3-948B-1728B52AA6E4}">
-                <adec:decorative xmlns:adec="http://schemas.microsoft.com/office/drawing/2017/decorative" xmlns="" val="1"/>
+                <adec:decorative xmlns:adec="http://schemas.microsoft.com/office/drawing/2017/decorative" val="1"/>
               </a:ext>
             </a:extLst>
           </p:cNvPr>
@@ -12982,7 +14999,7 @@
                 <a16:creationId xmlns:a16="http://schemas.microsoft.com/office/drawing/2014/main" id="{80B30ED8-273E-4C07-8568-2FE5CC5C483D}"/>
               </a:ext>
               <a:ext uri="{C183D7F6-B498-43B3-948B-1728B52AA6E4}">
-                <adec:decorative xmlns:adec="http://schemas.microsoft.com/office/drawing/2017/decorative" xmlns="" val="1"/>
+                <adec:decorative xmlns:adec="http://schemas.microsoft.com/office/drawing/2017/decorative" val="1"/>
               </a:ext>
             </a:extLst>
           </p:cNvPr>
@@ -13388,7 +15405,7 @@
                 <a16:creationId xmlns:a16="http://schemas.microsoft.com/office/drawing/2014/main" id="{F2B38F72-8FC4-4001-8C67-FA6B86DEC767}"/>
               </a:ext>
               <a:ext uri="{C183D7F6-B498-43B3-948B-1728B52AA6E4}">
-                <adec:decorative xmlns:adec="http://schemas.microsoft.com/office/drawing/2017/decorative" xmlns="" val="1"/>
+                <adec:decorative xmlns:adec="http://schemas.microsoft.com/office/drawing/2017/decorative" val="1"/>
               </a:ext>
             </a:extLst>
           </p:cNvPr>
@@ -13549,10 +15566,9 @@
           <a:p>
             <a:pPr algn="ctr"/>
             <a:r>
-              <a:rPr lang="en-US" sz="3200" dirty="0" smtClean="0"/>
+              <a:rPr lang="en-US" sz="3200" dirty="0"/>
               <a:t>New Solution</a:t>
             </a:r>
-            <a:endParaRPr lang="en-US" sz="3200" dirty="0"/>
           </a:p>
         </p:txBody>
       </p:sp>
@@ -13706,7 +15722,7 @@
                 <a16:creationId xmlns:a16="http://schemas.microsoft.com/office/drawing/2014/main" id="{C800968E-0A99-46C4-A9B2-6A63AC66F4B0}"/>
               </a:ext>
               <a:ext uri="{C183D7F6-B498-43B3-948B-1728B52AA6E4}">
-                <adec:decorative xmlns:adec="http://schemas.microsoft.com/office/drawing/2017/decorative" xmlns="" val="1"/>
+                <adec:decorative xmlns:adec="http://schemas.microsoft.com/office/drawing/2017/decorative" val="1"/>
               </a:ext>
             </a:extLst>
           </p:cNvPr>
@@ -13796,7 +15812,7 @@
                 <a16:creationId xmlns:a16="http://schemas.microsoft.com/office/drawing/2014/main" id="{D12DDE76-C203-4047-9998-63900085B5E8}"/>
               </a:ext>
               <a:ext uri="{C183D7F6-B498-43B3-948B-1728B52AA6E4}">
-                <adec:decorative xmlns:adec="http://schemas.microsoft.com/office/drawing/2017/decorative" xmlns="" val="1"/>
+                <adec:decorative xmlns:adec="http://schemas.microsoft.com/office/drawing/2017/decorative" val="1"/>
               </a:ext>
             </a:extLst>
           </p:cNvPr>

--- a/assignments_material/LPS-progress-review-december_2021.pptx
+++ b/assignments_material/LPS-progress-review-december_2021.pptx
@@ -132,13 +132,41 @@
         <inkml:traceFormat>
           <inkml:channel name="X" type="integer" min="-2.14748E9" max="2.14748E9" units="cm"/>
           <inkml:channel name="Y" type="integer" min="-2.14748E9" max="2.14748E9" units="cm"/>
+          <inkml:channel name="F" type="integer" max="32767" units="dev"/>
+        </inkml:traceFormat>
+        <inkml:channelProperties>
+          <inkml:channelProperty channel="X" name="resolution" value="1000" units="1/cm"/>
+          <inkml:channelProperty channel="Y" name="resolution" value="1000" units="1/cm"/>
+          <inkml:channelProperty channel="F" name="resolution" value="0" units="1/dev"/>
+        </inkml:channelProperties>
+      </inkml:inkSource>
+      <inkml:timestamp xml:id="ts0" timeString="2021-12-29T12:04:57.701"/>
+    </inkml:context>
+    <inkml:brush xml:id="br0">
+      <inkml:brushProperty name="width" value="0.05" units="cm"/>
+      <inkml:brushProperty name="height" value="0.05" units="cm"/>
+      <inkml:brushProperty name="color" value="#E71224"/>
+    </inkml:brush>
+  </inkml:definitions>
+  <inkml:trace contextRef="#ctx0" brushRef="#br0">1 1 24575,'870'0'0,"-822"3"-1365,-29 0-5461</inkml:trace>
+</inkml:ink>
+</file>
+
+<file path=ppt/ink/ink10.xml><?xml version="1.0" encoding="utf-8"?>
+<inkml:ink xmlns:inkml="http://www.w3.org/2003/InkML">
+  <inkml:definitions>
+    <inkml:context xml:id="ctx0">
+      <inkml:inkSource xml:id="inkSrc0">
+        <inkml:traceFormat>
+          <inkml:channel name="X" type="integer" min="-2.14748E9" max="2.14748E9" units="cm"/>
+          <inkml:channel name="Y" type="integer" min="-2.14748E9" max="2.14748E9" units="cm"/>
         </inkml:traceFormat>
         <inkml:channelProperties>
           <inkml:channelProperty channel="X" name="resolution" value="1000" units="1/cm"/>
           <inkml:channelProperty channel="Y" name="resolution" value="1000" units="1/cm"/>
         </inkml:channelProperties>
       </inkml:inkSource>
-      <inkml:timestamp xml:id="ts0" timeString="2021-12-29T11:44:20.145"/>
+      <inkml:timestamp xml:id="ts0" timeString="2021-12-29T11:44:24.086"/>
     </inkml:context>
     <inkml:brush xml:id="br0">
       <inkml:brushProperty name="width" value="0.2" units="cm"/>
@@ -147,11 +175,200 @@
       <inkml:brushProperty name="ignorePressure" value="1"/>
     </inkml:brush>
   </inkml:definitions>
-  <inkml:trace contextRef="#ctx0" brushRef="#br0">0 1,'899'0,"-851"0</inkml:trace>
+  <inkml:trace contextRef="#ctx0" brushRef="#br0">0 1,'877'0,"-834"0</inkml:trace>
 </inkml:ink>
 </file>
 
-<file path=ppt/ink/ink10.xml><?xml version="1.0" encoding="utf-8"?>
+<file path=ppt/ink/ink11.xml><?xml version="1.0" encoding="utf-8"?>
+<inkml:ink xmlns:inkml="http://www.w3.org/2003/InkML">
+  <inkml:definitions>
+    <inkml:context xml:id="ctx0">
+      <inkml:inkSource xml:id="inkSrc0">
+        <inkml:traceFormat>
+          <inkml:channel name="X" type="integer" min="-2.14748E9" max="2.14748E9" units="cm"/>
+          <inkml:channel name="Y" type="integer" min="-2.14748E9" max="2.14748E9" units="cm"/>
+        </inkml:traceFormat>
+        <inkml:channelProperties>
+          <inkml:channelProperty channel="X" name="resolution" value="1000" units="1/cm"/>
+          <inkml:channelProperty channel="Y" name="resolution" value="1000" units="1/cm"/>
+        </inkml:channelProperties>
+      </inkml:inkSource>
+      <inkml:timestamp xml:id="ts0" timeString="2021-12-29T11:44:48.131"/>
+    </inkml:context>
+    <inkml:brush xml:id="br0">
+      <inkml:brushProperty name="width" value="0.2" units="cm"/>
+      <inkml:brushProperty name="height" value="0.2" units="cm"/>
+      <inkml:brushProperty name="color" value="#E71224"/>
+      <inkml:brushProperty name="ignorePressure" value="1"/>
+    </inkml:brush>
+  </inkml:definitions>
+  <inkml:trace contextRef="#ctx0" brushRef="#br0">1 1,'2918'0,"-2869"0</inkml:trace>
+</inkml:ink>
+</file>
+
+<file path=ppt/ink/ink12.xml><?xml version="1.0" encoding="utf-8"?>
+<inkml:ink xmlns:inkml="http://www.w3.org/2003/InkML">
+  <inkml:definitions>
+    <inkml:context xml:id="ctx0">
+      <inkml:inkSource xml:id="inkSrc0">
+        <inkml:traceFormat>
+          <inkml:channel name="X" type="integer" min="-2.14748E9" max="2.14748E9" units="cm"/>
+          <inkml:channel name="Y" type="integer" min="-2.14748E9" max="2.14748E9" units="cm"/>
+        </inkml:traceFormat>
+        <inkml:channelProperties>
+          <inkml:channelProperty channel="X" name="resolution" value="1000" units="1/cm"/>
+          <inkml:channelProperty channel="Y" name="resolution" value="1000" units="1/cm"/>
+        </inkml:channelProperties>
+      </inkml:inkSource>
+      <inkml:timestamp xml:id="ts0" timeString="2021-12-29T11:44:53.643"/>
+    </inkml:context>
+    <inkml:brush xml:id="br0">
+      <inkml:brushProperty name="width" value="0.2" units="cm"/>
+      <inkml:brushProperty name="height" value="0.2" units="cm"/>
+      <inkml:brushProperty name="color" value="#E71224"/>
+      <inkml:brushProperty name="ignorePressure" value="1"/>
+    </inkml:brush>
+  </inkml:definitions>
+  <inkml:trace contextRef="#ctx0" brushRef="#br0">1 0,'2176'0,"-2137"0</inkml:trace>
+</inkml:ink>
+</file>
+
+<file path=ppt/ink/ink13.xml><?xml version="1.0" encoding="utf-8"?>
+<inkml:ink xmlns:inkml="http://www.w3.org/2003/InkML">
+  <inkml:definitions>
+    <inkml:context xml:id="ctx0">
+      <inkml:inkSource xml:id="inkSrc0">
+        <inkml:traceFormat>
+          <inkml:channel name="X" type="integer" min="-2.14748E9" max="2.14748E9" units="cm"/>
+          <inkml:channel name="Y" type="integer" min="-2.14748E9" max="2.14748E9" units="cm"/>
+        </inkml:traceFormat>
+        <inkml:channelProperties>
+          <inkml:channelProperty channel="X" name="resolution" value="1000" units="1/cm"/>
+          <inkml:channelProperty channel="Y" name="resolution" value="1000" units="1/cm"/>
+        </inkml:channelProperties>
+      </inkml:inkSource>
+      <inkml:timestamp xml:id="ts0" timeString="2021-12-29T11:44:30.386"/>
+    </inkml:context>
+    <inkml:brush xml:id="br0">
+      <inkml:brushProperty name="width" value="0.2" units="cm"/>
+      <inkml:brushProperty name="height" value="0.2" units="cm"/>
+      <inkml:brushProperty name="color" value="#E71224"/>
+      <inkml:brushProperty name="ignorePressure" value="1"/>
+    </inkml:brush>
+  </inkml:definitions>
+  <inkml:trace contextRef="#ctx0" brushRef="#br0">0 1,'16'0,"4"0,8 0,14 0,8 0,4 0,7 0,-5 0</inkml:trace>
+</inkml:ink>
+</file>
+
+<file path=ppt/ink/ink14.xml><?xml version="1.0" encoding="utf-8"?>
+<inkml:ink xmlns:inkml="http://www.w3.org/2003/InkML">
+  <inkml:definitions>
+    <inkml:context xml:id="ctx0">
+      <inkml:inkSource xml:id="inkSrc0">
+        <inkml:traceFormat>
+          <inkml:channel name="X" type="integer" min="-2.14748E9" max="2.14748E9" units="cm"/>
+          <inkml:channel name="Y" type="integer" min="-2.14748E9" max="2.14748E9" units="cm"/>
+        </inkml:traceFormat>
+        <inkml:channelProperties>
+          <inkml:channelProperty channel="X" name="resolution" value="1000" units="1/cm"/>
+          <inkml:channelProperty channel="Y" name="resolution" value="1000" units="1/cm"/>
+        </inkml:channelProperties>
+      </inkml:inkSource>
+      <inkml:timestamp xml:id="ts0" timeString="2021-12-29T11:45:07.565"/>
+    </inkml:context>
+    <inkml:brush xml:id="br0">
+      <inkml:brushProperty name="width" value="0.2" units="cm"/>
+      <inkml:brushProperty name="height" value="0.2" units="cm"/>
+      <inkml:brushProperty name="color" value="#E71224"/>
+      <inkml:brushProperty name="ignorePressure" value="1"/>
+    </inkml:brush>
+  </inkml:definitions>
+  <inkml:trace contextRef="#ctx0" brushRef="#br0">0 1,'0'3345,"0"-3357</inkml:trace>
+</inkml:ink>
+</file>
+
+<file path=ppt/ink/ink15.xml><?xml version="1.0" encoding="utf-8"?>
+<inkml:ink xmlns:inkml="http://www.w3.org/2003/InkML">
+  <inkml:definitions>
+    <inkml:context xml:id="ctx0">
+      <inkml:inkSource xml:id="inkSrc0">
+        <inkml:traceFormat>
+          <inkml:channel name="X" type="integer" min="-2.14748E9" max="2.14748E9" units="cm"/>
+          <inkml:channel name="Y" type="integer" min="-2.14748E9" max="2.14748E9" units="cm"/>
+        </inkml:traceFormat>
+        <inkml:channelProperties>
+          <inkml:channelProperty channel="X" name="resolution" value="1000" units="1/cm"/>
+          <inkml:channelProperty channel="Y" name="resolution" value="1000" units="1/cm"/>
+        </inkml:channelProperties>
+      </inkml:inkSource>
+      <inkml:timestamp xml:id="ts0" timeString="2021-12-29T11:45:12.904"/>
+    </inkml:context>
+    <inkml:brush xml:id="br0">
+      <inkml:brushProperty name="width" value="0.2" units="cm"/>
+      <inkml:brushProperty name="height" value="0.2" units="cm"/>
+      <inkml:brushProperty name="color" value="#E71224"/>
+      <inkml:brushProperty name="ignorePressure" value="1"/>
+    </inkml:brush>
+  </inkml:definitions>
+  <inkml:trace contextRef="#ctx0" brushRef="#br0">0 1,'0'1395,"0"-1345</inkml:trace>
+</inkml:ink>
+</file>
+
+<file path=ppt/ink/ink16.xml><?xml version="1.0" encoding="utf-8"?>
+<inkml:ink xmlns:inkml="http://www.w3.org/2003/InkML">
+  <inkml:definitions>
+    <inkml:context xml:id="ctx0">
+      <inkml:inkSource xml:id="inkSrc0">
+        <inkml:traceFormat>
+          <inkml:channel name="X" type="integer" min="-2.14748E9" max="2.14748E9" units="cm"/>
+          <inkml:channel name="Y" type="integer" min="-2.14748E9" max="2.14748E9" units="cm"/>
+        </inkml:traceFormat>
+        <inkml:channelProperties>
+          <inkml:channelProperty channel="X" name="resolution" value="1000" units="1/cm"/>
+          <inkml:channelProperty channel="Y" name="resolution" value="1000" units="1/cm"/>
+        </inkml:channelProperties>
+      </inkml:inkSource>
+      <inkml:timestamp xml:id="ts0" timeString="2021-12-29T11:45:44.679"/>
+    </inkml:context>
+    <inkml:brush xml:id="br0">
+      <inkml:brushProperty name="width" value="0.2" units="cm"/>
+      <inkml:brushProperty name="height" value="0.2" units="cm"/>
+      <inkml:brushProperty name="color" value="#E71224"/>
+      <inkml:brushProperty name="ignorePressure" value="1"/>
+    </inkml:brush>
+  </inkml:definitions>
+  <inkml:trace contextRef="#ctx0" brushRef="#br0">0 1,'0'3680,"0"-3699</inkml:trace>
+</inkml:ink>
+</file>
+
+<file path=ppt/ink/ink17.xml><?xml version="1.0" encoding="utf-8"?>
+<inkml:ink xmlns:inkml="http://www.w3.org/2003/InkML">
+  <inkml:definitions>
+    <inkml:context xml:id="ctx0">
+      <inkml:inkSource xml:id="inkSrc0">
+        <inkml:traceFormat>
+          <inkml:channel name="X" type="integer" min="-2.14748E9" max="2.14748E9" units="cm"/>
+          <inkml:channel name="Y" type="integer" min="-2.14748E9" max="2.14748E9" units="cm"/>
+        </inkml:traceFormat>
+        <inkml:channelProperties>
+          <inkml:channelProperty channel="X" name="resolution" value="1000" units="1/cm"/>
+          <inkml:channelProperty channel="Y" name="resolution" value="1000" units="1/cm"/>
+        </inkml:channelProperties>
+      </inkml:inkSource>
+      <inkml:timestamp xml:id="ts0" timeString="2021-12-29T11:45:46.845"/>
+    </inkml:context>
+    <inkml:brush xml:id="br0">
+      <inkml:brushProperty name="width" value="0.2" units="cm"/>
+      <inkml:brushProperty name="height" value="0.2" units="cm"/>
+      <inkml:brushProperty name="color" value="#E71224"/>
+      <inkml:brushProperty name="ignorePressure" value="1"/>
+    </inkml:brush>
+  </inkml:definitions>
+  <inkml:trace contextRef="#ctx0" brushRef="#br0">0 0,'0'2818,"0"-2778</inkml:trace>
+</inkml:ink>
+</file>
+
+<file path=ppt/ink/ink18.xml><?xml version="1.0" encoding="utf-8"?>
 <inkml:ink xmlns:inkml="http://www.w3.org/2003/InkML">
   <inkml:definitions>
     <inkml:context xml:id="ctx0">
@@ -178,7 +395,7 @@
 </inkml:ink>
 </file>
 
-<file path=ppt/ink/ink11.xml><?xml version="1.0" encoding="utf-8"?>
+<file path=ppt/ink/ink19.xml><?xml version="1.0" encoding="utf-8"?>
 <inkml:ink xmlns:inkml="http://www.w3.org/2003/InkML">
   <inkml:definitions>
     <inkml:context xml:id="ctx0">
@@ -205,7 +422,35 @@
 </inkml:ink>
 </file>
 
-<file path=ppt/ink/ink12.xml><?xml version="1.0" encoding="utf-8"?>
+<file path=ppt/ink/ink2.xml><?xml version="1.0" encoding="utf-8"?>
+<inkml:ink xmlns:inkml="http://www.w3.org/2003/InkML">
+  <inkml:definitions>
+    <inkml:context xml:id="ctx0">
+      <inkml:inkSource xml:id="inkSrc0">
+        <inkml:traceFormat>
+          <inkml:channel name="X" type="integer" min="-2.14748E9" max="2.14748E9" units="cm"/>
+          <inkml:channel name="Y" type="integer" min="-2.14748E9" max="2.14748E9" units="cm"/>
+          <inkml:channel name="F" type="integer" max="32767" units="dev"/>
+        </inkml:traceFormat>
+        <inkml:channelProperties>
+          <inkml:channelProperty channel="X" name="resolution" value="1000" units="1/cm"/>
+          <inkml:channelProperty channel="Y" name="resolution" value="1000" units="1/cm"/>
+          <inkml:channelProperty channel="F" name="resolution" value="0" units="1/dev"/>
+        </inkml:channelProperties>
+      </inkml:inkSource>
+      <inkml:timestamp xml:id="ts0" timeString="2021-12-29T12:05:00.004"/>
+    </inkml:context>
+    <inkml:brush xml:id="br0">
+      <inkml:brushProperty name="width" value="0.05" units="cm"/>
+      <inkml:brushProperty name="height" value="0.05" units="cm"/>
+      <inkml:brushProperty name="color" value="#E71224"/>
+    </inkml:brush>
+  </inkml:definitions>
+  <inkml:trace contextRef="#ctx0" brushRef="#br0">104 302 24575,'9'0'0,"0"1"0,0 1 0,-1-1 0,1 1 0,0 1 0,-1-1 0,1 2 0,-1-1 0,12 8 0,8 5 0,32 28 0,-22-16 0,-36-27 0,0 0 0,-1 0 0,1 0 0,-1 1 0,1-1 0,-1 1 0,0-1 0,0 1 0,1-1 0,-1 1 0,1 1 0,-6 1 0,-11-9 0,-48-26 0,-92-39 0,151 69 0,-59-28 0,60 27 0,0 1 0,0-1 0,0 0 0,0 0 0,1 0 0,-1 0 0,1-1 0,-1 1 0,1-1 0,0 1 0,0-1 0,0 0 0,0 0 0,0 0 0,1 0 0,0 0 0,-2-4 0,3 5 0,0 1 0,0-1 0,0 1 0,0-1 0,1 1 0,-1 0 0,0-1 0,1 1 0,-1-1 0,1 1 0,0-1 0,-1 1 0,1 0 0,0 0 0,0-1 0,0 1 0,0 0 0,0 0 0,0 0 0,0 0 0,0 0 0,0 0 0,0 0 0,1 0 0,1-1 0,40-17 0,-34 16 0,30-15 0,0-1 0,-2-2 0,46-34 0,14-8 0,-65 46-1365,-19 9-5461</inkml:trace>
+</inkml:ink>
+</file>
+
+<file path=ppt/ink/ink20.xml><?xml version="1.0" encoding="utf-8"?>
 <inkml:ink xmlns:inkml="http://www.w3.org/2003/InkML">
   <inkml:definitions>
     <inkml:context xml:id="ctx0">
@@ -232,7 +477,7 @@
 </inkml:ink>
 </file>
 
-<file path=ppt/ink/ink13.xml><?xml version="1.0" encoding="utf-8"?>
+<file path=ppt/ink/ink21.xml><?xml version="1.0" encoding="utf-8"?>
 <inkml:ink xmlns:inkml="http://www.w3.org/2003/InkML">
   <inkml:definitions>
     <inkml:context xml:id="ctx0">
@@ -259,33 +504,6 @@
 </inkml:ink>
 </file>
 
-<file path=ppt/ink/ink2.xml><?xml version="1.0" encoding="utf-8"?>
-<inkml:ink xmlns:inkml="http://www.w3.org/2003/InkML">
-  <inkml:definitions>
-    <inkml:context xml:id="ctx0">
-      <inkml:inkSource xml:id="inkSrc0">
-        <inkml:traceFormat>
-          <inkml:channel name="X" type="integer" min="-2.14748E9" max="2.14748E9" units="cm"/>
-          <inkml:channel name="Y" type="integer" min="-2.14748E9" max="2.14748E9" units="cm"/>
-        </inkml:traceFormat>
-        <inkml:channelProperties>
-          <inkml:channelProperty channel="X" name="resolution" value="1000" units="1/cm"/>
-          <inkml:channelProperty channel="Y" name="resolution" value="1000" units="1/cm"/>
-        </inkml:channelProperties>
-      </inkml:inkSource>
-      <inkml:timestamp xml:id="ts0" timeString="2021-12-29T11:44:24.086"/>
-    </inkml:context>
-    <inkml:brush xml:id="br0">
-      <inkml:brushProperty name="width" value="0.2" units="cm"/>
-      <inkml:brushProperty name="height" value="0.2" units="cm"/>
-      <inkml:brushProperty name="color" value="#E71224"/>
-      <inkml:brushProperty name="ignorePressure" value="1"/>
-    </inkml:brush>
-  </inkml:definitions>
-  <inkml:trace contextRef="#ctx0" brushRef="#br0">0 1,'877'0,"-834"0</inkml:trace>
-</inkml:ink>
-</file>
-
 <file path=ppt/ink/ink3.xml><?xml version="1.0" encoding="utf-8"?>
 <inkml:ink xmlns:inkml="http://www.w3.org/2003/InkML">
   <inkml:definitions>
@@ -294,22 +512,23 @@
         <inkml:traceFormat>
           <inkml:channel name="X" type="integer" min="-2.14748E9" max="2.14748E9" units="cm"/>
           <inkml:channel name="Y" type="integer" min="-2.14748E9" max="2.14748E9" units="cm"/>
+          <inkml:channel name="F" type="integer" max="32767" units="dev"/>
         </inkml:traceFormat>
         <inkml:channelProperties>
           <inkml:channelProperty channel="X" name="resolution" value="1000" units="1/cm"/>
           <inkml:channelProperty channel="Y" name="resolution" value="1000" units="1/cm"/>
+          <inkml:channelProperty channel="F" name="resolution" value="0" units="1/dev"/>
         </inkml:channelProperties>
       </inkml:inkSource>
-      <inkml:timestamp xml:id="ts0" timeString="2021-12-29T11:44:48.131"/>
+      <inkml:timestamp xml:id="ts0" timeString="2021-12-29T12:05:19.174"/>
     </inkml:context>
     <inkml:brush xml:id="br0">
-      <inkml:brushProperty name="width" value="0.2" units="cm"/>
-      <inkml:brushProperty name="height" value="0.2" units="cm"/>
+      <inkml:brushProperty name="width" value="0.05" units="cm"/>
+      <inkml:brushProperty name="height" value="0.05" units="cm"/>
       <inkml:brushProperty name="color" value="#E71224"/>
-      <inkml:brushProperty name="ignorePressure" value="1"/>
     </inkml:brush>
   </inkml:definitions>
-  <inkml:trace contextRef="#ctx0" brushRef="#br0">1 1,'2918'0,"-2869"0</inkml:trace>
+  <inkml:trace contextRef="#ctx0" brushRef="#br0">142 1 24575,'0'30'0,"-1"-1"0,-6 35 0,5-52 0,-1-1 0,0 0 0,0 0 0,-1-1 0,-1 1 0,0-1 0,0 0 0,-13 17 0,-59 85-1365,68-98-5461</inkml:trace>
 </inkml:ink>
 </file>
 
@@ -321,22 +540,23 @@
         <inkml:traceFormat>
           <inkml:channel name="X" type="integer" min="-2.14748E9" max="2.14748E9" units="cm"/>
           <inkml:channel name="Y" type="integer" min="-2.14748E9" max="2.14748E9" units="cm"/>
+          <inkml:channel name="F" type="integer" max="32767" units="dev"/>
         </inkml:traceFormat>
         <inkml:channelProperties>
           <inkml:channelProperty channel="X" name="resolution" value="1000" units="1/cm"/>
           <inkml:channelProperty channel="Y" name="resolution" value="1000" units="1/cm"/>
+          <inkml:channelProperty channel="F" name="resolution" value="0" units="1/dev"/>
         </inkml:channelProperties>
       </inkml:inkSource>
-      <inkml:timestamp xml:id="ts0" timeString="2021-12-29T11:44:53.643"/>
+      <inkml:timestamp xml:id="ts0" timeString="2021-12-29T12:05:20.386"/>
     </inkml:context>
     <inkml:brush xml:id="br0">
-      <inkml:brushProperty name="width" value="0.2" units="cm"/>
-      <inkml:brushProperty name="height" value="0.2" units="cm"/>
+      <inkml:brushProperty name="width" value="0.05" units="cm"/>
+      <inkml:brushProperty name="height" value="0.05" units="cm"/>
       <inkml:brushProperty name="color" value="#E71224"/>
-      <inkml:brushProperty name="ignorePressure" value="1"/>
     </inkml:brush>
   </inkml:definitions>
-  <inkml:trace contextRef="#ctx0" brushRef="#br0">1 0,'2176'0,"-2137"0</inkml:trace>
+  <inkml:trace contextRef="#ctx0" brushRef="#br0">0 1 24575,'1'2'0,"0"0"0,0 0 0,1 0 0,-1 0 0,1 0 0,-1 0 0,1-1 0,-1 1 0,1 0 0,0-1 0,0 1 0,0-1 0,0 0 0,0 1 0,0-1 0,0 0 0,4 1 0,0 1 0,20 11 0,2-2 0,39 13 0,-21-9 0,-32-10 0,0 1 0,-1 1 0,0 0 0,0 0 0,0 1 0,-1 1 0,-1 0 0,11 12 0,-12-8-1365,-3-1-5461</inkml:trace>
 </inkml:ink>
 </file>
 
@@ -348,22 +568,23 @@
         <inkml:traceFormat>
           <inkml:channel name="X" type="integer" min="-2.14748E9" max="2.14748E9" units="cm"/>
           <inkml:channel name="Y" type="integer" min="-2.14748E9" max="2.14748E9" units="cm"/>
+          <inkml:channel name="F" type="integer" max="32767" units="dev"/>
         </inkml:traceFormat>
         <inkml:channelProperties>
           <inkml:channelProperty channel="X" name="resolution" value="1000" units="1/cm"/>
           <inkml:channelProperty channel="Y" name="resolution" value="1000" units="1/cm"/>
+          <inkml:channelProperty channel="F" name="resolution" value="0" units="1/dev"/>
         </inkml:channelProperties>
       </inkml:inkSource>
-      <inkml:timestamp xml:id="ts0" timeString="2021-12-29T11:44:30.386"/>
+      <inkml:timestamp xml:id="ts0" timeString="2021-12-29T12:05:22.089"/>
     </inkml:context>
     <inkml:brush xml:id="br0">
-      <inkml:brushProperty name="width" value="0.2" units="cm"/>
-      <inkml:brushProperty name="height" value="0.2" units="cm"/>
+      <inkml:brushProperty name="width" value="0.05" units="cm"/>
+      <inkml:brushProperty name="height" value="0.05" units="cm"/>
       <inkml:brushProperty name="color" value="#E71224"/>
-      <inkml:brushProperty name="ignorePressure" value="1"/>
     </inkml:brush>
   </inkml:definitions>
-  <inkml:trace contextRef="#ctx0" brushRef="#br0">0 1,'16'0,"4"0,8 0,14 0,8 0,4 0,7 0,-5 0</inkml:trace>
+  <inkml:trace contextRef="#ctx0" brushRef="#br0">2 1 24575,'0'51'0,"-1"14"0,2 1 0,19 115 0,2-6 0,-17-115 0,2-10-1365,-1-30-5461</inkml:trace>
 </inkml:ink>
 </file>
 
@@ -375,22 +596,23 @@
         <inkml:traceFormat>
           <inkml:channel name="X" type="integer" min="-2.14748E9" max="2.14748E9" units="cm"/>
           <inkml:channel name="Y" type="integer" min="-2.14748E9" max="2.14748E9" units="cm"/>
+          <inkml:channel name="F" type="integer" max="32767" units="dev"/>
         </inkml:traceFormat>
         <inkml:channelProperties>
           <inkml:channelProperty channel="X" name="resolution" value="1000" units="1/cm"/>
           <inkml:channelProperty channel="Y" name="resolution" value="1000" units="1/cm"/>
+          <inkml:channelProperty channel="F" name="resolution" value="0" units="1/dev"/>
         </inkml:channelProperties>
       </inkml:inkSource>
-      <inkml:timestamp xml:id="ts0" timeString="2021-12-29T11:45:07.565"/>
+      <inkml:timestamp xml:id="ts0" timeString="2021-12-29T12:05:24.510"/>
     </inkml:context>
     <inkml:brush xml:id="br0">
-      <inkml:brushProperty name="width" value="0.2" units="cm"/>
-      <inkml:brushProperty name="height" value="0.2" units="cm"/>
+      <inkml:brushProperty name="width" value="0.05" units="cm"/>
+      <inkml:brushProperty name="height" value="0.05" units="cm"/>
       <inkml:brushProperty name="color" value="#E71224"/>
-      <inkml:brushProperty name="ignorePressure" value="1"/>
     </inkml:brush>
   </inkml:definitions>
-  <inkml:trace contextRef="#ctx0" brushRef="#br0">0 1,'0'3345,"0"-3357</inkml:trace>
+  <inkml:trace contextRef="#ctx0" brushRef="#br0">244 13 24575,'-14'9'0,"0"0"0,1 2 0,0-1 0,1 2 0,0-1 0,1 2 0,-11 15 0,-14 14 0,4-13 0,-10 13 0,39-39 0,1 0 0,-1 1 0,1-1 0,0 1 0,0 0 0,0 0 0,1 0 0,-1 0 0,1 0 0,0 0 0,-1 6 0,44-54 0,0 10 0,-33 28 0,0-1 0,0 0 0,0 0 0,-1-1 0,0 0 0,-1-1 0,0 0 0,0 0 0,9-16 0,-11 13 0,1 0 0,1 1 0,0 0 0,1 0 0,0 0 0,0 1 0,18-16 0,-25 25 0,1 1 0,-1 0 0,0-1 0,0 1 0,0 0 0,1 0 0,-1 0 0,0 0 0,0 0 0,0 0 0,1 0 0,-1 0 0,0 0 0,0 0 0,0 1 0,1-1 0,-1 0 0,0 1 0,0-1 0,0 1 0,0 0 0,0-1 0,0 1 0,0 0 0,0-1 0,0 1 0,0 0 0,0 0 0,1 2 0,24 30 0,64 140 0,-88-167 0,1-1-195,0-1 0,-1 0 0,1 1 0,1-1 0,-1 0 0,7 6 0,0-1-6631</inkml:trace>
 </inkml:ink>
 </file>
 
@@ -402,22 +624,23 @@
         <inkml:traceFormat>
           <inkml:channel name="X" type="integer" min="-2.14748E9" max="2.14748E9" units="cm"/>
           <inkml:channel name="Y" type="integer" min="-2.14748E9" max="2.14748E9" units="cm"/>
+          <inkml:channel name="F" type="integer" max="32767" units="dev"/>
         </inkml:traceFormat>
         <inkml:channelProperties>
           <inkml:channelProperty channel="X" name="resolution" value="1000" units="1/cm"/>
           <inkml:channelProperty channel="Y" name="resolution" value="1000" units="1/cm"/>
+          <inkml:channelProperty channel="F" name="resolution" value="0" units="1/dev"/>
         </inkml:channelProperties>
       </inkml:inkSource>
-      <inkml:timestamp xml:id="ts0" timeString="2021-12-29T11:45:12.904"/>
+      <inkml:timestamp xml:id="ts0" timeString="2021-12-29T12:05:29.238"/>
     </inkml:context>
     <inkml:brush xml:id="br0">
-      <inkml:brushProperty name="width" value="0.2" units="cm"/>
-      <inkml:brushProperty name="height" value="0.2" units="cm"/>
+      <inkml:brushProperty name="width" value="0.05" units="cm"/>
+      <inkml:brushProperty name="height" value="0.05" units="cm"/>
       <inkml:brushProperty name="color" value="#E71224"/>
-      <inkml:brushProperty name="ignorePressure" value="1"/>
     </inkml:brush>
   </inkml:definitions>
-  <inkml:trace contextRef="#ctx0" brushRef="#br0">0 1,'0'1395,"0"-1345</inkml:trace>
+  <inkml:trace contextRef="#ctx0" brushRef="#br0">0 1 24575</inkml:trace>
 </inkml:ink>
 </file>
 
@@ -429,22 +652,23 @@
         <inkml:traceFormat>
           <inkml:channel name="X" type="integer" min="-2.14748E9" max="2.14748E9" units="cm"/>
           <inkml:channel name="Y" type="integer" min="-2.14748E9" max="2.14748E9" units="cm"/>
+          <inkml:channel name="F" type="integer" max="32767" units="dev"/>
         </inkml:traceFormat>
         <inkml:channelProperties>
           <inkml:channelProperty channel="X" name="resolution" value="1000" units="1/cm"/>
           <inkml:channelProperty channel="Y" name="resolution" value="1000" units="1/cm"/>
+          <inkml:channelProperty channel="F" name="resolution" value="0" units="1/dev"/>
         </inkml:channelProperties>
       </inkml:inkSource>
-      <inkml:timestamp xml:id="ts0" timeString="2021-12-29T11:45:44.679"/>
+      <inkml:timestamp xml:id="ts0" timeString="2021-12-29T12:05:31.065"/>
     </inkml:context>
     <inkml:brush xml:id="br0">
-      <inkml:brushProperty name="width" value="0.2" units="cm"/>
-      <inkml:brushProperty name="height" value="0.2" units="cm"/>
+      <inkml:brushProperty name="width" value="0.05" units="cm"/>
+      <inkml:brushProperty name="height" value="0.05" units="cm"/>
       <inkml:brushProperty name="color" value="#E71224"/>
-      <inkml:brushProperty name="ignorePressure" value="1"/>
     </inkml:brush>
   </inkml:definitions>
-  <inkml:trace contextRef="#ctx0" brushRef="#br0">0 1,'0'3680,"0"-3699</inkml:trace>
+  <inkml:trace contextRef="#ctx0" brushRef="#br0">0 0 24575,'0'0'-8191</inkml:trace>
 </inkml:ink>
 </file>
 
@@ -462,7 +686,7 @@
           <inkml:channelProperty channel="Y" name="resolution" value="1000" units="1/cm"/>
         </inkml:channelProperties>
       </inkml:inkSource>
-      <inkml:timestamp xml:id="ts0" timeString="2021-12-29T11:45:46.845"/>
+      <inkml:timestamp xml:id="ts0" timeString="2021-12-29T11:44:20.145"/>
     </inkml:context>
     <inkml:brush xml:id="br0">
       <inkml:brushProperty name="width" value="0.2" units="cm"/>
@@ -471,7 +695,7 @@
       <inkml:brushProperty name="ignorePressure" value="1"/>
     </inkml:brush>
   </inkml:definitions>
-  <inkml:trace contextRef="#ctx0" brushRef="#br0">0 0,'0'2818,"0"-2778</inkml:trace>
+  <inkml:trace contextRef="#ctx0" brushRef="#br0">0 1,'899'0,"-851"0</inkml:trace>
 </inkml:ink>
 </file>
 
@@ -4014,7 +4238,7 @@
           <a:lstStyle/>
           <a:p>
             <a:r>
-              <a:rPr lang="en-US" sz="5400" b="1">
+              <a:rPr lang="en-US" sz="5400" b="1" dirty="0">
                 <a:solidFill>
                   <a:schemeClr val="bg1"/>
                 </a:solidFill>
@@ -4342,7 +4566,7 @@
         </p:nvSpPr>
         <p:spPr>
           <a:xfrm>
-            <a:off x="7267417" y="3632200"/>
+            <a:off x="7757783" y="1791133"/>
             <a:ext cx="3336001" cy="2354863"/>
           </a:xfrm>
         </p:spPr>
@@ -4354,7 +4578,7 @@
           <a:p>
             <a:pPr algn="l"/>
             <a:r>
-              <a:rPr lang="en-US" sz="2000" dirty="0">
+              <a:rPr lang="en-US" dirty="0">
                 <a:solidFill>
                   <a:schemeClr val="bg1"/>
                 </a:solidFill>
@@ -4362,7 +4586,7 @@
               <a:t>Team </a:t>
             </a:r>
             <a:r>
-              <a:rPr lang="en-US" sz="2000" i="1" dirty="0">
+              <a:rPr lang="en-US" i="1" dirty="0">
                 <a:solidFill>
                   <a:schemeClr val="bg1"/>
                 </a:solidFill>
@@ -4373,7 +4597,7 @@
           <a:p>
             <a:pPr algn="l"/>
             <a:r>
-              <a:rPr lang="en-US" sz="2000" b="1" dirty="0">
+              <a:rPr lang="en-US" b="1" dirty="0">
                 <a:solidFill>
                   <a:schemeClr val="bg1"/>
                 </a:solidFill>
@@ -4384,7 +4608,7 @@
           <a:p>
             <a:pPr algn="l"/>
             <a:r>
-              <a:rPr lang="en-US" sz="2000" b="1" dirty="0">
+              <a:rPr lang="en-US" b="1" dirty="0">
                 <a:solidFill>
                   <a:schemeClr val="bg1"/>
                 </a:solidFill>
@@ -5372,6 +5596,273 @@
           </p:txBody>
         </p:sp>
       </p:grpSp>
+      <p:graphicFrame>
+        <p:nvGraphicFramePr>
+          <p:cNvPr id="4" name="Table 4">
+            <a:extLst>
+              <a:ext uri="{FF2B5EF4-FFF2-40B4-BE49-F238E27FC236}">
+                <a16:creationId xmlns:a16="http://schemas.microsoft.com/office/drawing/2014/main" id="{D03915DF-8BE3-47A4-BD98-0F6DA7562E16}"/>
+              </a:ext>
+            </a:extLst>
+          </p:cNvPr>
+          <p:cNvGraphicFramePr>
+            <a:graphicFrameLocks noGrp="1"/>
+          </p:cNvGraphicFramePr>
+          <p:nvPr>
+            <p:extLst>
+              <p:ext uri="{D42A27DB-BD31-4B8C-83A1-F6EECF244321}">
+                <p14:modId xmlns:p14="http://schemas.microsoft.com/office/powerpoint/2010/main" val="2386289494"/>
+              </p:ext>
+            </p:extLst>
+          </p:nvPr>
+        </p:nvGraphicFramePr>
+        <p:xfrm>
+          <a:off x="7155450" y="3753082"/>
+          <a:ext cx="4833902" cy="1854200"/>
+        </p:xfrm>
+        <a:graphic>
+          <a:graphicData uri="http://schemas.openxmlformats.org/drawingml/2006/table">
+            <a:tbl>
+              <a:tblPr firstRow="1" bandRow="1">
+                <a:tableStyleId>{073A0DAA-6AF3-43AB-8588-CEC1D06C72B9}</a:tableStyleId>
+              </a:tblPr>
+              <a:tblGrid>
+                <a:gridCol w="1624656">
+                  <a:extLst>
+                    <a:ext uri="{9D8B030D-6E8A-4147-A177-3AD203B41FA5}">
+                      <a16:colId xmlns:a16="http://schemas.microsoft.com/office/drawing/2014/main" val="653378194"/>
+                    </a:ext>
+                  </a:extLst>
+                </a:gridCol>
+                <a:gridCol w="3209246">
+                  <a:extLst>
+                    <a:ext uri="{9D8B030D-6E8A-4147-A177-3AD203B41FA5}">
+                      <a16:colId xmlns:a16="http://schemas.microsoft.com/office/drawing/2014/main" val="2893011000"/>
+                    </a:ext>
+                  </a:extLst>
+                </a:gridCol>
+              </a:tblGrid>
+              <a:tr h="370840">
+                <a:tc>
+                  <a:txBody>
+                    <a:bodyPr/>
+                    <a:lstStyle/>
+                    <a:p>
+                      <a:pPr algn="ctr"/>
+                      <a:r>
+                        <a:rPr lang="en-US" dirty="0"/>
+                        <a:t> Index</a:t>
+                      </a:r>
+                    </a:p>
+                  </a:txBody>
+                  <a:tcPr/>
+                </a:tc>
+                <a:tc>
+                  <a:txBody>
+                    <a:bodyPr/>
+                    <a:lstStyle/>
+                    <a:p>
+                      <a:pPr algn="ctr"/>
+                      <a:r>
+                        <a:rPr lang="en-US" dirty="0"/>
+                        <a:t>Name</a:t>
+                      </a:r>
+                    </a:p>
+                  </a:txBody>
+                  <a:tcPr/>
+                </a:tc>
+                <a:extLst>
+                  <a:ext uri="{0D108BD9-81ED-4DB2-BD59-A6C34878D82A}">
+                    <a16:rowId xmlns:a16="http://schemas.microsoft.com/office/drawing/2014/main" val="3967244275"/>
+                  </a:ext>
+                </a:extLst>
+              </a:tr>
+              <a:tr h="370840">
+                <a:tc>
+                  <a:txBody>
+                    <a:bodyPr/>
+                    <a:lstStyle/>
+                    <a:p>
+                      <a:r>
+                        <a:rPr lang="en-US" dirty="0"/>
+                        <a:t>190285J</a:t>
+                      </a:r>
+                    </a:p>
+                  </a:txBody>
+                  <a:tcPr/>
+                </a:tc>
+                <a:tc>
+                  <a:txBody>
+                    <a:bodyPr/>
+                    <a:lstStyle/>
+                    <a:p>
+                      <a:r>
+                        <a:rPr lang="en-US" dirty="0"/>
+                        <a:t>Kahawalage A.P.P.</a:t>
+                      </a:r>
+                    </a:p>
+                  </a:txBody>
+                  <a:tcPr/>
+                </a:tc>
+                <a:extLst>
+                  <a:ext uri="{0D108BD9-81ED-4DB2-BD59-A6C34878D82A}">
+                    <a16:rowId xmlns:a16="http://schemas.microsoft.com/office/drawing/2014/main" val="1953095389"/>
+                  </a:ext>
+                </a:extLst>
+              </a:tr>
+              <a:tr h="370840">
+                <a:tc>
+                  <a:txBody>
+                    <a:bodyPr/>
+                    <a:lstStyle/>
+                    <a:p>
+                      <a:r>
+                        <a:rPr lang="en-US" dirty="0"/>
+                        <a:t>190280N</a:t>
+                      </a:r>
+                    </a:p>
+                  </a:txBody>
+                  <a:tcPr/>
+                </a:tc>
+                <a:tc>
+                  <a:txBody>
+                    <a:bodyPr/>
+                    <a:lstStyle/>
+                    <a:p>
+                      <a:r>
+                        <a:rPr lang="en-US" dirty="0" err="1"/>
+                        <a:t>Jegakumaran</a:t>
+                      </a:r>
+                      <a:r>
+                        <a:rPr lang="en-US" dirty="0"/>
+                        <a:t> P.</a:t>
+                      </a:r>
+                    </a:p>
+                  </a:txBody>
+                  <a:tcPr/>
+                </a:tc>
+                <a:extLst>
+                  <a:ext uri="{0D108BD9-81ED-4DB2-BD59-A6C34878D82A}">
+                    <a16:rowId xmlns:a16="http://schemas.microsoft.com/office/drawing/2014/main" val="2374549705"/>
+                  </a:ext>
+                </a:extLst>
+              </a:tr>
+              <a:tr h="370840">
+                <a:tc>
+                  <a:txBody>
+                    <a:bodyPr/>
+                    <a:lstStyle/>
+                    <a:p>
+                      <a:r>
+                        <a:rPr lang="en-US" dirty="0"/>
+                        <a:t>190286M</a:t>
+                      </a:r>
+                    </a:p>
+                  </a:txBody>
+                  <a:tcPr/>
+                </a:tc>
+                <a:tc>
+                  <a:txBody>
+                    <a:bodyPr/>
+                    <a:lstStyle/>
+                    <a:p>
+                      <a:r>
+                        <a:rPr lang="en-US" dirty="0" err="1"/>
+                        <a:t>Kajhanan</a:t>
+                      </a:r>
+                      <a:r>
+                        <a:rPr lang="en-US" dirty="0"/>
+                        <a:t> K.</a:t>
+                      </a:r>
+                    </a:p>
+                  </a:txBody>
+                  <a:tcPr/>
+                </a:tc>
+                <a:extLst>
+                  <a:ext uri="{0D108BD9-81ED-4DB2-BD59-A6C34878D82A}">
+                    <a16:rowId xmlns:a16="http://schemas.microsoft.com/office/drawing/2014/main" val="3672239903"/>
+                  </a:ext>
+                </a:extLst>
+              </a:tr>
+              <a:tr h="370840">
+                <a:tc>
+                  <a:txBody>
+                    <a:bodyPr/>
+                    <a:lstStyle/>
+                    <a:p>
+                      <a:r>
+                        <a:rPr lang="en-US" dirty="0"/>
+                        <a:t>190301H</a:t>
+                      </a:r>
+                    </a:p>
+                  </a:txBody>
+                  <a:tcPr/>
+                </a:tc>
+                <a:tc>
+                  <a:txBody>
+                    <a:bodyPr/>
+                    <a:lstStyle/>
+                    <a:p>
+                      <a:pPr marL="0" marR="0" lvl="0" indent="0" algn="l" defTabSz="914400" rtl="0" eaLnBrk="1" fontAlgn="auto" latinLnBrk="0" hangingPunct="1">
+                        <a:lnSpc>
+                          <a:spcPct val="100000"/>
+                        </a:lnSpc>
+                        <a:spcBef>
+                          <a:spcPts val="0"/>
+                        </a:spcBef>
+                        <a:spcAft>
+                          <a:spcPts val="0"/>
+                        </a:spcAft>
+                        <a:buClrTx/>
+                        <a:buSzTx/>
+                        <a:buFontTx/>
+                        <a:buNone/>
+                        <a:tabLst/>
+                        <a:defRPr/>
+                      </a:pPr>
+                      <a:r>
+                        <a:rPr lang="en-US" dirty="0"/>
+                        <a:t> </a:t>
+                      </a:r>
+                      <a:r>
+                        <a:rPr lang="en-US" sz="1800" kern="1200" dirty="0" err="1">
+                          <a:solidFill>
+                            <a:schemeClr val="dk1"/>
+                          </a:solidFill>
+                          <a:effectLst/>
+                          <a:latin typeface="+mn-lt"/>
+                          <a:ea typeface="+mn-ea"/>
+                          <a:cs typeface="+mn-cs"/>
+                        </a:rPr>
+                        <a:t>Karunanayaka</a:t>
+                      </a:r>
+                      <a:r>
+                        <a:rPr lang="en-US" sz="1800" kern="1200" dirty="0">
+                          <a:solidFill>
+                            <a:schemeClr val="dk1"/>
+                          </a:solidFill>
+                          <a:effectLst/>
+                          <a:latin typeface="+mn-lt"/>
+                          <a:ea typeface="+mn-ea"/>
+                          <a:cs typeface="+mn-cs"/>
+                        </a:rPr>
+                        <a:t> Y.S.</a:t>
+                      </a:r>
+                      <a:endParaRPr lang="en-US" dirty="0"/>
+                    </a:p>
+                  </a:txBody>
+                  <a:tcPr/>
+                </a:tc>
+                <a:extLst>
+                  <a:ext uri="{0D108BD9-81ED-4DB2-BD59-A6C34878D82A}">
+                    <a16:rowId xmlns:a16="http://schemas.microsoft.com/office/drawing/2014/main" val="511050898"/>
+                  </a:ext>
+                </a:extLst>
+              </a:tr>
+            </a:tbl>
+          </a:graphicData>
+        </a:graphic>
+      </p:graphicFrame>
     </p:spTree>
     <p:extLst>
       <p:ext uri="{BB962C8B-B14F-4D97-AF65-F5344CB8AC3E}">
@@ -8097,8 +8588,8 @@
             </a:prstGeom>
           </p:spPr>
         </p:pic>
-        <mc:AlternateContent xmlns:mc="http://schemas.openxmlformats.org/markup-compatibility/2006">
-          <mc:Choice xmlns:p14="http://schemas.microsoft.com/office/powerpoint/2010/main" Requires="p14">
+        <mc:AlternateContent xmlns:mc="http://schemas.openxmlformats.org/markup-compatibility/2006" xmlns:p14="http://schemas.microsoft.com/office/powerpoint/2010/main">
+          <mc:Choice Requires="p14">
             <p:contentPart p14:bwMode="auto" r:id="rId3">
               <p14:nvContentPartPr>
                 <p14:cNvPr id="8" name="Ink 7">
@@ -8117,7 +8608,7 @@
               </p14:xfrm>
             </p:contentPart>
           </mc:Choice>
-          <mc:Fallback>
+          <mc:Fallback xmlns="">
             <p:pic>
               <p:nvPicPr>
                 <p:cNvPr id="8" name="Ink 7">
@@ -8148,8 +8639,8 @@
             </p:pic>
           </mc:Fallback>
         </mc:AlternateContent>
-        <mc:AlternateContent xmlns:mc="http://schemas.openxmlformats.org/markup-compatibility/2006">
-          <mc:Choice xmlns:p14="http://schemas.microsoft.com/office/powerpoint/2010/main" Requires="p14">
+        <mc:AlternateContent xmlns:mc="http://schemas.openxmlformats.org/markup-compatibility/2006" xmlns:p14="http://schemas.microsoft.com/office/powerpoint/2010/main">
+          <mc:Choice Requires="p14">
             <p:contentPart p14:bwMode="auto" r:id="rId5">
               <p14:nvContentPartPr>
                 <p14:cNvPr id="22" name="Ink 21">
@@ -8168,7 +8659,7 @@
               </p14:xfrm>
             </p:contentPart>
           </mc:Choice>
-          <mc:Fallback>
+          <mc:Fallback xmlns="">
             <p:pic>
               <p:nvPicPr>
                 <p:cNvPr id="22" name="Ink 21">
@@ -8199,8 +8690,8 @@
             </p:pic>
           </mc:Fallback>
         </mc:AlternateContent>
-        <mc:AlternateContent xmlns:mc="http://schemas.openxmlformats.org/markup-compatibility/2006">
-          <mc:Choice xmlns:p14="http://schemas.microsoft.com/office/powerpoint/2010/main" Requires="p14">
+        <mc:AlternateContent xmlns:mc="http://schemas.openxmlformats.org/markup-compatibility/2006" xmlns:p14="http://schemas.microsoft.com/office/powerpoint/2010/main">
+          <mc:Choice Requires="p14">
             <p:contentPart p14:bwMode="auto" r:id="rId7">
               <p14:nvContentPartPr>
                 <p14:cNvPr id="29" name="Ink 28">
@@ -8219,7 +8710,7 @@
               </p14:xfrm>
             </p:contentPart>
           </mc:Choice>
-          <mc:Fallback>
+          <mc:Fallback xmlns="">
             <p:pic>
               <p:nvPicPr>
                 <p:cNvPr id="29" name="Ink 28">
@@ -8250,8 +8741,8 @@
             </p:pic>
           </mc:Fallback>
         </mc:AlternateContent>
-        <mc:AlternateContent xmlns:mc="http://schemas.openxmlformats.org/markup-compatibility/2006">
-          <mc:Choice xmlns:p14="http://schemas.microsoft.com/office/powerpoint/2010/main" Requires="p14">
+        <mc:AlternateContent xmlns:mc="http://schemas.openxmlformats.org/markup-compatibility/2006" xmlns:p14="http://schemas.microsoft.com/office/powerpoint/2010/main">
+          <mc:Choice Requires="p14">
             <p:contentPart p14:bwMode="auto" r:id="rId9">
               <p14:nvContentPartPr>
                 <p14:cNvPr id="31" name="Ink 30">
@@ -8270,7 +8761,7 @@
               </p14:xfrm>
             </p:contentPart>
           </mc:Choice>
-          <mc:Fallback>
+          <mc:Fallback xmlns="">
             <p:pic>
               <p:nvPicPr>
                 <p:cNvPr id="31" name="Ink 30">
@@ -8301,8 +8792,8 @@
             </p:pic>
           </mc:Fallback>
         </mc:AlternateContent>
-        <mc:AlternateContent xmlns:mc="http://schemas.openxmlformats.org/markup-compatibility/2006">
-          <mc:Choice xmlns:p14="http://schemas.microsoft.com/office/powerpoint/2010/main" Requires="p14">
+        <mc:AlternateContent xmlns:mc="http://schemas.openxmlformats.org/markup-compatibility/2006" xmlns:p14="http://schemas.microsoft.com/office/powerpoint/2010/main">
+          <mc:Choice Requires="p14">
             <p:contentPart p14:bwMode="auto" r:id="rId11">
               <p14:nvContentPartPr>
                 <p14:cNvPr id="24" name="Ink 23">
@@ -8321,7 +8812,7 @@
               </p14:xfrm>
             </p:contentPart>
           </mc:Choice>
-          <mc:Fallback>
+          <mc:Fallback xmlns="">
             <p:pic>
               <p:nvPicPr>
                 <p:cNvPr id="24" name="Ink 23">
@@ -8352,8 +8843,8 @@
             </p:pic>
           </mc:Fallback>
         </mc:AlternateContent>
-        <mc:AlternateContent xmlns:mc="http://schemas.openxmlformats.org/markup-compatibility/2006">
-          <mc:Choice xmlns:p14="http://schemas.microsoft.com/office/powerpoint/2010/main" Requires="p14">
+        <mc:AlternateContent xmlns:mc="http://schemas.openxmlformats.org/markup-compatibility/2006" xmlns:p14="http://schemas.microsoft.com/office/powerpoint/2010/main">
+          <mc:Choice Requires="p14">
             <p:contentPart p14:bwMode="auto" r:id="rId13">
               <p14:nvContentPartPr>
                 <p14:cNvPr id="35" name="Ink 34">
@@ -8372,7 +8863,7 @@
               </p14:xfrm>
             </p:contentPart>
           </mc:Choice>
-          <mc:Fallback>
+          <mc:Fallback xmlns="">
             <p:pic>
               <p:nvPicPr>
                 <p:cNvPr id="35" name="Ink 34">
@@ -8403,8 +8894,8 @@
             </p:pic>
           </mc:Fallback>
         </mc:AlternateContent>
-        <mc:AlternateContent xmlns:mc="http://schemas.openxmlformats.org/markup-compatibility/2006">
-          <mc:Choice xmlns:p14="http://schemas.microsoft.com/office/powerpoint/2010/main" Requires="p14">
+        <mc:AlternateContent xmlns:mc="http://schemas.openxmlformats.org/markup-compatibility/2006" xmlns:p14="http://schemas.microsoft.com/office/powerpoint/2010/main">
+          <mc:Choice Requires="p14">
             <p:contentPart p14:bwMode="auto" r:id="rId15">
               <p14:nvContentPartPr>
                 <p14:cNvPr id="37" name="Ink 36">
@@ -8423,7 +8914,7 @@
               </p14:xfrm>
             </p:contentPart>
           </mc:Choice>
-          <mc:Fallback>
+          <mc:Fallback xmlns="">
             <p:pic>
               <p:nvPicPr>
                 <p:cNvPr id="37" name="Ink 36">
@@ -8474,8 +8965,8 @@
               <a:chExt cx="360" cy="2354760"/>
             </a:xfrm>
           </p:grpSpPr>
-          <mc:AlternateContent xmlns:mc="http://schemas.openxmlformats.org/markup-compatibility/2006">
-            <mc:Choice xmlns:p14="http://schemas.microsoft.com/office/powerpoint/2010/main" Requires="p14">
+          <mc:AlternateContent xmlns:mc="http://schemas.openxmlformats.org/markup-compatibility/2006" xmlns:p14="http://schemas.microsoft.com/office/powerpoint/2010/main">
+            <mc:Choice Requires="p14">
               <p:contentPart p14:bwMode="auto" r:id="rId17">
                 <p14:nvContentPartPr>
                   <p14:cNvPr id="46" name="Ink 45">
@@ -8494,7 +8985,7 @@
                 </p14:xfrm>
               </p:contentPart>
             </mc:Choice>
-            <mc:Fallback>
+            <mc:Fallback xmlns="">
               <p:pic>
                 <p:nvPicPr>
                   <p:cNvPr id="46" name="Ink 45">
@@ -8525,8 +9016,8 @@
               </p:pic>
             </mc:Fallback>
           </mc:AlternateContent>
-          <mc:AlternateContent xmlns:mc="http://schemas.openxmlformats.org/markup-compatibility/2006">
-            <mc:Choice xmlns:p14="http://schemas.microsoft.com/office/powerpoint/2010/main" Requires="p14">
+          <mc:AlternateContent xmlns:mc="http://schemas.openxmlformats.org/markup-compatibility/2006" xmlns:p14="http://schemas.microsoft.com/office/powerpoint/2010/main">
+            <mc:Choice Requires="p14">
               <p:contentPart p14:bwMode="auto" r:id="rId19">
                 <p14:nvContentPartPr>
                   <p14:cNvPr id="47" name="Ink 46">
@@ -8545,7 +9036,7 @@
                 </p14:xfrm>
               </p:contentPart>
             </mc:Choice>
-            <mc:Fallback>
+            <mc:Fallback xmlns="">
               <p:pic>
                 <p:nvPicPr>
                   <p:cNvPr id="47" name="Ink 46">
@@ -8577,8 +9068,8 @@
             </mc:Fallback>
           </mc:AlternateContent>
         </p:grpSp>
-        <mc:AlternateContent xmlns:mc="http://schemas.openxmlformats.org/markup-compatibility/2006">
-          <mc:Choice xmlns:p14="http://schemas.microsoft.com/office/powerpoint/2010/main" Requires="p14">
+        <mc:AlternateContent xmlns:mc="http://schemas.openxmlformats.org/markup-compatibility/2006" xmlns:p14="http://schemas.microsoft.com/office/powerpoint/2010/main">
+          <mc:Choice Requires="p14">
             <p:contentPart p14:bwMode="auto" r:id="rId21">
               <p14:nvContentPartPr>
                 <p14:cNvPr id="49" name="Ink 48">
@@ -8597,7 +9088,7 @@
               </p14:xfrm>
             </p:contentPart>
           </mc:Choice>
-          <mc:Fallback>
+          <mc:Fallback xmlns="">
             <p:pic>
               <p:nvPicPr>
                 <p:cNvPr id="49" name="Ink 48">
@@ -8628,8 +9119,8 @@
             </p:pic>
           </mc:Fallback>
         </mc:AlternateContent>
-        <mc:AlternateContent xmlns:mc="http://schemas.openxmlformats.org/markup-compatibility/2006">
-          <mc:Choice xmlns:p14="http://schemas.microsoft.com/office/powerpoint/2010/main" Requires="p14">
+        <mc:AlternateContent xmlns:mc="http://schemas.openxmlformats.org/markup-compatibility/2006" xmlns:p14="http://schemas.microsoft.com/office/powerpoint/2010/main">
+          <mc:Choice Requires="p14">
             <p:contentPart p14:bwMode="auto" r:id="rId23">
               <p14:nvContentPartPr>
                 <p14:cNvPr id="51" name="Ink 50">
@@ -8648,7 +9139,7 @@
               </p14:xfrm>
             </p:contentPart>
           </mc:Choice>
-          <mc:Fallback>
+          <mc:Fallback xmlns="">
             <p:pic>
               <p:nvPicPr>
                 <p:cNvPr id="51" name="Ink 50">
@@ -8679,8 +9170,8 @@
             </p:pic>
           </mc:Fallback>
         </mc:AlternateContent>
-        <mc:AlternateContent xmlns:mc="http://schemas.openxmlformats.org/markup-compatibility/2006">
-          <mc:Choice xmlns:p14="http://schemas.microsoft.com/office/powerpoint/2010/main" Requires="p14">
+        <mc:AlternateContent xmlns:mc="http://schemas.openxmlformats.org/markup-compatibility/2006" xmlns:p14="http://schemas.microsoft.com/office/powerpoint/2010/main">
+          <mc:Choice Requires="p14">
             <p:contentPart p14:bwMode="auto" r:id="rId25">
               <p14:nvContentPartPr>
                 <p14:cNvPr id="55" name="Ink 54">
@@ -8699,7 +9190,7 @@
               </p14:xfrm>
             </p:contentPart>
           </mc:Choice>
-          <mc:Fallback>
+          <mc:Fallback xmlns="">
             <p:pic>
               <p:nvPicPr>
                 <p:cNvPr id="55" name="Ink 54">
@@ -8730,8 +9221,8 @@
             </p:pic>
           </mc:Fallback>
         </mc:AlternateContent>
-        <mc:AlternateContent xmlns:mc="http://schemas.openxmlformats.org/markup-compatibility/2006">
-          <mc:Choice xmlns:p14="http://schemas.microsoft.com/office/powerpoint/2010/main" Requires="p14">
+        <mc:AlternateContent xmlns:mc="http://schemas.openxmlformats.org/markup-compatibility/2006" xmlns:p14="http://schemas.microsoft.com/office/powerpoint/2010/main">
+          <mc:Choice Requires="p14">
             <p:contentPart p14:bwMode="auto" r:id="rId27">
               <p14:nvContentPartPr>
                 <p14:cNvPr id="56" name="Ink 55">
@@ -8750,7 +9241,7 @@
               </p14:xfrm>
             </p:contentPart>
           </mc:Choice>
-          <mc:Fallback>
+          <mc:Fallback xmlns="">
             <p:pic>
               <p:nvPicPr>
                 <p:cNvPr id="56" name="Ink 55">
@@ -14652,7 +15143,7 @@
           <a:p>
             <a:r>
               <a:rPr lang="en-US" dirty="0"/>
-              <a:t>(after rectifying).Thus the circuit is not practical.</a:t>
+              <a:t>(after rectifying)</a:t>
             </a:r>
           </a:p>
         </p:txBody>
@@ -15070,7 +15561,7 @@
             <p:ph idx="1"/>
             <p:extLst>
               <p:ext uri="{D42A27DB-BD31-4B8C-83A1-F6EECF244321}">
-                <p14:modId xmlns:p14="http://schemas.microsoft.com/office/powerpoint/2010/main" val="1777419533"/>
+                <p14:modId xmlns:p14="http://schemas.microsoft.com/office/powerpoint/2010/main" val="1154463605"/>
               </p:ext>
             </p:extLst>
           </p:nvPr>
@@ -15230,12 +15721,8 @@
                     <a:lstStyle/>
                     <a:p>
                       <a:r>
-                        <a:rPr lang="en-US"/>
-                        <a:t>Nearly infinite impedance  </a:t>
-                      </a:r>
-                      <a:r>
                         <a:rPr lang="en-US" dirty="0"/>
-                        <a:t>(mega ohm)</a:t>
+                        <a:t>Nearly infinite input impedance  (mega ohm)</a:t>
                       </a:r>
                     </a:p>
                   </a:txBody>
@@ -15498,6 +15985,477 @@
           <a:effectLst/>
         </p:spPr>
       </p:pic>
+      <p:grpSp>
+        <p:nvGrpSpPr>
+          <p:cNvPr id="8" name="Group 7">
+            <a:extLst>
+              <a:ext uri="{FF2B5EF4-FFF2-40B4-BE49-F238E27FC236}">
+                <a16:creationId xmlns:a16="http://schemas.microsoft.com/office/drawing/2014/main" id="{0BC1AFB2-F09D-4FB6-BCCD-B387F0D5FE23}"/>
+              </a:ext>
+            </a:extLst>
+          </p:cNvPr>
+          <p:cNvGrpSpPr/>
+          <p:nvPr/>
+        </p:nvGrpSpPr>
+        <p:grpSpPr>
+          <a:xfrm>
+            <a:off x="10081880" y="3208480"/>
+            <a:ext cx="360000" cy="158760"/>
+            <a:chOff x="10081880" y="3208480"/>
+            <a:chExt cx="360000" cy="158760"/>
+          </a:xfrm>
+        </p:grpSpPr>
+        <mc:AlternateContent xmlns:mc="http://schemas.openxmlformats.org/markup-compatibility/2006">
+          <mc:Choice xmlns:p14="http://schemas.microsoft.com/office/powerpoint/2010/main" Requires="p14">
+            <p:contentPart p14:bwMode="auto" r:id="rId3">
+              <p14:nvContentPartPr>
+                <p14:cNvPr id="4" name="Ink 3">
+                  <a:extLst>
+                    <a:ext uri="{FF2B5EF4-FFF2-40B4-BE49-F238E27FC236}">
+                      <a16:creationId xmlns:a16="http://schemas.microsoft.com/office/drawing/2014/main" id="{DE9B2BA9-4038-4F4B-8BC2-9217C607941F}"/>
+                    </a:ext>
+                  </a:extLst>
+                </p14:cNvPr>
+                <p14:cNvContentPartPr/>
+                <p14:nvPr/>
+              </p14:nvContentPartPr>
+              <p14:xfrm>
+                <a:off x="10103840" y="3316840"/>
+                <a:ext cx="338040" cy="2520"/>
+              </p14:xfrm>
+            </p:contentPart>
+          </mc:Choice>
+          <mc:Fallback>
+            <p:pic>
+              <p:nvPicPr>
+                <p:cNvPr id="4" name="Ink 3">
+                  <a:extLst>
+                    <a:ext uri="{FF2B5EF4-FFF2-40B4-BE49-F238E27FC236}">
+                      <a16:creationId xmlns:a16="http://schemas.microsoft.com/office/drawing/2014/main" id="{DE9B2BA9-4038-4F4B-8BC2-9217C607941F}"/>
+                    </a:ext>
+                  </a:extLst>
+                </p:cNvPr>
+                <p:cNvPicPr/>
+                <p:nvPr/>
+              </p:nvPicPr>
+              <p:blipFill>
+                <a:blip r:embed="rId4"/>
+                <a:stretch>
+                  <a:fillRect/>
+                </a:stretch>
+              </p:blipFill>
+              <p:spPr>
+                <a:xfrm>
+                  <a:off x="10095200" y="3308200"/>
+                  <a:ext cx="355680" cy="20160"/>
+                </a:xfrm>
+                <a:prstGeom prst="rect">
+                  <a:avLst/>
+                </a:prstGeom>
+              </p:spPr>
+            </p:pic>
+          </mc:Fallback>
+        </mc:AlternateContent>
+        <mc:AlternateContent xmlns:mc="http://schemas.openxmlformats.org/markup-compatibility/2006">
+          <mc:Choice xmlns:p14="http://schemas.microsoft.com/office/powerpoint/2010/main" Requires="p14">
+            <p:contentPart p14:bwMode="auto" r:id="rId5">
+              <p14:nvContentPartPr>
+                <p14:cNvPr id="7" name="Ink 6">
+                  <a:extLst>
+                    <a:ext uri="{FF2B5EF4-FFF2-40B4-BE49-F238E27FC236}">
+                      <a16:creationId xmlns:a16="http://schemas.microsoft.com/office/drawing/2014/main" id="{585BB9F9-3FF9-4843-9706-395783EDB7C6}"/>
+                    </a:ext>
+                  </a:extLst>
+                </p14:cNvPr>
+                <p14:cNvContentPartPr/>
+                <p14:nvPr/>
+              </p14:nvContentPartPr>
+              <p14:xfrm>
+                <a:off x="10081880" y="3208480"/>
+                <a:ext cx="148680" cy="158760"/>
+              </p14:xfrm>
+            </p:contentPart>
+          </mc:Choice>
+          <mc:Fallback>
+            <p:pic>
+              <p:nvPicPr>
+                <p:cNvPr id="7" name="Ink 6">
+                  <a:extLst>
+                    <a:ext uri="{FF2B5EF4-FFF2-40B4-BE49-F238E27FC236}">
+                      <a16:creationId xmlns:a16="http://schemas.microsoft.com/office/drawing/2014/main" id="{585BB9F9-3FF9-4843-9706-395783EDB7C6}"/>
+                    </a:ext>
+                  </a:extLst>
+                </p:cNvPr>
+                <p:cNvPicPr/>
+                <p:nvPr/>
+              </p:nvPicPr>
+              <p:blipFill>
+                <a:blip r:embed="rId6"/>
+                <a:stretch>
+                  <a:fillRect/>
+                </a:stretch>
+              </p:blipFill>
+              <p:spPr>
+                <a:xfrm>
+                  <a:off x="10072880" y="3199480"/>
+                  <a:ext cx="166320" cy="176400"/>
+                </a:xfrm>
+                <a:prstGeom prst="rect">
+                  <a:avLst/>
+                </a:prstGeom>
+              </p:spPr>
+            </p:pic>
+          </mc:Fallback>
+        </mc:AlternateContent>
+      </p:grpSp>
+      <p:grpSp>
+        <p:nvGrpSpPr>
+          <p:cNvPr id="12" name="Group 11">
+            <a:extLst>
+              <a:ext uri="{FF2B5EF4-FFF2-40B4-BE49-F238E27FC236}">
+                <a16:creationId xmlns:a16="http://schemas.microsoft.com/office/drawing/2014/main" id="{8811F4D4-A644-4CFF-B8BB-EAB459E21CFD}"/>
+              </a:ext>
+            </a:extLst>
+          </p:cNvPr>
+          <p:cNvGrpSpPr/>
+          <p:nvPr/>
+        </p:nvGrpSpPr>
+        <p:grpSpPr>
+          <a:xfrm>
+            <a:off x="6989840" y="3835000"/>
+            <a:ext cx="126000" cy="130680"/>
+            <a:chOff x="6989840" y="3835000"/>
+            <a:chExt cx="126000" cy="130680"/>
+          </a:xfrm>
+        </p:grpSpPr>
+        <mc:AlternateContent xmlns:mc="http://schemas.openxmlformats.org/markup-compatibility/2006">
+          <mc:Choice xmlns:p14="http://schemas.microsoft.com/office/powerpoint/2010/main" Requires="p14">
+            <p:contentPart p14:bwMode="auto" r:id="rId7">
+              <p14:nvContentPartPr>
+                <p14:cNvPr id="9" name="Ink 8">
+                  <a:extLst>
+                    <a:ext uri="{FF2B5EF4-FFF2-40B4-BE49-F238E27FC236}">
+                      <a16:creationId xmlns:a16="http://schemas.microsoft.com/office/drawing/2014/main" id="{940086AD-D391-449C-A7D1-0C01E5FBF6D4}"/>
+                    </a:ext>
+                  </a:extLst>
+                </p14:cNvPr>
+                <p14:cNvContentPartPr/>
+                <p14:nvPr/>
+              </p14:nvContentPartPr>
+              <p14:xfrm>
+                <a:off x="7025120" y="3835000"/>
+                <a:ext cx="51480" cy="130680"/>
+              </p14:xfrm>
+            </p:contentPart>
+          </mc:Choice>
+          <mc:Fallback>
+            <p:pic>
+              <p:nvPicPr>
+                <p:cNvPr id="9" name="Ink 8">
+                  <a:extLst>
+                    <a:ext uri="{FF2B5EF4-FFF2-40B4-BE49-F238E27FC236}">
+                      <a16:creationId xmlns:a16="http://schemas.microsoft.com/office/drawing/2014/main" id="{940086AD-D391-449C-A7D1-0C01E5FBF6D4}"/>
+                    </a:ext>
+                  </a:extLst>
+                </p:cNvPr>
+                <p:cNvPicPr/>
+                <p:nvPr/>
+              </p:nvPicPr>
+              <p:blipFill>
+                <a:blip r:embed="rId8"/>
+                <a:stretch>
+                  <a:fillRect/>
+                </a:stretch>
+              </p:blipFill>
+              <p:spPr>
+                <a:xfrm>
+                  <a:off x="7016120" y="3826360"/>
+                  <a:ext cx="69120" cy="148320"/>
+                </a:xfrm>
+                <a:prstGeom prst="rect">
+                  <a:avLst/>
+                </a:prstGeom>
+              </p:spPr>
+            </p:pic>
+          </mc:Fallback>
+        </mc:AlternateContent>
+        <mc:AlternateContent xmlns:mc="http://schemas.openxmlformats.org/markup-compatibility/2006">
+          <mc:Choice xmlns:p14="http://schemas.microsoft.com/office/powerpoint/2010/main" Requires="p14">
+            <p:contentPart p14:bwMode="auto" r:id="rId9">
+              <p14:nvContentPartPr>
+                <p14:cNvPr id="10" name="Ink 9">
+                  <a:extLst>
+                    <a:ext uri="{FF2B5EF4-FFF2-40B4-BE49-F238E27FC236}">
+                      <a16:creationId xmlns:a16="http://schemas.microsoft.com/office/drawing/2014/main" id="{F3D72772-28D3-4069-B957-F14C3E19F88E}"/>
+                    </a:ext>
+                  </a:extLst>
+                </p14:cNvPr>
+                <p14:cNvContentPartPr/>
+                <p14:nvPr/>
+              </p14:nvContentPartPr>
+              <p14:xfrm>
+                <a:off x="6989840" y="3840400"/>
+                <a:ext cx="126000" cy="78120"/>
+              </p14:xfrm>
+            </p:contentPart>
+          </mc:Choice>
+          <mc:Fallback>
+            <p:pic>
+              <p:nvPicPr>
+                <p:cNvPr id="10" name="Ink 9">
+                  <a:extLst>
+                    <a:ext uri="{FF2B5EF4-FFF2-40B4-BE49-F238E27FC236}">
+                      <a16:creationId xmlns:a16="http://schemas.microsoft.com/office/drawing/2014/main" id="{F3D72772-28D3-4069-B957-F14C3E19F88E}"/>
+                    </a:ext>
+                  </a:extLst>
+                </p:cNvPr>
+                <p:cNvPicPr/>
+                <p:nvPr/>
+              </p:nvPicPr>
+              <p:blipFill>
+                <a:blip r:embed="rId10"/>
+                <a:stretch>
+                  <a:fillRect/>
+                </a:stretch>
+              </p:blipFill>
+              <p:spPr>
+                <a:xfrm>
+                  <a:off x="6980840" y="3831760"/>
+                  <a:ext cx="143640" cy="95760"/>
+                </a:xfrm>
+                <a:prstGeom prst="rect">
+                  <a:avLst/>
+                </a:prstGeom>
+              </p:spPr>
+            </p:pic>
+          </mc:Fallback>
+        </mc:AlternateContent>
+      </p:grpSp>
+      <p:grpSp>
+        <p:nvGrpSpPr>
+          <p:cNvPr id="15" name="Group 14">
+            <a:extLst>
+              <a:ext uri="{FF2B5EF4-FFF2-40B4-BE49-F238E27FC236}">
+                <a16:creationId xmlns:a16="http://schemas.microsoft.com/office/drawing/2014/main" id="{C81583B9-E8E6-4F36-AC4B-981EE661C9D9}"/>
+              </a:ext>
+            </a:extLst>
+          </p:cNvPr>
+          <p:cNvGrpSpPr/>
+          <p:nvPr/>
+        </p:nvGrpSpPr>
+        <p:grpSpPr>
+          <a:xfrm>
+            <a:off x="7008920" y="5451400"/>
+            <a:ext cx="158400" cy="260280"/>
+            <a:chOff x="7008920" y="5451400"/>
+            <a:chExt cx="158400" cy="260280"/>
+          </a:xfrm>
+        </p:grpSpPr>
+        <mc:AlternateContent xmlns:mc="http://schemas.openxmlformats.org/markup-compatibility/2006">
+          <mc:Choice xmlns:p14="http://schemas.microsoft.com/office/powerpoint/2010/main" Requires="p14">
+            <p:contentPart p14:bwMode="auto" r:id="rId11">
+              <p14:nvContentPartPr>
+                <p14:cNvPr id="13" name="Ink 12">
+                  <a:extLst>
+                    <a:ext uri="{FF2B5EF4-FFF2-40B4-BE49-F238E27FC236}">
+                      <a16:creationId xmlns:a16="http://schemas.microsoft.com/office/drawing/2014/main" id="{22B9BF3C-38D5-4F72-9F30-780EF8475135}"/>
+                    </a:ext>
+                  </a:extLst>
+                </p14:cNvPr>
+                <p14:cNvContentPartPr/>
+                <p14:nvPr/>
+              </p14:nvContentPartPr>
+              <p14:xfrm>
+                <a:off x="7080560" y="5470840"/>
+                <a:ext cx="22320" cy="240840"/>
+              </p14:xfrm>
+            </p:contentPart>
+          </mc:Choice>
+          <mc:Fallback>
+            <p:pic>
+              <p:nvPicPr>
+                <p:cNvPr id="13" name="Ink 12">
+                  <a:extLst>
+                    <a:ext uri="{FF2B5EF4-FFF2-40B4-BE49-F238E27FC236}">
+                      <a16:creationId xmlns:a16="http://schemas.microsoft.com/office/drawing/2014/main" id="{22B9BF3C-38D5-4F72-9F30-780EF8475135}"/>
+                    </a:ext>
+                  </a:extLst>
+                </p:cNvPr>
+                <p:cNvPicPr/>
+                <p:nvPr/>
+              </p:nvPicPr>
+              <p:blipFill>
+                <a:blip r:embed="rId12"/>
+                <a:stretch>
+                  <a:fillRect/>
+                </a:stretch>
+              </p:blipFill>
+              <p:spPr>
+                <a:xfrm>
+                  <a:off x="7071920" y="5462200"/>
+                  <a:ext cx="39960" cy="258480"/>
+                </a:xfrm>
+                <a:prstGeom prst="rect">
+                  <a:avLst/>
+                </a:prstGeom>
+              </p:spPr>
+            </p:pic>
+          </mc:Fallback>
+        </mc:AlternateContent>
+        <mc:AlternateContent xmlns:mc="http://schemas.openxmlformats.org/markup-compatibility/2006">
+          <mc:Choice xmlns:p14="http://schemas.microsoft.com/office/powerpoint/2010/main" Requires="p14">
+            <p:contentPart p14:bwMode="auto" r:id="rId13">
+              <p14:nvContentPartPr>
+                <p14:cNvPr id="14" name="Ink 13">
+                  <a:extLst>
+                    <a:ext uri="{FF2B5EF4-FFF2-40B4-BE49-F238E27FC236}">
+                      <a16:creationId xmlns:a16="http://schemas.microsoft.com/office/drawing/2014/main" id="{06E98F01-A776-44CA-97E4-9545B5654065}"/>
+                    </a:ext>
+                  </a:extLst>
+                </p14:cNvPr>
+                <p14:cNvContentPartPr/>
+                <p14:nvPr/>
+              </p14:nvContentPartPr>
+              <p14:xfrm>
+                <a:off x="7008920" y="5451400"/>
+                <a:ext cx="158400" cy="100800"/>
+              </p14:xfrm>
+            </p:contentPart>
+          </mc:Choice>
+          <mc:Fallback>
+            <p:pic>
+              <p:nvPicPr>
+                <p:cNvPr id="14" name="Ink 13">
+                  <a:extLst>
+                    <a:ext uri="{FF2B5EF4-FFF2-40B4-BE49-F238E27FC236}">
+                      <a16:creationId xmlns:a16="http://schemas.microsoft.com/office/drawing/2014/main" id="{06E98F01-A776-44CA-97E4-9545B5654065}"/>
+                    </a:ext>
+                  </a:extLst>
+                </p:cNvPr>
+                <p:cNvPicPr/>
+                <p:nvPr/>
+              </p:nvPicPr>
+              <p:blipFill>
+                <a:blip r:embed="rId14"/>
+                <a:stretch>
+                  <a:fillRect/>
+                </a:stretch>
+              </p:blipFill>
+              <p:spPr>
+                <a:xfrm>
+                  <a:off x="6999920" y="5442760"/>
+                  <a:ext cx="176040" cy="118440"/>
+                </a:xfrm>
+                <a:prstGeom prst="rect">
+                  <a:avLst/>
+                </a:prstGeom>
+              </p:spPr>
+            </p:pic>
+          </mc:Fallback>
+        </mc:AlternateContent>
+      </p:grpSp>
+      <mc:AlternateContent xmlns:mc="http://schemas.openxmlformats.org/markup-compatibility/2006">
+        <mc:Choice xmlns:p14="http://schemas.microsoft.com/office/powerpoint/2010/main" Requires="p14">
+          <p:contentPart p14:bwMode="auto" r:id="rId15">
+            <p14:nvContentPartPr>
+              <p14:cNvPr id="16" name="Ink 15">
+                <a:extLst>
+                  <a:ext uri="{FF2B5EF4-FFF2-40B4-BE49-F238E27FC236}">
+                    <a16:creationId xmlns:a16="http://schemas.microsoft.com/office/drawing/2014/main" id="{D0772819-F6BF-441A-B4CD-D75F401952AE}"/>
+                  </a:ext>
+                </a:extLst>
+              </p14:cNvPr>
+              <p14:cNvContentPartPr/>
+              <p14:nvPr/>
+            </p14:nvContentPartPr>
+            <p14:xfrm>
+              <a:off x="5237360" y="2575360"/>
+              <a:ext cx="360" cy="360"/>
+            </p14:xfrm>
+          </p:contentPart>
+        </mc:Choice>
+        <mc:Fallback>
+          <p:pic>
+            <p:nvPicPr>
+              <p:cNvPr id="16" name="Ink 15">
+                <a:extLst>
+                  <a:ext uri="{FF2B5EF4-FFF2-40B4-BE49-F238E27FC236}">
+                    <a16:creationId xmlns:a16="http://schemas.microsoft.com/office/drawing/2014/main" id="{D0772819-F6BF-441A-B4CD-D75F401952AE}"/>
+                  </a:ext>
+                </a:extLst>
+              </p:cNvPr>
+              <p:cNvPicPr/>
+              <p:nvPr/>
+            </p:nvPicPr>
+            <p:blipFill>
+              <a:blip r:embed="rId16"/>
+              <a:stretch>
+                <a:fillRect/>
+              </a:stretch>
+            </p:blipFill>
+            <p:spPr>
+              <a:xfrm>
+                <a:off x="5228360" y="2566720"/>
+                <a:ext cx="18000" cy="18000"/>
+              </a:xfrm>
+              <a:prstGeom prst="rect">
+                <a:avLst/>
+              </a:prstGeom>
+            </p:spPr>
+          </p:pic>
+        </mc:Fallback>
+      </mc:AlternateContent>
+      <mc:AlternateContent xmlns:mc="http://schemas.openxmlformats.org/markup-compatibility/2006">
+        <mc:Choice xmlns:p14="http://schemas.microsoft.com/office/powerpoint/2010/main" Requires="p14">
+          <p:contentPart p14:bwMode="auto" r:id="rId17">
+            <p14:nvContentPartPr>
+              <p14:cNvPr id="17" name="Ink 16">
+                <a:extLst>
+                  <a:ext uri="{FF2B5EF4-FFF2-40B4-BE49-F238E27FC236}">
+                    <a16:creationId xmlns:a16="http://schemas.microsoft.com/office/drawing/2014/main" id="{398309B7-6A66-46ED-A572-E11241D7BABC}"/>
+                  </a:ext>
+                </a:extLst>
+              </p14:cNvPr>
+              <p14:cNvContentPartPr/>
+              <p14:nvPr/>
+            </p14:nvContentPartPr>
+            <p14:xfrm>
+              <a:off x="5323760" y="3164680"/>
+              <a:ext cx="360" cy="360"/>
+            </p14:xfrm>
+          </p:contentPart>
+        </mc:Choice>
+        <mc:Fallback>
+          <p:pic>
+            <p:nvPicPr>
+              <p:cNvPr id="17" name="Ink 16">
+                <a:extLst>
+                  <a:ext uri="{FF2B5EF4-FFF2-40B4-BE49-F238E27FC236}">
+                    <a16:creationId xmlns:a16="http://schemas.microsoft.com/office/drawing/2014/main" id="{398309B7-6A66-46ED-A572-E11241D7BABC}"/>
+                  </a:ext>
+                </a:extLst>
+              </p:cNvPr>
+              <p:cNvPicPr/>
+              <p:nvPr/>
+            </p:nvPicPr>
+            <p:blipFill>
+              <a:blip r:embed="rId16"/>
+              <a:stretch>
+                <a:fillRect/>
+              </a:stretch>
+            </p:blipFill>
+            <p:spPr>
+              <a:xfrm>
+                <a:off x="5314760" y="3155680"/>
+                <a:ext cx="18000" cy="18000"/>
+              </a:xfrm>
+              <a:prstGeom prst="rect">
+                <a:avLst/>
+              </a:prstGeom>
+            </p:spPr>
+          </p:pic>
+        </mc:Fallback>
+      </mc:AlternateContent>
     </p:spTree>
     <p:extLst>
       <p:ext uri="{BB962C8B-B14F-4D97-AF65-F5344CB8AC3E}">
@@ -15554,21 +16512,29 @@
         </p:nvSpPr>
         <p:spPr>
           <a:xfrm>
-            <a:off x="640080" y="5576887"/>
+            <a:off x="640080" y="5651532"/>
             <a:ext cx="10911840" cy="640081"/>
           </a:xfrm>
         </p:spPr>
         <p:txBody>
           <a:bodyPr vert="horz" lIns="91440" tIns="45720" rIns="91440" bIns="45720" rtlCol="0" anchor="ctr">
-            <a:normAutofit/>
+            <a:normAutofit fontScale="90000"/>
           </a:bodyPr>
           <a:lstStyle/>
           <a:p>
             <a:pPr algn="ctr"/>
             <a:r>
               <a:rPr lang="en-US" sz="3200" dirty="0"/>
-              <a:t>New Solution</a:t>
+              <a:t>New Solution for basic functionality </a:t>
             </a:r>
+            <a:br>
+              <a:rPr lang="en-US" sz="3200" dirty="0"/>
+            </a:br>
+            <a:r>
+              <a:rPr lang="en-US" sz="2700" dirty="0"/>
+              <a:t>(No protection)</a:t>
+            </a:r>
+            <a:endParaRPr lang="en-US" sz="3200" dirty="0"/>
           </a:p>
         </p:txBody>
       </p:sp>
@@ -15628,10 +16594,7 @@
     <p:bg>
       <p:bgPr>
         <a:solidFill>
-          <a:schemeClr val="bg1">
-            <a:tint val="95000"/>
-            <a:satMod val="170000"/>
-          </a:schemeClr>
+          <a:schemeClr val="bg1"/>
         </a:solidFill>
         <a:effectLst/>
       </p:bgPr>
@@ -15668,18 +16631,19 @@
         </p:nvSpPr>
         <p:spPr>
           <a:xfrm>
-            <a:off x="804673" y="4385066"/>
-            <a:ext cx="10694902" cy="1317643"/>
+            <a:off x="640080" y="5576887"/>
+            <a:ext cx="10911840" cy="640081"/>
           </a:xfrm>
         </p:spPr>
         <p:txBody>
-          <a:bodyPr vert="horz" lIns="91440" tIns="45720" rIns="91440" bIns="45720" rtlCol="0" anchor="b">
+          <a:bodyPr vert="horz" lIns="91440" tIns="45720" rIns="91440" bIns="45720" rtlCol="0" anchor="ctr">
             <a:normAutofit/>
           </a:bodyPr>
           <a:lstStyle/>
           <a:p>
+            <a:pPr algn="ctr"/>
             <a:r>
-              <a:rPr lang="en-US" sz="5400" dirty="0"/>
+              <a:rPr lang="en-US" sz="3200" dirty="0"/>
               <a:t>Simulation in Proteus</a:t>
             </a:r>
           </a:p>
@@ -15687,10 +16651,10 @@
       </p:sp>
       <p:pic>
         <p:nvPicPr>
-          <p:cNvPr id="6" name="Picture 5">
+          <p:cNvPr id="4" name="Picture 3" descr="Diagram&#10;&#10;Description automatically generated">
             <a:extLst>
               <a:ext uri="{FF2B5EF4-FFF2-40B4-BE49-F238E27FC236}">
-                <a16:creationId xmlns:a16="http://schemas.microsoft.com/office/drawing/2014/main" id="{2588BE5B-DC67-4571-A221-BA6E473CE511}"/>
+                <a16:creationId xmlns:a16="http://schemas.microsoft.com/office/drawing/2014/main" id="{FA906705-E493-4229-9A9C-9A1F6D4F0D98}"/>
               </a:ext>
             </a:extLst>
           </p:cNvPr>
@@ -15701,71 +16665,25 @@
         </p:nvPicPr>
         <p:blipFill rotWithShape="1">
           <a:blip r:embed="rId2"/>
-          <a:srcRect t="3710" b="27048"/>
+          <a:srcRect t="2164" r="1" b="4519"/>
           <a:stretch/>
         </p:blipFill>
         <p:spPr>
           <a:xfrm>
-            <a:off x="20" y="10"/>
-            <a:ext cx="12191980" cy="4242125"/>
+            <a:off x="640080" y="640080"/>
+            <a:ext cx="10911840" cy="4836795"/>
           </a:xfrm>
           <a:prstGeom prst="rect">
             <a:avLst/>
           </a:prstGeom>
-        </p:spPr>
-      </p:pic>
-      <p:cxnSp>
-        <p:nvCxnSpPr>
-          <p:cNvPr id="49" name="Straight Connector 46">
-            <a:extLst>
-              <a:ext uri="{FF2B5EF4-FFF2-40B4-BE49-F238E27FC236}">
-                <a16:creationId xmlns:a16="http://schemas.microsoft.com/office/drawing/2014/main" id="{C800968E-0A99-46C4-A9B2-6A63AC66F4B0}"/>
-              </a:ext>
-              <a:ext uri="{C183D7F6-B498-43B3-948B-1728B52AA6E4}">
-                <adec:decorative xmlns:adec="http://schemas.microsoft.com/office/drawing/2017/decorative" val="1"/>
-              </a:ext>
-            </a:extLst>
-          </p:cNvPr>
-          <p:cNvCxnSpPr>
-            <a:cxnSpLocks noGrp="1" noRot="1" noChangeAspect="1" noMove="1" noResize="1" noEditPoints="1" noAdjustHandles="1" noChangeArrowheads="1" noChangeShapeType="1"/>
-          </p:cNvCxnSpPr>
-          <p:nvPr>
-            <p:extLst>
-              <p:ext uri="{386F3935-93C4-4BCD-93E2-E3B085C9AB24}">
-                <p16:designElem xmlns:p16="http://schemas.microsoft.com/office/powerpoint/2015/main" val="1"/>
-              </p:ext>
-            </p:extLst>
-          </p:nvPr>
-        </p:nvCxnSpPr>
-        <p:spPr>
-          <a:xfrm>
-            <a:off x="-2" y="4242136"/>
-            <a:ext cx="12192002" cy="0"/>
-          </a:xfrm>
-          <a:prstGeom prst="line">
-            <a:avLst/>
-          </a:prstGeom>
-          <a:ln w="101600">
+          <a:ln w="19050">
             <a:solidFill>
               <a:schemeClr val="tx1"/>
             </a:solidFill>
+            <a:miter lim="800000"/>
           </a:ln>
         </p:spPr>
-        <p:style>
-          <a:lnRef idx="1">
-            <a:schemeClr val="accent1"/>
-          </a:lnRef>
-          <a:fillRef idx="0">
-            <a:schemeClr val="accent1"/>
-          </a:fillRef>
-          <a:effectRef idx="0">
-            <a:schemeClr val="accent1"/>
-          </a:effectRef>
-          <a:fontRef idx="minor">
-            <a:schemeClr val="tx1"/>
-          </a:fontRef>
-        </p:style>
-      </p:cxnSp>
+      </p:pic>
     </p:spTree>
     <p:extLst>
       <p:ext uri="{BB962C8B-B14F-4D97-AF65-F5344CB8AC3E}">
